--- a/models/モデルシートniimura.pptx
+++ b/models/モデルシートniimura.pptx
@@ -17,7 +17,7 @@
     <p:sldId id="268" r:id="rId8"/>
   </p:sldIdLst>
   <p:sldSz cx="13584238" cy="9601200"/>
-  <p:notesSz cx="7099300" cy="10234613"/>
+  <p:notesSz cx="6797675" cy="9872663"/>
   <p:defaultTextStyle>
     <a:defPPr>
       <a:defRPr lang="ja-JP"/>
@@ -27669,11 +27669,11 @@
           <c:showPercent val="0"/>
           <c:showBubbleSize val="0"/>
         </c:dLbls>
-        <c:axId val="106071168"/>
-        <c:axId val="106072704"/>
+        <c:axId val="103132544"/>
+        <c:axId val="103134272"/>
       </c:scatterChart>
       <c:valAx>
-        <c:axId val="106071168"/>
+        <c:axId val="103132544"/>
         <c:scaling>
           <c:orientation val="minMax"/>
         </c:scaling>
@@ -27683,12 +27683,12 @@
         <c:majorTickMark val="out"/>
         <c:minorTickMark val="none"/>
         <c:tickLblPos val="nextTo"/>
-        <c:crossAx val="106072704"/>
+        <c:crossAx val="103134272"/>
         <c:crosses val="autoZero"/>
         <c:crossBetween val="midCat"/>
       </c:valAx>
       <c:valAx>
-        <c:axId val="106072704"/>
+        <c:axId val="103134272"/>
         <c:scaling>
           <c:orientation val="minMax"/>
         </c:scaling>
@@ -27698,7 +27698,7 @@
         <c:majorTickMark val="out"/>
         <c:minorTickMark val="none"/>
         <c:tickLblPos val="nextTo"/>
-        <c:crossAx val="106071168"/>
+        <c:crossAx val="103132544"/>
         <c:crosses val="autoZero"/>
         <c:crossBetween val="midCat"/>
       </c:valAx>
@@ -27921,11 +27921,11 @@
         </c:dLbls>
         <c:marker val="1"/>
         <c:smooth val="0"/>
-        <c:axId val="109094784"/>
-        <c:axId val="109096320"/>
+        <c:axId val="38249472"/>
+        <c:axId val="103136000"/>
       </c:lineChart>
       <c:catAx>
-        <c:axId val="109094784"/>
+        <c:axId val="38249472"/>
         <c:scaling>
           <c:orientation val="minMax"/>
         </c:scaling>
@@ -27934,7 +27934,7 @@
         <c:majorTickMark val="out"/>
         <c:minorTickMark val="none"/>
         <c:tickLblPos val="nextTo"/>
-        <c:crossAx val="109096320"/>
+        <c:crossAx val="103136000"/>
         <c:crosses val="autoZero"/>
         <c:auto val="1"/>
         <c:lblAlgn val="ctr"/>
@@ -27942,7 +27942,7 @@
         <c:noMultiLvlLbl val="0"/>
       </c:catAx>
       <c:valAx>
-        <c:axId val="109096320"/>
+        <c:axId val="103136000"/>
         <c:scaling>
           <c:orientation val="minMax"/>
         </c:scaling>
@@ -27953,7 +27953,7 @@
         <c:majorTickMark val="out"/>
         <c:minorTickMark val="none"/>
         <c:tickLblPos val="nextTo"/>
-        <c:crossAx val="109094784"/>
+        <c:crossAx val="38249472"/>
         <c:crosses val="autoZero"/>
         <c:crossBetween val="between"/>
       </c:valAx>
@@ -28600,14 +28600,14 @@
         <p:spPr>
           <a:xfrm>
             <a:off x="0" y="1"/>
-            <a:ext cx="3077137" cy="511813"/>
+            <a:ext cx="2946400" cy="493713"/>
           </a:xfrm>
           <a:prstGeom prst="rect">
             <a:avLst/>
           </a:prstGeom>
         </p:spPr>
         <p:txBody>
-          <a:bodyPr vert="horz" lIns="95079" tIns="47540" rIns="95079" bIns="47540" rtlCol="0"/>
+          <a:bodyPr vert="horz" lIns="91437" tIns="45719" rIns="91437" bIns="45719" rtlCol="0"/>
           <a:lstStyle>
             <a:lvl1pPr algn="l">
               <a:defRPr sz="1200"/>
@@ -28630,15 +28630,15 @@
         </p:nvSpPr>
         <p:spPr>
           <a:xfrm>
-            <a:off x="4020506" y="1"/>
-            <a:ext cx="3077137" cy="511813"/>
+            <a:off x="3849689" y="1"/>
+            <a:ext cx="2946400" cy="493713"/>
           </a:xfrm>
           <a:prstGeom prst="rect">
             <a:avLst/>
           </a:prstGeom>
         </p:spPr>
         <p:txBody>
-          <a:bodyPr vert="horz" lIns="95079" tIns="47540" rIns="95079" bIns="47540" rtlCol="0"/>
+          <a:bodyPr vert="horz" lIns="91437" tIns="45719" rIns="91437" bIns="45719" rtlCol="0"/>
           <a:lstStyle>
             <a:lvl1pPr algn="r">
               <a:defRPr sz="1200"/>
@@ -28647,7 +28647,7 @@
           <a:p>
             <a:fld id="{813C8227-C5FA-4F90-9691-3E218BF9FA91}" type="datetimeFigureOut">
               <a:rPr kumimoji="1" lang="ja-JP" altLang="en-US" smtClean="0"/>
-              <a:t>2012/9/9</a:t>
+              <a:t>2012/9/10</a:t>
             </a:fld>
             <a:endParaRPr kumimoji="1" lang="ja-JP" altLang="en-US"/>
           </a:p>
@@ -28665,8 +28665,8 @@
         </p:nvSpPr>
         <p:spPr>
           <a:xfrm>
-            <a:off x="833438" y="766763"/>
-            <a:ext cx="5432425" cy="3840162"/>
+            <a:off x="779463" y="739775"/>
+            <a:ext cx="5238750" cy="3703638"/>
           </a:xfrm>
           <a:prstGeom prst="rect">
             <a:avLst/>
@@ -28679,7 +28679,7 @@
           </a:ln>
         </p:spPr>
         <p:txBody>
-          <a:bodyPr vert="horz" lIns="95079" tIns="47540" rIns="95079" bIns="47540" rtlCol="0" anchor="ctr"/>
+          <a:bodyPr vert="horz" lIns="91437" tIns="45719" rIns="91437" bIns="45719" rtlCol="0" anchor="ctr"/>
           <a:lstStyle/>
           <a:p>
             <a:endParaRPr lang="ja-JP" altLang="en-US"/>
@@ -28698,15 +28698,15 @@
         </p:nvSpPr>
         <p:spPr>
           <a:xfrm>
-            <a:off x="709599" y="4861400"/>
-            <a:ext cx="5680103" cy="4606317"/>
+            <a:off x="679451" y="4689476"/>
+            <a:ext cx="5438775" cy="4443413"/>
           </a:xfrm>
           <a:prstGeom prst="rect">
             <a:avLst/>
           </a:prstGeom>
         </p:spPr>
         <p:txBody>
-          <a:bodyPr vert="horz" lIns="95079" tIns="47540" rIns="95079" bIns="47540" rtlCol="0"/>
+          <a:bodyPr vert="horz" lIns="91437" tIns="45719" rIns="91437" bIns="45719" rtlCol="0"/>
           <a:lstStyle/>
           <a:p>
             <a:pPr lvl="0"/>
@@ -28790,15 +28790,15 @@
         </p:nvSpPr>
         <p:spPr>
           <a:xfrm>
-            <a:off x="0" y="9721155"/>
-            <a:ext cx="3077137" cy="511812"/>
+            <a:off x="0" y="9377363"/>
+            <a:ext cx="2946400" cy="493712"/>
           </a:xfrm>
           <a:prstGeom prst="rect">
             <a:avLst/>
           </a:prstGeom>
         </p:spPr>
         <p:txBody>
-          <a:bodyPr vert="horz" lIns="95079" tIns="47540" rIns="95079" bIns="47540" rtlCol="0" anchor="b"/>
+          <a:bodyPr vert="horz" lIns="91437" tIns="45719" rIns="91437" bIns="45719" rtlCol="0" anchor="b"/>
           <a:lstStyle>
             <a:lvl1pPr algn="l">
               <a:defRPr sz="1200"/>
@@ -28821,15 +28821,15 @@
         </p:nvSpPr>
         <p:spPr>
           <a:xfrm>
-            <a:off x="4020506" y="9721155"/>
-            <a:ext cx="3077137" cy="511812"/>
+            <a:off x="3849689" y="9377363"/>
+            <a:ext cx="2946400" cy="493712"/>
           </a:xfrm>
           <a:prstGeom prst="rect">
             <a:avLst/>
           </a:prstGeom>
         </p:spPr>
         <p:txBody>
-          <a:bodyPr vert="horz" lIns="95079" tIns="47540" rIns="95079" bIns="47540" rtlCol="0" anchor="b"/>
+          <a:bodyPr vert="horz" lIns="91437" tIns="45719" rIns="91437" bIns="45719" rtlCol="0" anchor="b"/>
           <a:lstStyle>
             <a:lvl1pPr algn="r">
               <a:defRPr sz="1200"/>
@@ -28976,8 +28976,8 @@
         </p:nvSpPr>
         <p:spPr>
           <a:xfrm>
-            <a:off x="833438" y="766763"/>
-            <a:ext cx="5432425" cy="3840162"/>
+            <a:off x="779463" y="739775"/>
+            <a:ext cx="5238750" cy="3703638"/>
           </a:xfrm>
         </p:spPr>
       </p:sp>
@@ -29319,7 +29319,7 @@
           <a:p>
             <a:fld id="{C474B4CA-5347-4033-9CF6-D10F59E92A5D}" type="datetimeFigureOut">
               <a:rPr kumimoji="1" lang="ja-JP" altLang="en-US" smtClean="0"/>
-              <a:t>2012/9/9</a:t>
+              <a:t>2012/9/10</a:t>
             </a:fld>
             <a:endParaRPr kumimoji="1" lang="ja-JP" altLang="en-US"/>
           </a:p>
@@ -30219,7 +30219,7 @@
           <a:p>
             <a:fld id="{C474B4CA-5347-4033-9CF6-D10F59E92A5D}" type="datetimeFigureOut">
               <a:rPr kumimoji="1" lang="ja-JP" altLang="en-US" smtClean="0"/>
-              <a:t>2012/9/9</a:t>
+              <a:t>2012/9/10</a:t>
             </a:fld>
             <a:endParaRPr kumimoji="1" lang="ja-JP" altLang="en-US"/>
           </a:p>
@@ -30434,7 +30434,7 @@
           <a:p>
             <a:fld id="{C474B4CA-5347-4033-9CF6-D10F59E92A5D}" type="datetimeFigureOut">
               <a:rPr kumimoji="1" lang="ja-JP" altLang="en-US" smtClean="0"/>
-              <a:t>2012/9/9</a:t>
+              <a:t>2012/9/10</a:t>
             </a:fld>
             <a:endParaRPr kumimoji="1" lang="ja-JP" altLang="en-US"/>
           </a:p>
@@ -30644,7 +30644,7 @@
           <a:p>
             <a:fld id="{C474B4CA-5347-4033-9CF6-D10F59E92A5D}" type="datetimeFigureOut">
               <a:rPr kumimoji="1" lang="ja-JP" altLang="en-US" smtClean="0"/>
-              <a:t>2012/9/9</a:t>
+              <a:t>2012/9/10</a:t>
             </a:fld>
             <a:endParaRPr kumimoji="1" lang="ja-JP" altLang="en-US"/>
           </a:p>
@@ -30893,7 +30893,7 @@
           <a:p>
             <a:fld id="{C474B4CA-5347-4033-9CF6-D10F59E92A5D}" type="datetimeFigureOut">
               <a:rPr kumimoji="1" lang="ja-JP" altLang="en-US" smtClean="0"/>
-              <a:t>2012/9/9</a:t>
+              <a:t>2012/9/10</a:t>
             </a:fld>
             <a:endParaRPr kumimoji="1" lang="ja-JP" altLang="en-US"/>
           </a:p>
@@ -31253,7 +31253,7 @@
           <a:p>
             <a:fld id="{C474B4CA-5347-4033-9CF6-D10F59E92A5D}" type="datetimeFigureOut">
               <a:rPr kumimoji="1" lang="ja-JP" altLang="en-US" smtClean="0"/>
-              <a:t>2012/9/9</a:t>
+              <a:t>2012/9/10</a:t>
             </a:fld>
             <a:endParaRPr kumimoji="1" lang="ja-JP" altLang="en-US"/>
           </a:p>
@@ -31747,7 +31747,7 @@
           <a:p>
             <a:fld id="{C474B4CA-5347-4033-9CF6-D10F59E92A5D}" type="datetimeFigureOut">
               <a:rPr kumimoji="1" lang="ja-JP" altLang="en-US" smtClean="0"/>
-              <a:t>2012/9/9</a:t>
+              <a:t>2012/9/10</a:t>
             </a:fld>
             <a:endParaRPr kumimoji="1" lang="ja-JP" altLang="en-US"/>
           </a:p>
@@ -31873,7 +31873,7 @@
           <a:p>
             <a:fld id="{C474B4CA-5347-4033-9CF6-D10F59E92A5D}" type="datetimeFigureOut">
               <a:rPr kumimoji="1" lang="ja-JP" altLang="en-US" smtClean="0"/>
-              <a:t>2012/9/9</a:t>
+              <a:t>2012/9/10</a:t>
             </a:fld>
             <a:endParaRPr kumimoji="1" lang="ja-JP" altLang="en-US"/>
           </a:p>
@@ -31975,7 +31975,7 @@
           <a:p>
             <a:fld id="{C474B4CA-5347-4033-9CF6-D10F59E92A5D}" type="datetimeFigureOut">
               <a:rPr kumimoji="1" lang="ja-JP" altLang="en-US" smtClean="0"/>
-              <a:t>2012/9/9</a:t>
+              <a:t>2012/9/10</a:t>
             </a:fld>
             <a:endParaRPr kumimoji="1" lang="ja-JP" altLang="en-US"/>
           </a:p>
@@ -32287,7 +32287,7 @@
           <a:p>
             <a:fld id="{C474B4CA-5347-4033-9CF6-D10F59E92A5D}" type="datetimeFigureOut">
               <a:rPr kumimoji="1" lang="ja-JP" altLang="en-US" smtClean="0"/>
-              <a:t>2012/9/9</a:t>
+              <a:t>2012/9/10</a:t>
             </a:fld>
             <a:endParaRPr kumimoji="1" lang="ja-JP" altLang="en-US"/>
           </a:p>
@@ -32543,7 +32543,7 @@
           <a:p>
             <a:fld id="{C474B4CA-5347-4033-9CF6-D10F59E92A5D}" type="datetimeFigureOut">
               <a:rPr kumimoji="1" lang="ja-JP" altLang="en-US" smtClean="0"/>
-              <a:t>2012/9/9</a:t>
+              <a:t>2012/9/10</a:t>
             </a:fld>
             <a:endParaRPr kumimoji="1" lang="ja-JP" altLang="en-US"/>
           </a:p>
@@ -32755,7 +32755,7 @@
           <a:p>
             <a:fld id="{C474B4CA-5347-4033-9CF6-D10F59E92A5D}" type="datetimeFigureOut">
               <a:rPr kumimoji="1" lang="ja-JP" altLang="en-US" smtClean="0"/>
-              <a:t>2012/9/9</a:t>
+              <a:t>2012/9/10</a:t>
             </a:fld>
             <a:endParaRPr kumimoji="1" lang="ja-JP" altLang="en-US"/>
           </a:p>
@@ -36082,11 +36082,7 @@
                       </a:r>
                       <a:r>
                         <a:rPr kumimoji="1" lang="ja-JP" altLang="en-US" sz="1100" smtClean="0"/>
-                        <a:t>制御</a:t>
-                      </a:r>
-                      <a:r>
-                        <a:rPr kumimoji="1" lang="ja-JP" altLang="en-US" sz="1100" smtClean="0"/>
-                        <a:t>が走行体の</a:t>
+                        <a:t>制御が走行体の</a:t>
                       </a:r>
                       <a:r>
                         <a:rPr kumimoji="1" lang="ja-JP" altLang="en-US" sz="1100" dirty="0" smtClean="0"/>
@@ -44867,7 +44863,7 @@
         </p:nvSpPr>
         <p:spPr>
           <a:xfrm>
-            <a:off x="667701" y="5408602"/>
+            <a:off x="667701" y="5624626"/>
             <a:ext cx="7544506" cy="400110"/>
           </a:xfrm>
           <a:prstGeom prst="rect">
@@ -44963,7 +44959,7 @@
         </p:nvSpPr>
         <p:spPr>
           <a:xfrm>
-            <a:off x="8213992" y="5408602"/>
+            <a:off x="8213992" y="5624626"/>
             <a:ext cx="5363950" cy="400110"/>
           </a:xfrm>
           <a:prstGeom prst="rect">
@@ -45295,19 +45291,7 @@
             </a:r>
             <a:r>
               <a:rPr lang="ja-JP" altLang="en-US" sz="1200" smtClean="0"/>
-              <a:t>潜む</a:t>
-            </a:r>
-            <a:r>
-              <a:rPr lang="ja-JP" altLang="en-US" sz="1200" smtClean="0"/>
-              <a:t>危険</a:t>
-            </a:r>
-            <a:r>
-              <a:rPr lang="ja-JP" altLang="en-US" sz="1200" smtClean="0"/>
-              <a:t>とその</a:t>
-            </a:r>
-            <a:r>
-              <a:rPr lang="ja-JP" altLang="en-US" sz="1200" smtClean="0"/>
-              <a:t>解決</a:t>
+              <a:t>潜む危険とその解決</a:t>
             </a:r>
             <a:r>
               <a:rPr lang="ja-JP" altLang="en-US" sz="1200" dirty="0" smtClean="0"/>
@@ -45315,11 +45299,7 @@
             </a:r>
             <a:r>
               <a:rPr lang="ja-JP" altLang="en-US" sz="1200" smtClean="0"/>
-              <a:t>を</a:t>
-            </a:r>
-            <a:r>
-              <a:rPr lang="ja-JP" altLang="en-US" sz="1200" smtClean="0"/>
-              <a:t>考え</a:t>
+              <a:t>を考え</a:t>
             </a:r>
             <a:r>
               <a:rPr lang="en-US" altLang="ja-JP" sz="1200" smtClean="0"/>
@@ -45380,288 +45360,137 @@
           <a:lstStyle/>
           <a:p>
             <a:r>
-              <a:rPr lang="ja-JP" altLang="en-US" sz="1100">
+              <a:rPr lang="ja-JP" altLang="en-US" sz="1100" dirty="0">
                 <a:latin typeface="+mn-ea"/>
               </a:rPr>
               <a:t>・</a:t>
             </a:r>
             <a:r>
-              <a:rPr lang="ja-JP" altLang="en-US" sz="1100" u="sng">
+              <a:rPr lang="ja-JP" altLang="en-US" sz="1100" u="sng" dirty="0">
                 <a:latin typeface="+mn-ea"/>
               </a:rPr>
               <a:t>段差進入時の速度不足</a:t>
             </a:r>
-            <a:endParaRPr lang="en-US" altLang="ja-JP" sz="1100" u="sng">
+            <a:endParaRPr lang="en-US" altLang="ja-JP" sz="1100" u="sng" dirty="0">
               <a:latin typeface="+mn-ea"/>
             </a:endParaRPr>
           </a:p>
           <a:p>
             <a:r>
-              <a:rPr lang="ja-JP" altLang="en-US" sz="1050">
+              <a:rPr lang="ja-JP" altLang="en-US" sz="1050" dirty="0">
                 <a:latin typeface="+mn-ea"/>
               </a:rPr>
-              <a:t>段差を上るため</a:t>
-            </a:r>
-            <a:r>
-              <a:rPr lang="ja-JP" altLang="en-US" sz="1050">
-                <a:latin typeface="+mn-ea"/>
-              </a:rPr>
-              <a:t>に</a:t>
-            </a:r>
-            <a:r>
-              <a:rPr lang="ja-JP" altLang="en-US" sz="1050" smtClean="0">
+              <a:t>段差を上るために</a:t>
+            </a:r>
+            <a:r>
+              <a:rPr lang="ja-JP" altLang="en-US" sz="1050" dirty="0" smtClean="0">
                 <a:latin typeface="+mn-ea"/>
               </a:rPr>
               <a:t>は加速により勢いをつける必要</a:t>
             </a:r>
             <a:r>
-              <a:rPr lang="ja-JP" altLang="en-US" sz="1050">
+              <a:rPr lang="ja-JP" altLang="en-US" sz="1050" dirty="0">
                 <a:latin typeface="+mn-ea"/>
               </a:rPr>
               <a:t>が</a:t>
             </a:r>
             <a:r>
-              <a:rPr lang="ja-JP" altLang="en-US" sz="1050" smtClean="0">
+              <a:rPr lang="ja-JP" altLang="en-US" sz="1050" dirty="0" smtClean="0">
                 <a:latin typeface="+mn-ea"/>
               </a:rPr>
               <a:t>ある</a:t>
             </a:r>
             <a:r>
-              <a:rPr lang="en-US" altLang="ja-JP" sz="1050" smtClean="0">
+              <a:rPr lang="en-US" altLang="ja-JP" sz="1050" dirty="0" smtClean="0">
                 <a:latin typeface="+mn-ea"/>
               </a:rPr>
               <a:t>.</a:t>
             </a:r>
             <a:r>
-              <a:rPr lang="ja-JP" altLang="en-US" sz="1050" smtClean="0">
+              <a:rPr lang="ja-JP" altLang="en-US" sz="1050" dirty="0" smtClean="0">
                 <a:latin typeface="+mn-ea"/>
               </a:rPr>
               <a:t>そこ</a:t>
             </a:r>
             <a:r>
-              <a:rPr lang="ja-JP" altLang="en-US" sz="1050">
+              <a:rPr lang="ja-JP" altLang="en-US" sz="1050" dirty="0">
+                <a:latin typeface="+mn-ea"/>
+              </a:rPr>
+              <a:t>で倒立</a:t>
+            </a:r>
+            <a:r>
+              <a:rPr lang="ja-JP" altLang="en-US" sz="1050" dirty="0" smtClean="0">
+                <a:latin typeface="+mn-ea"/>
+              </a:rPr>
+              <a:t>制御</a:t>
+            </a:r>
+            <a:r>
+              <a:rPr lang="en-US" altLang="ja-JP" sz="1050" dirty="0" smtClean="0">
+                <a:latin typeface="+mn-ea"/>
+              </a:rPr>
+              <a:t>API</a:t>
+            </a:r>
+            <a:r>
+              <a:rPr lang="ja-JP" altLang="en-US" sz="1050" dirty="0" smtClean="0">
                 <a:latin typeface="+mn-ea"/>
               </a:rPr>
               <a:t>で</a:t>
             </a:r>
             <a:r>
-              <a:rPr lang="ja-JP" altLang="en-US" sz="1050">
+              <a:rPr lang="ja-JP" altLang="en-US" sz="1050" dirty="0">
                 <a:latin typeface="+mn-ea"/>
               </a:rPr>
-              <a:t>倒立</a:t>
-            </a:r>
-            <a:r>
-              <a:rPr lang="ja-JP" altLang="en-US" sz="1050" smtClean="0">
-                <a:latin typeface="+mn-ea"/>
-              </a:rPr>
-              <a:t>制御</a:t>
-            </a:r>
-            <a:r>
-              <a:rPr lang="en-US" altLang="ja-JP" sz="1050" smtClean="0">
-                <a:latin typeface="+mn-ea"/>
-              </a:rPr>
-              <a:t>API</a:t>
-            </a:r>
-            <a:r>
-              <a:rPr lang="ja-JP" altLang="en-US" sz="1050" smtClean="0">
-                <a:latin typeface="+mn-ea"/>
-              </a:rPr>
-              <a:t>で</a:t>
-            </a:r>
-            <a:r>
-              <a:rPr lang="ja-JP" altLang="en-US" sz="1050">
-                <a:latin typeface="+mn-ea"/>
-              </a:rPr>
-              <a:t>用いるジャイロセンサのオフセット値を</a:t>
-            </a:r>
-            <a:r>
-              <a:rPr lang="ja-JP" altLang="en-US" sz="1050">
-                <a:latin typeface="+mn-ea"/>
-              </a:rPr>
-              <a:t>調節</a:t>
-            </a:r>
-            <a:r>
-              <a:rPr lang="ja-JP" altLang="en-US" sz="1050" smtClean="0">
+              <a:t>用いるジャイロセンサのオフセット値を調節</a:t>
+            </a:r>
+            <a:r>
+              <a:rPr lang="ja-JP" altLang="en-US" sz="1050" dirty="0" smtClean="0">
                 <a:latin typeface="+mn-ea"/>
               </a:rPr>
               <a:t>し</a:t>
             </a:r>
             <a:r>
-              <a:rPr lang="en-US" altLang="ja-JP" sz="1050" smtClean="0">
+              <a:rPr lang="en-US" altLang="ja-JP" sz="1050" dirty="0" smtClean="0">
                 <a:latin typeface="+mn-ea"/>
               </a:rPr>
               <a:t>,</a:t>
             </a:r>
             <a:r>
-              <a:rPr lang="ja-JP" altLang="en-US" sz="1050" smtClean="0">
+              <a:rPr lang="ja-JP" altLang="en-US" sz="1050" dirty="0" smtClean="0">
                 <a:latin typeface="+mn-ea"/>
               </a:rPr>
               <a:t>走行体を強制的に前傾</a:t>
             </a:r>
             <a:r>
-              <a:rPr lang="ja-JP" altLang="en-US" sz="1050">
+              <a:rPr lang="ja-JP" altLang="en-US" sz="1050" dirty="0">
                 <a:latin typeface="+mn-ea"/>
               </a:rPr>
-              <a:t>させることで短距離</a:t>
-            </a:r>
-            <a:r>
-              <a:rPr lang="ja-JP" altLang="en-US" sz="1050">
-                <a:latin typeface="+mn-ea"/>
-              </a:rPr>
-              <a:t>で</a:t>
-            </a:r>
-            <a:r>
-              <a:rPr lang="ja-JP" altLang="en-US" sz="1050" smtClean="0">
+              <a:t>させることで短距離で</a:t>
+            </a:r>
+            <a:r>
+              <a:rPr lang="ja-JP" altLang="en-US" sz="1050" dirty="0" smtClean="0">
                 <a:latin typeface="+mn-ea"/>
               </a:rPr>
               <a:t>の急加速</a:t>
             </a:r>
             <a:r>
-              <a:rPr lang="ja-JP" altLang="en-US" sz="1050">
+              <a:rPr lang="ja-JP" altLang="en-US" sz="1050" dirty="0">
                 <a:latin typeface="+mn-ea"/>
               </a:rPr>
               <a:t>を</a:t>
             </a:r>
             <a:r>
-              <a:rPr lang="ja-JP" altLang="en-US" sz="1050" smtClean="0">
+              <a:rPr lang="ja-JP" altLang="en-US" sz="1050" dirty="0" smtClean="0">
                 <a:latin typeface="+mn-ea"/>
               </a:rPr>
               <a:t>実現</a:t>
             </a:r>
             <a:r>
-              <a:rPr lang="en-US" altLang="ja-JP" sz="1050" smtClean="0">
+              <a:rPr lang="en-US" altLang="ja-JP" sz="1050" dirty="0" smtClean="0">
                 <a:latin typeface="+mn-ea"/>
               </a:rPr>
               <a:t>.</a:t>
             </a:r>
-            <a:endParaRPr lang="ja-JP" altLang="en-US" sz="1050">
-              <a:latin typeface="+mn-ea"/>
-            </a:endParaRPr>
-          </a:p>
-        </p:txBody>
-      </p:sp>
-      <p:sp>
-        <p:nvSpPr>
-          <p:cNvPr id="47" name="角丸四角形吹き出し 46"/>
-          <p:cNvSpPr/>
-          <p:nvPr/>
-        </p:nvSpPr>
-        <p:spPr>
-          <a:xfrm>
-            <a:off x="4487863" y="2155015"/>
-            <a:ext cx="3683415" cy="1061409"/>
-          </a:xfrm>
-          <a:prstGeom prst="wedgeRoundRectCallout">
-            <a:avLst>
-              <a:gd name="adj1" fmla="val -52600"/>
-              <a:gd name="adj2" fmla="val 21877"/>
-              <a:gd name="adj3" fmla="val 16667"/>
-            </a:avLst>
-          </a:prstGeom>
-          <a:ln w="12700"/>
-        </p:spPr>
-        <p:style>
-          <a:lnRef idx="2">
-            <a:schemeClr val="accent6"/>
-          </a:lnRef>
-          <a:fillRef idx="1">
-            <a:schemeClr val="lt1"/>
-          </a:fillRef>
-          <a:effectRef idx="0">
-            <a:schemeClr val="accent6"/>
-          </a:effectRef>
-          <a:fontRef idx="minor">
-            <a:schemeClr val="dk1"/>
-          </a:fontRef>
-        </p:style>
-        <p:txBody>
-          <a:bodyPr lIns="0" tIns="0" rIns="0" bIns="0" rtlCol="0" anchor="ctr"/>
-          <a:lstStyle/>
-          <a:p>
-            <a:r>
-              <a:rPr lang="ja-JP" altLang="en-US" sz="1050">
-                <a:latin typeface="+mn-ea"/>
-              </a:rPr>
-              <a:t>・</a:t>
-            </a:r>
-            <a:r>
-              <a:rPr lang="ja-JP" altLang="en-US" sz="1100" u="sng" smtClean="0">
-                <a:latin typeface="+mn-ea"/>
-              </a:rPr>
-              <a:t>直角部分を曲がりきることが出来ない</a:t>
-            </a:r>
-            <a:endParaRPr lang="en-US" altLang="ja-JP" sz="1100" u="sng" smtClean="0">
-              <a:latin typeface="+mn-ea"/>
-            </a:endParaRPr>
-          </a:p>
-          <a:p>
-            <a:r>
-              <a:rPr lang="ja-JP" altLang="en-US" sz="1100">
-                <a:latin typeface="+mn-ea"/>
-              </a:rPr>
-              <a:t>直角</a:t>
-            </a:r>
-            <a:r>
-              <a:rPr lang="ja-JP" altLang="en-US" sz="1100" smtClean="0">
-                <a:latin typeface="+mn-ea"/>
-              </a:rPr>
-              <a:t>部分では輝度値の変化を検知すると停止して転回する</a:t>
-            </a:r>
-            <a:r>
-              <a:rPr lang="en-US" altLang="ja-JP" sz="1100" smtClean="0">
-                <a:latin typeface="+mn-ea"/>
-              </a:rPr>
-              <a:t>.</a:t>
-            </a:r>
-            <a:r>
-              <a:rPr lang="ja-JP" altLang="en-US" sz="1100" smtClean="0">
-                <a:latin typeface="+mn-ea"/>
-              </a:rPr>
-              <a:t>この時</a:t>
-            </a:r>
-            <a:r>
-              <a:rPr lang="en-US" altLang="ja-JP" sz="1100" smtClean="0">
-                <a:latin typeface="+mn-ea"/>
-              </a:rPr>
-              <a:t>,</a:t>
-            </a:r>
-            <a:r>
-              <a:rPr lang="ja-JP" altLang="en-US" sz="1100" smtClean="0">
-                <a:latin typeface="+mn-ea"/>
-              </a:rPr>
-              <a:t>検知が遅れるとラインから外れた位置で転回するためライントレースを続行出来ない</a:t>
-            </a:r>
-            <a:r>
-              <a:rPr lang="en-US" altLang="ja-JP" sz="1100" smtClean="0">
-                <a:latin typeface="+mn-ea"/>
-              </a:rPr>
-              <a:t>.</a:t>
-            </a:r>
-            <a:r>
-              <a:rPr lang="ja-JP" altLang="en-US" sz="1100" smtClean="0">
-                <a:latin typeface="+mn-ea"/>
-              </a:rPr>
-              <a:t>そこで、輝度値変化が発生した瞬間の傾向を調べ</a:t>
-            </a:r>
-            <a:r>
-              <a:rPr lang="en-US" altLang="ja-JP" sz="1100" smtClean="0">
-                <a:latin typeface="+mn-ea"/>
-              </a:rPr>
-              <a:t>,</a:t>
-            </a:r>
-            <a:r>
-              <a:rPr lang="ja-JP" altLang="en-US" sz="1100" smtClean="0">
-                <a:latin typeface="+mn-ea"/>
-              </a:rPr>
-              <a:t>その傾向が見られた瞬間に停止することでラインを見失わない転回を実現</a:t>
-            </a:r>
-            <a:r>
-              <a:rPr lang="en-US" altLang="ja-JP" sz="1100" smtClean="0">
-                <a:latin typeface="+mn-ea"/>
-              </a:rPr>
-              <a:t>.</a:t>
-            </a:r>
-            <a:endParaRPr lang="ja-JP" altLang="en-US" sz="1100">
+            <a:endParaRPr lang="ja-JP" altLang="en-US" sz="1050" dirty="0">
               <a:latin typeface="+mn-ea"/>
             </a:endParaRPr>
           </a:p>
@@ -45675,8 +45504,8 @@
         </p:nvSpPr>
         <p:spPr>
           <a:xfrm>
-            <a:off x="3047703" y="4368552"/>
-            <a:ext cx="1656184" cy="1000342"/>
+            <a:off x="3119711" y="4368552"/>
+            <a:ext cx="1656184" cy="936104"/>
           </a:xfrm>
           <a:prstGeom prst="wedgeRoundRectCallout">
             <a:avLst>
@@ -45710,70 +45539,70 @@
           <a:lstStyle/>
           <a:p>
             <a:r>
-              <a:rPr lang="ja-JP" altLang="en-US" sz="1100" smtClean="0">
+              <a:rPr lang="ja-JP" altLang="en-US" sz="1100" dirty="0" smtClean="0">
                 <a:latin typeface="+mn-ea"/>
               </a:rPr>
               <a:t>・</a:t>
             </a:r>
             <a:r>
-              <a:rPr lang="ja-JP" altLang="en-US" sz="1100" u="sng" smtClean="0">
+              <a:rPr lang="ja-JP" altLang="en-US" sz="1100" u="sng" dirty="0" smtClean="0">
                 <a:latin typeface="+mn-ea"/>
               </a:rPr>
               <a:t>落下時に走行体が</a:t>
             </a:r>
             <a:r>
-              <a:rPr lang="en-US" altLang="ja-JP" sz="1100" u="sng" smtClean="0">
+              <a:rPr lang="en-US" altLang="ja-JP" sz="1100" u="sng" dirty="0" smtClean="0">
                 <a:latin typeface="+mn-ea"/>
               </a:rPr>
               <a:t/>
             </a:r>
             <a:br>
-              <a:rPr lang="en-US" altLang="ja-JP" sz="1100" u="sng" smtClean="0">
+              <a:rPr lang="en-US" altLang="ja-JP" sz="1100" u="sng" dirty="0" smtClean="0">
                 <a:latin typeface="+mn-ea"/>
               </a:rPr>
             </a:br>
             <a:r>
-              <a:rPr lang="ja-JP" altLang="en-US" sz="1100" u="sng" smtClean="0">
+              <a:rPr lang="ja-JP" altLang="en-US" sz="1100" u="sng" dirty="0" smtClean="0">
                 <a:latin typeface="+mn-ea"/>
               </a:rPr>
               <a:t>ラインから外れている</a:t>
             </a:r>
-            <a:endParaRPr lang="en-US" altLang="ja-JP" sz="1100" u="sng" smtClean="0">
+            <a:endParaRPr lang="en-US" altLang="ja-JP" sz="1100" u="sng" dirty="0" smtClean="0">
               <a:latin typeface="+mn-ea"/>
             </a:endParaRPr>
           </a:p>
           <a:p>
             <a:r>
-              <a:rPr lang="ja-JP" altLang="en-US" sz="1100">
+              <a:rPr lang="ja-JP" altLang="en-US" sz="1050" dirty="0">
                 <a:latin typeface="+mn-ea"/>
               </a:rPr>
               <a:t>ライン</a:t>
             </a:r>
             <a:r>
-              <a:rPr lang="ja-JP" altLang="en-US" sz="1100" smtClean="0">
+              <a:rPr lang="ja-JP" altLang="en-US" sz="1050" dirty="0" smtClean="0">
                 <a:latin typeface="+mn-ea"/>
               </a:rPr>
               <a:t>復帰動作（</a:t>
             </a:r>
             <a:r>
-              <a:rPr lang="en-US" altLang="ja-JP" sz="1100" smtClean="0">
+              <a:rPr lang="en-US" altLang="ja-JP" sz="1050" dirty="0" smtClean="0">
                 <a:latin typeface="+mn-ea"/>
               </a:rPr>
               <a:t>p.5 </a:t>
             </a:r>
             <a:r>
-              <a:rPr lang="ja-JP" altLang="en-US" sz="1100" smtClean="0">
+              <a:rPr lang="ja-JP" altLang="en-US" sz="1050" dirty="0" smtClean="0">
                 <a:latin typeface="+mn-ea"/>
               </a:rPr>
               <a:t>要素技術参照）によってラインへの復帰を実現</a:t>
             </a:r>
             <a:r>
-              <a:rPr lang="en-US" altLang="ja-JP" sz="1100" smtClean="0">
+              <a:rPr lang="en-US" altLang="ja-JP" sz="1050" dirty="0" smtClean="0">
                 <a:latin typeface="+mn-ea"/>
               </a:rPr>
               <a:t>.</a:t>
             </a:r>
-            <a:endParaRPr lang="ja-JP" altLang="en-US" sz="1100">
+            <a:endParaRPr lang="ja-JP" altLang="en-US" sz="1050" dirty="0">
               <a:latin typeface="+mn-ea"/>
             </a:endParaRPr>
           </a:p>
@@ -45866,8 +45695,8 @@
         </p:blipFill>
         <p:spPr bwMode="auto">
           <a:xfrm>
-            <a:off x="10756151" y="3432448"/>
-            <a:ext cx="2814892" cy="1905057"/>
+            <a:off x="10760128" y="3576465"/>
+            <a:ext cx="2872751" cy="1944215"/>
           </a:xfrm>
           <a:prstGeom prst="rect">
             <a:avLst/>
@@ -45930,8 +45759,8 @@
         </p:blipFill>
         <p:spPr bwMode="auto">
           <a:xfrm>
-            <a:off x="4407446" y="7659484"/>
-            <a:ext cx="3795838" cy="1965652"/>
+            <a:off x="4203300" y="7528368"/>
+            <a:ext cx="4049034" cy="2096768"/>
           </a:xfrm>
           <a:prstGeom prst="rect">
             <a:avLst/>
@@ -45979,7 +45808,7 @@
         </p:nvSpPr>
         <p:spPr>
           <a:xfrm>
-            <a:off x="4775895" y="3841225"/>
+            <a:off x="4847903" y="3648472"/>
             <a:ext cx="291328" cy="792088"/>
           </a:xfrm>
           <a:prstGeom prst="rightArrow">
@@ -46034,8 +45863,8 @@
         </p:blipFill>
         <p:spPr bwMode="auto">
           <a:xfrm>
-            <a:off x="10823472" y="7738029"/>
-            <a:ext cx="2756022" cy="1887107"/>
+            <a:off x="10718917" y="7666439"/>
+            <a:ext cx="2860577" cy="1958698"/>
           </a:xfrm>
           <a:prstGeom prst="rect">
             <a:avLst/>
@@ -46098,68 +45927,92 @@
           <a:lstStyle/>
           <a:p>
             <a:r>
-              <a:rPr lang="ja-JP" altLang="en-US" sz="1200" smtClean="0"/>
+              <a:rPr lang="ja-JP" altLang="en-US" sz="1200" dirty="0" smtClean="0"/>
               <a:t>　シーソー</a:t>
             </a:r>
             <a:r>
-              <a:rPr kumimoji="1" lang="ja-JP" altLang="en-US" sz="1200" smtClean="0"/>
-              <a:t>突破</a:t>
-            </a:r>
-            <a:r>
               <a:rPr kumimoji="1" lang="ja-JP" altLang="en-US" sz="1200" dirty="0" smtClean="0"/>
-              <a:t>のため</a:t>
-            </a:r>
-            <a:r>
-              <a:rPr kumimoji="1" lang="ja-JP" altLang="en-US" sz="1200" smtClean="0"/>
-              <a:t>に</a:t>
-            </a:r>
-            <a:r>
-              <a:rPr kumimoji="1" lang="ja-JP" altLang="en-US" sz="1200" smtClean="0"/>
-              <a:t>は階段と同様に段差を</a:t>
-            </a:r>
-            <a:r>
-              <a:rPr kumimoji="1" lang="ja-JP" altLang="en-US" sz="1200" smtClean="0"/>
-              <a:t>乗り越え</a:t>
-            </a:r>
-            <a:r>
-              <a:rPr kumimoji="1" lang="en-US" altLang="ja-JP" sz="1200" smtClean="0"/>
+              <a:t>突破のために</a:t>
+            </a:r>
+            <a:r>
+              <a:rPr kumimoji="1" lang="ja-JP" altLang="en-US" sz="1200" dirty="0" smtClean="0"/>
+              <a:t>は段差</a:t>
+            </a:r>
+            <a:r>
+              <a:rPr kumimoji="1" lang="ja-JP" altLang="en-US" sz="1200" dirty="0" smtClean="0"/>
+              <a:t>を乗り越え</a:t>
+            </a:r>
+            <a:r>
+              <a:rPr kumimoji="1" lang="en-US" altLang="ja-JP" sz="1200" dirty="0" smtClean="0"/>
               <a:t>,</a:t>
             </a:r>
             <a:r>
-              <a:rPr lang="en-US" altLang="ja-JP" sz="1200" smtClean="0"/>
+              <a:rPr lang="ja-JP" altLang="en-US" sz="1200" dirty="0" smtClean="0"/>
+              <a:t>傾斜</a:t>
+            </a:r>
+            <a:r>
+              <a:rPr lang="ja-JP" altLang="en-US" sz="1200" dirty="0" smtClean="0"/>
+              <a:t>を</a:t>
+            </a:r>
+            <a:r>
+              <a:rPr lang="ja-JP" altLang="en-US" sz="1200" dirty="0" smtClean="0"/>
+              <a:t>上り</a:t>
+            </a:r>
+            <a:r>
+              <a:rPr lang="en-US" altLang="ja-JP" sz="1200" dirty="0" smtClean="0"/>
+              <a:t>,</a:t>
+            </a:r>
+            <a:r>
+              <a:rPr lang="ja-JP" altLang="en-US" sz="1200" dirty="0" smtClean="0"/>
+              <a:t>シーソー</a:t>
+            </a:r>
+            <a:r>
+              <a:rPr lang="ja-JP" altLang="en-US" sz="1200" dirty="0" smtClean="0"/>
+              <a:t>の傾きに耐えなければならない</a:t>
+            </a:r>
+            <a:r>
+              <a:rPr lang="en-US" altLang="ja-JP" sz="1200" dirty="0" smtClean="0"/>
               <a:t>.</a:t>
             </a:r>
             <a:r>
-              <a:rPr lang="ja-JP" altLang="en-US" sz="1200" smtClean="0"/>
-              <a:t>傾斜を上りシーソーの傾きに耐えなければならない</a:t>
-            </a:r>
-            <a:r>
-              <a:rPr lang="en-US" altLang="ja-JP" sz="1200" smtClean="0"/>
+              <a:rPr lang="ja-JP" altLang="en-US" sz="1200" dirty="0" smtClean="0"/>
+              <a:t>そこに潜む</a:t>
+            </a:r>
+            <a:r>
+              <a:rPr lang="ja-JP" altLang="en-US" sz="1200" dirty="0" smtClean="0"/>
+              <a:t>危険とその解決策を</a:t>
+            </a:r>
+            <a:r>
+              <a:rPr lang="ja-JP" altLang="en-US" sz="1200" dirty="0" smtClean="0"/>
+              <a:t>考え</a:t>
+            </a:r>
+            <a:r>
+              <a:rPr lang="en-US" altLang="ja-JP" sz="1200" dirty="0" smtClean="0"/>
+              <a:t>,</a:t>
+            </a:r>
+            <a:r>
+              <a:rPr lang="ja-JP" altLang="en-US" sz="1200" dirty="0" smtClean="0"/>
+              <a:t>それら</a:t>
+            </a:r>
+            <a:r>
+              <a:rPr lang="ja-JP" altLang="en-US" sz="1200" dirty="0" smtClean="0"/>
+              <a:t>を踏まえてステートチャート図を作成</a:t>
+            </a:r>
+            <a:r>
+              <a:rPr lang="ja-JP" altLang="en-US" sz="1200" dirty="0" smtClean="0"/>
+              <a:t>した</a:t>
+            </a:r>
+            <a:r>
+              <a:rPr lang="en-US" altLang="ja-JP" sz="1200" dirty="0" smtClean="0"/>
               <a:t>.</a:t>
             </a:r>
             <a:r>
-              <a:rPr lang="ja-JP" altLang="en-US" sz="1200" smtClean="0"/>
-              <a:t>潜む危険</a:t>
-            </a:r>
-            <a:r>
-              <a:rPr lang="ja-JP" altLang="en-US" sz="1200" smtClean="0"/>
-              <a:t>とその</a:t>
-            </a:r>
-            <a:r>
-              <a:rPr lang="ja-JP" altLang="en-US" sz="1200" smtClean="0"/>
-              <a:t>解決</a:t>
-            </a:r>
-            <a:r>
               <a:rPr lang="ja-JP" altLang="en-US" sz="1200" dirty="0" smtClean="0"/>
-              <a:t>策</a:t>
-            </a:r>
-            <a:r>
-              <a:rPr lang="ja-JP" altLang="en-US" sz="1200" smtClean="0"/>
-              <a:t>を</a:t>
-            </a:r>
-            <a:r>
-              <a:rPr lang="ja-JP" altLang="en-US" sz="1200" smtClean="0"/>
-              <a:t>考え、それらを踏まえてステートチャート図を作成した。（ダブルは実現出来ず）</a:t>
+              <a:t>（</a:t>
+            </a:r>
+            <a:r>
+              <a:rPr lang="ja-JP" altLang="en-US" sz="1200" dirty="0" smtClean="0"/>
+              <a:t>ダブルは実現出来ず）</a:t>
             </a:r>
             <a:endParaRPr kumimoji="1" lang="en-US" altLang="ja-JP" sz="1200" dirty="0" smtClean="0"/>
           </a:p>
@@ -46203,8 +46056,8 @@
         </p:nvSpPr>
         <p:spPr>
           <a:xfrm>
-            <a:off x="8249316" y="2260413"/>
-            <a:ext cx="1661948" cy="235931"/>
+            <a:off x="8249315" y="2213417"/>
+            <a:ext cx="2071196" cy="426943"/>
           </a:xfrm>
           <a:prstGeom prst="wedgeRoundRectCallout">
             <a:avLst>
@@ -46238,30 +46091,41 @@
           <a:lstStyle/>
           <a:p>
             <a:r>
-              <a:rPr lang="ja-JP" altLang="en-US" sz="1100">
+              <a:rPr lang="ja-JP" altLang="en-US" sz="1100" dirty="0">
                 <a:latin typeface="+mn-ea"/>
               </a:rPr>
               <a:t>・</a:t>
             </a:r>
             <a:r>
-              <a:rPr lang="ja-JP" altLang="en-US" sz="1100" u="sng">
+              <a:rPr lang="ja-JP" altLang="en-US" sz="1100" u="sng" dirty="0">
                 <a:latin typeface="+mn-ea"/>
               </a:rPr>
-              <a:t>段差進入時の</a:t>
-            </a:r>
-            <a:r>
-              <a:rPr lang="ja-JP" altLang="en-US" sz="1100" u="sng">
-                <a:latin typeface="+mn-ea"/>
-              </a:rPr>
-              <a:t>速度</a:t>
-            </a:r>
-            <a:r>
-              <a:rPr lang="ja-JP" altLang="en-US" sz="1100" u="sng" smtClean="0">
+              <a:t>段差進入時の速度</a:t>
+            </a:r>
+            <a:r>
+              <a:rPr lang="ja-JP" altLang="en-US" sz="1100" u="sng" dirty="0" smtClean="0">
                 <a:latin typeface="+mn-ea"/>
               </a:rPr>
               <a:t>不足</a:t>
             </a:r>
-            <a:endParaRPr lang="en-US" altLang="ja-JP" sz="1100" u="sng" smtClean="0">
+            <a:endParaRPr lang="en-US" altLang="ja-JP" sz="1100" u="sng" dirty="0" smtClean="0">
+              <a:latin typeface="+mn-ea"/>
+            </a:endParaRPr>
+          </a:p>
+          <a:p>
+            <a:r>
+              <a:rPr lang="ja-JP" altLang="en-US" sz="1050" dirty="0" smtClean="0">
+                <a:latin typeface="+mn-ea"/>
+              </a:rPr>
+              <a:t>階段での動作と同様にして実現</a:t>
+            </a:r>
+            <a:r>
+              <a:rPr lang="en-US" altLang="ja-JP" sz="1050" dirty="0" smtClean="0">
+                <a:latin typeface="+mn-ea"/>
+              </a:rPr>
+              <a:t>.</a:t>
+            </a:r>
+            <a:endParaRPr lang="en-US" altLang="ja-JP" sz="1000" dirty="0" smtClean="0">
               <a:latin typeface="+mn-ea"/>
             </a:endParaRPr>
           </a:p>
@@ -46310,47 +46174,47 @@
           <a:lstStyle/>
           <a:p>
             <a:r>
-              <a:rPr lang="ja-JP" altLang="en-US" sz="1050" smtClean="0">
+              <a:rPr lang="ja-JP" altLang="en-US" sz="1050" dirty="0" smtClean="0">
                 <a:latin typeface="+mn-ea"/>
               </a:rPr>
               <a:t>・</a:t>
             </a:r>
             <a:r>
-              <a:rPr lang="ja-JP" altLang="en-US" sz="1100" u="sng" smtClean="0">
+              <a:rPr lang="ja-JP" altLang="en-US" sz="1100" u="sng" dirty="0" smtClean="0">
                 <a:latin typeface="+mn-ea"/>
               </a:rPr>
               <a:t>落下時に走行体が不安定になる</a:t>
             </a:r>
-            <a:endParaRPr lang="en-US" altLang="ja-JP" sz="1100" u="sng" smtClean="0">
+            <a:endParaRPr lang="en-US" altLang="ja-JP" sz="1100" u="sng" dirty="0" smtClean="0">
               <a:latin typeface="+mn-ea"/>
             </a:endParaRPr>
           </a:p>
           <a:p>
             <a:r>
-              <a:rPr lang="ja-JP" altLang="en-US" sz="1050" smtClean="0">
+              <a:rPr lang="ja-JP" altLang="en-US" sz="1050" dirty="0" smtClean="0">
                 <a:latin typeface="+mn-ea"/>
               </a:rPr>
               <a:t>走行体が落下したことをジャイロセンサの値から検知し</a:t>
             </a:r>
             <a:r>
-              <a:rPr lang="en-US" altLang="ja-JP" sz="1050" smtClean="0">
+              <a:rPr lang="en-US" altLang="ja-JP" sz="1050" dirty="0" smtClean="0">
                 <a:latin typeface="+mn-ea"/>
               </a:rPr>
               <a:t>,</a:t>
             </a:r>
             <a:r>
-              <a:rPr lang="ja-JP" altLang="en-US" sz="1050" smtClean="0">
+              <a:rPr lang="ja-JP" altLang="en-US" sz="1050" dirty="0" smtClean="0">
                 <a:latin typeface="+mn-ea"/>
               </a:rPr>
               <a:t>ジャイロオフセットの値を調節することで衝撃を吸収し安定化を実現</a:t>
             </a:r>
             <a:r>
-              <a:rPr lang="en-US" altLang="ja-JP" sz="1050" smtClean="0">
+              <a:rPr lang="en-US" altLang="ja-JP" sz="1050" dirty="0" smtClean="0">
                 <a:latin typeface="+mn-ea"/>
               </a:rPr>
               <a:t>.</a:t>
             </a:r>
-            <a:endParaRPr lang="ja-JP" altLang="en-US" sz="1050">
+            <a:endParaRPr lang="ja-JP" altLang="en-US" sz="1050" dirty="0">
               <a:latin typeface="+mn-ea"/>
             </a:endParaRPr>
           </a:p>
@@ -46378,7 +46242,7 @@
         </p:blipFill>
         <p:spPr>
           <a:xfrm>
-            <a:off x="8318157" y="2496345"/>
+            <a:off x="8318157" y="2622752"/>
             <a:ext cx="2532266" cy="737688"/>
           </a:xfrm>
           <a:prstGeom prst="rect">
@@ -46394,13 +46258,13 @@
         </p:nvSpPr>
         <p:spPr>
           <a:xfrm>
-            <a:off x="11041816" y="2208312"/>
-            <a:ext cx="2231023" cy="276470"/>
+            <a:off x="10464527" y="2208311"/>
+            <a:ext cx="2231023" cy="427232"/>
           </a:xfrm>
           <a:prstGeom prst="wedgeRoundRectCallout">
             <a:avLst>
-              <a:gd name="adj1" fmla="val -65358"/>
-              <a:gd name="adj2" fmla="val 125522"/>
+              <a:gd name="adj1" fmla="val -40637"/>
+              <a:gd name="adj2" fmla="val 88152"/>
               <a:gd name="adj3" fmla="val 16667"/>
             </a:avLst>
           </a:prstGeom>
@@ -46429,18 +46293,41 @@
           <a:lstStyle/>
           <a:p>
             <a:r>
-              <a:rPr lang="ja-JP" altLang="en-US" sz="1050" smtClean="0">
+              <a:rPr lang="ja-JP" altLang="en-US" sz="1050" dirty="0" smtClean="0">
                 <a:latin typeface="+mn-ea"/>
               </a:rPr>
               <a:t>・</a:t>
             </a:r>
             <a:r>
-              <a:rPr lang="ja-JP" altLang="en-US" sz="1100" u="sng" smtClean="0">
+              <a:rPr lang="ja-JP" altLang="en-US" sz="1100" u="sng" dirty="0" smtClean="0">
                 <a:latin typeface="+mn-ea"/>
               </a:rPr>
-              <a:t>落下時に走行体が不安定になる</a:t>
-            </a:r>
-            <a:endParaRPr lang="en-US" altLang="ja-JP" sz="1100" u="sng" smtClean="0">
+              <a:t>落下時に走行体が不安定に</a:t>
+            </a:r>
+            <a:r>
+              <a:rPr lang="ja-JP" altLang="en-US" sz="1100" u="sng" dirty="0" smtClean="0">
+                <a:latin typeface="+mn-ea"/>
+              </a:rPr>
+              <a:t>なる</a:t>
+            </a:r>
+            <a:endParaRPr lang="en-US" altLang="ja-JP" sz="1100" u="sng" dirty="0" smtClean="0">
+              <a:latin typeface="+mn-ea"/>
+            </a:endParaRPr>
+          </a:p>
+          <a:p>
+            <a:r>
+              <a:rPr lang="ja-JP" altLang="en-US" sz="1050" dirty="0">
+                <a:latin typeface="+mn-ea"/>
+              </a:rPr>
+              <a:t>階段での動作と同様にして実現</a:t>
+            </a:r>
+            <a:r>
+              <a:rPr lang="en-US" altLang="ja-JP" sz="1050" dirty="0">
+                <a:latin typeface="+mn-ea"/>
+              </a:rPr>
+              <a:t>.</a:t>
+            </a:r>
+            <a:endParaRPr lang="en-US" altLang="ja-JP" sz="1000" dirty="0">
               <a:latin typeface="+mn-ea"/>
             </a:endParaRPr>
           </a:p>
@@ -46454,13 +46341,13 @@
         </p:nvSpPr>
         <p:spPr>
           <a:xfrm>
-            <a:off x="11930542" y="2561995"/>
-            <a:ext cx="1486313" cy="438405"/>
+            <a:off x="11413588" y="2705835"/>
+            <a:ext cx="2075275" cy="582035"/>
           </a:xfrm>
           <a:prstGeom prst="wedgeRoundRectCallout">
             <a:avLst>
-              <a:gd name="adj1" fmla="val -130653"/>
-              <a:gd name="adj2" fmla="val 78536"/>
+              <a:gd name="adj1" fmla="val -87132"/>
+              <a:gd name="adj2" fmla="val 53291"/>
               <a:gd name="adj3" fmla="val 16667"/>
             </a:avLst>
           </a:prstGeom>
@@ -46489,35 +46376,58 @@
           <a:lstStyle/>
           <a:p>
             <a:r>
-              <a:rPr lang="ja-JP" altLang="en-US" sz="1100" smtClean="0">
+              <a:rPr lang="ja-JP" altLang="en-US" sz="1100" dirty="0" smtClean="0">
                 <a:latin typeface="+mn-ea"/>
               </a:rPr>
               <a:t>・</a:t>
             </a:r>
             <a:r>
-              <a:rPr lang="ja-JP" altLang="en-US" sz="1100" u="sng" smtClean="0">
+              <a:rPr lang="ja-JP" altLang="en-US" sz="1100" u="sng" dirty="0" smtClean="0">
                 <a:latin typeface="+mn-ea"/>
               </a:rPr>
               <a:t>落下時に走行体が</a:t>
             </a:r>
             <a:r>
-              <a:rPr lang="en-US" altLang="ja-JP" sz="1100" u="sng" smtClean="0">
+              <a:rPr lang="en-US" altLang="ja-JP" sz="1100" u="sng" dirty="0" smtClean="0">
                 <a:latin typeface="+mn-ea"/>
               </a:rPr>
               <a:t/>
             </a:r>
             <a:br>
-              <a:rPr lang="en-US" altLang="ja-JP" sz="1100" u="sng" smtClean="0">
+              <a:rPr lang="en-US" altLang="ja-JP" sz="1100" u="sng" dirty="0" smtClean="0">
                 <a:latin typeface="+mn-ea"/>
               </a:rPr>
             </a:br>
             <a:r>
-              <a:rPr lang="ja-JP" altLang="en-US" sz="1100" u="sng" smtClean="0">
+              <a:rPr lang="ja-JP" altLang="en-US" sz="1100" u="sng" dirty="0" smtClean="0">
                 <a:latin typeface="+mn-ea"/>
               </a:rPr>
-              <a:t>ラインから外れている</a:t>
-            </a:r>
-            <a:endParaRPr lang="en-US" altLang="ja-JP" sz="1100" u="sng" smtClean="0">
+              <a:t>ラインから外れて</a:t>
+            </a:r>
+            <a:r>
+              <a:rPr lang="ja-JP" altLang="en-US" sz="1100" u="sng" dirty="0" smtClean="0">
+                <a:latin typeface="+mn-ea"/>
+              </a:rPr>
+              <a:t>いる</a:t>
+            </a:r>
+            <a:endParaRPr lang="en-US" altLang="ja-JP" sz="1050" u="sng" dirty="0" smtClean="0">
+              <a:latin typeface="+mn-ea"/>
+            </a:endParaRPr>
+          </a:p>
+          <a:p>
+            <a:r>
+              <a:rPr lang="ja-JP" altLang="en-US" sz="1050" dirty="0">
+                <a:latin typeface="+mn-ea"/>
+              </a:rPr>
+              <a:t>階段での動作と同様にして実現</a:t>
+            </a:r>
+            <a:r>
+              <a:rPr lang="en-US" altLang="ja-JP" sz="1050" dirty="0">
+                <a:latin typeface="+mn-ea"/>
+              </a:rPr>
+              <a:t>.</a:t>
+            </a:r>
+            <a:endParaRPr lang="en-US" altLang="ja-JP" sz="1000" dirty="0">
               <a:latin typeface="+mn-ea"/>
             </a:endParaRPr>
           </a:p>
@@ -46531,12 +46441,12 @@
         </p:nvSpPr>
         <p:spPr>
           <a:xfrm>
-            <a:off x="8239924" y="3432448"/>
-            <a:ext cx="1244957" cy="1728192"/>
+            <a:off x="8239924" y="3432447"/>
+            <a:ext cx="1244957" cy="2192179"/>
           </a:xfrm>
           <a:prstGeom prst="wedgeRoundRectCallout">
             <a:avLst>
-              <a:gd name="adj1" fmla="val 15744"/>
+              <a:gd name="adj1" fmla="val 19242"/>
               <a:gd name="adj2" fmla="val -61887"/>
               <a:gd name="adj3" fmla="val 16667"/>
             </a:avLst>
@@ -46566,59 +46476,83 @@
           <a:lstStyle/>
           <a:p>
             <a:r>
-              <a:rPr lang="ja-JP" altLang="en-US" sz="1050" smtClean="0">
+              <a:rPr lang="ja-JP" altLang="en-US" sz="1050" dirty="0" smtClean="0">
                 <a:latin typeface="+mn-ea"/>
               </a:rPr>
               <a:t>・</a:t>
             </a:r>
             <a:r>
-              <a:rPr lang="ja-JP" altLang="en-US" sz="1100" u="sng" smtClean="0">
+              <a:rPr lang="ja-JP" altLang="en-US" sz="1100" u="sng" dirty="0" smtClean="0">
                 <a:latin typeface="+mn-ea"/>
               </a:rPr>
               <a:t>斜面</a:t>
             </a:r>
             <a:r>
-              <a:rPr lang="ja-JP" altLang="en-US" sz="1100" u="sng">
+              <a:rPr lang="ja-JP" altLang="en-US" sz="1100" u="sng" dirty="0">
                 <a:latin typeface="+mn-ea"/>
               </a:rPr>
               <a:t>で</a:t>
             </a:r>
             <a:r>
-              <a:rPr lang="ja-JP" altLang="en-US" sz="1100" u="sng" smtClean="0">
+              <a:rPr lang="ja-JP" altLang="en-US" sz="1100" u="sng" dirty="0" smtClean="0">
                 <a:latin typeface="+mn-ea"/>
               </a:rPr>
               <a:t>走行体が不安定になる</a:t>
             </a:r>
-            <a:endParaRPr lang="en-US" altLang="ja-JP" sz="1100" u="sng" smtClean="0">
+            <a:endParaRPr lang="en-US" altLang="ja-JP" sz="1100" u="sng" dirty="0" smtClean="0">
               <a:latin typeface="+mn-ea"/>
             </a:endParaRPr>
           </a:p>
           <a:p>
             <a:r>
-              <a:rPr lang="ja-JP" altLang="en-US" sz="1050" smtClean="0">
+              <a:rPr lang="ja-JP" altLang="en-US" sz="1050" dirty="0" smtClean="0">
                 <a:latin typeface="+mn-ea"/>
               </a:rPr>
-              <a:t>走行体が落下したことをジャイロセンサの値から検知し</a:t>
-            </a:r>
-            <a:r>
-              <a:rPr lang="en-US" altLang="ja-JP" sz="1050" smtClean="0">
+              <a:t>倒立制御</a:t>
+            </a:r>
+            <a:r>
+              <a:rPr lang="en-US" altLang="ja-JP" sz="1050" dirty="0" smtClean="0">
+                <a:latin typeface="+mn-ea"/>
+              </a:rPr>
+              <a:t>API</a:t>
+            </a:r>
+            <a:r>
+              <a:rPr lang="ja-JP" altLang="en-US" sz="1050" dirty="0" smtClean="0">
+                <a:latin typeface="+mn-ea"/>
+              </a:rPr>
+              <a:t>は</a:t>
+            </a:r>
+            <a:r>
+              <a:rPr lang="en-US" altLang="ja-JP" sz="1050" dirty="0" smtClean="0">
                 <a:latin typeface="+mn-ea"/>
               </a:rPr>
               <a:t>,</a:t>
             </a:r>
             <a:r>
-              <a:rPr lang="ja-JP" altLang="en-US" sz="1050" smtClean="0">
+              <a:rPr lang="ja-JP" altLang="en-US" sz="1050" dirty="0" smtClean="0">
                 <a:latin typeface="+mn-ea"/>
               </a:rPr>
-              <a:t>ジャイロオフセットの値を調節することで衝撃を吸収し安定化を実現</a:t>
-            </a:r>
-            <a:r>
-              <a:rPr lang="en-US" altLang="ja-JP" sz="1050" smtClean="0">
+              <a:t>走行体が路面に対して垂直になるように制御を行う</a:t>
+            </a:r>
+            <a:r>
+              <a:rPr lang="en-US" altLang="ja-JP" sz="1050" dirty="0" smtClean="0">
                 <a:latin typeface="+mn-ea"/>
               </a:rPr>
               <a:t>.</a:t>
             </a:r>
-            <a:endParaRPr lang="ja-JP" altLang="en-US" sz="1050">
+            <a:r>
+              <a:rPr lang="ja-JP" altLang="en-US" sz="1050" dirty="0" smtClean="0">
+                <a:latin typeface="+mn-ea"/>
+              </a:rPr>
+              <a:t>そこで、斜面に対して前傾姿勢を取るようにジャイロオフセット値を調節することで斜面での安定した走行を実現</a:t>
+            </a:r>
+            <a:r>
+              <a:rPr lang="en-US" altLang="ja-JP" sz="1050" dirty="0" smtClean="0">
+                <a:latin typeface="+mn-ea"/>
+              </a:rPr>
+              <a:t>.</a:t>
+            </a:r>
+            <a:endParaRPr lang="ja-JP" altLang="en-US" sz="1050" dirty="0">
               <a:latin typeface="+mn-ea"/>
             </a:endParaRPr>
           </a:p>
@@ -46632,13 +46566,13 @@
         </p:nvSpPr>
         <p:spPr>
           <a:xfrm>
-            <a:off x="9515396" y="3427895"/>
-            <a:ext cx="1244957" cy="1728192"/>
+            <a:off x="9528423" y="3432448"/>
+            <a:ext cx="1240277" cy="2192179"/>
           </a:xfrm>
           <a:prstGeom prst="wedgeRoundRectCallout">
             <a:avLst>
-              <a:gd name="adj1" fmla="val -18065"/>
-              <a:gd name="adj2" fmla="val -77844"/>
+              <a:gd name="adj1" fmla="val -9698"/>
+              <a:gd name="adj2" fmla="val -66588"/>
               <a:gd name="adj3" fmla="val 16667"/>
             </a:avLst>
           </a:prstGeom>
@@ -46669,18 +46603,119 @@
           <a:lstStyle/>
           <a:p>
             <a:r>
-              <a:rPr lang="ja-JP" altLang="en-US" sz="1050" smtClean="0">
+              <a:rPr lang="ja-JP" altLang="en-US" sz="1050" dirty="0" smtClean="0">
                 <a:latin typeface="+mn-ea"/>
               </a:rPr>
               <a:t>・</a:t>
             </a:r>
             <a:r>
-              <a:rPr lang="ja-JP" altLang="en-US" sz="1100" u="sng" smtClean="0">
+              <a:rPr lang="ja-JP" altLang="en-US" sz="1100" u="sng" dirty="0" smtClean="0">
                 <a:latin typeface="+mn-ea"/>
               </a:rPr>
-              <a:t>急な傾きで走行体が不安定になる</a:t>
-            </a:r>
-            <a:endParaRPr lang="en-US" altLang="ja-JP" sz="1100" u="sng" smtClean="0">
+              <a:t>急な傾きで走行体が不安定に</a:t>
+            </a:r>
+            <a:r>
+              <a:rPr lang="ja-JP" altLang="en-US" sz="1100" u="sng" dirty="0" smtClean="0">
+                <a:latin typeface="+mn-ea"/>
+              </a:rPr>
+              <a:t>なる</a:t>
+            </a:r>
+            <a:endParaRPr lang="en-US" altLang="ja-JP" sz="1100" u="sng" dirty="0" smtClean="0">
+              <a:latin typeface="+mn-ea"/>
+            </a:endParaRPr>
+          </a:p>
+          <a:p>
+            <a:r>
+              <a:rPr lang="ja-JP" altLang="en-US" sz="1050" dirty="0">
+                <a:latin typeface="+mn-ea"/>
+              </a:rPr>
+              <a:t>シーソーが降下する</a:t>
+            </a:r>
+            <a:r>
+              <a:rPr lang="ja-JP" altLang="en-US" sz="1050" dirty="0" smtClean="0">
+                <a:latin typeface="+mn-ea"/>
+              </a:rPr>
+              <a:t>際</a:t>
+            </a:r>
+            <a:r>
+              <a:rPr lang="en-US" altLang="ja-JP" sz="1050" dirty="0" smtClean="0">
+                <a:latin typeface="+mn-ea"/>
+              </a:rPr>
+              <a:t>,</a:t>
+            </a:r>
+            <a:r>
+              <a:rPr lang="ja-JP" altLang="en-US" sz="1050" dirty="0" smtClean="0">
+                <a:latin typeface="+mn-ea"/>
+              </a:rPr>
+              <a:t>倒立</a:t>
+            </a:r>
+            <a:r>
+              <a:rPr lang="ja-JP" altLang="en-US" sz="1050" dirty="0">
+                <a:latin typeface="+mn-ea"/>
+              </a:rPr>
+              <a:t>制御が大きく</a:t>
+            </a:r>
+            <a:r>
+              <a:rPr lang="ja-JP" altLang="en-US" sz="1050" dirty="0" smtClean="0">
+                <a:latin typeface="+mn-ea"/>
+              </a:rPr>
+              <a:t>揺らぐ</a:t>
+            </a:r>
+            <a:r>
+              <a:rPr lang="en-US" altLang="ja-JP" sz="1050" dirty="0">
+                <a:latin typeface="+mn-ea"/>
+              </a:rPr>
+              <a:t>.</a:t>
+            </a:r>
+            <a:r>
+              <a:rPr lang="ja-JP" altLang="en-US" sz="1050" dirty="0" smtClean="0">
+                <a:latin typeface="+mn-ea"/>
+              </a:rPr>
+              <a:t>そこで</a:t>
+            </a:r>
+            <a:r>
+              <a:rPr lang="en-US" altLang="ja-JP" sz="1050" dirty="0" smtClean="0">
+                <a:latin typeface="+mn-ea"/>
+              </a:rPr>
+              <a:t>,</a:t>
+            </a:r>
+            <a:r>
+              <a:rPr lang="ja-JP" altLang="en-US" sz="1050" dirty="0" smtClean="0">
+                <a:latin typeface="+mn-ea"/>
+              </a:rPr>
+              <a:t>シーソー</a:t>
+            </a:r>
+            <a:r>
+              <a:rPr lang="ja-JP" altLang="en-US" sz="1050" dirty="0">
+                <a:latin typeface="+mn-ea"/>
+              </a:rPr>
+              <a:t>の降下を検知した際</a:t>
+            </a:r>
+            <a:r>
+              <a:rPr lang="ja-JP" altLang="en-US" sz="1050" dirty="0" smtClean="0">
+                <a:latin typeface="+mn-ea"/>
+              </a:rPr>
+              <a:t>にジャイロオフセット値</a:t>
+            </a:r>
+            <a:r>
+              <a:rPr lang="ja-JP" altLang="en-US" sz="1050" dirty="0">
+                <a:latin typeface="+mn-ea"/>
+              </a:rPr>
+              <a:t>を調節することで走行体の倒立制御の維持を</a:t>
+            </a:r>
+            <a:r>
+              <a:rPr lang="ja-JP" altLang="en-US" sz="1050" dirty="0" smtClean="0">
+                <a:latin typeface="+mn-ea"/>
+              </a:rPr>
+              <a:t>実現</a:t>
+            </a:r>
+            <a:r>
+              <a:rPr lang="en-US" altLang="ja-JP" sz="1050" dirty="0" smtClean="0">
+                <a:latin typeface="+mn-ea"/>
+              </a:rPr>
+              <a:t>.</a:t>
+            </a:r>
+            <a:endParaRPr lang="en-US" altLang="ja-JP" sz="1050" dirty="0" smtClean="0">
               <a:latin typeface="+mn-ea"/>
             </a:endParaRPr>
           </a:p>
@@ -46708,8 +46743,8 @@
         </p:blipFill>
         <p:spPr>
           <a:xfrm>
-            <a:off x="867057" y="6446125"/>
-            <a:ext cx="3540389" cy="978429"/>
+            <a:off x="867058" y="6672808"/>
+            <a:ext cx="3260766" cy="901152"/>
           </a:xfrm>
           <a:prstGeom prst="rect">
             <a:avLst/>
@@ -46724,13 +46759,13 @@
         </p:nvSpPr>
         <p:spPr>
           <a:xfrm>
-            <a:off x="4487863" y="6456784"/>
+            <a:off x="4505194" y="6630337"/>
             <a:ext cx="3576439" cy="402511"/>
           </a:xfrm>
           <a:prstGeom prst="wedgeRoundRectCallout">
             <a:avLst>
-              <a:gd name="adj1" fmla="val -56678"/>
-              <a:gd name="adj2" fmla="val 100664"/>
+              <a:gd name="adj1" fmla="val -63171"/>
+              <a:gd name="adj2" fmla="val 60998"/>
               <a:gd name="adj3" fmla="val 16667"/>
             </a:avLst>
           </a:prstGeom>
@@ -46759,18 +46794,41 @@
           <a:lstStyle/>
           <a:p>
             <a:r>
-              <a:rPr lang="ja-JP" altLang="en-US" sz="1100" smtClean="0">
+              <a:rPr lang="ja-JP" altLang="en-US" sz="1100" dirty="0" smtClean="0">
                 <a:latin typeface="+mn-ea"/>
               </a:rPr>
               <a:t>・</a:t>
             </a:r>
             <a:r>
-              <a:rPr lang="ja-JP" altLang="en-US" sz="1100" u="sng" smtClean="0">
+              <a:rPr lang="ja-JP" altLang="en-US" sz="1100" u="sng" dirty="0" smtClean="0">
                 <a:latin typeface="+mn-ea"/>
               </a:rPr>
-              <a:t>ターンエリア終了後に走行体がラインから外れている</a:t>
-            </a:r>
-            <a:endParaRPr lang="en-US" altLang="ja-JP" sz="1100" u="sng" smtClean="0">
+              <a:t>ターンエリア終了後に走行体がラインから外れて</a:t>
+            </a:r>
+            <a:r>
+              <a:rPr lang="ja-JP" altLang="en-US" sz="1100" u="sng" dirty="0" smtClean="0">
+                <a:latin typeface="+mn-ea"/>
+              </a:rPr>
+              <a:t>いる</a:t>
+            </a:r>
+            <a:endParaRPr lang="en-US" altLang="ja-JP" sz="1100" u="sng" dirty="0" smtClean="0">
+              <a:latin typeface="+mn-ea"/>
+            </a:endParaRPr>
+          </a:p>
+          <a:p>
+            <a:r>
+              <a:rPr lang="ja-JP" altLang="en-US" sz="1100" dirty="0" smtClean="0">
+                <a:latin typeface="+mn-ea"/>
+              </a:rPr>
+              <a:t>階段での動作と同様にして実現</a:t>
+            </a:r>
+            <a:r>
+              <a:rPr lang="en-US" altLang="ja-JP" sz="1100" dirty="0" smtClean="0">
+                <a:latin typeface="+mn-ea"/>
+              </a:rPr>
+              <a:t>.</a:t>
+            </a:r>
+            <a:endParaRPr lang="en-US" altLang="ja-JP" sz="1100" dirty="0" smtClean="0">
               <a:latin typeface="+mn-ea"/>
             </a:endParaRPr>
           </a:p>
@@ -46784,8 +46842,8 @@
         </p:nvSpPr>
         <p:spPr>
           <a:xfrm rot="20020687">
-            <a:off x="10757604" y="3225644"/>
-            <a:ext cx="576064" cy="170391"/>
+            <a:off x="10834708" y="3387042"/>
+            <a:ext cx="482847" cy="162821"/>
           </a:xfrm>
           <a:prstGeom prst="downArrow">
             <a:avLst/>
@@ -46824,7 +46882,7 @@
         </p:nvSpPr>
         <p:spPr>
           <a:xfrm>
-            <a:off x="704892" y="5808712"/>
+            <a:off x="704892" y="6057835"/>
             <a:ext cx="7470123" cy="830997"/>
           </a:xfrm>
           <a:prstGeom prst="rect">
@@ -46839,19 +46897,51 @@
           <a:lstStyle/>
           <a:p>
             <a:r>
-              <a:rPr lang="ja-JP" altLang="en-US" sz="1200"/>
-              <a:t>　ドリフトターン突破のためには左右どちらかにあるペットボトルを検知し、その位置に合わせてターンエリアでラインの無いコースを走行しなければならない。そこに潜む危険とその解決策を考え</a:t>
-            </a:r>
-            <a:r>
-              <a:rPr lang="en-US" altLang="ja-JP" sz="1200"/>
+              <a:rPr lang="ja-JP" altLang="en-US" sz="1200" dirty="0"/>
+              <a:t>　ドリフトターン突破のためには左右どちらかにあるペットボトルを検知</a:t>
+            </a:r>
+            <a:r>
+              <a:rPr lang="ja-JP" altLang="en-US" sz="1200" dirty="0" smtClean="0"/>
+              <a:t>し</a:t>
+            </a:r>
+            <a:r>
+              <a:rPr lang="en-US" altLang="ja-JP" sz="1200" dirty="0" smtClean="0"/>
               <a:t>,</a:t>
             </a:r>
             <a:r>
-              <a:rPr lang="ja-JP" altLang="en-US" sz="1200"/>
+              <a:rPr lang="ja-JP" altLang="en-US" sz="1200" dirty="0" smtClean="0"/>
+              <a:t>その</a:t>
+            </a:r>
+            <a:r>
+              <a:rPr lang="ja-JP" altLang="en-US" sz="1200" dirty="0"/>
+              <a:t>位置に合わせてターンエリアでラインの無いコースを走行しなければ</a:t>
+            </a:r>
+            <a:r>
+              <a:rPr lang="ja-JP" altLang="en-US" sz="1200" dirty="0" smtClean="0"/>
+              <a:t>ならない</a:t>
+            </a:r>
+            <a:r>
+              <a:rPr lang="en-US" altLang="ja-JP" sz="1200" dirty="0" smtClean="0"/>
+              <a:t>.</a:t>
+            </a:r>
+            <a:r>
+              <a:rPr lang="ja-JP" altLang="en-US" sz="1200" dirty="0" smtClean="0"/>
+              <a:t>そこ</a:t>
+            </a:r>
+            <a:r>
+              <a:rPr lang="ja-JP" altLang="en-US" sz="1200" dirty="0"/>
+              <a:t>に潜む危険とその解決策を考え</a:t>
+            </a:r>
+            <a:r>
+              <a:rPr lang="en-US" altLang="ja-JP" sz="1200" dirty="0"/>
+              <a:t>,</a:t>
+            </a:r>
+            <a:r>
+              <a:rPr lang="ja-JP" altLang="en-US" sz="1200" dirty="0"/>
               <a:t>それらを踏まえてステートチャート図を作成した</a:t>
             </a:r>
             <a:r>
-              <a:rPr lang="en-US" altLang="ja-JP" sz="1200"/>
+              <a:rPr lang="en-US" altLang="ja-JP" sz="1200" dirty="0"/>
               <a:t>.</a:t>
             </a:r>
           </a:p>
@@ -46868,7 +46958,7 @@
         </p:nvSpPr>
         <p:spPr>
           <a:xfrm>
-            <a:off x="8252333" y="5808712"/>
+            <a:off x="8252333" y="6017185"/>
             <a:ext cx="5196180" cy="1015663"/>
           </a:xfrm>
           <a:prstGeom prst="rect">
@@ -46883,48 +46973,48 @@
           <a:lstStyle/>
           <a:p>
             <a:r>
-              <a:rPr kumimoji="1" lang="ja-JP" altLang="en-US" sz="1200" smtClean="0"/>
+              <a:rPr kumimoji="1" lang="ja-JP" altLang="en-US" sz="1200" dirty="0" smtClean="0"/>
               <a:t>　ルックアップゲート突破のためにはゲートを検知し</a:t>
             </a:r>
             <a:r>
-              <a:rPr kumimoji="1" lang="en-US" altLang="ja-JP" sz="1200" smtClean="0"/>
+              <a:rPr kumimoji="1" lang="en-US" altLang="ja-JP" sz="1200" dirty="0" smtClean="0"/>
               <a:t>,</a:t>
             </a:r>
             <a:r>
-              <a:rPr lang="ja-JP" altLang="en-US" sz="1200" smtClean="0"/>
+              <a:rPr lang="ja-JP" altLang="en-US" sz="1200" dirty="0" smtClean="0"/>
               <a:t>その下を通過出来るだけの角度まで走行体を傾け</a:t>
             </a:r>
             <a:r>
-              <a:rPr lang="en-US" altLang="ja-JP" sz="1200" smtClean="0"/>
+              <a:rPr lang="en-US" altLang="ja-JP" sz="1200" dirty="0" smtClean="0"/>
               <a:t>,</a:t>
             </a:r>
             <a:r>
-              <a:rPr lang="ja-JP" altLang="en-US" sz="1200" smtClean="0"/>
+              <a:rPr lang="ja-JP" altLang="en-US" sz="1200" dirty="0" smtClean="0"/>
               <a:t>通過後に元の角度に戻らなければならない</a:t>
             </a:r>
             <a:r>
-              <a:rPr lang="en-US" altLang="ja-JP" sz="1200" smtClean="0"/>
+              <a:rPr lang="en-US" altLang="ja-JP" sz="1200" dirty="0" smtClean="0"/>
               <a:t>.</a:t>
             </a:r>
             <a:r>
-              <a:rPr lang="ja-JP" altLang="en-US" sz="1200"/>
+              <a:rPr lang="ja-JP" altLang="en-US" sz="1200" dirty="0"/>
               <a:t>そこに潜む危険とその解決策を考え</a:t>
             </a:r>
             <a:r>
-              <a:rPr lang="en-US" altLang="ja-JP" sz="1200"/>
+              <a:rPr lang="en-US" altLang="ja-JP" sz="1200" dirty="0"/>
               <a:t>,</a:t>
             </a:r>
             <a:r>
-              <a:rPr lang="ja-JP" altLang="en-US" sz="1200"/>
+              <a:rPr lang="ja-JP" altLang="en-US" sz="1200" dirty="0"/>
               <a:t>それらを踏まえてステートチャート図を作成した</a:t>
             </a:r>
             <a:r>
-              <a:rPr lang="en-US" altLang="ja-JP" sz="1200"/>
+              <a:rPr lang="en-US" altLang="ja-JP" sz="1200" dirty="0"/>
               <a:t>.</a:t>
             </a:r>
           </a:p>
           <a:p>
-            <a:endParaRPr kumimoji="1" lang="en-US" altLang="ja-JP" sz="1200" smtClean="0"/>
+            <a:endParaRPr kumimoji="1" lang="en-US" altLang="ja-JP" sz="1200" dirty="0" smtClean="0"/>
           </a:p>
         </p:txBody>
       </p:sp>
@@ -46950,7 +47040,7 @@
         </p:blipFill>
         <p:spPr>
           <a:xfrm>
-            <a:off x="8318158" y="6535512"/>
+            <a:off x="8318158" y="6760072"/>
             <a:ext cx="2584106" cy="992856"/>
           </a:xfrm>
           <a:prstGeom prst="rect">
@@ -46966,7 +47056,7 @@
         </p:nvSpPr>
         <p:spPr>
           <a:xfrm>
-            <a:off x="11185832" y="6622031"/>
+            <a:off x="11185832" y="6694039"/>
             <a:ext cx="2231023" cy="842865"/>
           </a:xfrm>
           <a:prstGeom prst="wedgeRoundRectCallout">
@@ -47003,53 +47093,53 @@
           <a:lstStyle/>
           <a:p>
             <a:r>
-              <a:rPr lang="ja-JP" altLang="en-US" sz="1050" smtClean="0">
+              <a:rPr lang="ja-JP" altLang="en-US" sz="1050" dirty="0" smtClean="0">
                 <a:latin typeface="+mn-ea"/>
               </a:rPr>
               <a:t>・</a:t>
             </a:r>
             <a:r>
-              <a:rPr lang="ja-JP" altLang="en-US" sz="1100" u="sng" smtClean="0">
+              <a:rPr lang="ja-JP" altLang="en-US" sz="1100" u="sng" dirty="0" smtClean="0">
                 <a:latin typeface="+mn-ea"/>
               </a:rPr>
               <a:t>目標尻尾角度への制御失敗</a:t>
             </a:r>
-            <a:endParaRPr lang="en-US" altLang="ja-JP" sz="1100" u="sng" smtClean="0">
+            <a:endParaRPr lang="en-US" altLang="ja-JP" sz="1100" u="sng" dirty="0" smtClean="0">
               <a:latin typeface="+mn-ea"/>
             </a:endParaRPr>
           </a:p>
           <a:p>
             <a:r>
-              <a:rPr lang="ja-JP" altLang="en-US" sz="1100" smtClean="0">
+              <a:rPr lang="ja-JP" altLang="en-US" sz="1050" dirty="0" smtClean="0">
                 <a:latin typeface="+mn-ea"/>
               </a:rPr>
               <a:t>走行体仰角制御（</a:t>
             </a:r>
             <a:r>
-              <a:rPr lang="en-US" altLang="ja-JP" sz="1100" smtClean="0">
+              <a:rPr lang="en-US" altLang="ja-JP" sz="1050" dirty="0" smtClean="0">
                 <a:latin typeface="+mn-ea"/>
               </a:rPr>
               <a:t>p.5 </a:t>
             </a:r>
             <a:r>
-              <a:rPr lang="ja-JP" altLang="en-US" sz="1100" smtClean="0">
+              <a:rPr lang="ja-JP" altLang="en-US" sz="1050" dirty="0" smtClean="0">
                 <a:latin typeface="+mn-ea"/>
               </a:rPr>
               <a:t>要素技術参照）によって</a:t>
             </a:r>
             <a:r>
-              <a:rPr lang="en-US" altLang="ja-JP" sz="1100" smtClean="0">
+              <a:rPr lang="en-US" altLang="ja-JP" sz="1050" dirty="0" smtClean="0">
                 <a:latin typeface="+mn-ea"/>
               </a:rPr>
               <a:t>,</a:t>
             </a:r>
             <a:r>
-              <a:rPr lang="ja-JP" altLang="en-US" sz="1100" smtClean="0">
+              <a:rPr lang="ja-JP" altLang="en-US" sz="1050" dirty="0" smtClean="0">
                 <a:latin typeface="+mn-ea"/>
               </a:rPr>
               <a:t>安定した尻尾角度制御を実現</a:t>
             </a:r>
-            <a:endParaRPr lang="en-US" altLang="ja-JP" sz="1050" smtClean="0">
+            <a:endParaRPr lang="en-US" altLang="ja-JP" sz="1000" dirty="0" smtClean="0">
               <a:latin typeface="+mn-ea"/>
             </a:endParaRPr>
           </a:p>
@@ -47103,8 +47193,8 @@
         </p:nvSpPr>
         <p:spPr>
           <a:xfrm>
-            <a:off x="813596" y="7528368"/>
-            <a:ext cx="1298003" cy="2039339"/>
+            <a:off x="813596" y="7672384"/>
+            <a:ext cx="1686422" cy="1880744"/>
           </a:xfrm>
           <a:prstGeom prst="wedgeRoundRectCallout">
             <a:avLst>
@@ -47138,29 +47228,113 @@
           <a:lstStyle/>
           <a:p>
             <a:r>
-              <a:rPr lang="ja-JP" altLang="en-US" sz="1050">
+              <a:rPr lang="ja-JP" altLang="en-US" sz="1100" u="sng" dirty="0">
                 <a:latin typeface="+mn-ea"/>
               </a:rPr>
-              <a:t>・</a:t>
-            </a:r>
-            <a:r>
-              <a:rPr lang="ja-JP" altLang="en-US" sz="1100" u="sng">
-                <a:latin typeface="+mn-ea"/>
-              </a:rPr>
-              <a:t>ペットボトルに対する誤検知</a:t>
-            </a:r>
-            <a:r>
-              <a:rPr lang="ja-JP" altLang="en-US" sz="1050">
+              <a:t>・ペットボトルに対する誤検知</a:t>
+            </a:r>
+            <a:r>
+              <a:rPr lang="ja-JP" altLang="en-US" sz="1050" dirty="0">
                 <a:latin typeface="+mn-ea"/>
               </a:rPr>
               <a:t/>
             </a:r>
             <a:br>
-              <a:rPr lang="ja-JP" altLang="en-US" sz="1050">
+              <a:rPr lang="ja-JP" altLang="en-US" sz="1050" dirty="0">
                 <a:latin typeface="+mn-ea"/>
               </a:rPr>
             </a:br>
-            <a:endParaRPr lang="ja-JP" altLang="en-US" sz="1050">
+            <a:r>
+              <a:rPr lang="ja-JP" altLang="en-US" sz="1050" dirty="0">
+                <a:latin typeface="+mn-ea"/>
+              </a:rPr>
+              <a:t>大会のコース上にはいくつかのオブジェが置いて</a:t>
+            </a:r>
+            <a:r>
+              <a:rPr lang="ja-JP" altLang="en-US" sz="1050" dirty="0" smtClean="0">
+                <a:latin typeface="+mn-ea"/>
+              </a:rPr>
+              <a:t>あり</a:t>
+            </a:r>
+            <a:r>
+              <a:rPr lang="en-US" altLang="ja-JP" sz="1050" dirty="0">
+                <a:latin typeface="+mn-ea"/>
+              </a:rPr>
+              <a:t>,</a:t>
+            </a:r>
+            <a:r>
+              <a:rPr lang="ja-JP" altLang="en-US" sz="1050" dirty="0" smtClean="0">
+                <a:latin typeface="+mn-ea"/>
+              </a:rPr>
+              <a:t>それら</a:t>
+            </a:r>
+            <a:r>
+              <a:rPr lang="ja-JP" altLang="en-US" sz="1050" dirty="0">
+                <a:latin typeface="+mn-ea"/>
+              </a:rPr>
+              <a:t>を誤って検知する可能性が</a:t>
+            </a:r>
+            <a:r>
+              <a:rPr lang="ja-JP" altLang="en-US" sz="1050" dirty="0" smtClean="0">
+                <a:latin typeface="+mn-ea"/>
+              </a:rPr>
+              <a:t>ある</a:t>
+            </a:r>
+            <a:r>
+              <a:rPr lang="en-US" altLang="ja-JP" sz="1050" dirty="0" smtClean="0">
+                <a:latin typeface="+mn-ea"/>
+              </a:rPr>
+              <a:t>.</a:t>
+            </a:r>
+            <a:r>
+              <a:rPr lang="ja-JP" altLang="en-US" sz="1050" dirty="0" smtClean="0">
+                <a:latin typeface="+mn-ea"/>
+              </a:rPr>
+              <a:t>そこでライン上</a:t>
+            </a:r>
+            <a:r>
+              <a:rPr lang="ja-JP" altLang="en-US" sz="1050" dirty="0">
+                <a:latin typeface="+mn-ea"/>
+              </a:rPr>
+              <a:t>かつペットボトルに最も近い位置で</a:t>
+            </a:r>
+            <a:r>
+              <a:rPr lang="ja-JP" altLang="en-US" sz="1050" dirty="0" smtClean="0">
+                <a:latin typeface="+mn-ea"/>
+              </a:rPr>
+              <a:t>停止</a:t>
+            </a:r>
+            <a:r>
+              <a:rPr lang="en-US" altLang="ja-JP" sz="1050" dirty="0" smtClean="0">
+                <a:latin typeface="+mn-ea"/>
+              </a:rPr>
+              <a:t>,</a:t>
+            </a:r>
+            <a:r>
+              <a:rPr lang="ja-JP" altLang="en-US" sz="1050" dirty="0" smtClean="0">
+                <a:latin typeface="+mn-ea"/>
+              </a:rPr>
+              <a:t>転回し検知</a:t>
+            </a:r>
+            <a:r>
+              <a:rPr lang="ja-JP" altLang="en-US" sz="1050" dirty="0">
+                <a:latin typeface="+mn-ea"/>
+              </a:rPr>
+              <a:t>を行うことで誤検知防止を</a:t>
+            </a:r>
+            <a:r>
+              <a:rPr lang="ja-JP" altLang="en-US" sz="1050" dirty="0" smtClean="0">
+                <a:latin typeface="+mn-ea"/>
+              </a:rPr>
+              <a:t>実現</a:t>
+            </a:r>
+            <a:r>
+              <a:rPr lang="en-US" altLang="ja-JP" sz="1050" dirty="0">
+                <a:latin typeface="+mn-ea"/>
+              </a:rPr>
+              <a:t>.</a:t>
+            </a:r>
+            <a:endParaRPr lang="ja-JP" altLang="en-US" sz="1050" dirty="0">
               <a:latin typeface="+mn-ea"/>
             </a:endParaRPr>
           </a:p>
@@ -47174,13 +47348,13 @@
         </p:nvSpPr>
         <p:spPr>
           <a:xfrm>
-            <a:off x="2175198" y="7528369"/>
-            <a:ext cx="2096642" cy="2039338"/>
+            <a:off x="2637251" y="7672384"/>
+            <a:ext cx="1634588" cy="1880744"/>
           </a:xfrm>
           <a:prstGeom prst="wedgeRoundRectCallout">
             <a:avLst>
-              <a:gd name="adj1" fmla="val 6881"/>
-              <a:gd name="adj2" fmla="val -73714"/>
+              <a:gd name="adj1" fmla="val -1111"/>
+              <a:gd name="adj2" fmla="val -76029"/>
               <a:gd name="adj3" fmla="val 16667"/>
             </a:avLst>
           </a:prstGeom>
@@ -47211,18 +47385,101 @@
           <a:lstStyle/>
           <a:p>
             <a:r>
-              <a:rPr lang="ja-JP" altLang="en-US" sz="1050" smtClean="0">
+              <a:rPr lang="ja-JP" altLang="en-US" sz="1050" dirty="0" smtClean="0">
                 <a:latin typeface="+mn-ea"/>
               </a:rPr>
               <a:t>・</a:t>
             </a:r>
             <a:r>
-              <a:rPr lang="ja-JP" altLang="en-US" sz="1100" u="sng" smtClean="0">
+              <a:rPr lang="ja-JP" altLang="en-US" sz="1100" u="sng" dirty="0" smtClean="0">
                 <a:latin typeface="+mn-ea"/>
               </a:rPr>
-              <a:t>ターンエリアでの走行失敗</a:t>
-            </a:r>
-            <a:endParaRPr lang="en-US" altLang="ja-JP" sz="1100" u="sng" smtClean="0">
+              <a:t>ターンエリアでの走行</a:t>
+            </a:r>
+            <a:r>
+              <a:rPr lang="ja-JP" altLang="en-US" sz="1100" u="sng" dirty="0" smtClean="0">
+                <a:latin typeface="+mn-ea"/>
+              </a:rPr>
+              <a:t>失敗</a:t>
+            </a:r>
+            <a:endParaRPr lang="en-US" altLang="ja-JP" sz="1100" u="sng" dirty="0" smtClean="0">
+              <a:latin typeface="+mn-ea"/>
+            </a:endParaRPr>
+          </a:p>
+          <a:p>
+            <a:r>
+              <a:rPr lang="ja-JP" altLang="en-US" sz="1050" dirty="0" smtClean="0">
+                <a:latin typeface="+mn-ea"/>
+              </a:rPr>
+              <a:t>このエリアでは</a:t>
+            </a:r>
+            <a:r>
+              <a:rPr lang="en-US" altLang="ja-JP" sz="1050" dirty="0" smtClean="0">
+                <a:latin typeface="+mn-ea"/>
+              </a:rPr>
+              <a:t>,</a:t>
+            </a:r>
+            <a:r>
+              <a:rPr lang="ja-JP" altLang="en-US" sz="1050" dirty="0" smtClean="0">
+                <a:latin typeface="+mn-ea"/>
+              </a:rPr>
+              <a:t>ラインの無い区間に仮想ラインとその曲率を設定し</a:t>
+            </a:r>
+            <a:r>
+              <a:rPr lang="en-US" altLang="ja-JP" sz="1050" dirty="0" smtClean="0">
+                <a:latin typeface="+mn-ea"/>
+              </a:rPr>
+              <a:t>,</a:t>
+            </a:r>
+            <a:r>
+              <a:rPr lang="ja-JP" altLang="en-US" sz="1050" dirty="0" smtClean="0">
+                <a:latin typeface="+mn-ea"/>
+              </a:rPr>
+              <a:t>輝度値によるライントレースを行わず曲率半径</a:t>
+            </a:r>
+            <a:r>
+              <a:rPr lang="en-US" altLang="ja-JP" sz="1050" dirty="0" smtClean="0">
+                <a:latin typeface="+mn-ea"/>
+              </a:rPr>
+              <a:t>PID</a:t>
+            </a:r>
+            <a:r>
+              <a:rPr lang="ja-JP" altLang="en-US" sz="1050" dirty="0" smtClean="0">
+                <a:latin typeface="+mn-ea"/>
+              </a:rPr>
+              <a:t>制御（</a:t>
+            </a:r>
+            <a:r>
+              <a:rPr lang="en-US" altLang="ja-JP" sz="1050" dirty="0" smtClean="0">
+                <a:latin typeface="+mn-ea"/>
+              </a:rPr>
+              <a:t>p.5 </a:t>
+            </a:r>
+            <a:r>
+              <a:rPr lang="ja-JP" altLang="en-US" sz="1050" dirty="0" smtClean="0">
+                <a:latin typeface="+mn-ea"/>
+              </a:rPr>
+              <a:t>要素技術参照）のみを利用して走行することで</a:t>
+            </a:r>
+            <a:r>
+              <a:rPr lang="en-US" altLang="ja-JP" sz="1050" dirty="0" smtClean="0">
+                <a:latin typeface="+mn-ea"/>
+              </a:rPr>
+              <a:t>,</a:t>
+            </a:r>
+            <a:r>
+              <a:rPr lang="ja-JP" altLang="en-US" sz="1050" dirty="0" smtClean="0">
+                <a:latin typeface="+mn-ea"/>
+              </a:rPr>
+              <a:t>ラインの無い区間での走行を実現</a:t>
+            </a:r>
+            <a:r>
+              <a:rPr lang="en-US" altLang="ja-JP" sz="1050" dirty="0" smtClean="0">
+                <a:latin typeface="+mn-ea"/>
+              </a:rPr>
+              <a:t>.</a:t>
+            </a:r>
+            <a:endParaRPr lang="en-US" altLang="ja-JP" sz="1000" dirty="0" smtClean="0">
               <a:latin typeface="+mn-ea"/>
             </a:endParaRPr>
           </a:p>
@@ -47235,9 +47492,9 @@
           <p:nvPr/>
         </p:nvSpPr>
         <p:spPr>
-          <a:xfrm rot="19189684">
-            <a:off x="4283844" y="7289236"/>
-            <a:ext cx="576064" cy="396681"/>
+          <a:xfrm rot="19827167">
+            <a:off x="4127236" y="7402364"/>
+            <a:ext cx="390537" cy="227780"/>
           </a:xfrm>
           <a:prstGeom prst="downArrow">
             <a:avLst/>
@@ -47277,7 +47534,7 @@
         <p:spPr>
           <a:xfrm>
             <a:off x="8397631" y="7824936"/>
-            <a:ext cx="2321286" cy="1728192"/>
+            <a:ext cx="2138904" cy="1728192"/>
           </a:xfrm>
           <a:prstGeom prst="wedgeRoundRectCallout">
             <a:avLst>
@@ -47311,13 +47568,13 @@
           <a:lstStyle/>
           <a:p>
             <a:r>
-              <a:rPr lang="ja-JP" altLang="en-US" sz="1050">
+              <a:rPr lang="ja-JP" altLang="en-US" sz="1050" dirty="0">
                 <a:latin typeface="+mn-ea"/>
               </a:rPr>
               <a:t>・</a:t>
             </a:r>
             <a:r>
-              <a:rPr lang="ja-JP" altLang="en-US" sz="1100" u="sng">
+              <a:rPr lang="ja-JP" altLang="en-US" sz="1100" u="sng" dirty="0">
                 <a:latin typeface="+mn-ea"/>
               </a:rPr>
               <a:t>ゲート検知の失敗</a:t>
@@ -47325,47 +47582,273 @@
           </a:p>
           <a:p>
             <a:r>
-              <a:rPr lang="ja-JP" altLang="en-US" sz="1050">
+              <a:rPr lang="ja-JP" altLang="en-US" sz="1050" dirty="0">
                 <a:latin typeface="+mn-ea"/>
               </a:rPr>
-              <a:t>ゲートの有無は超音波センサを用いて検出するが</a:t>
-            </a:r>
-            <a:r>
-              <a:rPr lang="en-US" altLang="ja-JP" sz="1050">
+              <a:t>ゲート</a:t>
+            </a:r>
+            <a:r>
+              <a:rPr lang="ja-JP" altLang="en-US" sz="1050" dirty="0" smtClean="0">
+                <a:latin typeface="+mn-ea"/>
+              </a:rPr>
+              <a:t>の</a:t>
+            </a:r>
+            <a:r>
+              <a:rPr lang="ja-JP" altLang="en-US" sz="1050" dirty="0" smtClean="0">
+                <a:latin typeface="+mn-ea"/>
+              </a:rPr>
+              <a:t>検知に</a:t>
+            </a:r>
+            <a:r>
+              <a:rPr lang="ja-JP" altLang="en-US" sz="1050" dirty="0" smtClean="0">
+                <a:latin typeface="+mn-ea"/>
+              </a:rPr>
+              <a:t>は</a:t>
+            </a:r>
+            <a:r>
+              <a:rPr lang="ja-JP" altLang="en-US" sz="1050" dirty="0">
+                <a:latin typeface="+mn-ea"/>
+              </a:rPr>
+              <a:t>超音波センサを</a:t>
+            </a:r>
+            <a:r>
+              <a:rPr lang="ja-JP" altLang="en-US" sz="1050" dirty="0" smtClean="0">
+                <a:latin typeface="+mn-ea"/>
+              </a:rPr>
+              <a:t>用いる</a:t>
+            </a:r>
+            <a:r>
+              <a:rPr lang="ja-JP" altLang="en-US" sz="1050" dirty="0">
+                <a:latin typeface="+mn-ea"/>
+              </a:rPr>
+              <a:t>が</a:t>
+            </a:r>
+            <a:r>
+              <a:rPr lang="en-US" altLang="ja-JP" sz="1050" dirty="0" smtClean="0">
                 <a:latin typeface="+mn-ea"/>
               </a:rPr>
               <a:t>,</a:t>
             </a:r>
             <a:r>
-              <a:rPr lang="ja-JP" altLang="en-US" sz="1050">
+              <a:rPr lang="ja-JP" altLang="en-US" sz="1050" dirty="0" smtClean="0">
                 <a:latin typeface="+mn-ea"/>
               </a:rPr>
-              <a:t>超音波センサの特性上値の取得は</a:t>
-            </a:r>
-            <a:r>
-              <a:rPr lang="en-US" altLang="ja-JP" sz="1050">
+              <a:t>センサ</a:t>
+            </a:r>
+            <a:r>
+              <a:rPr lang="ja-JP" altLang="en-US" sz="1050" dirty="0">
+                <a:latin typeface="+mn-ea"/>
+              </a:rPr>
+              <a:t>の特性上値の取得は</a:t>
+            </a:r>
+            <a:r>
+              <a:rPr lang="en-US" altLang="ja-JP" sz="1050" dirty="0">
                 <a:latin typeface="+mn-ea"/>
               </a:rPr>
               <a:t>50ms</a:t>
             </a:r>
             <a:r>
-              <a:rPr lang="ja-JP" altLang="en-US" sz="1050">
+              <a:rPr lang="ja-JP" altLang="en-US" sz="1050" dirty="0">
                 <a:latin typeface="+mn-ea"/>
               </a:rPr>
               <a:t>周期で行わなければならない</a:t>
             </a:r>
             <a:r>
-              <a:rPr lang="en-US" altLang="ja-JP" sz="1050">
+              <a:rPr lang="en-US" altLang="ja-JP" sz="1050" dirty="0">
                 <a:latin typeface="+mn-ea"/>
               </a:rPr>
               <a:t>.</a:t>
             </a:r>
             <a:r>
-              <a:rPr lang="ja-JP" altLang="en-US" sz="1050">
+              <a:rPr lang="ja-JP" altLang="en-US" sz="1050" dirty="0">
                 <a:latin typeface="+mn-ea"/>
               </a:rPr>
-              <a:t>よって、ゲート検知をする際の走行体の速度が速すぎると正しくゲートを検知出来ない可能性が高い。そこで、ゲート前の区間で速度を下げることで正確な検知を実現した。</a:t>
-            </a:r>
+              <a:t>よって、ゲート検知をする際</a:t>
+            </a:r>
+            <a:r>
+              <a:rPr lang="ja-JP" altLang="en-US" sz="1050" dirty="0" smtClean="0">
+                <a:latin typeface="+mn-ea"/>
+              </a:rPr>
+              <a:t>の速度</a:t>
+            </a:r>
+            <a:r>
+              <a:rPr lang="ja-JP" altLang="en-US" sz="1050" dirty="0">
+                <a:latin typeface="+mn-ea"/>
+              </a:rPr>
+              <a:t>が速すぎる</a:t>
+            </a:r>
+            <a:r>
+              <a:rPr lang="ja-JP" altLang="en-US" sz="1050" dirty="0" smtClean="0">
+                <a:latin typeface="+mn-ea"/>
+              </a:rPr>
+              <a:t>と検知をする前にゲートを衝突してしまう</a:t>
+            </a:r>
+            <a:r>
+              <a:rPr lang="en-US" altLang="ja-JP" sz="1050" dirty="0" smtClean="0">
+                <a:latin typeface="+mn-ea"/>
+              </a:rPr>
+              <a:t>.</a:t>
+            </a:r>
+            <a:r>
+              <a:rPr lang="ja-JP" altLang="en-US" sz="1050" dirty="0" smtClean="0">
+                <a:latin typeface="+mn-ea"/>
+              </a:rPr>
+              <a:t>そこ</a:t>
+            </a:r>
+            <a:r>
+              <a:rPr lang="ja-JP" altLang="en-US" sz="1050" dirty="0">
+                <a:latin typeface="+mn-ea"/>
+              </a:rPr>
+              <a:t>で、ゲート前の区間で速度を下げることで正確な検知を</a:t>
+            </a:r>
+            <a:r>
+              <a:rPr lang="ja-JP" altLang="en-US" sz="1050" dirty="0" smtClean="0">
+                <a:latin typeface="+mn-ea"/>
+              </a:rPr>
+              <a:t>実現</a:t>
+            </a:r>
+            <a:r>
+              <a:rPr lang="en-US" altLang="ja-JP" sz="1050" dirty="0">
+                <a:latin typeface="+mn-ea"/>
+              </a:rPr>
+              <a:t>.</a:t>
+            </a:r>
+            <a:endParaRPr lang="ja-JP" altLang="en-US" sz="1050" dirty="0">
+              <a:latin typeface="+mn-ea"/>
+            </a:endParaRPr>
+          </a:p>
+        </p:txBody>
+      </p:sp>
+      <p:sp>
+        <p:nvSpPr>
+          <p:cNvPr id="47" name="角丸四角形吹き出し 46"/>
+          <p:cNvSpPr/>
+          <p:nvPr/>
+        </p:nvSpPr>
+        <p:spPr>
+          <a:xfrm>
+            <a:off x="4487863" y="2064296"/>
+            <a:ext cx="3683415" cy="1061409"/>
+          </a:xfrm>
+          <a:prstGeom prst="wedgeRoundRectCallout">
+            <a:avLst>
+              <a:gd name="adj1" fmla="val -60087"/>
+              <a:gd name="adj2" fmla="val 45124"/>
+              <a:gd name="adj3" fmla="val 16667"/>
+            </a:avLst>
+          </a:prstGeom>
+          <a:ln w="12700"/>
+        </p:spPr>
+        <p:style>
+          <a:lnRef idx="2">
+            <a:schemeClr val="accent6"/>
+          </a:lnRef>
+          <a:fillRef idx="1">
+            <a:schemeClr val="lt1"/>
+          </a:fillRef>
+          <a:effectRef idx="0">
+            <a:schemeClr val="accent6"/>
+          </a:effectRef>
+          <a:fontRef idx="minor">
+            <a:schemeClr val="dk1"/>
+          </a:fontRef>
+        </p:style>
+        <p:txBody>
+          <a:bodyPr lIns="0" tIns="0" rIns="0" bIns="0" rtlCol="0" anchor="ctr"/>
+          <a:lstStyle/>
+          <a:p>
+            <a:r>
+              <a:rPr lang="ja-JP" altLang="en-US" sz="1050" dirty="0">
+                <a:latin typeface="+mn-ea"/>
+              </a:rPr>
+              <a:t>・</a:t>
+            </a:r>
+            <a:r>
+              <a:rPr lang="ja-JP" altLang="en-US" sz="1100" u="sng" dirty="0" smtClean="0">
+                <a:latin typeface="+mn-ea"/>
+              </a:rPr>
+              <a:t>直角部分を曲がりきることが出来ない</a:t>
+            </a:r>
+            <a:endParaRPr lang="en-US" altLang="ja-JP" sz="1100" u="sng" dirty="0" smtClean="0">
+              <a:latin typeface="+mn-ea"/>
+            </a:endParaRPr>
+          </a:p>
+          <a:p>
+            <a:r>
+              <a:rPr lang="ja-JP" altLang="en-US" sz="1050" dirty="0">
+                <a:latin typeface="+mn-ea"/>
+              </a:rPr>
+              <a:t>直角</a:t>
+            </a:r>
+            <a:r>
+              <a:rPr lang="ja-JP" altLang="en-US" sz="1050" dirty="0" smtClean="0">
+                <a:latin typeface="+mn-ea"/>
+              </a:rPr>
+              <a:t>部分では輝度値の変化を検知すると停止して転回</a:t>
+            </a:r>
+            <a:r>
+              <a:rPr lang="ja-JP" altLang="en-US" sz="1050" dirty="0" smtClean="0">
+                <a:latin typeface="+mn-ea"/>
+              </a:rPr>
+              <a:t>する</a:t>
+            </a:r>
+            <a:r>
+              <a:rPr lang="en-US" altLang="ja-JP" sz="1050" dirty="0" smtClean="0">
+                <a:latin typeface="+mn-ea"/>
+              </a:rPr>
+              <a:t>.</a:t>
+            </a:r>
+            <a:r>
+              <a:rPr lang="ja-JP" altLang="en-US" sz="1050" dirty="0" smtClean="0">
+                <a:latin typeface="+mn-ea"/>
+              </a:rPr>
+              <a:t>この時</a:t>
+            </a:r>
+            <a:r>
+              <a:rPr lang="en-US" altLang="ja-JP" sz="1050" dirty="0" smtClean="0">
+                <a:latin typeface="+mn-ea"/>
+              </a:rPr>
+              <a:t>,</a:t>
+            </a:r>
+            <a:r>
+              <a:rPr lang="ja-JP" altLang="en-US" sz="1050" dirty="0" smtClean="0">
+                <a:latin typeface="+mn-ea"/>
+              </a:rPr>
+              <a:t>検知が遅れるとラインから外れた位置で転回するためライントレースを続行出来ない</a:t>
+            </a:r>
+            <a:r>
+              <a:rPr lang="en-US" altLang="ja-JP" sz="1050" dirty="0" smtClean="0">
+                <a:latin typeface="+mn-ea"/>
+              </a:rPr>
+              <a:t>.</a:t>
+            </a:r>
+            <a:r>
+              <a:rPr lang="ja-JP" altLang="en-US" sz="1050" dirty="0" smtClean="0">
+                <a:latin typeface="+mn-ea"/>
+              </a:rPr>
+              <a:t>そこで、輝度値変化が発生した瞬間の傾向を調べ</a:t>
+            </a:r>
+            <a:r>
+              <a:rPr lang="en-US" altLang="ja-JP" sz="1050" dirty="0" smtClean="0">
+                <a:latin typeface="+mn-ea"/>
+              </a:rPr>
+              <a:t>,</a:t>
+            </a:r>
+            <a:r>
+              <a:rPr lang="ja-JP" altLang="en-US" sz="1050" dirty="0" smtClean="0">
+                <a:latin typeface="+mn-ea"/>
+              </a:rPr>
+              <a:t>その傾向が見られた瞬間に停止することでラインを見失わない転回を実現</a:t>
+            </a:r>
+            <a:r>
+              <a:rPr lang="en-US" altLang="ja-JP" sz="1050" dirty="0" smtClean="0">
+                <a:latin typeface="+mn-ea"/>
+              </a:rPr>
+              <a:t>.</a:t>
+            </a:r>
+            <a:endParaRPr lang="ja-JP" altLang="en-US" sz="1050" dirty="0">
+              <a:latin typeface="+mn-ea"/>
+            </a:endParaRPr>
           </a:p>
         </p:txBody>
       </p:sp>
@@ -49874,15 +50357,7 @@
                 <a:ea typeface="メイリオ" pitchFamily="50" charset="-128"/>
                 <a:cs typeface="メイリオ" pitchFamily="50" charset="-128"/>
               </a:rPr>
-              <a:t>変化</a:t>
-            </a:r>
-            <a:r>
-              <a:rPr kumimoji="1" lang="ja-JP" altLang="en-US" sz="800" smtClean="0">
-                <a:latin typeface="メイリオ" pitchFamily="50" charset="-128"/>
-                <a:ea typeface="メイリオ" pitchFamily="50" charset="-128"/>
-                <a:cs typeface="メイリオ" pitchFamily="50" charset="-128"/>
-              </a:rPr>
-              <a:t>で走行体が</a:t>
+              <a:t>変化で走行体が</a:t>
             </a:r>
             <a:r>
               <a:rPr kumimoji="1" lang="ja-JP" altLang="en-US" sz="800" dirty="0" smtClean="0">
@@ -49954,15 +50429,7 @@
                 <a:ea typeface="メイリオ" pitchFamily="50" charset="-128"/>
                 <a:cs typeface="メイリオ" pitchFamily="50" charset="-128"/>
               </a:rPr>
-              <a:t>低く</a:t>
-            </a:r>
-            <a:r>
-              <a:rPr kumimoji="1" lang="ja-JP" altLang="en-US" sz="800" smtClean="0">
-                <a:latin typeface="メイリオ" pitchFamily="50" charset="-128"/>
-                <a:ea typeface="メイリオ" pitchFamily="50" charset="-128"/>
-                <a:cs typeface="メイリオ" pitchFamily="50" charset="-128"/>
-              </a:rPr>
-              <a:t>，走行体の</a:t>
+              <a:t>低く，走行体の</a:t>
             </a:r>
             <a:r>
               <a:rPr kumimoji="1" lang="ja-JP" altLang="en-US" sz="800" dirty="0" smtClean="0">
@@ -52727,8 +53194,8 @@
           </a:p>
         </p:txBody>
       </p:sp>
-      <mc:AlternateContent xmlns:mc="http://schemas.openxmlformats.org/markup-compatibility/2006">
-        <mc:Choice xmlns:a14="http://schemas.microsoft.com/office/drawing/2010/main" Requires="a14">
+      <mc:AlternateContent xmlns:mc="http://schemas.openxmlformats.org/markup-compatibility/2006" xmlns:a14="http://schemas.microsoft.com/office/drawing/2010/main">
+        <mc:Choice Requires="a14">
           <p:sp>
             <p:nvSpPr>
               <p:cNvPr id="1031" name="正方形/長方形 1030"/>
@@ -52764,15 +53231,7 @@
                     <a:ea typeface="メイリオ" pitchFamily="50" charset="-128"/>
                     <a:cs typeface="メイリオ" pitchFamily="50" charset="-128"/>
                   </a:rPr>
-                  <a:t>変化</a:t>
-                </a:r>
-                <a:r>
-                  <a:rPr lang="ja-JP" altLang="en-US" sz="1050" smtClean="0">
-                    <a:latin typeface="メイリオ" pitchFamily="50" charset="-128"/>
-                    <a:ea typeface="メイリオ" pitchFamily="50" charset="-128"/>
-                    <a:cs typeface="メイリオ" pitchFamily="50" charset="-128"/>
-                  </a:rPr>
-                  <a:t>させ走行体を</a:t>
+                  <a:t>変化させ走行体を</a:t>
                 </a:r>
                 <a:r>
                   <a:rPr lang="ja-JP" altLang="en-US" sz="1050" dirty="0" smtClean="0">
@@ -52949,7 +53408,7 @@
             </p:txBody>
           </p:sp>
         </mc:Choice>
-        <mc:Fallback>
+        <mc:Fallback xmlns="">
           <p:sp>
             <p:nvSpPr>
               <p:cNvPr id="1031" name="正方形/長方形 1030"/>

--- a/models/モデルシートniimura.pptx
+++ b/models/モデルシートniimura.pptx
@@ -17,7 +17,7 @@
     <p:sldId id="268" r:id="rId8"/>
   </p:sldIdLst>
   <p:sldSz cx="13584238" cy="9601200"/>
-  <p:notesSz cx="6797675" cy="9872663"/>
+  <p:notesSz cx="7099300" cy="10234613"/>
   <p:defaultTextStyle>
     <a:defPPr>
       <a:defRPr lang="ja-JP"/>
@@ -28599,15 +28599,15 @@
         </p:nvSpPr>
         <p:spPr>
           <a:xfrm>
-            <a:off x="0" y="1"/>
-            <a:ext cx="2946400" cy="493713"/>
+            <a:off x="0" y="2"/>
+            <a:ext cx="3077137" cy="511813"/>
           </a:xfrm>
           <a:prstGeom prst="rect">
             <a:avLst/>
           </a:prstGeom>
         </p:spPr>
         <p:txBody>
-          <a:bodyPr vert="horz" lIns="91437" tIns="45719" rIns="91437" bIns="45719" rtlCol="0"/>
+          <a:bodyPr vert="horz" lIns="95076" tIns="47539" rIns="95076" bIns="47539" rtlCol="0"/>
           <a:lstStyle>
             <a:lvl1pPr algn="l">
               <a:defRPr sz="1200"/>
@@ -28630,15 +28630,15 @@
         </p:nvSpPr>
         <p:spPr>
           <a:xfrm>
-            <a:off x="3849689" y="1"/>
-            <a:ext cx="2946400" cy="493713"/>
+            <a:off x="4020507" y="2"/>
+            <a:ext cx="3077137" cy="511813"/>
           </a:xfrm>
           <a:prstGeom prst="rect">
             <a:avLst/>
           </a:prstGeom>
         </p:spPr>
         <p:txBody>
-          <a:bodyPr vert="horz" lIns="91437" tIns="45719" rIns="91437" bIns="45719" rtlCol="0"/>
+          <a:bodyPr vert="horz" lIns="95076" tIns="47539" rIns="95076" bIns="47539" rtlCol="0"/>
           <a:lstStyle>
             <a:lvl1pPr algn="r">
               <a:defRPr sz="1200"/>
@@ -28665,8 +28665,8 @@
         </p:nvSpPr>
         <p:spPr>
           <a:xfrm>
-            <a:off x="779463" y="739775"/>
-            <a:ext cx="5238750" cy="3703638"/>
+            <a:off x="833438" y="766763"/>
+            <a:ext cx="5432425" cy="3840162"/>
           </a:xfrm>
           <a:prstGeom prst="rect">
             <a:avLst/>
@@ -28679,7 +28679,7 @@
           </a:ln>
         </p:spPr>
         <p:txBody>
-          <a:bodyPr vert="horz" lIns="91437" tIns="45719" rIns="91437" bIns="45719" rtlCol="0" anchor="ctr"/>
+          <a:bodyPr vert="horz" lIns="95076" tIns="47539" rIns="95076" bIns="47539" rtlCol="0" anchor="ctr"/>
           <a:lstStyle/>
           <a:p>
             <a:endParaRPr lang="ja-JP" altLang="en-US"/>
@@ -28698,15 +28698,15 @@
         </p:nvSpPr>
         <p:spPr>
           <a:xfrm>
-            <a:off x="679451" y="4689476"/>
-            <a:ext cx="5438775" cy="4443413"/>
+            <a:off x="709600" y="4861401"/>
+            <a:ext cx="5680103" cy="4606317"/>
           </a:xfrm>
           <a:prstGeom prst="rect">
             <a:avLst/>
           </a:prstGeom>
         </p:spPr>
         <p:txBody>
-          <a:bodyPr vert="horz" lIns="91437" tIns="45719" rIns="91437" bIns="45719" rtlCol="0"/>
+          <a:bodyPr vert="horz" lIns="95076" tIns="47539" rIns="95076" bIns="47539" rtlCol="0"/>
           <a:lstStyle/>
           <a:p>
             <a:pPr lvl="0"/>
@@ -28790,15 +28790,15 @@
         </p:nvSpPr>
         <p:spPr>
           <a:xfrm>
-            <a:off x="0" y="9377363"/>
-            <a:ext cx="2946400" cy="493712"/>
+            <a:off x="0" y="9721155"/>
+            <a:ext cx="3077137" cy="511812"/>
           </a:xfrm>
           <a:prstGeom prst="rect">
             <a:avLst/>
           </a:prstGeom>
         </p:spPr>
         <p:txBody>
-          <a:bodyPr vert="horz" lIns="91437" tIns="45719" rIns="91437" bIns="45719" rtlCol="0" anchor="b"/>
+          <a:bodyPr vert="horz" lIns="95076" tIns="47539" rIns="95076" bIns="47539" rtlCol="0" anchor="b"/>
           <a:lstStyle>
             <a:lvl1pPr algn="l">
               <a:defRPr sz="1200"/>
@@ -28821,15 +28821,15 @@
         </p:nvSpPr>
         <p:spPr>
           <a:xfrm>
-            <a:off x="3849689" y="9377363"/>
-            <a:ext cx="2946400" cy="493712"/>
+            <a:off x="4020507" y="9721155"/>
+            <a:ext cx="3077137" cy="511812"/>
           </a:xfrm>
           <a:prstGeom prst="rect">
             <a:avLst/>
           </a:prstGeom>
         </p:spPr>
         <p:txBody>
-          <a:bodyPr vert="horz" lIns="91437" tIns="45719" rIns="91437" bIns="45719" rtlCol="0" anchor="b"/>
+          <a:bodyPr vert="horz" lIns="95076" tIns="47539" rIns="95076" bIns="47539" rtlCol="0" anchor="b"/>
           <a:lstStyle>
             <a:lvl1pPr algn="r">
               <a:defRPr sz="1200"/>
@@ -28976,8 +28976,8 @@
         </p:nvSpPr>
         <p:spPr>
           <a:xfrm>
-            <a:off x="779463" y="739775"/>
-            <a:ext cx="5238750" cy="3703638"/>
+            <a:off x="833438" y="766763"/>
+            <a:ext cx="5432425" cy="3840162"/>
           </a:xfrm>
         </p:spPr>
       </p:sp>
@@ -44729,42 +44729,6 @@
           <a:chExt cx="0" cy="0"/>
         </a:xfrm>
       </p:grpSpPr>
-      <p:cxnSp>
-        <p:nvCxnSpPr>
-          <p:cNvPr id="55" name="直線コネクタ 54"/>
-          <p:cNvCxnSpPr/>
-          <p:nvPr/>
-        </p:nvCxnSpPr>
-        <p:spPr>
-          <a:xfrm>
-            <a:off x="8220287" y="1196443"/>
-            <a:ext cx="0" cy="8404759"/>
-          </a:xfrm>
-          <a:prstGeom prst="line">
-            <a:avLst/>
-          </a:prstGeom>
-          <a:ln w="25400">
-            <a:solidFill>
-              <a:schemeClr val="tx2"/>
-            </a:solidFill>
-            <a:prstDash val="dash"/>
-          </a:ln>
-        </p:spPr>
-        <p:style>
-          <a:lnRef idx="1">
-            <a:schemeClr val="accent1"/>
-          </a:lnRef>
-          <a:fillRef idx="0">
-            <a:schemeClr val="accent1"/>
-          </a:fillRef>
-          <a:effectRef idx="0">
-            <a:schemeClr val="accent1"/>
-          </a:effectRef>
-          <a:fontRef idx="minor">
-            <a:schemeClr val="tx1"/>
-          </a:fontRef>
-        </p:style>
-      </p:cxnSp>
       <p:sp>
         <p:nvSpPr>
           <p:cNvPr id="2" name="タイトル 1"/>
@@ -44863,8 +44827,8 @@
         </p:nvSpPr>
         <p:spPr>
           <a:xfrm>
-            <a:off x="667701" y="5624626"/>
-            <a:ext cx="7544506" cy="400110"/>
+            <a:off x="671439" y="5624626"/>
+            <a:ext cx="7413932" cy="400110"/>
           </a:xfrm>
           <a:prstGeom prst="rect">
             <a:avLst/>
@@ -44959,8 +44923,8 @@
         </p:nvSpPr>
         <p:spPr>
           <a:xfrm>
-            <a:off x="8213992" y="5624626"/>
-            <a:ext cx="5363950" cy="400110"/>
+            <a:off x="8088264" y="5624626"/>
+            <a:ext cx="5489678" cy="400110"/>
           </a:xfrm>
           <a:prstGeom prst="rect">
             <a:avLst/>
@@ -45055,8 +45019,8 @@
         </p:nvSpPr>
         <p:spPr>
           <a:xfrm>
-            <a:off x="8220288" y="1187500"/>
-            <a:ext cx="5363951" cy="400110"/>
+            <a:off x="8088264" y="1187500"/>
+            <a:ext cx="5495976" cy="400110"/>
           </a:xfrm>
           <a:prstGeom prst="rect">
             <a:avLst/>
@@ -45152,7 +45116,7 @@
         <p:spPr>
           <a:xfrm>
             <a:off x="667700" y="1196441"/>
-            <a:ext cx="7543758" cy="400110"/>
+            <a:ext cx="7413933" cy="400110"/>
           </a:xfrm>
           <a:prstGeom prst="rect">
             <a:avLst/>
@@ -45247,8 +45211,8 @@
         </p:nvSpPr>
         <p:spPr>
           <a:xfrm>
-            <a:off x="701154" y="1607736"/>
-            <a:ext cx="7470123" cy="461665"/>
+            <a:off x="618140" y="1607736"/>
+            <a:ext cx="7470123" cy="646331"/>
           </a:xfrm>
           <a:prstGeom prst="rect">
             <a:avLst/>
@@ -45262,16 +45226,12 @@
           <a:lstStyle/>
           <a:p>
             <a:r>
-              <a:rPr lang="ja-JP" altLang="en-US" sz="1200"/>
+              <a:rPr lang="ja-JP" altLang="en-US" sz="1200" dirty="0"/>
               <a:t>　</a:t>
             </a:r>
             <a:r>
-              <a:rPr kumimoji="1" lang="ja-JP" altLang="en-US" sz="1200" smtClean="0"/>
-              <a:t>階段</a:t>
-            </a:r>
-            <a:r>
               <a:rPr kumimoji="1" lang="ja-JP" altLang="en-US" sz="1200" dirty="0" smtClean="0"/>
-              <a:t>突破のためには厚さ１ｃｍの段差を乗り越え</a:t>
+              <a:t>階段突破のためには厚さ１ｃｍの段差を乗り越え</a:t>
             </a:r>
             <a:r>
               <a:rPr kumimoji="1" lang="en-US" altLang="ja-JP" sz="1200" dirty="0" smtClean="0"/>
@@ -45287,31 +45247,23 @@
             </a:r>
             <a:r>
               <a:rPr lang="ja-JP" altLang="en-US" sz="1200" dirty="0" smtClean="0"/>
-              <a:t>そこに</a:t>
-            </a:r>
-            <a:r>
-              <a:rPr lang="ja-JP" altLang="en-US" sz="1200" smtClean="0"/>
-              <a:t>潜む危険とその解決</a:t>
+              <a:t>そこに潜む危険とその解決策を考え</a:t>
+            </a:r>
+            <a:r>
+              <a:rPr lang="en-US" altLang="ja-JP" sz="1200" dirty="0" smtClean="0"/>
+              <a:t>,</a:t>
             </a:r>
             <a:r>
               <a:rPr lang="ja-JP" altLang="en-US" sz="1200" dirty="0" smtClean="0"/>
-              <a:t>策</a:t>
-            </a:r>
-            <a:r>
-              <a:rPr lang="ja-JP" altLang="en-US" sz="1200" smtClean="0"/>
-              <a:t>を考え</a:t>
-            </a:r>
-            <a:r>
-              <a:rPr lang="en-US" altLang="ja-JP" sz="1200" smtClean="0"/>
-              <a:t>,</a:t>
-            </a:r>
-            <a:r>
-              <a:rPr lang="ja-JP" altLang="en-US" sz="1200" smtClean="0"/>
               <a:t>それらを踏まえてステートチャート図を作成した</a:t>
             </a:r>
             <a:r>
-              <a:rPr lang="en-US" altLang="ja-JP" sz="1200" smtClean="0"/>
+              <a:rPr lang="en-US" altLang="ja-JP" sz="1200" dirty="0" smtClean="0"/>
               <a:t>.</a:t>
+            </a:r>
+            <a:r>
+              <a:rPr lang="ja-JP" altLang="en-US" sz="1200" dirty="0" smtClean="0"/>
+              <a:t>（他の難所についても同様の手順でステートマシン図を作成）</a:t>
             </a:r>
             <a:endParaRPr kumimoji="1" lang="en-US" altLang="ja-JP" sz="1200" dirty="0" smtClean="0"/>
           </a:p>
@@ -45325,13 +45277,13 @@
         </p:nvSpPr>
         <p:spPr>
           <a:xfrm>
-            <a:off x="743447" y="2213418"/>
+            <a:off x="743447" y="2372174"/>
             <a:ext cx="3270077" cy="844250"/>
           </a:xfrm>
           <a:prstGeom prst="wedgeRoundRectCallout">
             <a:avLst>
-              <a:gd name="adj1" fmla="val -20833"/>
-              <a:gd name="adj2" fmla="val 56906"/>
+              <a:gd name="adj1" fmla="val -31929"/>
+              <a:gd name="adj2" fmla="val 91290"/>
               <a:gd name="adj3" fmla="val 16667"/>
             </a:avLst>
           </a:prstGeom>
@@ -45504,13 +45456,13 @@
         </p:nvSpPr>
         <p:spPr>
           <a:xfrm>
-            <a:off x="3119711" y="4368552"/>
+            <a:off x="3119711" y="4656584"/>
             <a:ext cx="1656184" cy="936104"/>
           </a:xfrm>
           <a:prstGeom prst="wedgeRoundRectCallout">
             <a:avLst>
-              <a:gd name="adj1" fmla="val -29093"/>
-              <a:gd name="adj2" fmla="val -57203"/>
+              <a:gd name="adj1" fmla="val -34351"/>
+              <a:gd name="adj2" fmla="val -85112"/>
               <a:gd name="adj3" fmla="val 16667"/>
             </a:avLst>
           </a:prstGeom>
@@ -45574,15 +45526,27 @@
           <a:p>
             <a:r>
               <a:rPr lang="ja-JP" altLang="en-US" sz="1050" dirty="0">
+                <a:solidFill>
+                  <a:srgbClr val="FF0000"/>
+                </a:solidFill>
                 <a:latin typeface="+mn-ea"/>
               </a:rPr>
               <a:t>ライン</a:t>
             </a:r>
             <a:r>
               <a:rPr lang="ja-JP" altLang="en-US" sz="1050" dirty="0" smtClean="0">
+                <a:solidFill>
+                  <a:srgbClr val="FF0000"/>
+                </a:solidFill>
                 <a:latin typeface="+mn-ea"/>
               </a:rPr>
-              <a:t>復帰動作（</a:t>
+              <a:t>復帰動作</a:t>
+            </a:r>
+            <a:r>
+              <a:rPr lang="ja-JP" altLang="en-US" sz="1050" dirty="0" smtClean="0">
+                <a:latin typeface="+mn-ea"/>
+              </a:rPr>
+              <a:t>（</a:t>
             </a:r>
             <a:r>
               <a:rPr lang="en-US" altLang="ja-JP" sz="1050" dirty="0" smtClean="0">
@@ -45631,7 +45595,7 @@
         </p:blipFill>
         <p:spPr bwMode="auto">
           <a:xfrm>
-            <a:off x="5067223" y="3222395"/>
+            <a:off x="4919911" y="3438419"/>
             <a:ext cx="3021040" cy="2226277"/>
           </a:xfrm>
           <a:prstGeom prst="rect">
@@ -45759,8 +45723,8 @@
         </p:blipFill>
         <p:spPr bwMode="auto">
           <a:xfrm>
-            <a:off x="4203300" y="7528368"/>
-            <a:ext cx="4049034" cy="2096768"/>
+            <a:off x="3842903" y="7418112"/>
+            <a:ext cx="4261946" cy="2207023"/>
           </a:xfrm>
           <a:prstGeom prst="rect">
             <a:avLst/>
@@ -45808,7 +45772,7 @@
         </p:nvSpPr>
         <p:spPr>
           <a:xfrm>
-            <a:off x="4847903" y="3648472"/>
+            <a:off x="4559871" y="3720480"/>
             <a:ext cx="291328" cy="792088"/>
           </a:xfrm>
           <a:prstGeom prst="rightArrow">
@@ -45912,8 +45876,8 @@
         </p:nvSpPr>
         <p:spPr>
           <a:xfrm>
-            <a:off x="8252332" y="1560240"/>
-            <a:ext cx="5196180" cy="646331"/>
+            <a:off x="8091595" y="1560240"/>
+            <a:ext cx="5541284" cy="461665"/>
           </a:xfrm>
           <a:prstGeom prst="rect">
             <a:avLst/>
@@ -45976,43 +45940,11 @@
             </a:r>
             <a:r>
               <a:rPr lang="ja-JP" altLang="en-US" sz="1200" dirty="0" smtClean="0"/>
-              <a:t>そこに潜む</a:t>
+              <a:t>（ダブル</a:t>
             </a:r>
             <a:r>
               <a:rPr lang="ja-JP" altLang="en-US" sz="1200" dirty="0" smtClean="0"/>
-              <a:t>危険とその解決策を</a:t>
-            </a:r>
-            <a:r>
-              <a:rPr lang="ja-JP" altLang="en-US" sz="1200" dirty="0" smtClean="0"/>
-              <a:t>考え</a:t>
-            </a:r>
-            <a:r>
-              <a:rPr lang="en-US" altLang="ja-JP" sz="1200" dirty="0" smtClean="0"/>
-              <a:t>,</a:t>
-            </a:r>
-            <a:r>
-              <a:rPr lang="ja-JP" altLang="en-US" sz="1200" dirty="0" smtClean="0"/>
-              <a:t>それら</a:t>
-            </a:r>
-            <a:r>
-              <a:rPr lang="ja-JP" altLang="en-US" sz="1200" dirty="0" smtClean="0"/>
-              <a:t>を踏まえてステートチャート図を作成</a:t>
-            </a:r>
-            <a:r>
-              <a:rPr lang="ja-JP" altLang="en-US" sz="1200" dirty="0" smtClean="0"/>
-              <a:t>した</a:t>
-            </a:r>
-            <a:r>
-              <a:rPr lang="en-US" altLang="ja-JP" sz="1200" dirty="0" smtClean="0"/>
-              <a:t>.</a:t>
-            </a:r>
-            <a:r>
-              <a:rPr lang="ja-JP" altLang="en-US" sz="1200" dirty="0" smtClean="0"/>
-              <a:t>（</a:t>
-            </a:r>
-            <a:r>
-              <a:rPr lang="ja-JP" altLang="en-US" sz="1200" dirty="0" smtClean="0"/>
-              <a:t>ダブルは実現出来ず）</a:t>
+              <a:t>は実現出来ず）</a:t>
             </a:r>
             <a:endParaRPr kumimoji="1" lang="en-US" altLang="ja-JP" sz="1200" dirty="0" smtClean="0"/>
           </a:p>
@@ -46040,7 +45972,7 @@
         </p:blipFill>
         <p:spPr>
           <a:xfrm>
-            <a:off x="728196" y="3087116"/>
+            <a:off x="728196" y="3225408"/>
             <a:ext cx="3543644" cy="1215152"/>
           </a:xfrm>
           <a:prstGeom prst="rect">
@@ -46056,7 +45988,7 @@
         </p:nvSpPr>
         <p:spPr>
           <a:xfrm>
-            <a:off x="8249315" y="2213417"/>
+            <a:off x="8249315" y="2136304"/>
             <a:ext cx="2071196" cy="426943"/>
           </a:xfrm>
           <a:prstGeom prst="wedgeRoundRectCallout">
@@ -46139,13 +46071,13 @@
         </p:nvSpPr>
         <p:spPr>
           <a:xfrm>
-            <a:off x="743447" y="4296545"/>
+            <a:off x="743447" y="4584577"/>
             <a:ext cx="2232248" cy="1008111"/>
           </a:xfrm>
           <a:prstGeom prst="wedgeRoundRectCallout">
             <a:avLst>
-              <a:gd name="adj1" fmla="val 53696"/>
-              <a:gd name="adj2" fmla="val -89722"/>
+              <a:gd name="adj1" fmla="val 54996"/>
+              <a:gd name="adj2" fmla="val -111318"/>
               <a:gd name="adj3" fmla="val 16667"/>
             </a:avLst>
           </a:prstGeom>
@@ -46258,7 +46190,7 @@
         </p:nvSpPr>
         <p:spPr>
           <a:xfrm>
-            <a:off x="10464527" y="2208311"/>
+            <a:off x="10464527" y="2136304"/>
             <a:ext cx="2231023" cy="427232"/>
           </a:xfrm>
           <a:prstGeom prst="wedgeRoundRectCallout">
@@ -46341,13 +46273,13 @@
         </p:nvSpPr>
         <p:spPr>
           <a:xfrm>
-            <a:off x="11413588" y="2705835"/>
+            <a:off x="11413588" y="2706397"/>
             <a:ext cx="2075275" cy="582035"/>
           </a:xfrm>
           <a:prstGeom prst="wedgeRoundRectCallout">
             <a:avLst>
-              <a:gd name="adj1" fmla="val -87132"/>
-              <a:gd name="adj2" fmla="val 53291"/>
+              <a:gd name="adj1" fmla="val -89230"/>
+              <a:gd name="adj2" fmla="val 48304"/>
               <a:gd name="adj3" fmla="val 16667"/>
             </a:avLst>
           </a:prstGeom>
@@ -46385,24 +46317,19 @@
               <a:rPr lang="ja-JP" altLang="en-US" sz="1100" u="sng" dirty="0" smtClean="0">
                 <a:latin typeface="+mn-ea"/>
               </a:rPr>
-              <a:t>落下時に走行体が</a:t>
-            </a:r>
-            <a:r>
-              <a:rPr lang="en-US" altLang="ja-JP" sz="1100" u="sng" dirty="0" smtClean="0">
-                <a:latin typeface="+mn-ea"/>
-              </a:rPr>
-              <a:t/>
-            </a:r>
-            <a:br>
-              <a:rPr lang="en-US" altLang="ja-JP" sz="1100" u="sng" dirty="0" smtClean="0">
-                <a:latin typeface="+mn-ea"/>
-              </a:rPr>
-            </a:br>
+              <a:t>落下時に走行体</a:t>
+            </a:r>
             <a:r>
               <a:rPr lang="ja-JP" altLang="en-US" sz="1100" u="sng" dirty="0" smtClean="0">
                 <a:latin typeface="+mn-ea"/>
               </a:rPr>
-              <a:t>ラインから外れて</a:t>
+              <a:t>がライン</a:t>
+            </a:r>
+            <a:r>
+              <a:rPr lang="ja-JP" altLang="en-US" sz="1100" u="sng" dirty="0" smtClean="0">
+                <a:latin typeface="+mn-ea"/>
+              </a:rPr>
+              <a:t>から外れて</a:t>
             </a:r>
             <a:r>
               <a:rPr lang="ja-JP" altLang="en-US" sz="1100" u="sng" dirty="0" smtClean="0">
@@ -46441,8 +46368,8 @@
         </p:nvSpPr>
         <p:spPr>
           <a:xfrm>
-            <a:off x="8239924" y="3432447"/>
-            <a:ext cx="1244957" cy="2192179"/>
+            <a:off x="8132035" y="3432447"/>
+            <a:ext cx="1309866" cy="2192179"/>
           </a:xfrm>
           <a:prstGeom prst="wedgeRoundRectCallout">
             <a:avLst>
@@ -46544,7 +46471,31 @@
               <a:rPr lang="ja-JP" altLang="en-US" sz="1050" dirty="0" smtClean="0">
                 <a:latin typeface="+mn-ea"/>
               </a:rPr>
-              <a:t>そこで、斜面に対して前傾姿勢を取るようにジャイロオフセット値を調節することで斜面での安定した走行を実現</a:t>
+              <a:t>そこで</a:t>
+            </a:r>
+            <a:r>
+              <a:rPr lang="en-US" altLang="ja-JP" sz="1050" dirty="0" smtClean="0">
+                <a:latin typeface="+mn-ea"/>
+              </a:rPr>
+              <a:t>,</a:t>
+            </a:r>
+            <a:r>
+              <a:rPr lang="ja-JP" altLang="en-US" sz="1050" dirty="0" smtClean="0">
+                <a:latin typeface="+mn-ea"/>
+              </a:rPr>
+              <a:t>斜面に対して前傾姿勢を取るようにジャイロオフセット値を調節することで</a:t>
+            </a:r>
+            <a:r>
+              <a:rPr lang="en-US" altLang="ja-JP" sz="1050" dirty="0" smtClean="0">
+                <a:latin typeface="+mn-ea"/>
+              </a:rPr>
+              <a:t>,</a:t>
+            </a:r>
+            <a:r>
+              <a:rPr lang="ja-JP" altLang="en-US" sz="1050" dirty="0" smtClean="0">
+                <a:latin typeface="+mn-ea"/>
+              </a:rPr>
+              <a:t>斜面に合った姿勢での倒立制御を実現</a:t>
             </a:r>
             <a:r>
               <a:rPr lang="en-US" altLang="ja-JP" sz="1050" dirty="0" smtClean="0">
@@ -46566,8 +46517,8 @@
         </p:nvSpPr>
         <p:spPr>
           <a:xfrm>
-            <a:off x="9528423" y="3432448"/>
-            <a:ext cx="1240277" cy="2192179"/>
+            <a:off x="9499396" y="3504456"/>
+            <a:ext cx="1295216" cy="2088232"/>
           </a:xfrm>
           <a:prstGeom prst="wedgeRoundRectCallout">
             <a:avLst>
@@ -46659,19 +46610,7 @@
               <a:rPr lang="ja-JP" altLang="en-US" sz="1050" dirty="0" smtClean="0">
                 <a:latin typeface="+mn-ea"/>
               </a:rPr>
-              <a:t>揺らぐ</a:t>
-            </a:r>
-            <a:r>
-              <a:rPr lang="en-US" altLang="ja-JP" sz="1050" dirty="0">
-                <a:latin typeface="+mn-ea"/>
-              </a:rPr>
-              <a:t>.</a:t>
-            </a:r>
-            <a:r>
-              <a:rPr lang="ja-JP" altLang="en-US" sz="1050" dirty="0" smtClean="0">
-                <a:latin typeface="+mn-ea"/>
-              </a:rPr>
-              <a:t>そこで</a:t>
+              <a:t>揺らぐため</a:t>
             </a:r>
             <a:r>
               <a:rPr lang="en-US" altLang="ja-JP" sz="1050" dirty="0" smtClean="0">
@@ -46701,13 +46640,25 @@
               <a:rPr lang="ja-JP" altLang="en-US" sz="1050" dirty="0">
                 <a:latin typeface="+mn-ea"/>
               </a:rPr>
-              <a:t>を調節することで走行体の倒立制御の維持を</a:t>
+              <a:t>を</a:t>
             </a:r>
             <a:r>
               <a:rPr lang="ja-JP" altLang="en-US" sz="1050" dirty="0" smtClean="0">
                 <a:latin typeface="+mn-ea"/>
               </a:rPr>
-              <a:t>実現</a:t>
+              <a:t>調節し</a:t>
+            </a:r>
+            <a:r>
+              <a:rPr lang="en-US" altLang="ja-JP" sz="1050" dirty="0" smtClean="0">
+                <a:latin typeface="+mn-ea"/>
+              </a:rPr>
+              <a:t>,</a:t>
+            </a:r>
+            <a:r>
+              <a:rPr lang="ja-JP" altLang="en-US" sz="1050" dirty="0" smtClean="0">
+                <a:latin typeface="+mn-ea"/>
+              </a:rPr>
+              <a:t>走行体を後傾させることで安定した倒立制御の維持を実現</a:t>
             </a:r>
             <a:r>
               <a:rPr lang="en-US" altLang="ja-JP" sz="1050" dirty="0" smtClean="0">
@@ -46743,7 +46694,7 @@
         </p:blipFill>
         <p:spPr>
           <a:xfrm>
-            <a:off x="867058" y="6672808"/>
+            <a:off x="867058" y="6456784"/>
             <a:ext cx="3260766" cy="901152"/>
           </a:xfrm>
           <a:prstGeom prst="rect">
@@ -46759,13 +46710,13 @@
         </p:nvSpPr>
         <p:spPr>
           <a:xfrm>
-            <a:off x="4505194" y="6630337"/>
+            <a:off x="4343847" y="6528792"/>
             <a:ext cx="3576439" cy="402511"/>
           </a:xfrm>
           <a:prstGeom prst="wedgeRoundRectCallout">
             <a:avLst>
-              <a:gd name="adj1" fmla="val -63171"/>
-              <a:gd name="adj2" fmla="val 60998"/>
+              <a:gd name="adj1" fmla="val -58707"/>
+              <a:gd name="adj2" fmla="val 57392"/>
               <a:gd name="adj3" fmla="val 16667"/>
             </a:avLst>
           </a:prstGeom>
@@ -46882,8 +46833,8 @@
         </p:nvSpPr>
         <p:spPr>
           <a:xfrm>
-            <a:off x="704892" y="6057835"/>
-            <a:ext cx="7470123" cy="830997"/>
+            <a:off x="599431" y="6057835"/>
+            <a:ext cx="7470123" cy="646331"/>
           </a:xfrm>
           <a:prstGeom prst="rect">
             <a:avLst/>
@@ -46921,29 +46872,10 @@
               <a:t>ならない</a:t>
             </a:r>
             <a:r>
-              <a:rPr lang="en-US" altLang="ja-JP" sz="1200" dirty="0" smtClean="0"/>
-              <a:t>.</a:t>
-            </a:r>
-            <a:r>
-              <a:rPr lang="ja-JP" altLang="en-US" sz="1200" dirty="0" smtClean="0"/>
-              <a:t>そこ</a:t>
-            </a:r>
-            <a:r>
-              <a:rPr lang="ja-JP" altLang="en-US" sz="1200" dirty="0"/>
-              <a:t>に潜む危険とその解決策を考え</a:t>
-            </a:r>
-            <a:r>
-              <a:rPr lang="en-US" altLang="ja-JP" sz="1200" dirty="0"/>
-              <a:t>,</a:t>
-            </a:r>
-            <a:r>
-              <a:rPr lang="ja-JP" altLang="en-US" sz="1200" dirty="0"/>
-              <a:t>それらを踏まえてステートチャート図を作成した</a:t>
-            </a:r>
-            <a:r>
               <a:rPr lang="en-US" altLang="ja-JP" sz="1200" dirty="0"/>
               <a:t>.</a:t>
             </a:r>
+            <a:endParaRPr lang="en-US" altLang="ja-JP" sz="1200" dirty="0"/>
           </a:p>
           <a:p>
             <a:endParaRPr kumimoji="1" lang="en-US" altLang="ja-JP" sz="1200" dirty="0" smtClean="0"/>
@@ -46958,8 +46890,8 @@
         </p:nvSpPr>
         <p:spPr>
           <a:xfrm>
-            <a:off x="8252333" y="6017185"/>
-            <a:ext cx="5196180" cy="1015663"/>
+            <a:off x="8104848" y="6017185"/>
+            <a:ext cx="5473093" cy="461665"/>
           </a:xfrm>
           <a:prstGeom prst="rect">
             <a:avLst/>
@@ -46982,7 +46914,15 @@
             </a:r>
             <a:r>
               <a:rPr lang="ja-JP" altLang="en-US" sz="1200" dirty="0" smtClean="0"/>
-              <a:t>その下を通過出来るだけの角度まで走行体を傾け</a:t>
+              <a:t>その下を通過</a:t>
+            </a:r>
+            <a:r>
+              <a:rPr lang="ja-JP" altLang="en-US" sz="1200" dirty="0" smtClean="0"/>
+              <a:t>出来る角度</a:t>
+            </a:r>
+            <a:r>
+              <a:rPr lang="ja-JP" altLang="en-US" sz="1200" dirty="0" smtClean="0"/>
+              <a:t>まで走行体を傾け</a:t>
             </a:r>
             <a:r>
               <a:rPr lang="en-US" altLang="ja-JP" sz="1200" dirty="0" smtClean="0"/>
@@ -46996,24 +46936,6 @@
               <a:rPr lang="en-US" altLang="ja-JP" sz="1200" dirty="0" smtClean="0"/>
               <a:t>.</a:t>
             </a:r>
-            <a:r>
-              <a:rPr lang="ja-JP" altLang="en-US" sz="1200" dirty="0"/>
-              <a:t>そこに潜む危険とその解決策を考え</a:t>
-            </a:r>
-            <a:r>
-              <a:rPr lang="en-US" altLang="ja-JP" sz="1200" dirty="0"/>
-              <a:t>,</a:t>
-            </a:r>
-            <a:r>
-              <a:rPr lang="ja-JP" altLang="en-US" sz="1200" dirty="0"/>
-              <a:t>それらを踏まえてステートチャート図を作成した</a:t>
-            </a:r>
-            <a:r>
-              <a:rPr lang="en-US" altLang="ja-JP" sz="1200" dirty="0"/>
-              <a:t>.</a:t>
-            </a:r>
-          </a:p>
-          <a:p>
             <a:endParaRPr kumimoji="1" lang="en-US" altLang="ja-JP" sz="1200" dirty="0" smtClean="0"/>
           </a:p>
         </p:txBody>
@@ -47040,8 +46962,8 @@
         </p:blipFill>
         <p:spPr>
           <a:xfrm>
-            <a:off x="8318158" y="6760072"/>
-            <a:ext cx="2584106" cy="992856"/>
+            <a:off x="8423808" y="6758509"/>
+            <a:ext cx="2400759" cy="922411"/>
           </a:xfrm>
           <a:prstGeom prst="rect">
             <a:avLst/>
@@ -47056,13 +46978,13 @@
         </p:nvSpPr>
         <p:spPr>
           <a:xfrm>
-            <a:off x="11185832" y="6694039"/>
-            <a:ext cx="2231023" cy="842865"/>
+            <a:off x="11014862" y="6694040"/>
+            <a:ext cx="2401993" cy="583990"/>
           </a:xfrm>
           <a:prstGeom prst="wedgeRoundRectCallout">
             <a:avLst>
-              <a:gd name="adj1" fmla="val -97887"/>
-              <a:gd name="adj2" fmla="val -14716"/>
+              <a:gd name="adj1" fmla="val -96631"/>
+              <a:gd name="adj2" fmla="val -5733"/>
               <a:gd name="adj3" fmla="val 16667"/>
             </a:avLst>
           </a:prstGeom>
@@ -47111,9 +47033,18 @@
           <a:p>
             <a:r>
               <a:rPr lang="ja-JP" altLang="en-US" sz="1050" dirty="0" smtClean="0">
+                <a:solidFill>
+                  <a:srgbClr val="FF0000"/>
+                </a:solidFill>
                 <a:latin typeface="+mn-ea"/>
               </a:rPr>
-              <a:t>走行体仰角制御（</a:t>
+              <a:t>走行体仰角制御</a:t>
+            </a:r>
+            <a:r>
+              <a:rPr lang="ja-JP" altLang="en-US" sz="1050" dirty="0" smtClean="0">
+                <a:latin typeface="+mn-ea"/>
+              </a:rPr>
+              <a:t>（</a:t>
             </a:r>
             <a:r>
               <a:rPr lang="en-US" altLang="ja-JP" sz="1050" dirty="0" smtClean="0">
@@ -47137,7 +47068,19 @@
               <a:rPr lang="ja-JP" altLang="en-US" sz="1050" dirty="0" smtClean="0">
                 <a:latin typeface="+mn-ea"/>
               </a:rPr>
-              <a:t>安定した尻尾角度制御を実現</a:t>
+              <a:t>安定した尻尾角度制御を</a:t>
+            </a:r>
+            <a:r>
+              <a:rPr lang="ja-JP" altLang="en-US" sz="1050" dirty="0" smtClean="0">
+                <a:latin typeface="+mn-ea"/>
+              </a:rPr>
+              <a:t>実現</a:t>
+            </a:r>
+            <a:r>
+              <a:rPr lang="en-US" altLang="ja-JP" sz="1050" dirty="0" smtClean="0">
+                <a:latin typeface="+mn-ea"/>
+              </a:rPr>
+              <a:t>.</a:t>
             </a:r>
             <a:endParaRPr lang="en-US" altLang="ja-JP" sz="1000" dirty="0" smtClean="0">
               <a:latin typeface="+mn-ea"/>
@@ -47193,8 +47136,8 @@
         </p:nvSpPr>
         <p:spPr>
           <a:xfrm>
-            <a:off x="813596" y="7672384"/>
-            <a:ext cx="1686422" cy="1880744"/>
+            <a:off x="813596" y="7418113"/>
+            <a:ext cx="1442019" cy="2135016"/>
           </a:xfrm>
           <a:prstGeom prst="wedgeRoundRectCallout">
             <a:avLst>
@@ -47231,7 +47174,13 @@
               <a:rPr lang="ja-JP" altLang="en-US" sz="1100" u="sng" dirty="0">
                 <a:latin typeface="+mn-ea"/>
               </a:rPr>
-              <a:t>・ペットボトルに対する誤検知</a:t>
+              <a:t>・</a:t>
+            </a:r>
+            <a:r>
+              <a:rPr lang="ja-JP" altLang="en-US" sz="1100" u="sng" dirty="0" smtClean="0">
+                <a:latin typeface="+mn-ea"/>
+              </a:rPr>
+              <a:t>ペットボトルの誤検知</a:t>
             </a:r>
             <a:r>
               <a:rPr lang="ja-JP" altLang="en-US" sz="1050" dirty="0">
@@ -47348,13 +47297,13 @@
         </p:nvSpPr>
         <p:spPr>
           <a:xfrm>
-            <a:off x="2637251" y="7672384"/>
-            <a:ext cx="1634588" cy="1880744"/>
+            <a:off x="2327623" y="7407259"/>
+            <a:ext cx="1515280" cy="2145869"/>
           </a:xfrm>
           <a:prstGeom prst="wedgeRoundRectCallout">
             <a:avLst>
-              <a:gd name="adj1" fmla="val -1111"/>
-              <a:gd name="adj2" fmla="val -76029"/>
+              <a:gd name="adj1" fmla="val -9661"/>
+              <a:gd name="adj2" fmla="val -64588"/>
               <a:gd name="adj3" fmla="val 16667"/>
             </a:avLst>
           </a:prstGeom>
@@ -47411,7 +47360,7 @@
               <a:rPr lang="ja-JP" altLang="en-US" sz="1050" dirty="0" smtClean="0">
                 <a:latin typeface="+mn-ea"/>
               </a:rPr>
-              <a:t>このエリアでは</a:t>
+              <a:t>このエリアには</a:t>
             </a:r>
             <a:r>
               <a:rPr lang="en-US" altLang="ja-JP" sz="1050" dirty="0" smtClean="0">
@@ -47423,7 +47372,7 @@
               <a:rPr lang="ja-JP" altLang="en-US" sz="1050" dirty="0" smtClean="0">
                 <a:latin typeface="+mn-ea"/>
               </a:rPr>
-              <a:t>ラインの無い区間に仮想ラインとその曲率を設定し</a:t>
+              <a:t>ラインが無いため</a:t>
             </a:r>
             <a:r>
               <a:rPr lang="en-US" altLang="ja-JP" sz="1050" dirty="0" smtClean="0">
@@ -47435,19 +47384,52 @@
               <a:rPr lang="ja-JP" altLang="en-US" sz="1050" dirty="0" smtClean="0">
                 <a:latin typeface="+mn-ea"/>
               </a:rPr>
-              <a:t>輝度値によるライントレースを行わず曲率半径</a:t>
+              <a:t>ターンエリア上の仮想ラインとその曲率を定義し</a:t>
             </a:r>
             <a:r>
               <a:rPr lang="en-US" altLang="ja-JP" sz="1050" dirty="0" smtClean="0">
                 <a:latin typeface="+mn-ea"/>
               </a:rPr>
-              <a:t>PID</a:t>
+              <a:t>,</a:t>
             </a:r>
             <a:r>
               <a:rPr lang="ja-JP" altLang="en-US" sz="1050" dirty="0" smtClean="0">
                 <a:latin typeface="+mn-ea"/>
               </a:rPr>
-              <a:t>制御（</a:t>
+              <a:t>輝度値によるライントレースを行わず</a:t>
+            </a:r>
+            <a:r>
+              <a:rPr lang="ja-JP" altLang="en-US" sz="1050" dirty="0" smtClean="0">
+                <a:solidFill>
+                  <a:srgbClr val="FF0000"/>
+                </a:solidFill>
+                <a:latin typeface="+mn-ea"/>
+              </a:rPr>
+              <a:t>曲率半径</a:t>
+            </a:r>
+            <a:r>
+              <a:rPr lang="en-US" altLang="ja-JP" sz="1050" dirty="0" smtClean="0">
+                <a:solidFill>
+                  <a:srgbClr val="FF0000"/>
+                </a:solidFill>
+                <a:latin typeface="+mn-ea"/>
+              </a:rPr>
+              <a:t>PID</a:t>
+            </a:r>
+            <a:r>
+              <a:rPr lang="ja-JP" altLang="en-US" sz="1050" dirty="0" smtClean="0">
+                <a:solidFill>
+                  <a:srgbClr val="FF0000"/>
+                </a:solidFill>
+                <a:latin typeface="+mn-ea"/>
+              </a:rPr>
+              <a:t>制御</a:t>
+            </a:r>
+            <a:r>
+              <a:rPr lang="ja-JP" altLang="en-US" sz="1050" dirty="0" smtClean="0">
+                <a:latin typeface="+mn-ea"/>
+              </a:rPr>
+              <a:t>（</a:t>
             </a:r>
             <a:r>
               <a:rPr lang="en-US" altLang="ja-JP" sz="1050" dirty="0" smtClean="0">
@@ -47492,9 +47474,9 @@
           <p:nvPr/>
         </p:nvSpPr>
         <p:spPr>
-          <a:xfrm rot="19827167">
-            <a:off x="4127236" y="7402364"/>
-            <a:ext cx="390537" cy="227780"/>
+          <a:xfrm rot="20027508">
+            <a:off x="3857166" y="7326842"/>
+            <a:ext cx="390537" cy="160835"/>
           </a:xfrm>
           <a:prstGeom prst="downArrow">
             <a:avLst/>
@@ -47533,13 +47515,13 @@
         </p:nvSpPr>
         <p:spPr>
           <a:xfrm>
-            <a:off x="8397631" y="7824936"/>
-            <a:ext cx="2138904" cy="1728192"/>
+            <a:off x="8325623" y="8007578"/>
+            <a:ext cx="2210912" cy="1545550"/>
           </a:xfrm>
           <a:prstGeom prst="wedgeRoundRectCallout">
             <a:avLst>
-              <a:gd name="adj1" fmla="val -23022"/>
-              <a:gd name="adj2" fmla="val -103879"/>
+              <a:gd name="adj1" fmla="val -17770"/>
+              <a:gd name="adj2" fmla="val -72889"/>
               <a:gd name="adj3" fmla="val 16667"/>
             </a:avLst>
           </a:prstGeom>
@@ -47654,7 +47636,7 @@
               <a:t>周期で行わなければならない</a:t>
             </a:r>
             <a:r>
-              <a:rPr lang="en-US" altLang="ja-JP" sz="1050" dirty="0">
+              <a:rPr lang="en-US" altLang="ja-JP" sz="1050" dirty="0" smtClean="0">
                 <a:latin typeface="+mn-ea"/>
               </a:rPr>
               <a:t>.</a:t>
@@ -47663,7 +47645,19 @@
               <a:rPr lang="ja-JP" altLang="en-US" sz="1050" dirty="0">
                 <a:latin typeface="+mn-ea"/>
               </a:rPr>
-              <a:t>よって、ゲート検知をする際</a:t>
+              <a:t>よって</a:t>
+            </a:r>
+            <a:r>
+              <a:rPr lang="ja-JP" altLang="en-US" sz="1050" dirty="0" smtClean="0">
+                <a:latin typeface="+mn-ea"/>
+              </a:rPr>
+              <a:t>ゲート</a:t>
+            </a:r>
+            <a:r>
+              <a:rPr lang="ja-JP" altLang="en-US" sz="1050" dirty="0">
+                <a:latin typeface="+mn-ea"/>
+              </a:rPr>
+              <a:t>検知をする際</a:t>
             </a:r>
             <a:r>
               <a:rPr lang="ja-JP" altLang="en-US" sz="1050" dirty="0" smtClean="0">
@@ -47684,22 +47678,28 @@
               <a:t>と検知をする前にゲートを衝突してしまう</a:t>
             </a:r>
             <a:r>
+              <a:rPr lang="ja-JP" altLang="en-US" sz="1050" dirty="0" smtClean="0">
+                <a:latin typeface="+mn-ea"/>
+              </a:rPr>
+              <a:t>ため</a:t>
+            </a:r>
+            <a:r>
               <a:rPr lang="en-US" altLang="ja-JP" sz="1050" dirty="0" smtClean="0">
                 <a:latin typeface="+mn-ea"/>
               </a:rPr>
-              <a:t>.</a:t>
+              <a:t>,</a:t>
             </a:r>
             <a:r>
               <a:rPr lang="ja-JP" altLang="en-US" sz="1050" dirty="0" smtClean="0">
                 <a:latin typeface="+mn-ea"/>
               </a:rPr>
-              <a:t>そこ</a:t>
+              <a:t>ゲート前</a:t>
             </a:r>
             <a:r>
               <a:rPr lang="ja-JP" altLang="en-US" sz="1050" dirty="0">
                 <a:latin typeface="+mn-ea"/>
               </a:rPr>
-              <a:t>で、ゲート前の区間で速度を下げることで正確な検知を</a:t>
+              <a:t>の区間で速度を下げることで正確な検知を</a:t>
             </a:r>
             <a:r>
               <a:rPr lang="ja-JP" altLang="en-US" sz="1050" dirty="0" smtClean="0">
@@ -47727,13 +47727,13 @@
         </p:nvSpPr>
         <p:spPr>
           <a:xfrm>
-            <a:off x="4487863" y="2064296"/>
+            <a:off x="4271839" y="2299031"/>
             <a:ext cx="3683415" cy="1061409"/>
           </a:xfrm>
           <a:prstGeom prst="wedgeRoundRectCallout">
             <a:avLst>
-              <a:gd name="adj1" fmla="val -60087"/>
-              <a:gd name="adj2" fmla="val 45124"/>
+              <a:gd name="adj1" fmla="val -56146"/>
+              <a:gd name="adj2" fmla="val 53329"/>
               <a:gd name="adj3" fmla="val 16667"/>
             </a:avLst>
           </a:prstGeom>
@@ -47852,6 +47852,42 @@
           </a:p>
         </p:txBody>
       </p:sp>
+      <p:cxnSp>
+        <p:nvCxnSpPr>
+          <p:cNvPr id="55" name="直線コネクタ 54"/>
+          <p:cNvCxnSpPr/>
+          <p:nvPr/>
+        </p:nvCxnSpPr>
+        <p:spPr>
+          <a:xfrm>
+            <a:off x="8088263" y="1196443"/>
+            <a:ext cx="0" cy="8404759"/>
+          </a:xfrm>
+          <a:prstGeom prst="line">
+            <a:avLst/>
+          </a:prstGeom>
+          <a:ln w="25400">
+            <a:solidFill>
+              <a:schemeClr val="tx2"/>
+            </a:solidFill>
+            <a:prstDash val="dash"/>
+          </a:ln>
+        </p:spPr>
+        <p:style>
+          <a:lnRef idx="1">
+            <a:schemeClr val="accent1"/>
+          </a:lnRef>
+          <a:fillRef idx="0">
+            <a:schemeClr val="accent1"/>
+          </a:fillRef>
+          <a:effectRef idx="0">
+            <a:schemeClr val="accent1"/>
+          </a:effectRef>
+          <a:fontRef idx="minor">
+            <a:schemeClr val="tx1"/>
+          </a:fontRef>
+        </p:style>
+      </p:cxnSp>
     </p:spTree>
     <p:extLst>
       <p:ext uri="{BB962C8B-B14F-4D97-AF65-F5344CB8AC3E}">

--- a/models/モデルシートniimura.pptx
+++ b/models/モデルシートniimura.pptx
@@ -17,7 +17,7 @@
     <p:sldId id="268" r:id="rId8"/>
   </p:sldIdLst>
   <p:sldSz cx="13584238" cy="9601200"/>
-  <p:notesSz cx="7099300" cy="10234613"/>
+  <p:notesSz cx="6797675" cy="9872663"/>
   <p:defaultTextStyle>
     <a:defPPr>
       <a:defRPr lang="ja-JP"/>
@@ -28600,14 +28600,14 @@
         <p:spPr>
           <a:xfrm>
             <a:off x="0" y="2"/>
-            <a:ext cx="3077137" cy="511813"/>
+            <a:ext cx="2946400" cy="493713"/>
           </a:xfrm>
           <a:prstGeom prst="rect">
             <a:avLst/>
           </a:prstGeom>
         </p:spPr>
         <p:txBody>
-          <a:bodyPr vert="horz" lIns="95076" tIns="47539" rIns="95076" bIns="47539" rtlCol="0"/>
+          <a:bodyPr vert="horz" lIns="91435" tIns="45718" rIns="91435" bIns="45718" rtlCol="0"/>
           <a:lstStyle>
             <a:lvl1pPr algn="l">
               <a:defRPr sz="1200"/>
@@ -28630,15 +28630,15 @@
         </p:nvSpPr>
         <p:spPr>
           <a:xfrm>
-            <a:off x="4020507" y="2"/>
-            <a:ext cx="3077137" cy="511813"/>
+            <a:off x="3849690" y="2"/>
+            <a:ext cx="2946400" cy="493713"/>
           </a:xfrm>
           <a:prstGeom prst="rect">
             <a:avLst/>
           </a:prstGeom>
         </p:spPr>
         <p:txBody>
-          <a:bodyPr vert="horz" lIns="95076" tIns="47539" rIns="95076" bIns="47539" rtlCol="0"/>
+          <a:bodyPr vert="horz" lIns="91435" tIns="45718" rIns="91435" bIns="45718" rtlCol="0"/>
           <a:lstStyle>
             <a:lvl1pPr algn="r">
               <a:defRPr sz="1200"/>
@@ -28665,8 +28665,8 @@
         </p:nvSpPr>
         <p:spPr>
           <a:xfrm>
-            <a:off x="833438" y="766763"/>
-            <a:ext cx="5432425" cy="3840162"/>
+            <a:off x="779463" y="739775"/>
+            <a:ext cx="5238750" cy="3703638"/>
           </a:xfrm>
           <a:prstGeom prst="rect">
             <a:avLst/>
@@ -28679,7 +28679,7 @@
           </a:ln>
         </p:spPr>
         <p:txBody>
-          <a:bodyPr vert="horz" lIns="95076" tIns="47539" rIns="95076" bIns="47539" rtlCol="0" anchor="ctr"/>
+          <a:bodyPr vert="horz" lIns="91435" tIns="45718" rIns="91435" bIns="45718" rtlCol="0" anchor="ctr"/>
           <a:lstStyle/>
           <a:p>
             <a:endParaRPr lang="ja-JP" altLang="en-US"/>
@@ -28698,15 +28698,15 @@
         </p:nvSpPr>
         <p:spPr>
           <a:xfrm>
-            <a:off x="709600" y="4861401"/>
-            <a:ext cx="5680103" cy="4606317"/>
+            <a:off x="679452" y="4689477"/>
+            <a:ext cx="5438775" cy="4443413"/>
           </a:xfrm>
           <a:prstGeom prst="rect">
             <a:avLst/>
           </a:prstGeom>
         </p:spPr>
         <p:txBody>
-          <a:bodyPr vert="horz" lIns="95076" tIns="47539" rIns="95076" bIns="47539" rtlCol="0"/>
+          <a:bodyPr vert="horz" lIns="91435" tIns="45718" rIns="91435" bIns="45718" rtlCol="0"/>
           <a:lstStyle/>
           <a:p>
             <a:pPr lvl="0"/>
@@ -28790,15 +28790,15 @@
         </p:nvSpPr>
         <p:spPr>
           <a:xfrm>
-            <a:off x="0" y="9721155"/>
-            <a:ext cx="3077137" cy="511812"/>
+            <a:off x="0" y="9377363"/>
+            <a:ext cx="2946400" cy="493712"/>
           </a:xfrm>
           <a:prstGeom prst="rect">
             <a:avLst/>
           </a:prstGeom>
         </p:spPr>
         <p:txBody>
-          <a:bodyPr vert="horz" lIns="95076" tIns="47539" rIns="95076" bIns="47539" rtlCol="0" anchor="b"/>
+          <a:bodyPr vert="horz" lIns="91435" tIns="45718" rIns="91435" bIns="45718" rtlCol="0" anchor="b"/>
           <a:lstStyle>
             <a:lvl1pPr algn="l">
               <a:defRPr sz="1200"/>
@@ -28821,15 +28821,15 @@
         </p:nvSpPr>
         <p:spPr>
           <a:xfrm>
-            <a:off x="4020507" y="9721155"/>
-            <a:ext cx="3077137" cy="511812"/>
+            <a:off x="3849690" y="9377363"/>
+            <a:ext cx="2946400" cy="493712"/>
           </a:xfrm>
           <a:prstGeom prst="rect">
             <a:avLst/>
           </a:prstGeom>
         </p:spPr>
         <p:txBody>
-          <a:bodyPr vert="horz" lIns="95076" tIns="47539" rIns="95076" bIns="47539" rtlCol="0" anchor="b"/>
+          <a:bodyPr vert="horz" lIns="91435" tIns="45718" rIns="91435" bIns="45718" rtlCol="0" anchor="b"/>
           <a:lstStyle>
             <a:lvl1pPr algn="r">
               <a:defRPr sz="1200"/>
@@ -28976,8 +28976,8 @@
         </p:nvSpPr>
         <p:spPr>
           <a:xfrm>
-            <a:off x="833438" y="766763"/>
-            <a:ext cx="5432425" cy="3840162"/>
+            <a:off x="779463" y="739775"/>
+            <a:ext cx="5238750" cy="3703638"/>
           </a:xfrm>
         </p:spPr>
       </p:sp>
@@ -29072,7 +29072,7 @@
         </p:nvSpPr>
         <p:spPr bwMode="auto">
           <a:xfrm flipH="1" flipV="1">
-            <a:off x="6974335" y="1295970"/>
+            <a:off x="6974336" y="1295970"/>
             <a:ext cx="6586537" cy="8185150"/>
           </a:xfrm>
           <a:prstGeom prst="verticalScroll">
@@ -29152,7 +29152,7 @@
         </p:nvSpPr>
         <p:spPr>
           <a:xfrm>
-            <a:off x="1018819" y="2982601"/>
+            <a:off x="1018820" y="2982603"/>
             <a:ext cx="11546603" cy="2058035"/>
           </a:xfrm>
           <a:prstGeom prst="rect">
@@ -29195,7 +29195,7 @@
         </p:nvSpPr>
         <p:spPr>
           <a:xfrm>
-            <a:off x="2037638" y="5440680"/>
+            <a:off x="2037639" y="5440680"/>
             <a:ext cx="9508967" cy="2453640"/>
           </a:xfrm>
         </p:spPr>
@@ -29375,7 +29375,7 @@
         </p:nvSpPr>
         <p:spPr>
           <a:xfrm>
-            <a:off x="3" y="3841200"/>
+            <a:off x="4" y="3841200"/>
             <a:ext cx="492443" cy="1918800"/>
           </a:xfrm>
           <a:prstGeom prst="rect">
@@ -29419,7 +29419,7 @@
         </p:nvSpPr>
         <p:spPr>
           <a:xfrm>
-            <a:off x="3" y="7678800"/>
+            <a:off x="4" y="7678800"/>
             <a:ext cx="492443" cy="1922400"/>
           </a:xfrm>
           <a:prstGeom prst="rect">
@@ -29463,7 +29463,7 @@
         </p:nvSpPr>
         <p:spPr>
           <a:xfrm>
-            <a:off x="3" y="5761800"/>
+            <a:off x="4" y="5761800"/>
             <a:ext cx="492443" cy="1918800"/>
           </a:xfrm>
           <a:prstGeom prst="rect">
@@ -29507,7 +29507,7 @@
         </p:nvSpPr>
         <p:spPr>
           <a:xfrm>
-            <a:off x="3" y="1920600"/>
+            <a:off x="4" y="1920600"/>
             <a:ext cx="492443" cy="1918800"/>
           </a:xfrm>
           <a:prstGeom prst="rect">
@@ -29551,7 +29551,7 @@
         </p:nvSpPr>
         <p:spPr>
           <a:xfrm>
-            <a:off x="3" y="0"/>
+            <a:off x="4" y="0"/>
             <a:ext cx="492443" cy="1922400"/>
           </a:xfrm>
           <a:prstGeom prst="rect">
@@ -29664,7 +29664,7 @@
         </p:blipFill>
         <p:spPr bwMode="auto">
           <a:xfrm>
-            <a:off x="875607" y="120650"/>
+            <a:off x="875609" y="120650"/>
             <a:ext cx="3008313" cy="471488"/>
           </a:xfrm>
           <a:prstGeom prst="rect">
@@ -29849,7 +29849,7 @@
         </p:nvSpPr>
         <p:spPr bwMode="auto">
           <a:xfrm>
-            <a:off x="6369176" y="206379"/>
+            <a:off x="6369177" y="206381"/>
             <a:ext cx="1641475" cy="519113"/>
           </a:xfrm>
           <a:prstGeom prst="rect">
@@ -29987,7 +29987,7 @@
         </p:nvSpPr>
         <p:spPr bwMode="auto">
           <a:xfrm>
-            <a:off x="3191868" y="753800"/>
+            <a:off x="3191869" y="753800"/>
             <a:ext cx="3024188" cy="446400"/>
           </a:xfrm>
           <a:prstGeom prst="rect">
@@ -30099,7 +30099,7 @@
         </p:nvSpPr>
         <p:spPr>
           <a:xfrm>
-            <a:off x="679298" y="1712"/>
+            <a:off x="679299" y="1712"/>
             <a:ext cx="12904941" cy="1194586"/>
           </a:xfrm>
           <a:prstGeom prst="rect">
@@ -30309,7 +30309,7 @@
         </p:nvSpPr>
         <p:spPr>
           <a:xfrm>
-            <a:off x="9848572" y="384498"/>
+            <a:off x="9848572" y="384500"/>
             <a:ext cx="3056454" cy="8192135"/>
           </a:xfrm>
           <a:prstGeom prst="rect">
@@ -30340,7 +30340,7 @@
         </p:nvSpPr>
         <p:spPr>
           <a:xfrm>
-            <a:off x="679214" y="384498"/>
+            <a:off x="679215" y="384500"/>
             <a:ext cx="8942957" cy="8192135"/>
           </a:xfrm>
         </p:spPr>
@@ -30524,7 +30524,7 @@
         </p:nvSpPr>
         <p:spPr>
           <a:xfrm>
-            <a:off x="679298" y="1712"/>
+            <a:off x="679299" y="1712"/>
             <a:ext cx="12904941" cy="1194586"/>
           </a:xfrm>
           <a:prstGeom prst="rect">
@@ -30734,7 +30734,7 @@
         </p:nvSpPr>
         <p:spPr>
           <a:xfrm>
-            <a:off x="1073061" y="6169666"/>
+            <a:off x="1073062" y="6169667"/>
             <a:ext cx="11546603" cy="1906905"/>
           </a:xfrm>
           <a:prstGeom prst="rect">
@@ -30769,7 +30769,7 @@
         </p:nvSpPr>
         <p:spPr>
           <a:xfrm>
-            <a:off x="1073061" y="4069399"/>
+            <a:off x="1073062" y="4069399"/>
             <a:ext cx="11546603" cy="2100262"/>
           </a:xfrm>
         </p:spPr>
@@ -30983,7 +30983,7 @@
         </p:nvSpPr>
         <p:spPr>
           <a:xfrm>
-            <a:off x="679298" y="1712"/>
+            <a:off x="679299" y="1712"/>
             <a:ext cx="12904941" cy="1194586"/>
           </a:xfrm>
           <a:prstGeom prst="rect">
@@ -31343,7 +31343,7 @@
         </p:nvSpPr>
         <p:spPr>
           <a:xfrm>
-            <a:off x="679298" y="1712"/>
+            <a:off x="679299" y="1712"/>
             <a:ext cx="12904941" cy="1194586"/>
           </a:xfrm>
           <a:prstGeom prst="rect">
@@ -31378,7 +31378,7 @@
         </p:nvSpPr>
         <p:spPr>
           <a:xfrm>
-            <a:off x="679212" y="2149163"/>
+            <a:off x="679212" y="2149165"/>
             <a:ext cx="6002064" cy="895667"/>
           </a:xfrm>
         </p:spPr>
@@ -31560,7 +31560,7 @@
         </p:nvSpPr>
         <p:spPr>
           <a:xfrm>
-            <a:off x="6900607" y="2149163"/>
+            <a:off x="6900608" y="2149165"/>
             <a:ext cx="6004422" cy="895667"/>
           </a:xfrm>
         </p:spPr>
@@ -31625,7 +31625,7 @@
         </p:nvSpPr>
         <p:spPr>
           <a:xfrm>
-            <a:off x="6900607" y="3044826"/>
+            <a:off x="6900608" y="3044826"/>
             <a:ext cx="6004422" cy="5531803"/>
           </a:xfrm>
         </p:spPr>
@@ -31837,7 +31837,7 @@
         </p:nvSpPr>
         <p:spPr>
           <a:xfrm>
-            <a:off x="679298" y="1712"/>
+            <a:off x="679299" y="1712"/>
             <a:ext cx="12904941" cy="1194586"/>
           </a:xfrm>
           <a:prstGeom prst="rect">
@@ -32377,7 +32377,7 @@
         </p:nvSpPr>
         <p:spPr>
           <a:xfrm>
-            <a:off x="2662606" y="6720845"/>
+            <a:off x="2662606" y="6720847"/>
             <a:ext cx="8150543" cy="793433"/>
           </a:xfrm>
           <a:prstGeom prst="rect">
@@ -32473,7 +32473,7 @@
         </p:nvSpPr>
         <p:spPr>
           <a:xfrm>
-            <a:off x="2662606" y="7514278"/>
+            <a:off x="2662606" y="7514280"/>
             <a:ext cx="8150543" cy="1126807"/>
           </a:xfrm>
         </p:spPr>
@@ -32732,7 +32732,7 @@
         </p:nvSpPr>
         <p:spPr>
           <a:xfrm>
-            <a:off x="679212" y="8898896"/>
+            <a:off x="679212" y="8898898"/>
             <a:ext cx="3169656" cy="511175"/>
           </a:xfrm>
           <a:prstGeom prst="rect">
@@ -32773,7 +32773,7 @@
         </p:nvSpPr>
         <p:spPr>
           <a:xfrm>
-            <a:off x="4641282" y="8898896"/>
+            <a:off x="4641282" y="8898898"/>
             <a:ext cx="4301676" cy="511175"/>
           </a:xfrm>
           <a:prstGeom prst="rect">
@@ -32810,7 +32810,7 @@
         </p:nvSpPr>
         <p:spPr>
           <a:xfrm>
-            <a:off x="9735371" y="8898896"/>
+            <a:off x="9735371" y="8898898"/>
             <a:ext cx="3169656" cy="511175"/>
           </a:xfrm>
           <a:prstGeom prst="rect">
@@ -32847,7 +32847,7 @@
         </p:nvSpPr>
         <p:spPr>
           <a:xfrm>
-            <a:off x="1" y="4"/>
+            <a:off x="2" y="6"/>
             <a:ext cx="679297" cy="9601201"/>
           </a:xfrm>
           <a:prstGeom prst="rect">
@@ -32895,7 +32895,7 @@
         </p:nvSpPr>
         <p:spPr>
           <a:xfrm>
-            <a:off x="3" y="3841200"/>
+            <a:off x="4" y="3841200"/>
             <a:ext cx="492443" cy="1918800"/>
           </a:xfrm>
           <a:prstGeom prst="rect">
@@ -32953,7 +32953,7 @@
         </p:nvSpPr>
         <p:spPr>
           <a:xfrm>
-            <a:off x="3" y="7678800"/>
+            <a:off x="4" y="7678800"/>
             <a:ext cx="492443" cy="1922400"/>
           </a:xfrm>
           <a:prstGeom prst="rect">
@@ -33011,7 +33011,7 @@
         </p:nvSpPr>
         <p:spPr>
           <a:xfrm>
-            <a:off x="3" y="5761800"/>
+            <a:off x="4" y="5761800"/>
             <a:ext cx="492443" cy="1918800"/>
           </a:xfrm>
           <a:prstGeom prst="rect">
@@ -33097,7 +33097,7 @@
         </p:nvSpPr>
         <p:spPr>
           <a:xfrm>
-            <a:off x="3" y="1920600"/>
+            <a:off x="4" y="1920600"/>
             <a:ext cx="492443" cy="1918800"/>
           </a:xfrm>
           <a:prstGeom prst="rect">
@@ -33155,7 +33155,7 @@
         </p:nvSpPr>
         <p:spPr>
           <a:xfrm>
-            <a:off x="3" y="0"/>
+            <a:off x="4" y="0"/>
             <a:ext cx="492443" cy="1922400"/>
           </a:xfrm>
           <a:prstGeom prst="rect">
@@ -33231,7 +33231,7 @@
         </p:nvSpPr>
         <p:spPr>
           <a:xfrm>
-            <a:off x="679298" y="1712"/>
+            <a:off x="679299" y="1712"/>
             <a:ext cx="12904941" cy="1194586"/>
           </a:xfrm>
           <a:prstGeom prst="rect">
@@ -33625,7 +33625,7 @@
         </p:blipFill>
         <p:spPr bwMode="auto">
           <a:xfrm>
-            <a:off x="7224168" y="7545987"/>
+            <a:off x="7224169" y="7545987"/>
             <a:ext cx="6049955" cy="1725624"/>
           </a:xfrm>
           <a:prstGeom prst="rect">
@@ -33955,7 +33955,7 @@
         </p:nvSpPr>
         <p:spPr bwMode="auto">
           <a:xfrm>
-            <a:off x="1033463" y="1488234"/>
+            <a:off x="1033463" y="1488236"/>
             <a:ext cx="5757862" cy="5973763"/>
           </a:xfrm>
           <a:prstGeom prst="rect">
@@ -34517,7 +34517,7 @@
         </p:blipFill>
         <p:spPr bwMode="auto">
           <a:xfrm>
-            <a:off x="4272329" y="1920282"/>
+            <a:off x="4272330" y="1920284"/>
             <a:ext cx="1139231" cy="1113705"/>
           </a:xfrm>
           <a:prstGeom prst="rect">
@@ -34556,7 +34556,7 @@
         </p:blipFill>
         <p:spPr bwMode="auto">
           <a:xfrm>
-            <a:off x="1993868" y="1920283"/>
+            <a:off x="1993869" y="1920285"/>
             <a:ext cx="1139230" cy="1113705"/>
           </a:xfrm>
           <a:prstGeom prst="rect">
@@ -34595,7 +34595,7 @@
         </p:blipFill>
         <p:spPr bwMode="auto">
           <a:xfrm>
-            <a:off x="3133097" y="1920283"/>
+            <a:off x="3133097" y="1920285"/>
             <a:ext cx="1139231" cy="1113705"/>
           </a:xfrm>
           <a:prstGeom prst="rect">
@@ -34681,7 +34681,7 @@
         </p:nvSpPr>
         <p:spPr>
           <a:xfrm>
-            <a:off x="680226" y="1602630"/>
+            <a:off x="680226" y="1602632"/>
             <a:ext cx="2511720" cy="1998953"/>
           </a:xfrm>
           <a:prstGeom prst="rect">
@@ -34805,7 +34805,7 @@
         </p:nvSpPr>
         <p:spPr>
           <a:xfrm>
-            <a:off x="3" y="0"/>
+            <a:off x="4" y="0"/>
             <a:ext cx="492443" cy="1922400"/>
           </a:xfrm>
           <a:prstGeom prst="rect">
@@ -34954,7 +34954,7 @@
           </p:nvPr>
         </p:nvGraphicFramePr>
         <p:xfrm>
-          <a:off x="4811106" y="6892070"/>
+          <a:off x="4811107" y="6892071"/>
           <a:ext cx="3960440" cy="2520828"/>
         </p:xfrm>
         <a:graphic>
@@ -35404,7 +35404,7 @@
         </p:nvSpPr>
         <p:spPr>
           <a:xfrm>
-            <a:off x="1391521" y="6383042"/>
+            <a:off x="1391522" y="6383042"/>
             <a:ext cx="184731" cy="477054"/>
           </a:xfrm>
           <a:prstGeom prst="rect">
@@ -35445,7 +35445,7 @@
         </p:blipFill>
         <p:spPr bwMode="auto">
           <a:xfrm>
-            <a:off x="771881" y="1922402"/>
+            <a:off x="771881" y="1922404"/>
             <a:ext cx="2328584" cy="349073"/>
           </a:xfrm>
           <a:prstGeom prst="rect">
@@ -35494,7 +35494,7 @@
         </p:nvSpPr>
         <p:spPr>
           <a:xfrm>
-            <a:off x="683926" y="2424337"/>
+            <a:off x="683927" y="2424338"/>
             <a:ext cx="2511543" cy="1177245"/>
           </a:xfrm>
           <a:prstGeom prst="rect">
@@ -35567,7 +35567,7 @@
         </p:nvSpPr>
         <p:spPr>
           <a:xfrm>
-            <a:off x="680400" y="5988231"/>
+            <a:off x="680401" y="5988231"/>
             <a:ext cx="8127944" cy="399600"/>
           </a:xfrm>
           <a:prstGeom prst="rect">
@@ -35799,7 +35799,7 @@
           </p:nvPr>
         </p:nvGraphicFramePr>
         <p:xfrm>
-          <a:off x="8935914" y="7172746"/>
+          <a:off x="8935914" y="7172747"/>
           <a:ext cx="4520753" cy="2042327"/>
         </p:xfrm>
         <a:graphic>
@@ -36364,7 +36364,7 @@
         </p:nvSpPr>
         <p:spPr>
           <a:xfrm>
-            <a:off x="3191946" y="1602630"/>
+            <a:off x="3191947" y="1602631"/>
             <a:ext cx="6791325" cy="276999"/>
           </a:xfrm>
           <a:prstGeom prst="rect">
@@ -36436,7 +36436,7 @@
         </p:nvSpPr>
         <p:spPr>
           <a:xfrm>
-            <a:off x="8808343" y="6383044"/>
+            <a:off x="8808343" y="6383046"/>
             <a:ext cx="4782590" cy="461665"/>
           </a:xfrm>
           <a:prstGeom prst="rect">
@@ -36512,7 +36512,7 @@
         </p:blipFill>
         <p:spPr bwMode="auto">
           <a:xfrm>
-            <a:off x="771881" y="7032850"/>
+            <a:off x="771881" y="7032852"/>
             <a:ext cx="4065042" cy="1915135"/>
           </a:xfrm>
           <a:prstGeom prst="rect">
@@ -36677,7 +36677,7 @@
         </p:blipFill>
         <p:spPr bwMode="auto">
           <a:xfrm>
-            <a:off x="1393922" y="5498283"/>
+            <a:off x="1393923" y="5498285"/>
             <a:ext cx="11746161" cy="3883645"/>
           </a:xfrm>
           <a:prstGeom prst="rect">
@@ -36793,7 +36793,7 @@
         </p:nvSpPr>
         <p:spPr>
           <a:xfrm>
-            <a:off x="3" y="1920600"/>
+            <a:off x="4" y="1920600"/>
             <a:ext cx="492443" cy="1918800"/>
           </a:xfrm>
           <a:prstGeom prst="rect">
@@ -36836,7 +36836,7 @@
         </p:nvGrpSpPr>
         <p:grpSpPr>
           <a:xfrm>
-            <a:off x="5207944" y="3875869"/>
+            <a:off x="5207945" y="3875869"/>
             <a:ext cx="2957378" cy="716238"/>
             <a:chOff x="7632526" y="6990154"/>
             <a:chExt cx="3651981" cy="1138009"/>
@@ -37102,7 +37102,7 @@
         </p:nvSpPr>
         <p:spPr>
           <a:xfrm>
-            <a:off x="5717050" y="2873758"/>
+            <a:off x="5717051" y="2873760"/>
             <a:ext cx="1752533" cy="572367"/>
           </a:xfrm>
           <a:prstGeom prst="wedgeRoundRectCallout">
@@ -37178,7 +37178,7 @@
         </p:nvSpPr>
         <p:spPr>
           <a:xfrm>
-            <a:off x="8165321" y="1586521"/>
+            <a:off x="8165322" y="1586522"/>
             <a:ext cx="5418917" cy="1200329"/>
           </a:xfrm>
           <a:prstGeom prst="rect">
@@ -37345,7 +37345,7 @@
         </p:nvSpPr>
         <p:spPr>
           <a:xfrm>
-            <a:off x="674050" y="1592102"/>
+            <a:off x="674050" y="1592104"/>
             <a:ext cx="7491270" cy="1015663"/>
           </a:xfrm>
           <a:prstGeom prst="rect">
@@ -37547,7 +37547,7 @@
         </p:blipFill>
         <p:spPr bwMode="auto">
           <a:xfrm>
-            <a:off x="8200751" y="2893048"/>
+            <a:off x="8200752" y="2893050"/>
             <a:ext cx="2479802" cy="1577215"/>
           </a:xfrm>
           <a:prstGeom prst="rect">
@@ -37596,7 +37596,7 @@
         </p:nvSpPr>
         <p:spPr>
           <a:xfrm>
-            <a:off x="8165322" y="1195200"/>
+            <a:off x="8165323" y="1195200"/>
             <a:ext cx="5425999" cy="399600"/>
           </a:xfrm>
           <a:prstGeom prst="rect">
@@ -37800,7 +37800,7 @@
         </p:nvSpPr>
         <p:spPr>
           <a:xfrm>
-            <a:off x="680401" y="1195200"/>
+            <a:off x="680402" y="1195200"/>
             <a:ext cx="7484921" cy="399600"/>
           </a:xfrm>
           <a:prstGeom prst="rect">
@@ -37949,7 +37949,7 @@
         </p:nvCxnSpPr>
         <p:spPr>
           <a:xfrm flipH="1">
-            <a:off x="8412481" y="5730380"/>
+            <a:off x="8412482" y="5730380"/>
             <a:ext cx="679395" cy="2171184"/>
           </a:xfrm>
           <a:prstGeom prst="line">
@@ -38038,7 +38038,7 @@
         </p:nvSpPr>
         <p:spPr>
           <a:xfrm>
-            <a:off x="9204388" y="5808712"/>
+            <a:off x="9204389" y="5808712"/>
             <a:ext cx="2026457" cy="551314"/>
           </a:xfrm>
           <a:prstGeom prst="wedgeRoundRectCallout">
@@ -38157,7 +38157,7 @@
         </p:nvGrpSpPr>
         <p:grpSpPr>
           <a:xfrm>
-            <a:off x="10248504" y="5326125"/>
+            <a:off x="10248505" y="5326125"/>
             <a:ext cx="3275761" cy="2498813"/>
             <a:chOff x="5423967" y="7094396"/>
             <a:chExt cx="3275761" cy="2733221"/>
@@ -38399,7 +38399,7 @@
         </p:nvCxnSpPr>
         <p:spPr>
           <a:xfrm>
-            <a:off x="1893868" y="6312598"/>
+            <a:off x="1893869" y="6312598"/>
             <a:ext cx="932541" cy="1035898"/>
           </a:xfrm>
           <a:prstGeom prst="line">
@@ -38437,7 +38437,7 @@
         </p:nvSpPr>
         <p:spPr>
           <a:xfrm>
-            <a:off x="3101829" y="5354325"/>
+            <a:off x="3101830" y="5354325"/>
             <a:ext cx="1748205" cy="842950"/>
           </a:xfrm>
           <a:prstGeom prst="wedgeRoundRectCallout">
@@ -38513,7 +38513,7 @@
         </p:nvCxnSpPr>
         <p:spPr>
           <a:xfrm>
-            <a:off x="3975932" y="6197277"/>
+            <a:off x="3975933" y="6197279"/>
             <a:ext cx="2168116" cy="1483645"/>
           </a:xfrm>
           <a:prstGeom prst="line">
@@ -38558,7 +38558,7 @@
           </p:nvPr>
         </p:nvGraphicFramePr>
         <p:xfrm>
-          <a:off x="10680552" y="2840846"/>
+          <a:off x="10680553" y="2840846"/>
           <a:ext cx="2796863" cy="1815738"/>
         </p:xfrm>
         <a:graphic>
@@ -38782,7 +38782,7 @@
         </p:nvGrpSpPr>
         <p:grpSpPr>
           <a:xfrm>
-            <a:off x="711885" y="2578327"/>
+            <a:off x="711886" y="2578327"/>
             <a:ext cx="4315807" cy="2142834"/>
             <a:chOff x="939358" y="6268139"/>
             <a:chExt cx="4309544" cy="3021356"/>
@@ -42216,7 +42216,7 @@
         </p:nvCxnSpPr>
         <p:spPr>
           <a:xfrm flipH="1">
-            <a:off x="11112601" y="9049074"/>
+            <a:off x="11112602" y="9049076"/>
             <a:ext cx="216023" cy="139591"/>
           </a:xfrm>
           <a:prstGeom prst="line">
@@ -42327,7 +42327,7 @@
         </p:nvCxnSpPr>
         <p:spPr>
           <a:xfrm>
-            <a:off x="9744448" y="5520680"/>
+            <a:off x="9744449" y="5520680"/>
             <a:ext cx="1" cy="2448272"/>
           </a:xfrm>
           <a:prstGeom prst="line">
@@ -42366,7 +42366,7 @@
         </p:nvCxnSpPr>
         <p:spPr>
           <a:xfrm>
-            <a:off x="6792913" y="7968952"/>
+            <a:off x="6792914" y="7968952"/>
             <a:ext cx="2951535" cy="0"/>
           </a:xfrm>
           <a:prstGeom prst="line">
@@ -42436,7 +42436,7 @@
         </p:nvSpPr>
         <p:spPr>
           <a:xfrm>
-            <a:off x="3" y="3841200"/>
+            <a:off x="4" y="3841200"/>
             <a:ext cx="492443" cy="1918800"/>
           </a:xfrm>
           <a:prstGeom prst="rect">
@@ -42479,7 +42479,7 @@
         </p:nvSpPr>
         <p:spPr>
           <a:xfrm>
-            <a:off x="682274" y="1594802"/>
+            <a:off x="682274" y="1594804"/>
             <a:ext cx="6102737" cy="646331"/>
           </a:xfrm>
           <a:prstGeom prst="rect">
@@ -42662,7 +42662,7 @@
           <p:nvPr>
             <p:extLst>
               <p:ext uri="{D42A27DB-BD31-4B8C-83A1-F6EECF244321}">
-                <p14:modId xmlns:p14="http://schemas.microsoft.com/office/powerpoint/2010/main" val="333935942"/>
+                <p14:modId xmlns:p14="http://schemas.microsoft.com/office/powerpoint/2010/main" val="1264352598"/>
               </p:ext>
             </p:extLst>
           </p:nvPr>
@@ -42830,15 +42830,15 @@
                       <a:pPr algn="l"/>
                       <a:r>
                         <a:rPr kumimoji="1" lang="ja-JP" altLang="en-US" sz="900" dirty="0" smtClean="0"/>
-                        <a:t>制約条件より，バランサーとそれに関連する</a:t>
-                      </a:r>
-                      <a:r>
-                        <a:rPr kumimoji="1" lang="en-US" altLang="ja-JP" sz="900" dirty="0" err="1" smtClean="0"/>
-                        <a:t>ku</a:t>
+                        <a:t>制約条件より，バランサーとそれに関連</a:t>
                       </a:r>
                       <a:r>
                         <a:rPr kumimoji="1" lang="ja-JP" altLang="en-US" sz="900" dirty="0" smtClean="0"/>
-                        <a:t>処理は</a:t>
+                        <a:t>する処理</a:t>
+                      </a:r>
+                      <a:r>
+                        <a:rPr kumimoji="1" lang="ja-JP" altLang="en-US" sz="900" dirty="0" smtClean="0"/>
+                        <a:t>は</a:t>
                       </a:r>
                       <a:r>
                         <a:rPr kumimoji="1" lang="en-US" altLang="ja-JP" sz="900" dirty="0" smtClean="0"/>
@@ -43157,7 +43157,7 @@
         </p:nvSpPr>
         <p:spPr>
           <a:xfrm>
-            <a:off x="7210361" y="4095328"/>
+            <a:off x="7210362" y="4095328"/>
             <a:ext cx="5988047" cy="619578"/>
           </a:xfrm>
           <a:prstGeom prst="wedgeRoundRectCallout">
@@ -43375,7 +43375,7 @@
         </p:nvSpPr>
         <p:spPr>
           <a:xfrm>
-            <a:off x="6785012" y="4800600"/>
+            <a:off x="6785013" y="4800600"/>
             <a:ext cx="6791325" cy="553998"/>
           </a:xfrm>
           <a:prstGeom prst="rect">
@@ -43489,7 +43489,7 @@
         </p:nvSpPr>
         <p:spPr>
           <a:xfrm>
-            <a:off x="9749837" y="5736704"/>
+            <a:off x="9749838" y="5736704"/>
             <a:ext cx="4267998" cy="415498"/>
           </a:xfrm>
           <a:prstGeom prst="rect">
@@ -44009,7 +44009,7 @@
         </p:nvSpPr>
         <p:spPr>
           <a:xfrm>
-            <a:off x="6706147" y="7979987"/>
+            <a:off x="6706147" y="7979989"/>
             <a:ext cx="950068" cy="276999"/>
           </a:xfrm>
           <a:prstGeom prst="rect">
@@ -44050,7 +44050,7 @@
         </p:nvSpPr>
         <p:spPr>
           <a:xfrm>
-            <a:off x="8178827" y="7979987"/>
+            <a:off x="8178828" y="7979989"/>
             <a:ext cx="1565621" cy="276999"/>
           </a:xfrm>
           <a:prstGeom prst="rect">
@@ -44174,7 +44174,7 @@
         </p:blipFill>
         <p:spPr bwMode="auto">
           <a:xfrm>
-            <a:off x="9807574" y="6168754"/>
+            <a:off x="9807575" y="6168755"/>
             <a:ext cx="3663157" cy="3248819"/>
           </a:xfrm>
           <a:prstGeom prst="rect">
@@ -44380,7 +44380,7 @@
         </p:blipFill>
         <p:spPr bwMode="auto">
           <a:xfrm>
-            <a:off x="7011990" y="5821787"/>
+            <a:off x="7011990" y="5821788"/>
             <a:ext cx="2576054" cy="2003151"/>
           </a:xfrm>
           <a:prstGeom prst="rect">
@@ -44444,7 +44444,7 @@
         </p:blipFill>
         <p:spPr bwMode="auto">
           <a:xfrm>
-            <a:off x="817123" y="6166527"/>
+            <a:off x="817123" y="6166529"/>
             <a:ext cx="5667012" cy="3170579"/>
           </a:xfrm>
           <a:prstGeom prst="rect">
@@ -44508,7 +44508,7 @@
         </p:blipFill>
         <p:spPr bwMode="auto">
           <a:xfrm>
-            <a:off x="817124" y="2208312"/>
+            <a:off x="817125" y="2208312"/>
             <a:ext cx="5754425" cy="3157018"/>
           </a:xfrm>
           <a:prstGeom prst="rect">
@@ -44557,7 +44557,7 @@
         </p:nvSpPr>
         <p:spPr>
           <a:xfrm>
-            <a:off x="4991919" y="2856384"/>
+            <a:off x="4991920" y="2856384"/>
             <a:ext cx="1492217" cy="576064"/>
           </a:xfrm>
           <a:prstGeom prst="wedgeRoundRectCallout">
@@ -44768,7 +44768,7 @@
         </p:nvSpPr>
         <p:spPr>
           <a:xfrm>
-            <a:off x="3" y="5761800"/>
+            <a:off x="4" y="5761800"/>
             <a:ext cx="492443" cy="1918800"/>
           </a:xfrm>
           <a:prstGeom prst="rect">
@@ -44923,7 +44923,7 @@
         </p:nvSpPr>
         <p:spPr>
           <a:xfrm>
-            <a:off x="8088264" y="5624626"/>
+            <a:off x="8088265" y="5624626"/>
             <a:ext cx="5489678" cy="400110"/>
           </a:xfrm>
           <a:prstGeom prst="rect">
@@ -45115,7 +45115,7 @@
         </p:nvSpPr>
         <p:spPr>
           <a:xfrm>
-            <a:off x="667700" y="1196441"/>
+            <a:off x="667701" y="1196441"/>
             <a:ext cx="7413933" cy="400110"/>
           </a:xfrm>
           <a:prstGeom prst="rect">
@@ -45211,7 +45211,7 @@
         </p:nvSpPr>
         <p:spPr>
           <a:xfrm>
-            <a:off x="618140" y="1607736"/>
+            <a:off x="618141" y="1607736"/>
             <a:ext cx="7470123" cy="646331"/>
           </a:xfrm>
           <a:prstGeom prst="rect">
@@ -45277,7 +45277,7 @@
         </p:nvSpPr>
         <p:spPr>
           <a:xfrm>
-            <a:off x="743447" y="2372174"/>
+            <a:off x="743448" y="2372174"/>
             <a:ext cx="3270077" cy="844250"/>
           </a:xfrm>
           <a:prstGeom prst="wedgeRoundRectCallout">
@@ -45456,7 +45456,7 @@
         </p:nvSpPr>
         <p:spPr>
           <a:xfrm>
-            <a:off x="3119711" y="4656584"/>
+            <a:off x="3119712" y="4656584"/>
             <a:ext cx="1656184" cy="936104"/>
           </a:xfrm>
           <a:prstGeom prst="wedgeRoundRectCallout">
@@ -45595,7 +45595,7 @@
         </p:blipFill>
         <p:spPr bwMode="auto">
           <a:xfrm>
-            <a:off x="4919911" y="3438419"/>
+            <a:off x="4919912" y="3438421"/>
             <a:ext cx="3021040" cy="2226277"/>
           </a:xfrm>
           <a:prstGeom prst="rect">
@@ -45659,72 +45659,8 @@
         </p:blipFill>
         <p:spPr bwMode="auto">
           <a:xfrm>
-            <a:off x="10760128" y="3576465"/>
+            <a:off x="10760129" y="3576467"/>
             <a:ext cx="2872751" cy="1944215"/>
-          </a:xfrm>
-          <a:prstGeom prst="rect">
-            <a:avLst/>
-          </a:prstGeom>
-          <a:noFill/>
-          <a:ln>
-            <a:noFill/>
-          </a:ln>
-          <a:effectLst/>
-          <a:extLst>
-            <a:ext uri="{909E8E84-426E-40DD-AFC4-6F175D3DCCD1}">
-              <a14:hiddenFill xmlns:a14="http://schemas.microsoft.com/office/drawing/2010/main">
-                <a:solidFill>
-                  <a:schemeClr val="accent1"/>
-                </a:solidFill>
-              </a14:hiddenFill>
-            </a:ext>
-            <a:ext uri="{91240B29-F687-4F45-9708-019B960494DF}">
-              <a14:hiddenLine xmlns:a14="http://schemas.microsoft.com/office/drawing/2010/main" w="9525">
-                <a:solidFill>
-                  <a:schemeClr val="tx1"/>
-                </a:solidFill>
-                <a:miter lim="800000"/>
-                <a:headEnd/>
-                <a:tailEnd/>
-              </a14:hiddenLine>
-            </a:ext>
-            <a:ext uri="{AF507438-7753-43E0-B8FC-AC1667EBCBE1}">
-              <a14:hiddenEffects xmlns:a14="http://schemas.microsoft.com/office/drawing/2010/main">
-                <a:effectLst>
-                  <a:outerShdw dist="35921" dir="2700000" algn="ctr" rotWithShape="0">
-                    <a:schemeClr val="bg2"/>
-                  </a:outerShdw>
-                </a:effectLst>
-              </a14:hiddenEffects>
-            </a:ext>
-          </a:extLst>
-        </p:spPr>
-      </p:pic>
-      <p:pic>
-        <p:nvPicPr>
-          <p:cNvPr id="1030" name="Picture 6"/>
-          <p:cNvPicPr>
-            <a:picLocks noChangeAspect="1" noChangeArrowheads="1"/>
-          </p:cNvPicPr>
-          <p:nvPr/>
-        </p:nvPicPr>
-        <p:blipFill>
-          <a:blip r:embed="rId4">
-            <a:extLst>
-              <a:ext uri="{28A0092B-C50C-407E-A947-70E740481C1C}">
-                <a14:useLocalDpi xmlns:a14="http://schemas.microsoft.com/office/drawing/2010/main" val="0"/>
-              </a:ext>
-            </a:extLst>
-          </a:blip>
-          <a:srcRect/>
-          <a:stretch>
-            <a:fillRect/>
-          </a:stretch>
-        </p:blipFill>
-        <p:spPr bwMode="auto">
-          <a:xfrm>
-            <a:off x="3842903" y="7418112"/>
-            <a:ext cx="4261946" cy="2207023"/>
           </a:xfrm>
           <a:prstGeom prst="rect">
             <a:avLst/>
@@ -45773,7 +45709,7 @@
         <p:spPr>
           <a:xfrm>
             <a:off x="4559871" y="3720480"/>
-            <a:ext cx="291328" cy="792088"/>
+            <a:ext cx="291329" cy="792088"/>
           </a:xfrm>
           <a:prstGeom prst="rightArrow">
             <a:avLst/>
@@ -45813,7 +45749,7 @@
           <p:nvPr/>
         </p:nvPicPr>
         <p:blipFill>
-          <a:blip r:embed="rId5">
+          <a:blip r:embed="rId4">
             <a:extLst>
               <a:ext uri="{28A0092B-C50C-407E-A947-70E740481C1C}">
                 <a14:useLocalDpi xmlns:a14="http://schemas.microsoft.com/office/drawing/2010/main" val="0"/>
@@ -45827,7 +45763,7 @@
         </p:blipFill>
         <p:spPr bwMode="auto">
           <a:xfrm>
-            <a:off x="10718917" y="7666439"/>
+            <a:off x="10718918" y="7666439"/>
             <a:ext cx="2860577" cy="1958698"/>
           </a:xfrm>
           <a:prstGeom prst="rect">
@@ -45876,7 +45812,7 @@
         </p:nvSpPr>
         <p:spPr>
           <a:xfrm>
-            <a:off x="8091595" y="1560240"/>
+            <a:off x="8091596" y="1560242"/>
             <a:ext cx="5541284" cy="461665"/>
           </a:xfrm>
           <a:prstGeom prst="rect">
@@ -45928,23 +45864,15 @@
             </a:r>
             <a:r>
               <a:rPr lang="ja-JP" altLang="en-US" sz="1200" dirty="0" smtClean="0"/>
-              <a:t>シーソー</a:t>
+              <a:t>シーソーの</a:t>
+            </a:r>
+            <a:r>
+              <a:rPr lang="ja-JP" altLang="en-US" sz="1200" dirty="0"/>
+              <a:t>動き</a:t>
             </a:r>
             <a:r>
               <a:rPr lang="ja-JP" altLang="en-US" sz="1200" dirty="0" smtClean="0"/>
-              <a:t>の傾きに耐えなければならない</a:t>
-            </a:r>
-            <a:r>
-              <a:rPr lang="en-US" altLang="ja-JP" sz="1200" dirty="0" smtClean="0"/>
-              <a:t>.</a:t>
-            </a:r>
-            <a:r>
-              <a:rPr lang="ja-JP" altLang="en-US" sz="1200" dirty="0" smtClean="0"/>
-              <a:t>（ダブル</a:t>
-            </a:r>
-            <a:r>
-              <a:rPr lang="ja-JP" altLang="en-US" sz="1200" dirty="0" smtClean="0"/>
-              <a:t>は実現出来ず）</a:t>
+              <a:t>に対して</a:t>
             </a:r>
             <a:endParaRPr kumimoji="1" lang="en-US" altLang="ja-JP" sz="1200" dirty="0" smtClean="0"/>
           </a:p>
@@ -45959,7 +45887,7 @@
           <p:nvPr/>
         </p:nvPicPr>
         <p:blipFill>
-          <a:blip r:embed="rId6" cstate="print">
+          <a:blip r:embed="rId5" cstate="print">
             <a:extLst>
               <a:ext uri="{28A0092B-C50C-407E-A947-70E740481C1C}">
                 <a14:useLocalDpi xmlns:a14="http://schemas.microsoft.com/office/drawing/2010/main" val="0"/>
@@ -45988,7 +45916,7 @@
         </p:nvSpPr>
         <p:spPr>
           <a:xfrm>
-            <a:off x="8249315" y="2136304"/>
+            <a:off x="8249315" y="2136306"/>
             <a:ext cx="2071196" cy="426943"/>
           </a:xfrm>
           <a:prstGeom prst="wedgeRoundRectCallout">
@@ -46071,7 +45999,7 @@
         </p:nvSpPr>
         <p:spPr>
           <a:xfrm>
-            <a:off x="743447" y="4584577"/>
+            <a:off x="743447" y="4584579"/>
             <a:ext cx="2232248" cy="1008111"/>
           </a:xfrm>
           <a:prstGeom prst="wedgeRoundRectCallout">
@@ -46126,7 +46054,25 @@
               <a:rPr lang="ja-JP" altLang="en-US" sz="1050" dirty="0" smtClean="0">
                 <a:latin typeface="+mn-ea"/>
               </a:rPr>
-              <a:t>走行体が落下したことをジャイロセンサの値から検知し</a:t>
+              <a:t>走行体</a:t>
+            </a:r>
+            <a:r>
+              <a:rPr lang="ja-JP" altLang="en-US" sz="1050" dirty="0" smtClean="0">
+                <a:latin typeface="+mn-ea"/>
+              </a:rPr>
+              <a:t>が落下</a:t>
+            </a:r>
+            <a:r>
+              <a:rPr lang="ja-JP" altLang="en-US" sz="1050" dirty="0" smtClean="0">
+                <a:latin typeface="+mn-ea"/>
+              </a:rPr>
+              <a:t>した際に走行体が後傾姿勢になる傾向がある。そこで、落下時の衝撃を検知</a:t>
+            </a:r>
+            <a:r>
+              <a:rPr lang="ja-JP" altLang="en-US" sz="1050" dirty="0" smtClean="0">
+                <a:latin typeface="+mn-ea"/>
+              </a:rPr>
+              <a:t>した際に</a:t>
             </a:r>
             <a:r>
               <a:rPr lang="en-US" altLang="ja-JP" sz="1050" dirty="0" smtClean="0">
@@ -46138,7 +46084,19 @@
               <a:rPr lang="ja-JP" altLang="en-US" sz="1050" dirty="0" smtClean="0">
                 <a:latin typeface="+mn-ea"/>
               </a:rPr>
-              <a:t>ジャイロオフセットの値を調節することで衝撃を吸収し安定化を実現</a:t>
+              <a:t>ジャイロオフセットの値を</a:t>
+            </a:r>
+            <a:r>
+              <a:rPr lang="ja-JP" altLang="en-US" sz="1050" dirty="0" smtClean="0">
+                <a:latin typeface="+mn-ea"/>
+              </a:rPr>
+              <a:t>調節し補正を行うことで倒立制御の安定化</a:t>
+            </a:r>
+            <a:r>
+              <a:rPr lang="ja-JP" altLang="en-US" sz="1050" dirty="0" smtClean="0">
+                <a:latin typeface="+mn-ea"/>
+              </a:rPr>
+              <a:t>を実現</a:t>
             </a:r>
             <a:r>
               <a:rPr lang="en-US" altLang="ja-JP" sz="1050" dirty="0" smtClean="0">
@@ -46161,7 +46119,7 @@
           <p:nvPr/>
         </p:nvPicPr>
         <p:blipFill>
-          <a:blip r:embed="rId7" cstate="print">
+          <a:blip r:embed="rId6" cstate="print">
             <a:extLst>
               <a:ext uri="{28A0092B-C50C-407E-A947-70E740481C1C}">
                 <a14:useLocalDpi xmlns:a14="http://schemas.microsoft.com/office/drawing/2010/main" val="0"/>
@@ -46273,7 +46231,7 @@
         </p:nvSpPr>
         <p:spPr>
           <a:xfrm>
-            <a:off x="11413588" y="2706397"/>
+            <a:off x="11413589" y="2706399"/>
             <a:ext cx="2075275" cy="582035"/>
           </a:xfrm>
           <a:prstGeom prst="wedgeRoundRectCallout">
@@ -46362,163 +46320,14 @@
       </p:sp>
       <p:sp>
         <p:nvSpPr>
-          <p:cNvPr id="64" name="角丸四角形吹き出し 63"/>
-          <p:cNvSpPr/>
-          <p:nvPr/>
-        </p:nvSpPr>
-        <p:spPr>
-          <a:xfrm>
-            <a:off x="8132035" y="3432447"/>
-            <a:ext cx="1309866" cy="2192179"/>
-          </a:xfrm>
-          <a:prstGeom prst="wedgeRoundRectCallout">
-            <a:avLst>
-              <a:gd name="adj1" fmla="val 19242"/>
-              <a:gd name="adj2" fmla="val -61887"/>
-              <a:gd name="adj3" fmla="val 16667"/>
-            </a:avLst>
-          </a:prstGeom>
-          <a:ln w="12700">
-            <a:solidFill>
-              <a:schemeClr val="accent2"/>
-            </a:solidFill>
-          </a:ln>
-        </p:spPr>
-        <p:style>
-          <a:lnRef idx="2">
-            <a:schemeClr val="accent6"/>
-          </a:lnRef>
-          <a:fillRef idx="1">
-            <a:schemeClr val="lt1"/>
-          </a:fillRef>
-          <a:effectRef idx="0">
-            <a:schemeClr val="accent6"/>
-          </a:effectRef>
-          <a:fontRef idx="minor">
-            <a:schemeClr val="dk1"/>
-          </a:fontRef>
-        </p:style>
-        <p:txBody>
-          <a:bodyPr lIns="0" tIns="0" rIns="0" bIns="0" rtlCol="0" anchor="ctr"/>
-          <a:lstStyle/>
-          <a:p>
-            <a:r>
-              <a:rPr lang="ja-JP" altLang="en-US" sz="1050" dirty="0" smtClean="0">
-                <a:latin typeface="+mn-ea"/>
-              </a:rPr>
-              <a:t>・</a:t>
-            </a:r>
-            <a:r>
-              <a:rPr lang="ja-JP" altLang="en-US" sz="1100" u="sng" dirty="0" smtClean="0">
-                <a:latin typeface="+mn-ea"/>
-              </a:rPr>
-              <a:t>斜面</a:t>
-            </a:r>
-            <a:r>
-              <a:rPr lang="ja-JP" altLang="en-US" sz="1100" u="sng" dirty="0">
-                <a:latin typeface="+mn-ea"/>
-              </a:rPr>
-              <a:t>で</a:t>
-            </a:r>
-            <a:r>
-              <a:rPr lang="ja-JP" altLang="en-US" sz="1100" u="sng" dirty="0" smtClean="0">
-                <a:latin typeface="+mn-ea"/>
-              </a:rPr>
-              <a:t>走行体が不安定になる</a:t>
-            </a:r>
-            <a:endParaRPr lang="en-US" altLang="ja-JP" sz="1100" u="sng" dirty="0" smtClean="0">
-              <a:latin typeface="+mn-ea"/>
-            </a:endParaRPr>
-          </a:p>
-          <a:p>
-            <a:r>
-              <a:rPr lang="ja-JP" altLang="en-US" sz="1050" dirty="0" smtClean="0">
-                <a:latin typeface="+mn-ea"/>
-              </a:rPr>
-              <a:t>倒立制御</a:t>
-            </a:r>
-            <a:r>
-              <a:rPr lang="en-US" altLang="ja-JP" sz="1050" dirty="0" smtClean="0">
-                <a:latin typeface="+mn-ea"/>
-              </a:rPr>
-              <a:t>API</a:t>
-            </a:r>
-            <a:r>
-              <a:rPr lang="ja-JP" altLang="en-US" sz="1050" dirty="0" smtClean="0">
-                <a:latin typeface="+mn-ea"/>
-              </a:rPr>
-              <a:t>は</a:t>
-            </a:r>
-            <a:r>
-              <a:rPr lang="en-US" altLang="ja-JP" sz="1050" dirty="0" smtClean="0">
-                <a:latin typeface="+mn-ea"/>
-              </a:rPr>
-              <a:t>,</a:t>
-            </a:r>
-            <a:r>
-              <a:rPr lang="ja-JP" altLang="en-US" sz="1050" dirty="0" smtClean="0">
-                <a:latin typeface="+mn-ea"/>
-              </a:rPr>
-              <a:t>走行体が路面に対して垂直になるように制御を行う</a:t>
-            </a:r>
-            <a:r>
-              <a:rPr lang="en-US" altLang="ja-JP" sz="1050" dirty="0" smtClean="0">
-                <a:latin typeface="+mn-ea"/>
-              </a:rPr>
-              <a:t>.</a:t>
-            </a:r>
-            <a:r>
-              <a:rPr lang="ja-JP" altLang="en-US" sz="1050" dirty="0" smtClean="0">
-                <a:latin typeface="+mn-ea"/>
-              </a:rPr>
-              <a:t>そこで</a:t>
-            </a:r>
-            <a:r>
-              <a:rPr lang="en-US" altLang="ja-JP" sz="1050" dirty="0" smtClean="0">
-                <a:latin typeface="+mn-ea"/>
-              </a:rPr>
-              <a:t>,</a:t>
-            </a:r>
-            <a:r>
-              <a:rPr lang="ja-JP" altLang="en-US" sz="1050" dirty="0" smtClean="0">
-                <a:latin typeface="+mn-ea"/>
-              </a:rPr>
-              <a:t>斜面に対して前傾姿勢を取るようにジャイロオフセット値を調節することで</a:t>
-            </a:r>
-            <a:r>
-              <a:rPr lang="en-US" altLang="ja-JP" sz="1050" dirty="0" smtClean="0">
-                <a:latin typeface="+mn-ea"/>
-              </a:rPr>
-              <a:t>,</a:t>
-            </a:r>
-            <a:r>
-              <a:rPr lang="ja-JP" altLang="en-US" sz="1050" dirty="0" smtClean="0">
-                <a:latin typeface="+mn-ea"/>
-              </a:rPr>
-              <a:t>斜面に合った姿勢での倒立制御を実現</a:t>
-            </a:r>
-            <a:r>
-              <a:rPr lang="en-US" altLang="ja-JP" sz="1050" dirty="0" smtClean="0">
-                <a:latin typeface="+mn-ea"/>
-              </a:rPr>
-              <a:t>.</a:t>
-            </a:r>
-            <a:endParaRPr lang="ja-JP" altLang="en-US" sz="1050" dirty="0">
-              <a:latin typeface="+mn-ea"/>
-            </a:endParaRPr>
-          </a:p>
-        </p:txBody>
-      </p:sp>
-      <p:sp>
-        <p:nvSpPr>
           <p:cNvPr id="65" name="角丸四角形吹き出し 64"/>
           <p:cNvSpPr/>
           <p:nvPr/>
         </p:nvSpPr>
         <p:spPr>
           <a:xfrm>
-            <a:off x="9499396" y="3504456"/>
-            <a:ext cx="1295216" cy="2088232"/>
+            <a:off x="8249315" y="3504456"/>
+            <a:ext cx="2545297" cy="1800200"/>
           </a:xfrm>
           <a:prstGeom prst="wedgeRoundRectCallout">
             <a:avLst>
@@ -46563,7 +46372,25 @@
               <a:rPr lang="ja-JP" altLang="en-US" sz="1100" u="sng" dirty="0" smtClean="0">
                 <a:latin typeface="+mn-ea"/>
               </a:rPr>
-              <a:t>急な傾きで走行体が不安定に</a:t>
+              <a:t>シーソーの動きと角度</a:t>
+            </a:r>
+            <a:r>
+              <a:rPr lang="ja-JP" altLang="en-US" sz="1100" u="sng" dirty="0">
+                <a:latin typeface="+mn-ea"/>
+              </a:rPr>
+              <a:t>によって</a:t>
+            </a:r>
+            <a:r>
+              <a:rPr lang="ja-JP" altLang="en-US" sz="1100" u="sng" dirty="0" smtClean="0">
+                <a:latin typeface="+mn-ea"/>
+              </a:rPr>
+              <a:t>走行が</a:t>
+            </a:r>
+            <a:r>
+              <a:rPr lang="ja-JP" altLang="en-US" sz="1100" u="sng" dirty="0" smtClean="0">
+                <a:latin typeface="+mn-ea"/>
+              </a:rPr>
+              <a:t>不安定に</a:t>
             </a:r>
             <a:r>
               <a:rPr lang="ja-JP" altLang="en-US" sz="1100" u="sng" dirty="0" smtClean="0">
@@ -46577,16 +46404,10 @@
           </a:p>
           <a:p>
             <a:r>
-              <a:rPr lang="ja-JP" altLang="en-US" sz="1050" dirty="0">
-                <a:latin typeface="+mn-ea"/>
-              </a:rPr>
-              <a:t>シーソーが降下する</a:t>
-            </a:r>
-            <a:r>
               <a:rPr lang="ja-JP" altLang="en-US" sz="1050" dirty="0" smtClean="0">
                 <a:latin typeface="+mn-ea"/>
               </a:rPr>
-              <a:t>際</a:t>
+              <a:t>シーソー上走行中</a:t>
             </a:r>
             <a:r>
               <a:rPr lang="en-US" altLang="ja-JP" sz="1050" dirty="0" smtClean="0">
@@ -46598,188 +46419,15 @@
               <a:rPr lang="ja-JP" altLang="en-US" sz="1050" dirty="0" smtClean="0">
                 <a:latin typeface="+mn-ea"/>
               </a:rPr>
-              <a:t>倒立</a:t>
-            </a:r>
-            <a:r>
-              <a:rPr lang="ja-JP" altLang="en-US" sz="1050" dirty="0">
+              <a:t>シーソーの角度</a:t>
+            </a:r>
+            <a:r>
+              <a:rPr lang="ja-JP" altLang="en-US" sz="1050" smtClean="0">
                 <a:latin typeface="+mn-ea"/>
               </a:rPr>
-              <a:t>制御が大きく</a:t>
-            </a:r>
-            <a:r>
-              <a:rPr lang="ja-JP" altLang="en-US" sz="1050" dirty="0" smtClean="0">
-                <a:latin typeface="+mn-ea"/>
-              </a:rPr>
-              <a:t>揺らぐため</a:t>
-            </a:r>
-            <a:r>
-              <a:rPr lang="en-US" altLang="ja-JP" sz="1050" dirty="0" smtClean="0">
-                <a:latin typeface="+mn-ea"/>
-              </a:rPr>
-              <a:t>,</a:t>
-            </a:r>
-            <a:r>
-              <a:rPr lang="ja-JP" altLang="en-US" sz="1050" dirty="0" smtClean="0">
-                <a:latin typeface="+mn-ea"/>
-              </a:rPr>
-              <a:t>シーソー</a:t>
-            </a:r>
-            <a:r>
-              <a:rPr lang="ja-JP" altLang="en-US" sz="1050" dirty="0">
-                <a:latin typeface="+mn-ea"/>
-              </a:rPr>
-              <a:t>の降下を検知した際</a:t>
-            </a:r>
-            <a:r>
-              <a:rPr lang="ja-JP" altLang="en-US" sz="1050" dirty="0" smtClean="0">
-                <a:latin typeface="+mn-ea"/>
-              </a:rPr>
-              <a:t>にジャイロオフセット値</a:t>
-            </a:r>
-            <a:r>
-              <a:rPr lang="ja-JP" altLang="en-US" sz="1050" dirty="0">
-                <a:latin typeface="+mn-ea"/>
-              </a:rPr>
-              <a:t>を</a:t>
-            </a:r>
-            <a:r>
-              <a:rPr lang="ja-JP" altLang="en-US" sz="1050" dirty="0" smtClean="0">
-                <a:latin typeface="+mn-ea"/>
-              </a:rPr>
-              <a:t>調節し</a:t>
-            </a:r>
-            <a:r>
-              <a:rPr lang="en-US" altLang="ja-JP" sz="1050" dirty="0" smtClean="0">
-                <a:latin typeface="+mn-ea"/>
-              </a:rPr>
-              <a:t>,</a:t>
-            </a:r>
-            <a:r>
-              <a:rPr lang="ja-JP" altLang="en-US" sz="1050" dirty="0" smtClean="0">
-                <a:latin typeface="+mn-ea"/>
-              </a:rPr>
-              <a:t>走行体を後傾させることで安定した倒立制御の維持を実現</a:t>
-            </a:r>
-            <a:r>
-              <a:rPr lang="en-US" altLang="ja-JP" sz="1050" dirty="0" smtClean="0">
-                <a:latin typeface="+mn-ea"/>
-              </a:rPr>
-              <a:t>.</a:t>
+              <a:t>によって走行体が姿勢を維持することが難しくなる。また、シーソーが降下した際に</a:t>
             </a:r>
             <a:endParaRPr lang="en-US" altLang="ja-JP" sz="1050" dirty="0" smtClean="0">
-              <a:latin typeface="+mn-ea"/>
-            </a:endParaRPr>
-          </a:p>
-        </p:txBody>
-      </p:sp>
-      <p:pic>
-        <p:nvPicPr>
-          <p:cNvPr id="18" name="図 17"/>
-          <p:cNvPicPr>
-            <a:picLocks noChangeAspect="1"/>
-          </p:cNvPicPr>
-          <p:nvPr/>
-        </p:nvPicPr>
-        <p:blipFill>
-          <a:blip r:embed="rId8" cstate="print">
-            <a:extLst>
-              <a:ext uri="{28A0092B-C50C-407E-A947-70E740481C1C}">
-                <a14:useLocalDpi xmlns:a14="http://schemas.microsoft.com/office/drawing/2010/main" val="0"/>
-              </a:ext>
-            </a:extLst>
-          </a:blip>
-          <a:stretch>
-            <a:fillRect/>
-          </a:stretch>
-        </p:blipFill>
-        <p:spPr>
-          <a:xfrm>
-            <a:off x="867058" y="6456784"/>
-            <a:ext cx="3260766" cy="901152"/>
-          </a:xfrm>
-          <a:prstGeom prst="rect">
-            <a:avLst/>
-          </a:prstGeom>
-        </p:spPr>
-      </p:pic>
-      <p:sp>
-        <p:nvSpPr>
-          <p:cNvPr id="67" name="角丸四角形吹き出し 66"/>
-          <p:cNvSpPr/>
-          <p:nvPr/>
-        </p:nvSpPr>
-        <p:spPr>
-          <a:xfrm>
-            <a:off x="4343847" y="6528792"/>
-            <a:ext cx="3576439" cy="402511"/>
-          </a:xfrm>
-          <a:prstGeom prst="wedgeRoundRectCallout">
-            <a:avLst>
-              <a:gd name="adj1" fmla="val -58707"/>
-              <a:gd name="adj2" fmla="val 57392"/>
-              <a:gd name="adj3" fmla="val 16667"/>
-            </a:avLst>
-          </a:prstGeom>
-          <a:ln w="12700">
-            <a:solidFill>
-              <a:srgbClr val="FFFF00"/>
-            </a:solidFill>
-          </a:ln>
-        </p:spPr>
-        <p:style>
-          <a:lnRef idx="2">
-            <a:schemeClr val="accent6"/>
-          </a:lnRef>
-          <a:fillRef idx="1">
-            <a:schemeClr val="lt1"/>
-          </a:fillRef>
-          <a:effectRef idx="0">
-            <a:schemeClr val="accent6"/>
-          </a:effectRef>
-          <a:fontRef idx="minor">
-            <a:schemeClr val="dk1"/>
-          </a:fontRef>
-        </p:style>
-        <p:txBody>
-          <a:bodyPr lIns="0" tIns="0" rIns="0" bIns="0" rtlCol="0" anchor="ctr"/>
-          <a:lstStyle/>
-          <a:p>
-            <a:r>
-              <a:rPr lang="ja-JP" altLang="en-US" sz="1100" dirty="0" smtClean="0">
-                <a:latin typeface="+mn-ea"/>
-              </a:rPr>
-              <a:t>・</a:t>
-            </a:r>
-            <a:r>
-              <a:rPr lang="ja-JP" altLang="en-US" sz="1100" u="sng" dirty="0" smtClean="0">
-                <a:latin typeface="+mn-ea"/>
-              </a:rPr>
-              <a:t>ターンエリア終了後に走行体がラインから外れて</a:t>
-            </a:r>
-            <a:r>
-              <a:rPr lang="ja-JP" altLang="en-US" sz="1100" u="sng" dirty="0" smtClean="0">
-                <a:latin typeface="+mn-ea"/>
-              </a:rPr>
-              <a:t>いる</a:t>
-            </a:r>
-            <a:endParaRPr lang="en-US" altLang="ja-JP" sz="1100" u="sng" dirty="0" smtClean="0">
-              <a:latin typeface="+mn-ea"/>
-            </a:endParaRPr>
-          </a:p>
-          <a:p>
-            <a:r>
-              <a:rPr lang="ja-JP" altLang="en-US" sz="1100" dirty="0" smtClean="0">
-                <a:latin typeface="+mn-ea"/>
-              </a:rPr>
-              <a:t>階段での動作と同様にして実現</a:t>
-            </a:r>
-            <a:r>
-              <a:rPr lang="en-US" altLang="ja-JP" sz="1100" dirty="0" smtClean="0">
-                <a:latin typeface="+mn-ea"/>
-              </a:rPr>
-              <a:t>.</a:t>
-            </a:r>
-            <a:endParaRPr lang="en-US" altLang="ja-JP" sz="1100" dirty="0" smtClean="0">
               <a:latin typeface="+mn-ea"/>
             </a:endParaRPr>
           </a:p>
@@ -46793,7 +46441,7 @@
         </p:nvSpPr>
         <p:spPr>
           <a:xfrm rot="20020687">
-            <a:off x="10834708" y="3387042"/>
+            <a:off x="10834708" y="3387044"/>
             <a:ext cx="482847" cy="162821"/>
           </a:xfrm>
           <a:prstGeom prst="downArrow">
@@ -46833,7 +46481,7 @@
         </p:nvSpPr>
         <p:spPr>
           <a:xfrm>
-            <a:off x="599431" y="6057835"/>
+            <a:off x="599432" y="6057837"/>
             <a:ext cx="7470123" cy="646331"/>
           </a:xfrm>
           <a:prstGeom prst="rect">
@@ -46849,11 +46497,23 @@
           <a:p>
             <a:r>
               <a:rPr lang="ja-JP" altLang="en-US" sz="1200" dirty="0"/>
-              <a:t>　ドリフトターン突破のためには左右どちらかにあるペットボトルを検知</a:t>
+              <a:t>　ドリフトターン突破のために</a:t>
             </a:r>
             <a:r>
               <a:rPr lang="ja-JP" altLang="en-US" sz="1200" dirty="0" smtClean="0"/>
-              <a:t>し</a:t>
+              <a:t>はペットボトル</a:t>
+            </a:r>
+            <a:r>
+              <a:rPr lang="ja-JP" altLang="en-US" sz="1200" dirty="0" smtClean="0"/>
+              <a:t>の誤</a:t>
+            </a:r>
+            <a:r>
+              <a:rPr lang="ja-JP" altLang="en-US" sz="1200" dirty="0" smtClean="0"/>
+              <a:t>検知</a:t>
+            </a:r>
+            <a:r>
+              <a:rPr lang="ja-JP" altLang="en-US" sz="1200" dirty="0" smtClean="0"/>
+              <a:t>を防ぎ</a:t>
             </a:r>
             <a:r>
               <a:rPr lang="en-US" altLang="ja-JP" sz="1200" dirty="0" smtClean="0"/>
@@ -46861,18 +46521,10 @@
             </a:r>
             <a:r>
               <a:rPr lang="ja-JP" altLang="en-US" sz="1200" dirty="0" smtClean="0"/>
-              <a:t>その</a:t>
-            </a:r>
-            <a:r>
-              <a:rPr lang="ja-JP" altLang="en-US" sz="1200" dirty="0"/>
-              <a:t>位置に合わせてターンエリアでラインの無いコースを走行しなければ</a:t>
-            </a:r>
-            <a:r>
-              <a:rPr lang="ja-JP" altLang="en-US" sz="1200" dirty="0" smtClean="0"/>
-              <a:t>ならない</a:t>
-            </a:r>
-            <a:r>
-              <a:rPr lang="en-US" altLang="ja-JP" sz="1200" dirty="0"/>
+              <a:t>ラインの無い区間を走行しなければならない</a:t>
+            </a:r>
+            <a:r>
+              <a:rPr lang="en-US" altLang="ja-JP" sz="1200" dirty="0" smtClean="0"/>
               <a:t>.</a:t>
             </a:r>
             <a:endParaRPr lang="en-US" altLang="ja-JP" sz="1200" dirty="0"/>
@@ -46890,7 +46542,7 @@
         </p:nvSpPr>
         <p:spPr>
           <a:xfrm>
-            <a:off x="8104848" y="6017185"/>
+            <a:off x="8104848" y="6017187"/>
             <a:ext cx="5473093" cy="461665"/>
           </a:xfrm>
           <a:prstGeom prst="rect">
@@ -46949,7 +46601,7 @@
           <p:nvPr/>
         </p:nvPicPr>
         <p:blipFill>
-          <a:blip r:embed="rId9" cstate="print">
+          <a:blip r:embed="rId7" cstate="print">
             <a:extLst>
               <a:ext uri="{28A0092B-C50C-407E-A947-70E740481C1C}">
                 <a14:useLocalDpi xmlns:a14="http://schemas.microsoft.com/office/drawing/2010/main" val="0"/>
@@ -46962,7 +46614,7 @@
         </p:blipFill>
         <p:spPr>
           <a:xfrm>
-            <a:off x="8423808" y="6758509"/>
+            <a:off x="8423808" y="6758511"/>
             <a:ext cx="2400759" cy="922411"/>
           </a:xfrm>
           <a:prstGeom prst="rect">
@@ -46978,7 +46630,7 @@
         </p:nvSpPr>
         <p:spPr>
           <a:xfrm>
-            <a:off x="11014862" y="6694040"/>
+            <a:off x="11014863" y="6694040"/>
             <a:ext cx="2401993" cy="583990"/>
           </a:xfrm>
           <a:prstGeom prst="wedgeRoundRectCallout">
@@ -47096,7 +46748,7 @@
         </p:nvSpPr>
         <p:spPr>
           <a:xfrm rot="20020687">
-            <a:off x="10726830" y="7574287"/>
+            <a:off x="10726831" y="7574289"/>
             <a:ext cx="576064" cy="170391"/>
           </a:xfrm>
           <a:prstGeom prst="downArrow">
@@ -47130,353 +46782,14 @@
       </p:sp>
       <p:sp>
         <p:nvSpPr>
-          <p:cNvPr id="76" name="角丸四角形吹き出し 75"/>
-          <p:cNvSpPr/>
-          <p:nvPr/>
-        </p:nvSpPr>
-        <p:spPr>
-          <a:xfrm>
-            <a:off x="813596" y="7418113"/>
-            <a:ext cx="1442019" cy="2135016"/>
-          </a:xfrm>
-          <a:prstGeom prst="wedgeRoundRectCallout">
-            <a:avLst>
-              <a:gd name="adj1" fmla="val -7061"/>
-              <a:gd name="adj2" fmla="val -58179"/>
-              <a:gd name="adj3" fmla="val 16667"/>
-            </a:avLst>
-          </a:prstGeom>
-          <a:ln w="12700">
-            <a:solidFill>
-              <a:srgbClr val="FFC000"/>
-            </a:solidFill>
-          </a:ln>
-        </p:spPr>
-        <p:style>
-          <a:lnRef idx="2">
-            <a:schemeClr val="accent6"/>
-          </a:lnRef>
-          <a:fillRef idx="1">
-            <a:schemeClr val="lt1"/>
-          </a:fillRef>
-          <a:effectRef idx="0">
-            <a:schemeClr val="accent6"/>
-          </a:effectRef>
-          <a:fontRef idx="minor">
-            <a:schemeClr val="dk1"/>
-          </a:fontRef>
-        </p:style>
-        <p:txBody>
-          <a:bodyPr lIns="0" tIns="0" rIns="0" bIns="0" rtlCol="0" anchor="ctr"/>
-          <a:lstStyle/>
-          <a:p>
-            <a:r>
-              <a:rPr lang="ja-JP" altLang="en-US" sz="1100" u="sng" dirty="0">
-                <a:latin typeface="+mn-ea"/>
-              </a:rPr>
-              <a:t>・</a:t>
-            </a:r>
-            <a:r>
-              <a:rPr lang="ja-JP" altLang="en-US" sz="1100" u="sng" dirty="0" smtClean="0">
-                <a:latin typeface="+mn-ea"/>
-              </a:rPr>
-              <a:t>ペットボトルの誤検知</a:t>
-            </a:r>
-            <a:r>
-              <a:rPr lang="ja-JP" altLang="en-US" sz="1050" dirty="0">
-                <a:latin typeface="+mn-ea"/>
-              </a:rPr>
-              <a:t/>
-            </a:r>
-            <a:br>
-              <a:rPr lang="ja-JP" altLang="en-US" sz="1050" dirty="0">
-                <a:latin typeface="+mn-ea"/>
-              </a:rPr>
-            </a:br>
-            <a:r>
-              <a:rPr lang="ja-JP" altLang="en-US" sz="1050" dirty="0">
-                <a:latin typeface="+mn-ea"/>
-              </a:rPr>
-              <a:t>大会のコース上にはいくつかのオブジェが置いて</a:t>
-            </a:r>
-            <a:r>
-              <a:rPr lang="ja-JP" altLang="en-US" sz="1050" dirty="0" smtClean="0">
-                <a:latin typeface="+mn-ea"/>
-              </a:rPr>
-              <a:t>あり</a:t>
-            </a:r>
-            <a:r>
-              <a:rPr lang="en-US" altLang="ja-JP" sz="1050" dirty="0">
-                <a:latin typeface="+mn-ea"/>
-              </a:rPr>
-              <a:t>,</a:t>
-            </a:r>
-            <a:r>
-              <a:rPr lang="ja-JP" altLang="en-US" sz="1050" dirty="0" smtClean="0">
-                <a:latin typeface="+mn-ea"/>
-              </a:rPr>
-              <a:t>それら</a:t>
-            </a:r>
-            <a:r>
-              <a:rPr lang="ja-JP" altLang="en-US" sz="1050" dirty="0">
-                <a:latin typeface="+mn-ea"/>
-              </a:rPr>
-              <a:t>を誤って検知する可能性が</a:t>
-            </a:r>
-            <a:r>
-              <a:rPr lang="ja-JP" altLang="en-US" sz="1050" dirty="0" smtClean="0">
-                <a:latin typeface="+mn-ea"/>
-              </a:rPr>
-              <a:t>ある</a:t>
-            </a:r>
-            <a:r>
-              <a:rPr lang="en-US" altLang="ja-JP" sz="1050" dirty="0" smtClean="0">
-                <a:latin typeface="+mn-ea"/>
-              </a:rPr>
-              <a:t>.</a:t>
-            </a:r>
-            <a:r>
-              <a:rPr lang="ja-JP" altLang="en-US" sz="1050" dirty="0" smtClean="0">
-                <a:latin typeface="+mn-ea"/>
-              </a:rPr>
-              <a:t>そこでライン上</a:t>
-            </a:r>
-            <a:r>
-              <a:rPr lang="ja-JP" altLang="en-US" sz="1050" dirty="0">
-                <a:latin typeface="+mn-ea"/>
-              </a:rPr>
-              <a:t>かつペットボトルに最も近い位置で</a:t>
-            </a:r>
-            <a:r>
-              <a:rPr lang="ja-JP" altLang="en-US" sz="1050" dirty="0" smtClean="0">
-                <a:latin typeface="+mn-ea"/>
-              </a:rPr>
-              <a:t>停止</a:t>
-            </a:r>
-            <a:r>
-              <a:rPr lang="en-US" altLang="ja-JP" sz="1050" dirty="0" smtClean="0">
-                <a:latin typeface="+mn-ea"/>
-              </a:rPr>
-              <a:t>,</a:t>
-            </a:r>
-            <a:r>
-              <a:rPr lang="ja-JP" altLang="en-US" sz="1050" dirty="0" smtClean="0">
-                <a:latin typeface="+mn-ea"/>
-              </a:rPr>
-              <a:t>転回し検知</a:t>
-            </a:r>
-            <a:r>
-              <a:rPr lang="ja-JP" altLang="en-US" sz="1050" dirty="0">
-                <a:latin typeface="+mn-ea"/>
-              </a:rPr>
-              <a:t>を行うことで誤検知防止を</a:t>
-            </a:r>
-            <a:r>
-              <a:rPr lang="ja-JP" altLang="en-US" sz="1050" dirty="0" smtClean="0">
-                <a:latin typeface="+mn-ea"/>
-              </a:rPr>
-              <a:t>実現</a:t>
-            </a:r>
-            <a:r>
-              <a:rPr lang="en-US" altLang="ja-JP" sz="1050" dirty="0">
-                <a:latin typeface="+mn-ea"/>
-              </a:rPr>
-              <a:t>.</a:t>
-            </a:r>
-            <a:endParaRPr lang="ja-JP" altLang="en-US" sz="1050" dirty="0">
-              <a:latin typeface="+mn-ea"/>
-            </a:endParaRPr>
-          </a:p>
-        </p:txBody>
-      </p:sp>
-      <p:sp>
-        <p:nvSpPr>
-          <p:cNvPr id="77" name="角丸四角形吹き出し 76"/>
-          <p:cNvSpPr/>
-          <p:nvPr/>
-        </p:nvSpPr>
-        <p:spPr>
-          <a:xfrm>
-            <a:off x="2327623" y="7407259"/>
-            <a:ext cx="1515280" cy="2145869"/>
-          </a:xfrm>
-          <a:prstGeom prst="wedgeRoundRectCallout">
-            <a:avLst>
-              <a:gd name="adj1" fmla="val -9661"/>
-              <a:gd name="adj2" fmla="val -64588"/>
-              <a:gd name="adj3" fmla="val 16667"/>
-            </a:avLst>
-          </a:prstGeom>
-          <a:ln w="12700">
-            <a:solidFill>
-              <a:schemeClr val="accent6">
-                <a:lumMod val="75000"/>
-              </a:schemeClr>
-            </a:solidFill>
-          </a:ln>
-        </p:spPr>
-        <p:style>
-          <a:lnRef idx="2">
-            <a:schemeClr val="accent6"/>
-          </a:lnRef>
-          <a:fillRef idx="1">
-            <a:schemeClr val="lt1"/>
-          </a:fillRef>
-          <a:effectRef idx="0">
-            <a:schemeClr val="accent6"/>
-          </a:effectRef>
-          <a:fontRef idx="minor">
-            <a:schemeClr val="dk1"/>
-          </a:fontRef>
-        </p:style>
-        <p:txBody>
-          <a:bodyPr lIns="0" tIns="0" rIns="0" bIns="0" rtlCol="0" anchor="ctr"/>
-          <a:lstStyle/>
-          <a:p>
-            <a:r>
-              <a:rPr lang="ja-JP" altLang="en-US" sz="1050" dirty="0" smtClean="0">
-                <a:latin typeface="+mn-ea"/>
-              </a:rPr>
-              <a:t>・</a:t>
-            </a:r>
-            <a:r>
-              <a:rPr lang="ja-JP" altLang="en-US" sz="1100" u="sng" dirty="0" smtClean="0">
-                <a:latin typeface="+mn-ea"/>
-              </a:rPr>
-              <a:t>ターンエリアでの走行</a:t>
-            </a:r>
-            <a:r>
-              <a:rPr lang="ja-JP" altLang="en-US" sz="1100" u="sng" dirty="0" smtClean="0">
-                <a:latin typeface="+mn-ea"/>
-              </a:rPr>
-              <a:t>失敗</a:t>
-            </a:r>
-            <a:endParaRPr lang="en-US" altLang="ja-JP" sz="1100" u="sng" dirty="0" smtClean="0">
-              <a:latin typeface="+mn-ea"/>
-            </a:endParaRPr>
-          </a:p>
-          <a:p>
-            <a:r>
-              <a:rPr lang="ja-JP" altLang="en-US" sz="1050" dirty="0" smtClean="0">
-                <a:latin typeface="+mn-ea"/>
-              </a:rPr>
-              <a:t>このエリアには</a:t>
-            </a:r>
-            <a:r>
-              <a:rPr lang="en-US" altLang="ja-JP" sz="1050" dirty="0" smtClean="0">
-                <a:latin typeface="+mn-ea"/>
-              </a:rPr>
-              <a:t>,</a:t>
-            </a:r>
-            <a:r>
-              <a:rPr lang="ja-JP" altLang="en-US" sz="1050" dirty="0" smtClean="0">
-                <a:latin typeface="+mn-ea"/>
-              </a:rPr>
-              <a:t>ラインが無いため</a:t>
-            </a:r>
-            <a:r>
-              <a:rPr lang="en-US" altLang="ja-JP" sz="1050" dirty="0" smtClean="0">
-                <a:latin typeface="+mn-ea"/>
-              </a:rPr>
-              <a:t>,</a:t>
-            </a:r>
-            <a:r>
-              <a:rPr lang="ja-JP" altLang="en-US" sz="1050" dirty="0" smtClean="0">
-                <a:latin typeface="+mn-ea"/>
-              </a:rPr>
-              <a:t>ターンエリア上の仮想ラインとその曲率を定義し</a:t>
-            </a:r>
-            <a:r>
-              <a:rPr lang="en-US" altLang="ja-JP" sz="1050" dirty="0" smtClean="0">
-                <a:latin typeface="+mn-ea"/>
-              </a:rPr>
-              <a:t>,</a:t>
-            </a:r>
-            <a:r>
-              <a:rPr lang="ja-JP" altLang="en-US" sz="1050" dirty="0" smtClean="0">
-                <a:latin typeface="+mn-ea"/>
-              </a:rPr>
-              <a:t>輝度値によるライントレースを行わず</a:t>
-            </a:r>
-            <a:r>
-              <a:rPr lang="ja-JP" altLang="en-US" sz="1050" dirty="0" smtClean="0">
-                <a:solidFill>
-                  <a:srgbClr val="FF0000"/>
-                </a:solidFill>
-                <a:latin typeface="+mn-ea"/>
-              </a:rPr>
-              <a:t>曲率半径</a:t>
-            </a:r>
-            <a:r>
-              <a:rPr lang="en-US" altLang="ja-JP" sz="1050" dirty="0" smtClean="0">
-                <a:solidFill>
-                  <a:srgbClr val="FF0000"/>
-                </a:solidFill>
-                <a:latin typeface="+mn-ea"/>
-              </a:rPr>
-              <a:t>PID</a:t>
-            </a:r>
-            <a:r>
-              <a:rPr lang="ja-JP" altLang="en-US" sz="1050" dirty="0" smtClean="0">
-                <a:solidFill>
-                  <a:srgbClr val="FF0000"/>
-                </a:solidFill>
-                <a:latin typeface="+mn-ea"/>
-              </a:rPr>
-              <a:t>制御</a:t>
-            </a:r>
-            <a:r>
-              <a:rPr lang="ja-JP" altLang="en-US" sz="1050" dirty="0" smtClean="0">
-                <a:latin typeface="+mn-ea"/>
-              </a:rPr>
-              <a:t>（</a:t>
-            </a:r>
-            <a:r>
-              <a:rPr lang="en-US" altLang="ja-JP" sz="1050" dirty="0" smtClean="0">
-                <a:latin typeface="+mn-ea"/>
-              </a:rPr>
-              <a:t>p.5 </a:t>
-            </a:r>
-            <a:r>
-              <a:rPr lang="ja-JP" altLang="en-US" sz="1050" dirty="0" smtClean="0">
-                <a:latin typeface="+mn-ea"/>
-              </a:rPr>
-              <a:t>要素技術参照）のみを利用して走行することで</a:t>
-            </a:r>
-            <a:r>
-              <a:rPr lang="en-US" altLang="ja-JP" sz="1050" dirty="0" smtClean="0">
-                <a:latin typeface="+mn-ea"/>
-              </a:rPr>
-              <a:t>,</a:t>
-            </a:r>
-            <a:r>
-              <a:rPr lang="ja-JP" altLang="en-US" sz="1050" dirty="0" smtClean="0">
-                <a:latin typeface="+mn-ea"/>
-              </a:rPr>
-              <a:t>ラインの無い区間での走行を実現</a:t>
-            </a:r>
-            <a:r>
-              <a:rPr lang="en-US" altLang="ja-JP" sz="1050" dirty="0" smtClean="0">
-                <a:latin typeface="+mn-ea"/>
-              </a:rPr>
-              <a:t>.</a:t>
-            </a:r>
-            <a:endParaRPr lang="en-US" altLang="ja-JP" sz="1000" dirty="0" smtClean="0">
-              <a:latin typeface="+mn-ea"/>
-            </a:endParaRPr>
-          </a:p>
-        </p:txBody>
-      </p:sp>
-      <p:sp>
-        <p:nvSpPr>
           <p:cNvPr id="78" name="下矢印 77"/>
           <p:cNvSpPr/>
           <p:nvPr/>
         </p:nvSpPr>
         <p:spPr>
-          <a:xfrm rot="20027508">
-            <a:off x="3857166" y="7326842"/>
-            <a:ext cx="390537" cy="160835"/>
+          <a:xfrm rot="16200000">
+            <a:off x="3658096" y="7749130"/>
+            <a:ext cx="710857" cy="160835"/>
           </a:xfrm>
           <a:prstGeom prst="downArrow">
             <a:avLst/>
@@ -47615,19 +46928,49 @@
               <a:rPr lang="ja-JP" altLang="en-US" sz="1050" dirty="0" smtClean="0">
                 <a:latin typeface="+mn-ea"/>
               </a:rPr>
-              <a:t>センサ</a:t>
+              <a:t>値の取得</a:t>
             </a:r>
             <a:r>
               <a:rPr lang="ja-JP" altLang="en-US" sz="1050" dirty="0">
                 <a:latin typeface="+mn-ea"/>
               </a:rPr>
-              <a:t>の特性上値の取得は</a:t>
-            </a:r>
-            <a:r>
-              <a:rPr lang="en-US" altLang="ja-JP" sz="1050" dirty="0">
+              <a:t>は</a:t>
+            </a:r>
+            <a:r>
+              <a:rPr lang="ja-JP" altLang="en-US" sz="1050" dirty="0" smtClean="0">
                 <a:latin typeface="+mn-ea"/>
               </a:rPr>
-              <a:t>50ms</a:t>
+              <a:t>超音波センサ</a:t>
+            </a:r>
+            <a:r>
+              <a:rPr lang="en-US" altLang="ja-JP" sz="1050" dirty="0" smtClean="0">
+                <a:latin typeface="+mn-ea"/>
+              </a:rPr>
+              <a:t>API</a:t>
+            </a:r>
+            <a:r>
+              <a:rPr lang="ja-JP" altLang="en-US" sz="1050" dirty="0" smtClean="0">
+                <a:latin typeface="+mn-ea"/>
+              </a:rPr>
+              <a:t>の</a:t>
+            </a:r>
+            <a:r>
+              <a:rPr lang="ja-JP" altLang="en-US" sz="1050" dirty="0" smtClean="0">
+                <a:latin typeface="+mn-ea"/>
+              </a:rPr>
+              <a:t>仕様上</a:t>
+            </a:r>
+            <a:r>
+              <a:rPr lang="en-US" altLang="ja-JP" sz="1050" dirty="0" smtClean="0">
+                <a:latin typeface="+mn-ea"/>
+              </a:rPr>
+              <a:t>5</a:t>
+            </a:r>
+            <a:r>
+              <a:rPr lang="en-US" altLang="ja-JP" sz="1050" dirty="0" smtClean="0">
+                <a:latin typeface="+mn-ea"/>
+              </a:rPr>
+              <a:t>0ms</a:t>
             </a:r>
             <a:r>
               <a:rPr lang="ja-JP" altLang="en-US" sz="1050" dirty="0">
@@ -47727,7 +47070,7 @@
         </p:nvSpPr>
         <p:spPr>
           <a:xfrm>
-            <a:off x="4271839" y="2299031"/>
+            <a:off x="4271839" y="2299033"/>
             <a:ext cx="3683415" cy="1061409"/>
           </a:xfrm>
           <a:prstGeom prst="wedgeRoundRectCallout">
@@ -47860,7 +47203,7 @@
         </p:nvCxnSpPr>
         <p:spPr>
           <a:xfrm>
-            <a:off x="8088263" y="1196443"/>
+            <a:off x="8088263" y="1196444"/>
             <a:ext cx="0" cy="8404759"/>
           </a:xfrm>
           <a:prstGeom prst="line">
@@ -47888,6 +47231,461 @@
           </a:fontRef>
         </p:style>
       </p:cxnSp>
+      <p:pic>
+        <p:nvPicPr>
+          <p:cNvPr id="1026" name="Picture 2"/>
+          <p:cNvPicPr>
+            <a:picLocks noChangeAspect="1" noChangeArrowheads="1"/>
+          </p:cNvPicPr>
+          <p:nvPr/>
+        </p:nvPicPr>
+        <p:blipFill>
+          <a:blip r:embed="rId8" cstate="print">
+            <a:extLst>
+              <a:ext uri="{28A0092B-C50C-407E-A947-70E740481C1C}">
+                <a14:useLocalDpi xmlns:a14="http://schemas.microsoft.com/office/drawing/2010/main" val="0"/>
+              </a:ext>
+            </a:extLst>
+          </a:blip>
+          <a:srcRect/>
+          <a:stretch>
+            <a:fillRect/>
+          </a:stretch>
+        </p:blipFill>
+        <p:spPr bwMode="auto">
+          <a:xfrm>
+            <a:off x="743447" y="6528792"/>
+            <a:ext cx="3253457" cy="899354"/>
+          </a:xfrm>
+          <a:prstGeom prst="rect">
+            <a:avLst/>
+          </a:prstGeom>
+          <a:noFill/>
+          <a:ln>
+            <a:noFill/>
+          </a:ln>
+          <a:effectLst/>
+          <a:extLst>
+            <a:ext uri="{909E8E84-426E-40DD-AFC4-6F175D3DCCD1}">
+              <a14:hiddenFill xmlns:a14="http://schemas.microsoft.com/office/drawing/2010/main">
+                <a:solidFill>
+                  <a:schemeClr val="accent1"/>
+                </a:solidFill>
+              </a14:hiddenFill>
+            </a:ext>
+            <a:ext uri="{91240B29-F687-4F45-9708-019B960494DF}">
+              <a14:hiddenLine xmlns:a14="http://schemas.microsoft.com/office/drawing/2010/main" w="9525">
+                <a:solidFill>
+                  <a:schemeClr val="tx1"/>
+                </a:solidFill>
+                <a:miter lim="800000"/>
+                <a:headEnd/>
+                <a:tailEnd/>
+              </a14:hiddenLine>
+            </a:ext>
+            <a:ext uri="{AF507438-7753-43E0-B8FC-AC1667EBCBE1}">
+              <a14:hiddenEffects xmlns:a14="http://schemas.microsoft.com/office/drawing/2010/main">
+                <a:effectLst>
+                  <a:outerShdw dist="35921" dir="2700000" algn="ctr" rotWithShape="0">
+                    <a:schemeClr val="bg2"/>
+                  </a:outerShdw>
+                </a:effectLst>
+              </a14:hiddenEffects>
+            </a:ext>
+          </a:extLst>
+        </p:spPr>
+      </p:pic>
+      <p:pic>
+        <p:nvPicPr>
+          <p:cNvPr id="1027" name="Picture 3"/>
+          <p:cNvPicPr>
+            <a:picLocks noChangeAspect="1" noChangeArrowheads="1"/>
+          </p:cNvPicPr>
+          <p:nvPr/>
+        </p:nvPicPr>
+        <p:blipFill>
+          <a:blip r:embed="rId9">
+            <a:extLst>
+              <a:ext uri="{28A0092B-C50C-407E-A947-70E740481C1C}">
+                <a14:useLocalDpi xmlns:a14="http://schemas.microsoft.com/office/drawing/2010/main" val="0"/>
+              </a:ext>
+            </a:extLst>
+          </a:blip>
+          <a:srcRect/>
+          <a:stretch>
+            <a:fillRect/>
+          </a:stretch>
+        </p:blipFill>
+        <p:spPr bwMode="auto">
+          <a:xfrm>
+            <a:off x="4038436" y="6473388"/>
+            <a:ext cx="4074210" cy="2935724"/>
+          </a:xfrm>
+          <a:prstGeom prst="rect">
+            <a:avLst/>
+          </a:prstGeom>
+          <a:noFill/>
+          <a:ln>
+            <a:noFill/>
+          </a:ln>
+          <a:effectLst/>
+          <a:extLst>
+            <a:ext uri="{909E8E84-426E-40DD-AFC4-6F175D3DCCD1}">
+              <a14:hiddenFill xmlns:a14="http://schemas.microsoft.com/office/drawing/2010/main">
+                <a:solidFill>
+                  <a:schemeClr val="accent1"/>
+                </a:solidFill>
+              </a14:hiddenFill>
+            </a:ext>
+            <a:ext uri="{91240B29-F687-4F45-9708-019B960494DF}">
+              <a14:hiddenLine xmlns:a14="http://schemas.microsoft.com/office/drawing/2010/main" w="9525">
+                <a:solidFill>
+                  <a:schemeClr val="tx1"/>
+                </a:solidFill>
+                <a:miter lim="800000"/>
+                <a:headEnd/>
+                <a:tailEnd/>
+              </a14:hiddenLine>
+            </a:ext>
+            <a:ext uri="{AF507438-7753-43E0-B8FC-AC1667EBCBE1}">
+              <a14:hiddenEffects xmlns:a14="http://schemas.microsoft.com/office/drawing/2010/main">
+                <a:effectLst>
+                  <a:outerShdw dist="35921" dir="2700000" algn="ctr" rotWithShape="0">
+                    <a:schemeClr val="bg2"/>
+                  </a:outerShdw>
+                </a:effectLst>
+              </a14:hiddenEffects>
+            </a:ext>
+          </a:extLst>
+        </p:spPr>
+      </p:pic>
+      <p:sp>
+        <p:nvSpPr>
+          <p:cNvPr id="77" name="角丸四角形吹き出し 76"/>
+          <p:cNvSpPr/>
+          <p:nvPr/>
+        </p:nvSpPr>
+        <p:spPr>
+          <a:xfrm>
+            <a:off x="2327623" y="7407261"/>
+            <a:ext cx="1515280" cy="2145869"/>
+          </a:xfrm>
+          <a:prstGeom prst="wedgeRoundRectCallout">
+            <a:avLst>
+              <a:gd name="adj1" fmla="val -9661"/>
+              <a:gd name="adj2" fmla="val -60593"/>
+              <a:gd name="adj3" fmla="val 16667"/>
+            </a:avLst>
+          </a:prstGeom>
+          <a:ln w="12700">
+            <a:solidFill>
+              <a:schemeClr val="accent6">
+                <a:lumMod val="75000"/>
+              </a:schemeClr>
+            </a:solidFill>
+          </a:ln>
+        </p:spPr>
+        <p:style>
+          <a:lnRef idx="2">
+            <a:schemeClr val="accent6"/>
+          </a:lnRef>
+          <a:fillRef idx="1">
+            <a:schemeClr val="lt1"/>
+          </a:fillRef>
+          <a:effectRef idx="0">
+            <a:schemeClr val="accent6"/>
+          </a:effectRef>
+          <a:fontRef idx="minor">
+            <a:schemeClr val="dk1"/>
+          </a:fontRef>
+        </p:style>
+        <p:txBody>
+          <a:bodyPr lIns="0" tIns="0" rIns="0" bIns="0" rtlCol="0" anchor="ctr"/>
+          <a:lstStyle/>
+          <a:p>
+            <a:r>
+              <a:rPr lang="ja-JP" altLang="en-US" sz="1050" dirty="0" smtClean="0">
+                <a:latin typeface="+mn-ea"/>
+              </a:rPr>
+              <a:t>・</a:t>
+            </a:r>
+            <a:r>
+              <a:rPr lang="ja-JP" altLang="en-US" sz="1100" u="sng" dirty="0" smtClean="0">
+                <a:latin typeface="+mn-ea"/>
+              </a:rPr>
+              <a:t>ターンエリアでの走行</a:t>
+            </a:r>
+            <a:r>
+              <a:rPr lang="ja-JP" altLang="en-US" sz="1100" u="sng" dirty="0" smtClean="0">
+                <a:latin typeface="+mn-ea"/>
+              </a:rPr>
+              <a:t>失敗</a:t>
+            </a:r>
+            <a:endParaRPr lang="en-US" altLang="ja-JP" sz="1100" u="sng" dirty="0" smtClean="0">
+              <a:latin typeface="+mn-ea"/>
+            </a:endParaRPr>
+          </a:p>
+          <a:p>
+            <a:r>
+              <a:rPr lang="ja-JP" altLang="en-US" sz="1050" dirty="0" smtClean="0">
+                <a:latin typeface="+mn-ea"/>
+              </a:rPr>
+              <a:t>ターンエリア上にはラインが無いため</a:t>
+            </a:r>
+            <a:r>
+              <a:rPr lang="en-US" altLang="ja-JP" sz="1050" dirty="0" smtClean="0">
+                <a:latin typeface="+mn-ea"/>
+              </a:rPr>
+              <a:t>,</a:t>
+            </a:r>
+            <a:r>
+              <a:rPr lang="ja-JP" altLang="en-US" sz="1050" dirty="0" smtClean="0">
+                <a:latin typeface="+mn-ea"/>
+              </a:rPr>
+              <a:t>仮想ラインを定義し</a:t>
+            </a:r>
+            <a:r>
+              <a:rPr lang="en-US" altLang="ja-JP" sz="1050" dirty="0" smtClean="0">
+                <a:latin typeface="+mn-ea"/>
+              </a:rPr>
+              <a:t>,</a:t>
+            </a:r>
+            <a:r>
+              <a:rPr lang="ja-JP" altLang="en-US" sz="1050" dirty="0" smtClean="0">
+                <a:latin typeface="+mn-ea"/>
+              </a:rPr>
+              <a:t>輝度値によるライントレースを行わず</a:t>
+            </a:r>
+            <a:r>
+              <a:rPr lang="ja-JP" altLang="en-US" sz="1050" dirty="0" smtClean="0">
+                <a:solidFill>
+                  <a:srgbClr val="FF0000"/>
+                </a:solidFill>
+                <a:latin typeface="+mn-ea"/>
+              </a:rPr>
+              <a:t>曲率半径</a:t>
+            </a:r>
+            <a:r>
+              <a:rPr lang="en-US" altLang="ja-JP" sz="1050" dirty="0" smtClean="0">
+                <a:solidFill>
+                  <a:srgbClr val="FF0000"/>
+                </a:solidFill>
+                <a:latin typeface="+mn-ea"/>
+              </a:rPr>
+              <a:t>PID</a:t>
+            </a:r>
+            <a:r>
+              <a:rPr lang="ja-JP" altLang="en-US" sz="1050" dirty="0" smtClean="0">
+                <a:solidFill>
+                  <a:srgbClr val="FF0000"/>
+                </a:solidFill>
+                <a:latin typeface="+mn-ea"/>
+              </a:rPr>
+              <a:t>制御</a:t>
+            </a:r>
+            <a:r>
+              <a:rPr lang="ja-JP" altLang="en-US" sz="1050" dirty="0" smtClean="0">
+                <a:latin typeface="+mn-ea"/>
+              </a:rPr>
+              <a:t>（</a:t>
+            </a:r>
+            <a:r>
+              <a:rPr lang="en-US" altLang="ja-JP" sz="1050" dirty="0" smtClean="0">
+                <a:latin typeface="+mn-ea"/>
+              </a:rPr>
+              <a:t>p.5 </a:t>
+            </a:r>
+            <a:r>
+              <a:rPr lang="ja-JP" altLang="en-US" sz="1050" dirty="0" smtClean="0">
+                <a:latin typeface="+mn-ea"/>
+              </a:rPr>
+              <a:t>要素技術参照）のみを利用して走行することで</a:t>
+            </a:r>
+            <a:r>
+              <a:rPr lang="en-US" altLang="ja-JP" sz="1050" dirty="0" smtClean="0">
+                <a:latin typeface="+mn-ea"/>
+              </a:rPr>
+              <a:t>,</a:t>
+            </a:r>
+            <a:r>
+              <a:rPr lang="ja-JP" altLang="en-US" sz="1050" dirty="0" smtClean="0">
+                <a:latin typeface="+mn-ea"/>
+              </a:rPr>
+              <a:t>ラインの無い区間での走行を実現</a:t>
+            </a:r>
+            <a:r>
+              <a:rPr lang="en-US" altLang="ja-JP" sz="1050" dirty="0" smtClean="0">
+                <a:latin typeface="+mn-ea"/>
+              </a:rPr>
+              <a:t>.</a:t>
+            </a:r>
+            <a:endParaRPr lang="en-US" altLang="ja-JP" sz="1000" dirty="0" smtClean="0">
+              <a:latin typeface="+mn-ea"/>
+            </a:endParaRPr>
+          </a:p>
+        </p:txBody>
+      </p:sp>
+      <p:sp>
+        <p:nvSpPr>
+          <p:cNvPr id="76" name="角丸四角形吹き出し 75"/>
+          <p:cNvSpPr/>
+          <p:nvPr/>
+        </p:nvSpPr>
+        <p:spPr>
+          <a:xfrm>
+            <a:off x="813597" y="7418113"/>
+            <a:ext cx="1442019" cy="2135016"/>
+          </a:xfrm>
+          <a:prstGeom prst="wedgeRoundRectCallout">
+            <a:avLst>
+              <a:gd name="adj1" fmla="val -19612"/>
+              <a:gd name="adj2" fmla="val -55502"/>
+              <a:gd name="adj3" fmla="val 16667"/>
+            </a:avLst>
+          </a:prstGeom>
+          <a:ln w="12700">
+            <a:solidFill>
+              <a:srgbClr val="FFC000"/>
+            </a:solidFill>
+          </a:ln>
+        </p:spPr>
+        <p:style>
+          <a:lnRef idx="2">
+            <a:schemeClr val="accent6"/>
+          </a:lnRef>
+          <a:fillRef idx="1">
+            <a:schemeClr val="lt1"/>
+          </a:fillRef>
+          <a:effectRef idx="0">
+            <a:schemeClr val="accent6"/>
+          </a:effectRef>
+          <a:fontRef idx="minor">
+            <a:schemeClr val="dk1"/>
+          </a:fontRef>
+        </p:style>
+        <p:txBody>
+          <a:bodyPr lIns="0" tIns="0" rIns="0" bIns="0" rtlCol="0" anchor="ctr"/>
+          <a:lstStyle/>
+          <a:p>
+            <a:r>
+              <a:rPr lang="ja-JP" altLang="en-US" sz="1100" u="sng" dirty="0">
+                <a:latin typeface="+mn-ea"/>
+              </a:rPr>
+              <a:t>・</a:t>
+            </a:r>
+            <a:r>
+              <a:rPr lang="ja-JP" altLang="en-US" sz="1100" u="sng" dirty="0" smtClean="0">
+                <a:latin typeface="+mn-ea"/>
+              </a:rPr>
+              <a:t>ペットボトルの誤検知</a:t>
+            </a:r>
+            <a:r>
+              <a:rPr lang="ja-JP" altLang="en-US" sz="1050" dirty="0">
+                <a:latin typeface="+mn-ea"/>
+              </a:rPr>
+              <a:t/>
+            </a:r>
+            <a:br>
+              <a:rPr lang="ja-JP" altLang="en-US" sz="1050" dirty="0">
+                <a:latin typeface="+mn-ea"/>
+              </a:rPr>
+            </a:br>
+            <a:r>
+              <a:rPr lang="ja-JP" altLang="en-US" sz="1050" dirty="0">
+                <a:latin typeface="+mn-ea"/>
+              </a:rPr>
+              <a:t>大会のコース上にはいくつかのオブジェが置いて</a:t>
+            </a:r>
+            <a:r>
+              <a:rPr lang="ja-JP" altLang="en-US" sz="1050" dirty="0" smtClean="0">
+                <a:latin typeface="+mn-ea"/>
+              </a:rPr>
+              <a:t>あり</a:t>
+            </a:r>
+            <a:r>
+              <a:rPr lang="en-US" altLang="ja-JP" sz="1050" dirty="0">
+                <a:latin typeface="+mn-ea"/>
+              </a:rPr>
+              <a:t>,</a:t>
+            </a:r>
+            <a:r>
+              <a:rPr lang="ja-JP" altLang="en-US" sz="1050" dirty="0" smtClean="0">
+                <a:latin typeface="+mn-ea"/>
+              </a:rPr>
+              <a:t>それら</a:t>
+            </a:r>
+            <a:r>
+              <a:rPr lang="ja-JP" altLang="en-US" sz="1050" dirty="0">
+                <a:latin typeface="+mn-ea"/>
+              </a:rPr>
+              <a:t>を誤って検知する可能性が</a:t>
+            </a:r>
+            <a:r>
+              <a:rPr lang="ja-JP" altLang="en-US" sz="1050" dirty="0" smtClean="0">
+                <a:latin typeface="+mn-ea"/>
+              </a:rPr>
+              <a:t>ある</a:t>
+            </a:r>
+            <a:r>
+              <a:rPr lang="en-US" altLang="ja-JP" sz="1050" dirty="0" smtClean="0">
+                <a:latin typeface="+mn-ea"/>
+              </a:rPr>
+              <a:t>.</a:t>
+            </a:r>
+            <a:r>
+              <a:rPr lang="ja-JP" altLang="en-US" sz="1050" dirty="0" smtClean="0">
+                <a:latin typeface="+mn-ea"/>
+              </a:rPr>
+              <a:t>そこでライン上</a:t>
+            </a:r>
+            <a:r>
+              <a:rPr lang="ja-JP" altLang="en-US" sz="1050" dirty="0">
+                <a:latin typeface="+mn-ea"/>
+              </a:rPr>
+              <a:t>かつペットボトルに最も近い位置で</a:t>
+            </a:r>
+            <a:r>
+              <a:rPr lang="ja-JP" altLang="en-US" sz="1050" dirty="0" smtClean="0">
+                <a:latin typeface="+mn-ea"/>
+              </a:rPr>
+              <a:t>停止</a:t>
+            </a:r>
+            <a:r>
+              <a:rPr lang="en-US" altLang="ja-JP" sz="1050" dirty="0" smtClean="0">
+                <a:latin typeface="+mn-ea"/>
+              </a:rPr>
+              <a:t>,</a:t>
+            </a:r>
+            <a:r>
+              <a:rPr lang="ja-JP" altLang="en-US" sz="1050" dirty="0" smtClean="0">
+                <a:latin typeface="+mn-ea"/>
+              </a:rPr>
+              <a:t>転回し検知</a:t>
+            </a:r>
+            <a:r>
+              <a:rPr lang="ja-JP" altLang="en-US" sz="1050" dirty="0">
+                <a:latin typeface="+mn-ea"/>
+              </a:rPr>
+              <a:t>を行うことで誤検知防止を</a:t>
+            </a:r>
+            <a:r>
+              <a:rPr lang="ja-JP" altLang="en-US" sz="1050" dirty="0" smtClean="0">
+                <a:latin typeface="+mn-ea"/>
+              </a:rPr>
+              <a:t>実現</a:t>
+            </a:r>
+            <a:r>
+              <a:rPr lang="en-US" altLang="ja-JP" sz="1050" dirty="0">
+                <a:latin typeface="+mn-ea"/>
+              </a:rPr>
+              <a:t>.</a:t>
+            </a:r>
+            <a:endParaRPr lang="ja-JP" altLang="en-US" sz="1050" dirty="0">
+              <a:latin typeface="+mn-ea"/>
+            </a:endParaRPr>
+          </a:p>
+        </p:txBody>
+      </p:sp>
     </p:spTree>
     <p:extLst>
       <p:ext uri="{BB962C8B-B14F-4D97-AF65-F5344CB8AC3E}">
@@ -47940,7 +47738,7 @@
           </p:nvPr>
         </p:nvGraphicFramePr>
         <p:xfrm>
-          <a:off x="7041780" y="1816180"/>
+          <a:off x="7041781" y="1816180"/>
           <a:ext cx="2034873" cy="1364346"/>
         </p:xfrm>
         <a:graphic>
@@ -47957,7 +47755,7 @@
         </p:nvCxnSpPr>
         <p:spPr>
           <a:xfrm>
-            <a:off x="5009803" y="1196441"/>
+            <a:off x="5009803" y="1196443"/>
             <a:ext cx="0" cy="8404759"/>
           </a:xfrm>
           <a:prstGeom prst="line">
@@ -47993,7 +47791,7 @@
         </p:nvCxnSpPr>
         <p:spPr>
           <a:xfrm>
-            <a:off x="9329489" y="1196442"/>
+            <a:off x="9329489" y="1196444"/>
             <a:ext cx="0" cy="8404759"/>
           </a:xfrm>
           <a:prstGeom prst="line">
@@ -48060,7 +47858,7 @@
         </p:nvSpPr>
         <p:spPr>
           <a:xfrm>
-            <a:off x="3" y="7678800"/>
+            <a:off x="4" y="7678800"/>
             <a:ext cx="492443" cy="1922400"/>
           </a:xfrm>
           <a:prstGeom prst="rect">
@@ -48103,7 +47901,7 @@
         </p:nvSpPr>
         <p:spPr>
           <a:xfrm>
-            <a:off x="680400" y="5200200"/>
+            <a:off x="680401" y="5200201"/>
             <a:ext cx="4328547" cy="900246"/>
           </a:xfrm>
           <a:prstGeom prst="rect">
@@ -48205,7 +48003,7 @@
         </p:nvSpPr>
         <p:spPr>
           <a:xfrm>
-            <a:off x="9482530" y="3702783"/>
+            <a:off x="9482531" y="3702783"/>
             <a:ext cx="3944233" cy="738654"/>
           </a:xfrm>
           <a:prstGeom prst="rect">
@@ -48337,7 +48135,7 @@
         </p:nvGrpSpPr>
         <p:grpSpPr>
           <a:xfrm>
-            <a:off x="12201594" y="1787169"/>
+            <a:off x="12201595" y="1787169"/>
             <a:ext cx="1256317" cy="1799506"/>
             <a:chOff x="6012160" y="2142107"/>
             <a:chExt cx="2016224" cy="2887973"/>
@@ -49027,7 +48825,7 @@
         </p:nvSpPr>
         <p:spPr>
           <a:xfrm>
-            <a:off x="680400" y="1195200"/>
+            <a:off x="680401" y="1195200"/>
             <a:ext cx="4329404" cy="399600"/>
           </a:xfrm>
           <a:prstGeom prst="rect">
@@ -49565,7 +49363,23 @@
                 <a:ea typeface="メイリオ" pitchFamily="50" charset="-128"/>
                 <a:cs typeface="メイリオ" pitchFamily="50" charset="-128"/>
               </a:rPr>
-              <a:t>階段、シーソクリア後はラインを見失うことがある</a:t>
+              <a:t>階段、</a:t>
+            </a:r>
+            <a:r>
+              <a:rPr lang="ja-JP" altLang="en-US" sz="1050" dirty="0" smtClean="0">
+                <a:latin typeface="メイリオ" pitchFamily="50" charset="-128"/>
+                <a:ea typeface="メイリオ" pitchFamily="50" charset="-128"/>
+                <a:cs typeface="メイリオ" pitchFamily="50" charset="-128"/>
+              </a:rPr>
+              <a:t>シーソークリア後</a:t>
+            </a:r>
+            <a:r>
+              <a:rPr lang="ja-JP" altLang="en-US" sz="1050" dirty="0" smtClean="0">
+                <a:latin typeface="メイリオ" pitchFamily="50" charset="-128"/>
+                <a:ea typeface="メイリオ" pitchFamily="50" charset="-128"/>
+                <a:cs typeface="メイリオ" pitchFamily="50" charset="-128"/>
+              </a:rPr>
+              <a:t>はラインを見失うことがある</a:t>
             </a:r>
             <a:r>
               <a:rPr lang="en-US" altLang="ja-JP" sz="1050" dirty="0" smtClean="0">
@@ -49682,7 +49496,7 @@
         </p:nvSpPr>
         <p:spPr>
           <a:xfrm>
-            <a:off x="781581" y="2640362"/>
+            <a:off x="781582" y="2640364"/>
             <a:ext cx="2185191" cy="646321"/>
           </a:xfrm>
           <a:prstGeom prst="rect">
@@ -49759,7 +49573,7 @@
         </p:nvGrpSpPr>
         <p:grpSpPr>
           <a:xfrm>
-            <a:off x="2276094" y="1704256"/>
+            <a:off x="2276095" y="1704256"/>
             <a:ext cx="2778910" cy="2589244"/>
             <a:chOff x="4333121" y="4333543"/>
             <a:chExt cx="4788183" cy="4441439"/>
@@ -50035,7 +49849,7 @@
         </p:nvSpPr>
         <p:spPr>
           <a:xfrm>
-            <a:off x="5125778" y="1699882"/>
+            <a:off x="5125778" y="1699883"/>
             <a:ext cx="4086572" cy="577081"/>
           </a:xfrm>
           <a:prstGeom prst="rect">
@@ -50301,7 +50115,7 @@
         </p:nvSpPr>
         <p:spPr>
           <a:xfrm>
-            <a:off x="7427083" y="7907885"/>
+            <a:off x="7427084" y="7907887"/>
             <a:ext cx="1675259" cy="276999"/>
           </a:xfrm>
           <a:prstGeom prst="rect">
@@ -50419,7 +50233,7 @@
         </p:nvSpPr>
         <p:spPr>
           <a:xfrm>
-            <a:off x="5280660" y="7828235"/>
+            <a:off x="5280661" y="7828235"/>
             <a:ext cx="1185023" cy="295672"/>
           </a:xfrm>
           <a:prstGeom prst="borderCallout1">
@@ -50603,8 +50417,8 @@
         </p:nvSpPr>
         <p:spPr>
           <a:xfrm>
-            <a:off x="5511880" y="9253884"/>
-            <a:ext cx="1199626" cy="291632"/>
+            <a:off x="5378010" y="9245814"/>
+            <a:ext cx="1333496" cy="299702"/>
           </a:xfrm>
           <a:prstGeom prst="borderCallout1">
             <a:avLst>
@@ -50636,20 +50450,12 @@
           <a:p>
             <a:pPr algn="ctr"/>
             <a:r>
-              <a:rPr kumimoji="1" lang="ja-JP" altLang="en-US" sz="800" smtClean="0">
-                <a:latin typeface="メイリオ" pitchFamily="50" charset="-128"/>
-                <a:ea typeface="メイリオ" pitchFamily="50" charset="-128"/>
-                <a:cs typeface="メイリオ" pitchFamily="50" charset="-128"/>
-              </a:rPr>
-              <a:t>走行体の</a:t>
-            </a:r>
-            <a:r>
               <a:rPr kumimoji="1" lang="ja-JP" altLang="en-US" sz="800" dirty="0" smtClean="0">
                 <a:latin typeface="メイリオ" pitchFamily="50" charset="-128"/>
                 <a:ea typeface="メイリオ" pitchFamily="50" charset="-128"/>
                 <a:cs typeface="メイリオ" pitchFamily="50" charset="-128"/>
               </a:rPr>
-              <a:t>重みにも耐えられる安定した制御が可能に</a:t>
+              <a:t>走行体の重みにも耐えられる安定した制御が可能に</a:t>
             </a:r>
             <a:endParaRPr kumimoji="1" lang="ja-JP" altLang="en-US" sz="800" dirty="0">
               <a:latin typeface="メイリオ" pitchFamily="50" charset="-128"/>
@@ -51231,7 +51037,7 @@
             </p:nvSpPr>
             <p:spPr>
               <a:xfrm>
-                <a:off x="5143861" y="3679926"/>
+                <a:off x="5143862" y="3679928"/>
                 <a:ext cx="1369327" cy="410487"/>
               </a:xfrm>
               <a:prstGeom prst="rect">
@@ -51507,7 +51313,7 @@
             </p:nvSpPr>
             <p:spPr>
               <a:xfrm>
-                <a:off x="5143862" y="4268171"/>
+                <a:off x="5143863" y="4268171"/>
                 <a:ext cx="2104015" cy="398304"/>
               </a:xfrm>
               <a:prstGeom prst="rect">
@@ -52047,7 +51853,7 @@
         </p:nvSpPr>
         <p:spPr>
           <a:xfrm>
-            <a:off x="5029206" y="2352329"/>
+            <a:off x="5029208" y="2352329"/>
             <a:ext cx="697605" cy="246211"/>
           </a:xfrm>
           <a:prstGeom prst="rect">
@@ -52077,7 +51883,7 @@
         </p:nvSpPr>
         <p:spPr>
           <a:xfrm>
-            <a:off x="5029206" y="2908098"/>
+            <a:off x="5029208" y="2908098"/>
             <a:ext cx="697605" cy="246211"/>
           </a:xfrm>
           <a:prstGeom prst="rect">
@@ -52107,7 +51913,7 @@
         </p:nvSpPr>
         <p:spPr>
           <a:xfrm>
-            <a:off x="5029206" y="3514349"/>
+            <a:off x="5029208" y="3514351"/>
             <a:ext cx="697605" cy="246211"/>
           </a:xfrm>
           <a:prstGeom prst="rect">
@@ -52137,7 +51943,7 @@
         </p:nvSpPr>
         <p:spPr>
           <a:xfrm>
-            <a:off x="5029205" y="4090413"/>
+            <a:off x="5029205" y="4090415"/>
             <a:ext cx="441124" cy="246211"/>
           </a:xfrm>
           <a:prstGeom prst="rect">
@@ -52169,7 +51975,7 @@
             </p:nvSpPr>
             <p:spPr>
               <a:xfrm>
-                <a:off x="7123042" y="4218382"/>
+                <a:off x="7123043" y="4218384"/>
                 <a:ext cx="1259105" cy="246211"/>
               </a:xfrm>
               <a:prstGeom prst="rect">
@@ -52307,7 +52113,7 @@
             </p:nvSpPr>
             <p:spPr>
               <a:xfrm>
-                <a:off x="7123042" y="4434406"/>
+                <a:off x="7123042" y="4434408"/>
                 <a:ext cx="1533796" cy="246211"/>
               </a:xfrm>
               <a:prstGeom prst="rect">
@@ -52734,7 +52540,7 @@
             </p:nvSpPr>
             <p:spPr>
               <a:xfrm>
-                <a:off x="7123042" y="3107920"/>
+                <a:off x="7123043" y="3107920"/>
                 <a:ext cx="1799573" cy="662159"/>
               </a:xfrm>
               <a:prstGeom prst="rect">
@@ -53154,7 +52960,7 @@
         </p:nvSpPr>
         <p:spPr>
           <a:xfrm>
-            <a:off x="6979025" y="2934317"/>
+            <a:off x="6979025" y="2934319"/>
             <a:ext cx="1338806" cy="246211"/>
           </a:xfrm>
           <a:prstGeom prst="rect">
@@ -53184,7 +52990,7 @@
         </p:nvSpPr>
         <p:spPr>
           <a:xfrm>
-            <a:off x="1468856" y="4296546"/>
+            <a:off x="1468857" y="4296548"/>
             <a:ext cx="2752492" cy="306467"/>
           </a:xfrm>
           <a:prstGeom prst="roundRect">
@@ -53240,7 +53046,7 @@
             </p:nvSpPr>
             <p:spPr>
               <a:xfrm>
-                <a:off x="5020867" y="5200201"/>
+                <a:off x="5020868" y="5200203"/>
                 <a:ext cx="4295847" cy="1061829"/>
               </a:xfrm>
               <a:prstGeom prst="rect">
@@ -53259,23 +53065,7 @@
                     <a:ea typeface="メイリオ" pitchFamily="50" charset="-128"/>
                     <a:cs typeface="メイリオ" pitchFamily="50" charset="-128"/>
                   </a:rPr>
-                  <a:t>ルックアップゲートを通過するためにはしっぽの角度を</a:t>
-                </a:r>
-                <a:r>
-                  <a:rPr lang="ja-JP" altLang="en-US" sz="1050" smtClean="0">
-                    <a:latin typeface="メイリオ" pitchFamily="50" charset="-128"/>
-                    <a:ea typeface="メイリオ" pitchFamily="50" charset="-128"/>
-                    <a:cs typeface="メイリオ" pitchFamily="50" charset="-128"/>
-                  </a:rPr>
-                  <a:t>変化させ走行体を</a:t>
-                </a:r>
-                <a:r>
-                  <a:rPr lang="ja-JP" altLang="en-US" sz="1050" dirty="0" smtClean="0">
-                    <a:latin typeface="メイリオ" pitchFamily="50" charset="-128"/>
-                    <a:ea typeface="メイリオ" pitchFamily="50" charset="-128"/>
-                    <a:cs typeface="メイリオ" pitchFamily="50" charset="-128"/>
-                  </a:rPr>
-                  <a:t>傾け，通過後</a:t>
+                  <a:t>ルックアップゲートを通過するためにはしっぽの角度を変化させ走行体を傾け，通過後</a:t>
                 </a:r>
                 <a:r>
                   <a:rPr lang="ja-JP" altLang="en-US" sz="1050" dirty="0">
@@ -53299,18 +53089,10 @@
                     <a:ea typeface="メイリオ" pitchFamily="50" charset="-128"/>
                     <a:cs typeface="メイリオ" pitchFamily="50" charset="-128"/>
                   </a:rPr>
-                  <a:t>の角度の急激な変化</a:t>
+                  <a:t>の角度の急激な変化に</a:t>
                 </a:r>
                 <a:r>
-                  <a:rPr lang="ja-JP" altLang="en-US" sz="1050">
-                    <a:latin typeface="メイリオ" pitchFamily="50" charset="-128"/>
-                    <a:ea typeface="メイリオ" pitchFamily="50" charset="-128"/>
-                    <a:cs typeface="メイリオ" pitchFamily="50" charset="-128"/>
-                  </a:rPr>
-                  <a:t>に</a:t>
-                </a:r>
-                <a:r>
-                  <a:rPr lang="ja-JP" altLang="en-US" sz="1050" smtClean="0">
+                  <a:rPr lang="ja-JP" altLang="en-US" sz="1050" dirty="0" smtClean="0">
                     <a:latin typeface="メイリオ" pitchFamily="50" charset="-128"/>
                     <a:ea typeface="メイリオ" pitchFamily="50" charset="-128"/>
                     <a:cs typeface="メイリオ" pitchFamily="50" charset="-128"/>
@@ -53617,7 +53399,7 @@
         </p:blipFill>
         <p:spPr bwMode="auto">
           <a:xfrm>
-            <a:off x="11613038" y="7779295"/>
+            <a:off x="11613038" y="7779297"/>
             <a:ext cx="1239150" cy="1114471"/>
           </a:xfrm>
           <a:prstGeom prst="rect">
@@ -53666,7 +53448,7 @@
         </p:nvSpPr>
         <p:spPr>
           <a:xfrm>
-            <a:off x="12536427" y="8686631"/>
+            <a:off x="12536427" y="8686633"/>
             <a:ext cx="144016" cy="160735"/>
           </a:xfrm>
           <a:prstGeom prst="ellipse">
@@ -53760,7 +53542,7 @@
         </p:nvSpPr>
         <p:spPr>
           <a:xfrm rot="15059816">
-            <a:off x="11658508" y="8304760"/>
+            <a:off x="11658510" y="8304760"/>
             <a:ext cx="934303" cy="914400"/>
           </a:xfrm>
           <a:prstGeom prst="arc">
@@ -53808,7 +53590,7 @@
         </p:nvCxnSpPr>
         <p:spPr>
           <a:xfrm flipH="1" flipV="1">
-            <a:off x="12306557" y="8119731"/>
+            <a:off x="12306558" y="8119731"/>
             <a:ext cx="230231" cy="305490"/>
           </a:xfrm>
           <a:prstGeom prst="straightConnector1">
@@ -53880,7 +53662,7 @@
         </p:nvSpPr>
         <p:spPr>
           <a:xfrm>
-            <a:off x="10321629" y="8698599"/>
+            <a:off x="10321630" y="8698601"/>
             <a:ext cx="144016" cy="160735"/>
           </a:xfrm>
           <a:prstGeom prst="ellipse">
@@ -53974,7 +53756,7 @@
         </p:nvSpPr>
         <p:spPr>
           <a:xfrm rot="15059816">
-            <a:off x="9530443" y="8326335"/>
+            <a:off x="9530444" y="8326335"/>
             <a:ext cx="934303" cy="914400"/>
           </a:xfrm>
           <a:prstGeom prst="arc">
@@ -54058,7 +53840,7 @@
         </p:nvSpPr>
         <p:spPr>
           <a:xfrm>
-            <a:off x="9529541" y="9141619"/>
+            <a:off x="9529541" y="9141620"/>
             <a:ext cx="936104" cy="307777"/>
           </a:xfrm>
           <a:prstGeom prst="rect">
@@ -54096,7 +53878,7 @@
         </p:nvSpPr>
         <p:spPr>
           <a:xfrm>
-            <a:off x="10020292" y="8530635"/>
+            <a:off x="10020292" y="8530637"/>
             <a:ext cx="373344" cy="307777"/>
           </a:xfrm>
           <a:prstGeom prst="rect">
@@ -54134,7 +53916,7 @@
         </p:nvSpPr>
         <p:spPr>
           <a:xfrm>
-            <a:off x="12213839" y="8624536"/>
+            <a:off x="12213839" y="8624538"/>
             <a:ext cx="359074" cy="307777"/>
           </a:xfrm>
           <a:prstGeom prst="rect">
@@ -54172,7 +53954,7 @@
         </p:nvSpPr>
         <p:spPr>
           <a:xfrm>
-            <a:off x="10060384" y="8158182"/>
+            <a:off x="10060385" y="8158184"/>
             <a:ext cx="353145" cy="307777"/>
           </a:xfrm>
           <a:prstGeom prst="rect">
@@ -54210,7 +53992,7 @@
         </p:nvSpPr>
         <p:spPr>
           <a:xfrm>
-            <a:off x="11859994" y="8058237"/>
+            <a:off x="11859996" y="8058237"/>
             <a:ext cx="353145" cy="307777"/>
           </a:xfrm>
           <a:prstGeom prst="rect">
@@ -54248,7 +54030,7 @@
         </p:nvSpPr>
         <p:spPr>
           <a:xfrm>
-            <a:off x="12387841" y="8146161"/>
+            <a:off x="12387842" y="8146163"/>
             <a:ext cx="353145" cy="307777"/>
           </a:xfrm>
           <a:prstGeom prst="rect">
@@ -54286,7 +54068,7 @@
         </p:nvSpPr>
         <p:spPr>
           <a:xfrm>
-            <a:off x="10482546" y="8218494"/>
+            <a:off x="10482547" y="8218496"/>
             <a:ext cx="353145" cy="307777"/>
           </a:xfrm>
           <a:prstGeom prst="rect">
@@ -54324,7 +54106,7 @@
         </p:nvSpPr>
         <p:spPr>
           <a:xfrm>
-            <a:off x="12219769" y="7780417"/>
+            <a:off x="12219770" y="7780417"/>
             <a:ext cx="353145" cy="307777"/>
           </a:xfrm>
           <a:prstGeom prst="rect">
@@ -54362,7 +54144,7 @@
         </p:nvSpPr>
         <p:spPr>
           <a:xfrm>
-            <a:off x="10334985" y="9184064"/>
+            <a:off x="10334985" y="9184066"/>
             <a:ext cx="144016" cy="160735"/>
           </a:xfrm>
           <a:prstGeom prst="ellipse">
@@ -54408,7 +54190,7 @@
         </p:nvSpPr>
         <p:spPr>
           <a:xfrm>
-            <a:off x="9558657" y="6443429"/>
+            <a:off x="9558658" y="6443430"/>
             <a:ext cx="1813977" cy="261610"/>
           </a:xfrm>
           <a:prstGeom prst="rect">
@@ -54446,7 +54228,7 @@
         </p:nvSpPr>
         <p:spPr>
           <a:xfrm>
-            <a:off x="11426252" y="6437015"/>
+            <a:off x="11426252" y="6437016"/>
             <a:ext cx="1739020" cy="261610"/>
           </a:xfrm>
           <a:prstGeom prst="rect">
@@ -54484,7 +54266,7 @@
         </p:nvSpPr>
         <p:spPr>
           <a:xfrm>
-            <a:off x="9625727" y="6717638"/>
+            <a:off x="9625727" y="6717640"/>
             <a:ext cx="1758012" cy="1246495"/>
           </a:xfrm>
           <a:prstGeom prst="rect">
@@ -54638,7 +54420,7 @@
         </p:nvSpPr>
         <p:spPr>
           <a:xfrm>
-            <a:off x="10482546" y="8455530"/>
+            <a:off x="10482547" y="8455532"/>
             <a:ext cx="353145" cy="307777"/>
           </a:xfrm>
           <a:prstGeom prst="rect">
@@ -54676,7 +54458,7 @@
         </p:nvSpPr>
         <p:spPr>
           <a:xfrm>
-            <a:off x="11397990" y="6688540"/>
+            <a:off x="11397990" y="6688542"/>
             <a:ext cx="1885679" cy="1246495"/>
           </a:xfrm>
           <a:prstGeom prst="rect">
@@ -54960,7 +54742,7 @@
         </p:nvSpPr>
         <p:spPr>
           <a:xfrm>
-            <a:off x="1232028" y="7085249"/>
+            <a:off x="1232029" y="7085251"/>
             <a:ext cx="504055" cy="1494229"/>
           </a:xfrm>
           <a:prstGeom prst="rect">
@@ -55614,7 +55396,7 @@
         </p:nvSpPr>
         <p:spPr>
           <a:xfrm>
-            <a:off x="1859723" y="7085249"/>
+            <a:off x="1859724" y="7085251"/>
             <a:ext cx="504055" cy="1494229"/>
           </a:xfrm>
           <a:prstGeom prst="rect">
@@ -55912,7 +55694,7 @@
         </p:nvSpPr>
         <p:spPr>
           <a:xfrm>
-            <a:off x="1571462" y="9100866"/>
+            <a:off x="1571462" y="9100868"/>
             <a:ext cx="936104" cy="307777"/>
           </a:xfrm>
           <a:prstGeom prst="rect">
@@ -55950,7 +55732,7 @@
         </p:nvSpPr>
         <p:spPr>
           <a:xfrm>
-            <a:off x="3061322" y="7081618"/>
+            <a:off x="3061323" y="7081620"/>
             <a:ext cx="504055" cy="1494229"/>
           </a:xfrm>
           <a:prstGeom prst="rect">
@@ -56401,7 +56183,7 @@
         </p:nvSpPr>
         <p:spPr>
           <a:xfrm>
-            <a:off x="3702574" y="7085249"/>
+            <a:off x="3702575" y="7085251"/>
             <a:ext cx="504055" cy="1494229"/>
           </a:xfrm>
           <a:prstGeom prst="rect">
@@ -56566,7 +56348,7 @@
         </p:nvSpPr>
         <p:spPr>
           <a:xfrm>
-            <a:off x="3201277" y="9091925"/>
+            <a:off x="3201277" y="9091927"/>
             <a:ext cx="936104" cy="307777"/>
           </a:xfrm>
           <a:prstGeom prst="rect">
@@ -56604,7 +56386,7 @@
         </p:nvSpPr>
         <p:spPr>
           <a:xfrm>
-            <a:off x="882712" y="6543390"/>
+            <a:off x="882712" y="6543391"/>
             <a:ext cx="1070843" cy="261610"/>
           </a:xfrm>
           <a:prstGeom prst="rect">
@@ -56648,7 +56430,7 @@
         </p:nvSpPr>
         <p:spPr>
           <a:xfrm rot="19769806">
-            <a:off x="1088127" y="6768851"/>
+            <a:off x="1088127" y="6768853"/>
             <a:ext cx="150163" cy="214653"/>
           </a:xfrm>
           <a:prstGeom prst="downArrow">
@@ -56686,7 +56468,7 @@
         </p:nvCxnSpPr>
         <p:spPr>
           <a:xfrm flipV="1">
-            <a:off x="1016869" y="7898771"/>
+            <a:off x="1016870" y="7898773"/>
             <a:ext cx="3374261" cy="8067"/>
           </a:xfrm>
           <a:prstGeom prst="line">
@@ -56722,7 +56504,7 @@
         </p:nvSpPr>
         <p:spPr>
           <a:xfrm>
-            <a:off x="2507567" y="6401093"/>
+            <a:off x="2507568" y="6401093"/>
             <a:ext cx="818086" cy="430887"/>
           </a:xfrm>
           <a:prstGeom prst="rect">
@@ -56760,7 +56542,7 @@
         </p:nvSpPr>
         <p:spPr>
           <a:xfrm rot="16200000">
-            <a:off x="2854749" y="6803010"/>
+            <a:off x="2854749" y="6803011"/>
             <a:ext cx="150164" cy="214653"/>
           </a:xfrm>
           <a:prstGeom prst="downArrow">
@@ -56836,7 +56618,7 @@
         </p:nvSpPr>
         <p:spPr>
           <a:xfrm rot="2394140">
-            <a:off x="4273705" y="7539233"/>
+            <a:off x="4273705" y="7539235"/>
             <a:ext cx="150163" cy="214653"/>
           </a:xfrm>
           <a:prstGeom prst="downArrow">
@@ -56874,7 +56656,7 @@
         </p:nvSpPr>
         <p:spPr>
           <a:xfrm>
-            <a:off x="2468725" y="7481514"/>
+            <a:off x="2468726" y="7481514"/>
             <a:ext cx="493094" cy="290556"/>
           </a:xfrm>
           <a:prstGeom prst="rightArrow">
@@ -57180,7 +56962,7 @@
         </p:nvSpPr>
         <p:spPr>
           <a:xfrm>
-            <a:off x="925326" y="8424382"/>
+            <a:off x="925327" y="8424384"/>
             <a:ext cx="331853" cy="276999"/>
           </a:xfrm>
           <a:prstGeom prst="rect">
@@ -57264,7 +57046,7 @@
         </p:nvSpPr>
         <p:spPr>
           <a:xfrm>
-            <a:off x="2798121" y="8392978"/>
+            <a:off x="2798121" y="8392980"/>
             <a:ext cx="331853" cy="276999"/>
           </a:xfrm>
           <a:prstGeom prst="rect">
@@ -57432,7 +57214,7 @@
         </p:nvSpPr>
         <p:spPr>
           <a:xfrm>
-            <a:off x="10546164" y="8991897"/>
+            <a:off x="10546165" y="8991899"/>
             <a:ext cx="2961118" cy="507831"/>
           </a:xfrm>
           <a:prstGeom prst="rect">
@@ -57756,7 +57538,7 @@
         </p:blipFill>
         <p:spPr bwMode="auto">
           <a:xfrm>
-            <a:off x="1967583" y="8000571"/>
+            <a:off x="1967583" y="8000573"/>
             <a:ext cx="4180912" cy="1192519"/>
           </a:xfrm>
           <a:prstGeom prst="rect">
@@ -58726,7 +58508,7 @@
         </p:nvSpPr>
         <p:spPr bwMode="auto">
           <a:xfrm>
-            <a:off x="5639992" y="1272208"/>
+            <a:off x="5639993" y="1272208"/>
             <a:ext cx="1595487" cy="2568054"/>
           </a:xfrm>
           <a:prstGeom prst="rect">
@@ -58799,7 +58581,7 @@
         </p:blipFill>
         <p:spPr bwMode="auto">
           <a:xfrm>
-            <a:off x="10554254" y="4152528"/>
+            <a:off x="10554255" y="4152528"/>
             <a:ext cx="2264315" cy="1440160"/>
           </a:xfrm>
           <a:prstGeom prst="rect">

--- a/models/モデルシートniimura.pptx
+++ b/models/モデルシートniimura.pptx
@@ -44729,6 +44729,130 @@
           <a:chExt cx="0" cy="0"/>
         </a:xfrm>
       </p:grpSpPr>
+      <p:pic>
+        <p:nvPicPr>
+          <p:cNvPr id="13" name="図 12"/>
+          <p:cNvPicPr>
+            <a:picLocks noChangeAspect="1"/>
+          </p:cNvPicPr>
+          <p:nvPr/>
+        </p:nvPicPr>
+        <p:blipFill>
+          <a:blip r:embed="rId2" cstate="print">
+            <a:extLst>
+              <a:ext uri="{28A0092B-C50C-407E-A947-70E740481C1C}">
+                <a14:useLocalDpi xmlns:a14="http://schemas.microsoft.com/office/drawing/2010/main" val="0"/>
+              </a:ext>
+            </a:extLst>
+          </a:blip>
+          <a:stretch>
+            <a:fillRect/>
+          </a:stretch>
+        </p:blipFill>
+        <p:spPr>
+          <a:xfrm>
+            <a:off x="8236039" y="2784376"/>
+            <a:ext cx="2826648" cy="823446"/>
+          </a:xfrm>
+          <a:prstGeom prst="rect">
+            <a:avLst/>
+          </a:prstGeom>
+        </p:spPr>
+      </p:pic>
+      <p:pic>
+        <p:nvPicPr>
+          <p:cNvPr id="11" name="Picture 6"/>
+          <p:cNvPicPr>
+            <a:picLocks noChangeAspect="1" noChangeArrowheads="1"/>
+          </p:cNvPicPr>
+          <p:nvPr/>
+        </p:nvPicPr>
+        <p:blipFill>
+          <a:blip r:embed="rId3">
+            <a:extLst>
+              <a:ext uri="{28A0092B-C50C-407E-A947-70E740481C1C}">
+                <a14:useLocalDpi xmlns:a14="http://schemas.microsoft.com/office/drawing/2010/main" val="0"/>
+              </a:ext>
+            </a:extLst>
+          </a:blip>
+          <a:srcRect/>
+          <a:stretch>
+            <a:fillRect/>
+          </a:stretch>
+        </p:blipFill>
+        <p:spPr bwMode="auto">
+          <a:xfrm>
+            <a:off x="5161316" y="3229940"/>
+            <a:ext cx="2552991" cy="2453401"/>
+          </a:xfrm>
+          <a:prstGeom prst="rect">
+            <a:avLst/>
+          </a:prstGeom>
+          <a:noFill/>
+          <a:ln>
+            <a:noFill/>
+          </a:ln>
+          <a:effectLst/>
+          <a:extLst>
+            <a:ext uri="{909E8E84-426E-40DD-AFC4-6F175D3DCCD1}">
+              <a14:hiddenFill xmlns:a14="http://schemas.microsoft.com/office/drawing/2010/main">
+                <a:solidFill>
+                  <a:schemeClr val="accent1"/>
+                </a:solidFill>
+              </a14:hiddenFill>
+            </a:ext>
+            <a:ext uri="{91240B29-F687-4F45-9708-019B960494DF}">
+              <a14:hiddenLine xmlns:a14="http://schemas.microsoft.com/office/drawing/2010/main" w="9525">
+                <a:solidFill>
+                  <a:schemeClr val="tx1"/>
+                </a:solidFill>
+                <a:miter lim="800000"/>
+                <a:headEnd/>
+                <a:tailEnd/>
+              </a14:hiddenLine>
+            </a:ext>
+            <a:ext uri="{AF507438-7753-43E0-B8FC-AC1667EBCBE1}">
+              <a14:hiddenEffects xmlns:a14="http://schemas.microsoft.com/office/drawing/2010/main">
+                <a:effectLst>
+                  <a:outerShdw dist="35921" dir="2700000" algn="ctr" rotWithShape="0">
+                    <a:schemeClr val="bg2"/>
+                  </a:outerShdw>
+                </a:effectLst>
+              </a14:hiddenEffects>
+            </a:ext>
+          </a:extLst>
+        </p:spPr>
+      </p:pic>
+      <p:pic>
+        <p:nvPicPr>
+          <p:cNvPr id="8" name="図 7"/>
+          <p:cNvPicPr>
+            <a:picLocks noChangeAspect="1"/>
+          </p:cNvPicPr>
+          <p:nvPr/>
+        </p:nvPicPr>
+        <p:blipFill>
+          <a:blip r:embed="rId4" cstate="print">
+            <a:extLst>
+              <a:ext uri="{28A0092B-C50C-407E-A947-70E740481C1C}">
+                <a14:useLocalDpi xmlns:a14="http://schemas.microsoft.com/office/drawing/2010/main" val="0"/>
+              </a:ext>
+            </a:extLst>
+          </a:blip>
+          <a:stretch>
+            <a:fillRect/>
+          </a:stretch>
+        </p:blipFill>
+        <p:spPr>
+          <a:xfrm>
+            <a:off x="743447" y="6494939"/>
+            <a:ext cx="3509733" cy="969957"/>
+          </a:xfrm>
+          <a:prstGeom prst="rect">
+            <a:avLst/>
+          </a:prstGeom>
+        </p:spPr>
+      </p:pic>
       <p:sp>
         <p:nvSpPr>
           <p:cNvPr id="2" name="タイトル 1"/>
@@ -45231,7 +45355,11 @@
             </a:r>
             <a:r>
               <a:rPr kumimoji="1" lang="ja-JP" altLang="en-US" sz="1200" dirty="0" smtClean="0"/>
-              <a:t>階段突破のためには厚さ１ｃｍの段差を乗り越え</a:t>
+              <a:t>階段</a:t>
+            </a:r>
+            <a:r>
+              <a:rPr kumimoji="1" lang="ja-JP" altLang="en-US" sz="1200" dirty="0" smtClean="0"/>
+              <a:t>突破のためには厚さ１ｃｍの段差を乗り越え</a:t>
             </a:r>
             <a:r>
               <a:rPr kumimoji="1" lang="en-US" altLang="ja-JP" sz="1200" dirty="0" smtClean="0"/>
@@ -45277,8 +45405,8 @@
         </p:nvSpPr>
         <p:spPr>
           <a:xfrm>
-            <a:off x="743448" y="2372174"/>
-            <a:ext cx="3270077" cy="844250"/>
+            <a:off x="743448" y="2299033"/>
+            <a:ext cx="3270077" cy="917391"/>
           </a:xfrm>
           <a:prstGeom prst="wedgeRoundRectCallout">
             <a:avLst>
@@ -45308,141 +45436,165 @@
           </a:fontRef>
         </p:style>
         <p:txBody>
-          <a:bodyPr lIns="0" tIns="0" rIns="0" bIns="0" rtlCol="0" anchor="ctr"/>
+          <a:bodyPr lIns="36000" tIns="36000" rIns="36000" bIns="36000" rtlCol="0" anchor="ctr"/>
           <a:lstStyle/>
           <a:p>
             <a:r>
-              <a:rPr lang="ja-JP" altLang="en-US" sz="1100" dirty="0">
+              <a:rPr lang="ja-JP" altLang="en-US" sz="1050" dirty="0">
                 <a:latin typeface="+mn-ea"/>
               </a:rPr>
               <a:t>・</a:t>
             </a:r>
             <a:r>
-              <a:rPr lang="ja-JP" altLang="en-US" sz="1100" u="sng" dirty="0">
+              <a:rPr lang="ja-JP" altLang="en-US" sz="1050" u="sng" dirty="0">
                 <a:latin typeface="+mn-ea"/>
               </a:rPr>
               <a:t>段差進入時の速度不足</a:t>
             </a:r>
-            <a:endParaRPr lang="en-US" altLang="ja-JP" sz="1100" u="sng" dirty="0">
+            <a:endParaRPr lang="en-US" altLang="ja-JP" sz="1050" u="sng" dirty="0">
               <a:latin typeface="+mn-ea"/>
             </a:endParaRPr>
           </a:p>
           <a:p>
             <a:r>
-              <a:rPr lang="ja-JP" altLang="en-US" sz="1050" dirty="0">
+              <a:rPr lang="ja-JP" altLang="en-US" sz="1000" dirty="0">
                 <a:latin typeface="+mn-ea"/>
               </a:rPr>
               <a:t>段差を上るために</a:t>
             </a:r>
             <a:r>
-              <a:rPr lang="ja-JP" altLang="en-US" sz="1050" dirty="0" smtClean="0">
+              <a:rPr lang="ja-JP" altLang="en-US" sz="1000" dirty="0" smtClean="0">
                 <a:latin typeface="+mn-ea"/>
               </a:rPr>
-              <a:t>は加速により勢いをつける必要</a:t>
-            </a:r>
-            <a:r>
-              <a:rPr lang="ja-JP" altLang="en-US" sz="1050" dirty="0">
+              <a:t>は</a:t>
+            </a:r>
+            <a:r>
+              <a:rPr lang="ja-JP" altLang="en-US" sz="1000" dirty="0" smtClean="0">
+                <a:latin typeface="+mn-ea"/>
+              </a:rPr>
+              <a:t>加速</a:t>
+            </a:r>
+            <a:r>
+              <a:rPr lang="ja-JP" altLang="en-US" sz="1000" dirty="0">
+                <a:latin typeface="+mn-ea"/>
+              </a:rPr>
+              <a:t>し</a:t>
+            </a:r>
+            <a:r>
+              <a:rPr lang="ja-JP" altLang="en-US" sz="1000" dirty="0" smtClean="0">
+                <a:latin typeface="+mn-ea"/>
+              </a:rPr>
+              <a:t>勢い</a:t>
+            </a:r>
+            <a:r>
+              <a:rPr lang="ja-JP" altLang="en-US" sz="1000" dirty="0" smtClean="0">
+                <a:latin typeface="+mn-ea"/>
+              </a:rPr>
+              <a:t>をつける必要</a:t>
+            </a:r>
+            <a:r>
+              <a:rPr lang="ja-JP" altLang="en-US" sz="1000" dirty="0">
                 <a:latin typeface="+mn-ea"/>
               </a:rPr>
               <a:t>が</a:t>
             </a:r>
             <a:r>
-              <a:rPr lang="ja-JP" altLang="en-US" sz="1050" dirty="0" smtClean="0">
+              <a:rPr lang="ja-JP" altLang="en-US" sz="1000" dirty="0" smtClean="0">
                 <a:latin typeface="+mn-ea"/>
               </a:rPr>
               <a:t>ある</a:t>
             </a:r>
             <a:r>
-              <a:rPr lang="en-US" altLang="ja-JP" sz="1050" dirty="0" smtClean="0">
+              <a:rPr lang="en-US" altLang="ja-JP" sz="1000" dirty="0" smtClean="0">
                 <a:latin typeface="+mn-ea"/>
               </a:rPr>
               <a:t>.</a:t>
             </a:r>
             <a:r>
-              <a:rPr lang="ja-JP" altLang="en-US" sz="1050" dirty="0" smtClean="0">
+              <a:rPr lang="ja-JP" altLang="en-US" sz="1000" dirty="0" smtClean="0">
                 <a:latin typeface="+mn-ea"/>
               </a:rPr>
               <a:t>そこ</a:t>
             </a:r>
             <a:r>
-              <a:rPr lang="ja-JP" altLang="en-US" sz="1050" dirty="0">
+              <a:rPr lang="ja-JP" altLang="en-US" sz="1000" dirty="0">
                 <a:latin typeface="+mn-ea"/>
               </a:rPr>
               <a:t>で倒立</a:t>
             </a:r>
             <a:r>
-              <a:rPr lang="ja-JP" altLang="en-US" sz="1050" dirty="0" smtClean="0">
+              <a:rPr lang="ja-JP" altLang="en-US" sz="1000" dirty="0" smtClean="0">
                 <a:latin typeface="+mn-ea"/>
               </a:rPr>
               <a:t>制御</a:t>
             </a:r>
             <a:r>
-              <a:rPr lang="en-US" altLang="ja-JP" sz="1050" dirty="0" smtClean="0">
+              <a:rPr lang="en-US" altLang="ja-JP" sz="1000" dirty="0" smtClean="0">
                 <a:latin typeface="+mn-ea"/>
               </a:rPr>
               <a:t>API</a:t>
             </a:r>
             <a:r>
-              <a:rPr lang="ja-JP" altLang="en-US" sz="1050" dirty="0" smtClean="0">
+              <a:rPr lang="ja-JP" altLang="en-US" sz="1000" dirty="0" smtClean="0">
                 <a:latin typeface="+mn-ea"/>
               </a:rPr>
               <a:t>で</a:t>
             </a:r>
             <a:r>
-              <a:rPr lang="ja-JP" altLang="en-US" sz="1050" dirty="0">
+              <a:rPr lang="ja-JP" altLang="en-US" sz="1000" dirty="0">
                 <a:latin typeface="+mn-ea"/>
               </a:rPr>
               <a:t>用いるジャイロセンサのオフセット値を調節</a:t>
             </a:r>
             <a:r>
-              <a:rPr lang="ja-JP" altLang="en-US" sz="1050" dirty="0" smtClean="0">
+              <a:rPr lang="ja-JP" altLang="en-US" sz="1000" dirty="0" smtClean="0">
                 <a:latin typeface="+mn-ea"/>
               </a:rPr>
               <a:t>し</a:t>
             </a:r>
             <a:r>
-              <a:rPr lang="en-US" altLang="ja-JP" sz="1050" dirty="0" smtClean="0">
+              <a:rPr lang="en-US" altLang="ja-JP" sz="1000" dirty="0" smtClean="0">
                 <a:latin typeface="+mn-ea"/>
               </a:rPr>
               <a:t>,</a:t>
             </a:r>
             <a:r>
-              <a:rPr lang="ja-JP" altLang="en-US" sz="1050" dirty="0" smtClean="0">
+              <a:rPr lang="ja-JP" altLang="en-US" sz="1000" dirty="0" smtClean="0">
                 <a:latin typeface="+mn-ea"/>
               </a:rPr>
               <a:t>走行体を強制的に前傾</a:t>
             </a:r>
             <a:r>
-              <a:rPr lang="ja-JP" altLang="en-US" sz="1050" dirty="0">
+              <a:rPr lang="ja-JP" altLang="en-US" sz="1000" dirty="0">
                 <a:latin typeface="+mn-ea"/>
               </a:rPr>
               <a:t>させることで短距離で</a:t>
             </a:r>
             <a:r>
-              <a:rPr lang="ja-JP" altLang="en-US" sz="1050" dirty="0" smtClean="0">
+              <a:rPr lang="ja-JP" altLang="en-US" sz="1000" dirty="0" smtClean="0">
                 <a:latin typeface="+mn-ea"/>
               </a:rPr>
               <a:t>の急加速</a:t>
             </a:r>
             <a:r>
-              <a:rPr lang="ja-JP" altLang="en-US" sz="1050" dirty="0">
+              <a:rPr lang="ja-JP" altLang="en-US" sz="1000" dirty="0">
                 <a:latin typeface="+mn-ea"/>
               </a:rPr>
               <a:t>を</a:t>
             </a:r>
             <a:r>
-              <a:rPr lang="ja-JP" altLang="en-US" sz="1050" dirty="0" smtClean="0">
+              <a:rPr lang="ja-JP" altLang="en-US" sz="1000" dirty="0" smtClean="0">
                 <a:latin typeface="+mn-ea"/>
               </a:rPr>
               <a:t>実現</a:t>
             </a:r>
             <a:r>
-              <a:rPr lang="en-US" altLang="ja-JP" sz="1050" dirty="0" smtClean="0">
+              <a:rPr lang="en-US" altLang="ja-JP" sz="1000" dirty="0" smtClean="0">
                 <a:latin typeface="+mn-ea"/>
               </a:rPr>
               <a:t>.</a:t>
             </a:r>
-            <a:endParaRPr lang="ja-JP" altLang="en-US" sz="1050" dirty="0">
+            <a:endParaRPr lang="ja-JP" altLang="en-US" sz="1000" dirty="0">
               <a:latin typeface="+mn-ea"/>
             </a:endParaRPr>
           </a:p>
@@ -45456,7 +45608,7 @@
         </p:nvSpPr>
         <p:spPr>
           <a:xfrm>
-            <a:off x="3119712" y="4656584"/>
+            <a:off x="3191719" y="4656584"/>
             <a:ext cx="1656184" cy="936104"/>
           </a:xfrm>
           <a:prstGeom prst="wedgeRoundRectCallout">
@@ -45487,45 +45639,45 @@
           </a:fontRef>
         </p:style>
         <p:txBody>
-          <a:bodyPr lIns="0" tIns="0" rIns="0" bIns="0" rtlCol="0" anchor="ctr"/>
+          <a:bodyPr lIns="36000" tIns="36000" rIns="36000" bIns="36000" rtlCol="0" anchor="ctr"/>
           <a:lstStyle/>
           <a:p>
             <a:r>
-              <a:rPr lang="ja-JP" altLang="en-US" sz="1100" dirty="0" smtClean="0">
+              <a:rPr lang="ja-JP" altLang="en-US" sz="1050" dirty="0" smtClean="0">
                 <a:latin typeface="+mn-ea"/>
               </a:rPr>
               <a:t>・</a:t>
             </a:r>
             <a:r>
-              <a:rPr lang="ja-JP" altLang="en-US" sz="1100" u="sng" dirty="0" smtClean="0">
+              <a:rPr lang="ja-JP" altLang="en-US" sz="1050" u="sng" dirty="0" smtClean="0">
                 <a:latin typeface="+mn-ea"/>
               </a:rPr>
               <a:t>落下時に走行体が</a:t>
             </a:r>
             <a:r>
-              <a:rPr lang="en-US" altLang="ja-JP" sz="1100" u="sng" dirty="0" smtClean="0">
+              <a:rPr lang="en-US" altLang="ja-JP" sz="1050" u="sng" dirty="0" smtClean="0">
                 <a:latin typeface="+mn-ea"/>
               </a:rPr>
               <a:t/>
             </a:r>
             <a:br>
-              <a:rPr lang="en-US" altLang="ja-JP" sz="1100" u="sng" dirty="0" smtClean="0">
+              <a:rPr lang="en-US" altLang="ja-JP" sz="1050" u="sng" dirty="0" smtClean="0">
                 <a:latin typeface="+mn-ea"/>
               </a:rPr>
             </a:br>
             <a:r>
-              <a:rPr lang="ja-JP" altLang="en-US" sz="1100" u="sng" dirty="0" smtClean="0">
+              <a:rPr lang="ja-JP" altLang="en-US" sz="1050" u="sng" dirty="0" smtClean="0">
                 <a:latin typeface="+mn-ea"/>
               </a:rPr>
               <a:t>ラインから外れている</a:t>
             </a:r>
-            <a:endParaRPr lang="en-US" altLang="ja-JP" sz="1100" u="sng" dirty="0" smtClean="0">
+            <a:endParaRPr lang="en-US" altLang="ja-JP" sz="1050" u="sng" dirty="0" smtClean="0">
               <a:latin typeface="+mn-ea"/>
             </a:endParaRPr>
           </a:p>
           <a:p>
             <a:r>
-              <a:rPr lang="ja-JP" altLang="en-US" sz="1050" dirty="0">
+              <a:rPr lang="ja-JP" altLang="en-US" sz="1000" dirty="0">
                 <a:solidFill>
                   <a:srgbClr val="FF0000"/>
                 </a:solidFill>
@@ -45534,7 +45686,7 @@
               <a:t>ライン</a:t>
             </a:r>
             <a:r>
-              <a:rPr lang="ja-JP" altLang="en-US" sz="1050" dirty="0" smtClean="0">
+              <a:rPr lang="ja-JP" altLang="en-US" sz="1000" dirty="0" smtClean="0">
                 <a:solidFill>
                   <a:srgbClr val="FF0000"/>
                 </a:solidFill>
@@ -45543,163 +45695,35 @@
               <a:t>復帰動作</a:t>
             </a:r>
             <a:r>
-              <a:rPr lang="ja-JP" altLang="en-US" sz="1050" dirty="0" smtClean="0">
+              <a:rPr lang="ja-JP" altLang="en-US" sz="1000" dirty="0" smtClean="0">
                 <a:latin typeface="+mn-ea"/>
               </a:rPr>
               <a:t>（</a:t>
             </a:r>
             <a:r>
-              <a:rPr lang="en-US" altLang="ja-JP" sz="1050" dirty="0" smtClean="0">
+              <a:rPr lang="en-US" altLang="ja-JP" sz="1000" dirty="0" smtClean="0">
                 <a:latin typeface="+mn-ea"/>
               </a:rPr>
               <a:t>p.5 </a:t>
             </a:r>
             <a:r>
-              <a:rPr lang="ja-JP" altLang="en-US" sz="1050" dirty="0" smtClean="0">
+              <a:rPr lang="ja-JP" altLang="en-US" sz="1000" dirty="0" smtClean="0">
                 <a:latin typeface="+mn-ea"/>
               </a:rPr>
               <a:t>要素技術参照）によってラインへの復帰を実現</a:t>
             </a:r>
             <a:r>
-              <a:rPr lang="en-US" altLang="ja-JP" sz="1050" dirty="0" smtClean="0">
+              <a:rPr lang="en-US" altLang="ja-JP" sz="1000" dirty="0" smtClean="0">
                 <a:latin typeface="+mn-ea"/>
               </a:rPr>
               <a:t>.</a:t>
             </a:r>
-            <a:endParaRPr lang="ja-JP" altLang="en-US" sz="1050" dirty="0">
+            <a:endParaRPr lang="ja-JP" altLang="en-US" sz="1000" dirty="0">
               <a:latin typeface="+mn-ea"/>
             </a:endParaRPr>
           </a:p>
         </p:txBody>
       </p:sp>
-      <p:pic>
-        <p:nvPicPr>
-          <p:cNvPr id="1028" name="Picture 4"/>
-          <p:cNvPicPr>
-            <a:picLocks noChangeAspect="1" noChangeArrowheads="1"/>
-          </p:cNvPicPr>
-          <p:nvPr/>
-        </p:nvPicPr>
-        <p:blipFill>
-          <a:blip r:embed="rId2">
-            <a:extLst>
-              <a:ext uri="{28A0092B-C50C-407E-A947-70E740481C1C}">
-                <a14:useLocalDpi xmlns:a14="http://schemas.microsoft.com/office/drawing/2010/main" val="0"/>
-              </a:ext>
-            </a:extLst>
-          </a:blip>
-          <a:srcRect/>
-          <a:stretch>
-            <a:fillRect/>
-          </a:stretch>
-        </p:blipFill>
-        <p:spPr bwMode="auto">
-          <a:xfrm>
-            <a:off x="4919912" y="3438421"/>
-            <a:ext cx="3021040" cy="2226277"/>
-          </a:xfrm>
-          <a:prstGeom prst="rect">
-            <a:avLst/>
-          </a:prstGeom>
-          <a:noFill/>
-          <a:ln>
-            <a:noFill/>
-          </a:ln>
-          <a:effectLst/>
-          <a:extLst>
-            <a:ext uri="{909E8E84-426E-40DD-AFC4-6F175D3DCCD1}">
-              <a14:hiddenFill xmlns:a14="http://schemas.microsoft.com/office/drawing/2010/main">
-                <a:solidFill>
-                  <a:schemeClr val="accent1"/>
-                </a:solidFill>
-              </a14:hiddenFill>
-            </a:ext>
-            <a:ext uri="{91240B29-F687-4F45-9708-019B960494DF}">
-              <a14:hiddenLine xmlns:a14="http://schemas.microsoft.com/office/drawing/2010/main" w="9525">
-                <a:solidFill>
-                  <a:schemeClr val="tx1"/>
-                </a:solidFill>
-                <a:miter lim="800000"/>
-                <a:headEnd/>
-                <a:tailEnd/>
-              </a14:hiddenLine>
-            </a:ext>
-            <a:ext uri="{AF507438-7753-43E0-B8FC-AC1667EBCBE1}">
-              <a14:hiddenEffects xmlns:a14="http://schemas.microsoft.com/office/drawing/2010/main">
-                <a:effectLst>
-                  <a:outerShdw dist="35921" dir="2700000" algn="ctr" rotWithShape="0">
-                    <a:schemeClr val="bg2"/>
-                  </a:outerShdw>
-                </a:effectLst>
-              </a14:hiddenEffects>
-            </a:ext>
-          </a:extLst>
-        </p:spPr>
-      </p:pic>
-      <p:pic>
-        <p:nvPicPr>
-          <p:cNvPr id="1029" name="Picture 5"/>
-          <p:cNvPicPr>
-            <a:picLocks noChangeAspect="1" noChangeArrowheads="1"/>
-          </p:cNvPicPr>
-          <p:nvPr/>
-        </p:nvPicPr>
-        <p:blipFill>
-          <a:blip r:embed="rId3">
-            <a:extLst>
-              <a:ext uri="{28A0092B-C50C-407E-A947-70E740481C1C}">
-                <a14:useLocalDpi xmlns:a14="http://schemas.microsoft.com/office/drawing/2010/main" val="0"/>
-              </a:ext>
-            </a:extLst>
-          </a:blip>
-          <a:srcRect/>
-          <a:stretch>
-            <a:fillRect/>
-          </a:stretch>
-        </p:blipFill>
-        <p:spPr bwMode="auto">
-          <a:xfrm>
-            <a:off x="10760129" y="3576467"/>
-            <a:ext cx="2872751" cy="1944215"/>
-          </a:xfrm>
-          <a:prstGeom prst="rect">
-            <a:avLst/>
-          </a:prstGeom>
-          <a:noFill/>
-          <a:ln>
-            <a:noFill/>
-          </a:ln>
-          <a:effectLst/>
-          <a:extLst>
-            <a:ext uri="{909E8E84-426E-40DD-AFC4-6F175D3DCCD1}">
-              <a14:hiddenFill xmlns:a14="http://schemas.microsoft.com/office/drawing/2010/main">
-                <a:solidFill>
-                  <a:schemeClr val="accent1"/>
-                </a:solidFill>
-              </a14:hiddenFill>
-            </a:ext>
-            <a:ext uri="{91240B29-F687-4F45-9708-019B960494DF}">
-              <a14:hiddenLine xmlns:a14="http://schemas.microsoft.com/office/drawing/2010/main" w="9525">
-                <a:solidFill>
-                  <a:schemeClr val="tx1"/>
-                </a:solidFill>
-                <a:miter lim="800000"/>
-                <a:headEnd/>
-                <a:tailEnd/>
-              </a14:hiddenLine>
-            </a:ext>
-            <a:ext uri="{AF507438-7753-43E0-B8FC-AC1667EBCBE1}">
-              <a14:hiddenEffects xmlns:a14="http://schemas.microsoft.com/office/drawing/2010/main">
-                <a:effectLst>
-                  <a:outerShdw dist="35921" dir="2700000" algn="ctr" rotWithShape="0">
-                    <a:schemeClr val="bg2"/>
-                  </a:outerShdw>
-                </a:effectLst>
-              </a14:hiddenEffects>
-            </a:ext>
-          </a:extLst>
-        </p:spPr>
-      </p:pic>
       <p:sp>
         <p:nvSpPr>
           <p:cNvPr id="15" name="右矢印 14"/>
@@ -45749,7 +45773,7 @@
           <p:nvPr/>
         </p:nvPicPr>
         <p:blipFill>
-          <a:blip r:embed="rId4">
+          <a:blip r:embed="rId5">
             <a:extLst>
               <a:ext uri="{28A0092B-C50C-407E-A947-70E740481C1C}">
                 <a14:useLocalDpi xmlns:a14="http://schemas.microsoft.com/office/drawing/2010/main" val="0"/>
@@ -45763,7 +45787,7 @@
         </p:blipFill>
         <p:spPr bwMode="auto">
           <a:xfrm>
-            <a:off x="10718918" y="7666439"/>
+            <a:off x="10680551" y="7608912"/>
             <a:ext cx="2860577" cy="1958698"/>
           </a:xfrm>
           <a:prstGeom prst="rect">
@@ -45813,7 +45837,7 @@
         <p:spPr>
           <a:xfrm>
             <a:off x="8091596" y="1560242"/>
-            <a:ext cx="5541284" cy="461665"/>
+            <a:ext cx="5541284" cy="646331"/>
           </a:xfrm>
           <a:prstGeom prst="rect">
             <a:avLst/>
@@ -45867,12 +45891,12 @@
               <a:t>シーソーの</a:t>
             </a:r>
             <a:r>
-              <a:rPr lang="ja-JP" altLang="en-US" sz="1200" dirty="0"/>
-              <a:t>動き</a:t>
-            </a:r>
-            <a:r>
               <a:rPr lang="ja-JP" altLang="en-US" sz="1200" dirty="0" smtClean="0"/>
-              <a:t>に対して</a:t>
+              <a:t>動きに対応出来なければならない。しかし、階段での戦略を使いまわすことで対応が可能である</a:t>
+            </a:r>
+            <a:r>
+              <a:rPr lang="en-US" altLang="ja-JP" sz="1200" dirty="0" smtClean="0"/>
+              <a:t>.</a:t>
             </a:r>
             <a:endParaRPr kumimoji="1" lang="en-US" altLang="ja-JP" sz="1200" dirty="0" smtClean="0"/>
           </a:p>
@@ -45887,7 +45911,7 @@
           <p:nvPr/>
         </p:nvPicPr>
         <p:blipFill>
-          <a:blip r:embed="rId5" cstate="print">
+          <a:blip r:embed="rId6" cstate="print">
             <a:extLst>
               <a:ext uri="{28A0092B-C50C-407E-A947-70E740481C1C}">
                 <a14:useLocalDpi xmlns:a14="http://schemas.microsoft.com/office/drawing/2010/main" val="0"/>
@@ -45900,7 +45924,7 @@
         </p:blipFill>
         <p:spPr>
           <a:xfrm>
-            <a:off x="728196" y="3225408"/>
+            <a:off x="728195" y="3225408"/>
             <a:ext cx="3543644" cy="1215152"/>
           </a:xfrm>
           <a:prstGeom prst="rect">
@@ -45916,13 +45940,13 @@
         </p:nvSpPr>
         <p:spPr>
           <a:xfrm>
-            <a:off x="8249315" y="2136306"/>
+            <a:off x="8249315" y="2208312"/>
             <a:ext cx="2071196" cy="426943"/>
           </a:xfrm>
           <a:prstGeom prst="wedgeRoundRectCallout">
             <a:avLst>
-              <a:gd name="adj1" fmla="val -22471"/>
-              <a:gd name="adj2" fmla="val 97455"/>
+              <a:gd name="adj1" fmla="val -30381"/>
+              <a:gd name="adj2" fmla="val 108164"/>
               <a:gd name="adj3" fmla="val 16667"/>
             </a:avLst>
           </a:prstGeom>
@@ -45947,7 +45971,7 @@
           </a:fontRef>
         </p:style>
         <p:txBody>
-          <a:bodyPr lIns="0" tIns="0" rIns="0" bIns="0" rtlCol="0" anchor="ctr"/>
+          <a:bodyPr lIns="36000" tIns="36000" rIns="36000" bIns="36000" rtlCol="0" anchor="ctr"/>
           <a:lstStyle/>
           <a:p>
             <a:r>
@@ -46030,116 +46054,86 @@
           </a:fontRef>
         </p:style>
         <p:txBody>
-          <a:bodyPr lIns="0" tIns="0" rIns="0" bIns="0" rtlCol="0" anchor="ctr"/>
+          <a:bodyPr lIns="36000" tIns="36000" rIns="36000" bIns="36000" rtlCol="0" anchor="ctr"/>
           <a:lstStyle/>
           <a:p>
             <a:r>
-              <a:rPr lang="ja-JP" altLang="en-US" sz="1050" dirty="0" smtClean="0">
+              <a:rPr lang="ja-JP" altLang="en-US" sz="1000" dirty="0" smtClean="0">
                 <a:latin typeface="+mn-ea"/>
               </a:rPr>
               <a:t>・</a:t>
             </a:r>
             <a:r>
-              <a:rPr lang="ja-JP" altLang="en-US" sz="1100" u="sng" dirty="0" smtClean="0">
+              <a:rPr lang="ja-JP" altLang="en-US" sz="1050" u="sng" dirty="0" smtClean="0">
                 <a:latin typeface="+mn-ea"/>
               </a:rPr>
               <a:t>落下時に走行体が不安定になる</a:t>
             </a:r>
-            <a:endParaRPr lang="en-US" altLang="ja-JP" sz="1100" u="sng" dirty="0" smtClean="0">
+            <a:endParaRPr lang="en-US" altLang="ja-JP" sz="1050" u="sng" dirty="0" smtClean="0">
               <a:latin typeface="+mn-ea"/>
             </a:endParaRPr>
           </a:p>
           <a:p>
             <a:r>
-              <a:rPr lang="ja-JP" altLang="en-US" sz="1050" dirty="0" smtClean="0">
+              <a:rPr lang="ja-JP" altLang="en-US" sz="1000" dirty="0" smtClean="0">
                 <a:latin typeface="+mn-ea"/>
               </a:rPr>
               <a:t>走行体</a:t>
             </a:r>
             <a:r>
-              <a:rPr lang="ja-JP" altLang="en-US" sz="1050" dirty="0" smtClean="0">
+              <a:rPr lang="ja-JP" altLang="en-US" sz="1000" dirty="0" smtClean="0">
                 <a:latin typeface="+mn-ea"/>
               </a:rPr>
               <a:t>が落下</a:t>
             </a:r>
             <a:r>
-              <a:rPr lang="ja-JP" altLang="en-US" sz="1050" dirty="0" smtClean="0">
+              <a:rPr lang="ja-JP" altLang="en-US" sz="1000" dirty="0" smtClean="0">
                 <a:latin typeface="+mn-ea"/>
               </a:rPr>
-              <a:t>した際に走行体が後傾姿勢になる傾向がある。そこで、落下時の衝撃を検知</a:t>
-            </a:r>
-            <a:r>
-              <a:rPr lang="ja-JP" altLang="en-US" sz="1050" dirty="0" smtClean="0">
+              <a:t>した際に走行体が後傾姿勢になる傾向がある。そこで、落下の衝撃を検知</a:t>
+            </a:r>
+            <a:r>
+              <a:rPr lang="ja-JP" altLang="en-US" sz="1000" dirty="0" smtClean="0">
                 <a:latin typeface="+mn-ea"/>
               </a:rPr>
               <a:t>した際に</a:t>
             </a:r>
             <a:r>
-              <a:rPr lang="en-US" altLang="ja-JP" sz="1050" dirty="0" smtClean="0">
+              <a:rPr lang="en-US" altLang="ja-JP" sz="1000" dirty="0" smtClean="0">
                 <a:latin typeface="+mn-ea"/>
               </a:rPr>
               <a:t>,</a:t>
             </a:r>
             <a:r>
-              <a:rPr lang="ja-JP" altLang="en-US" sz="1050" dirty="0" smtClean="0">
+              <a:rPr lang="ja-JP" altLang="en-US" sz="1000" dirty="0" smtClean="0">
                 <a:latin typeface="+mn-ea"/>
               </a:rPr>
               <a:t>ジャイロオフセットの値を</a:t>
             </a:r>
             <a:r>
-              <a:rPr lang="ja-JP" altLang="en-US" sz="1050" dirty="0" smtClean="0">
+              <a:rPr lang="ja-JP" altLang="en-US" sz="1000" dirty="0" smtClean="0">
                 <a:latin typeface="+mn-ea"/>
               </a:rPr>
               <a:t>調節し補正を行うことで倒立制御の安定化</a:t>
             </a:r>
             <a:r>
-              <a:rPr lang="ja-JP" altLang="en-US" sz="1050" dirty="0" smtClean="0">
+              <a:rPr lang="ja-JP" altLang="en-US" sz="1000" dirty="0" smtClean="0">
                 <a:latin typeface="+mn-ea"/>
               </a:rPr>
               <a:t>を実現</a:t>
             </a:r>
             <a:r>
-              <a:rPr lang="en-US" altLang="ja-JP" sz="1050" dirty="0" smtClean="0">
+              <a:rPr lang="en-US" altLang="ja-JP" sz="1000" dirty="0" smtClean="0">
                 <a:latin typeface="+mn-ea"/>
               </a:rPr>
               <a:t>.</a:t>
             </a:r>
-            <a:endParaRPr lang="ja-JP" altLang="en-US" sz="1050" dirty="0">
+            <a:endParaRPr lang="ja-JP" altLang="en-US" sz="1000" dirty="0">
               <a:latin typeface="+mn-ea"/>
             </a:endParaRPr>
           </a:p>
         </p:txBody>
       </p:sp>
-      <p:pic>
-        <p:nvPicPr>
-          <p:cNvPr id="17" name="図 16"/>
-          <p:cNvPicPr>
-            <a:picLocks noChangeAspect="1"/>
-          </p:cNvPicPr>
-          <p:nvPr/>
-        </p:nvPicPr>
-        <p:blipFill>
-          <a:blip r:embed="rId6" cstate="print">
-            <a:extLst>
-              <a:ext uri="{28A0092B-C50C-407E-A947-70E740481C1C}">
-                <a14:useLocalDpi xmlns:a14="http://schemas.microsoft.com/office/drawing/2010/main" val="0"/>
-              </a:ext>
-            </a:extLst>
-          </a:blip>
-          <a:stretch>
-            <a:fillRect/>
-          </a:stretch>
-        </p:blipFill>
-        <p:spPr>
-          <a:xfrm>
-            <a:off x="8318157" y="2622752"/>
-            <a:ext cx="2532266" cy="737688"/>
-          </a:xfrm>
-          <a:prstGeom prst="rect">
-            <a:avLst/>
-          </a:prstGeom>
-        </p:spPr>
-      </p:pic>
       <p:sp>
         <p:nvSpPr>
           <p:cNvPr id="62" name="角丸四角形吹き出し 61"/>
@@ -46148,13 +46142,13 @@
         </p:nvSpPr>
         <p:spPr>
           <a:xfrm>
-            <a:off x="10464527" y="2136304"/>
+            <a:off x="10464527" y="2213128"/>
             <a:ext cx="2231023" cy="427232"/>
           </a:xfrm>
           <a:prstGeom prst="wedgeRoundRectCallout">
             <a:avLst>
-              <a:gd name="adj1" fmla="val -40637"/>
-              <a:gd name="adj2" fmla="val 88152"/>
+              <a:gd name="adj1" fmla="val -37137"/>
+              <a:gd name="adj2" fmla="val 114460"/>
               <a:gd name="adj3" fmla="val 16667"/>
             </a:avLst>
           </a:prstGeom>
@@ -46179,7 +46173,7 @@
           </a:fontRef>
         </p:style>
         <p:txBody>
-          <a:bodyPr lIns="0" tIns="0" rIns="0" bIns="0" rtlCol="0" anchor="ctr"/>
+          <a:bodyPr lIns="36000" tIns="36000" rIns="36000" bIns="36000" rtlCol="0" anchor="ctr"/>
           <a:lstStyle/>
           <a:p>
             <a:r>
@@ -46231,13 +46225,13 @@
         </p:nvSpPr>
         <p:spPr>
           <a:xfrm>
-            <a:off x="11413589" y="2706399"/>
+            <a:off x="11413589" y="2789507"/>
             <a:ext cx="2075275" cy="582035"/>
           </a:xfrm>
           <a:prstGeom prst="wedgeRoundRectCallout">
             <a:avLst>
-              <a:gd name="adj1" fmla="val -89230"/>
-              <a:gd name="adj2" fmla="val 48304"/>
+              <a:gd name="adj1" fmla="val -83079"/>
+              <a:gd name="adj2" fmla="val 70233"/>
               <a:gd name="adj3" fmla="val 16667"/>
             </a:avLst>
           </a:prstGeom>
@@ -46262,7 +46256,7 @@
           </a:fontRef>
         </p:style>
         <p:txBody>
-          <a:bodyPr lIns="0" tIns="0" rIns="0" bIns="0" rtlCol="0" anchor="ctr"/>
+          <a:bodyPr lIns="36000" tIns="36000" rIns="36000" bIns="36000" rtlCol="0" anchor="ctr"/>
           <a:lstStyle/>
           <a:p>
             <a:r>
@@ -46326,13 +46320,13 @@
         </p:nvSpPr>
         <p:spPr>
           <a:xfrm>
-            <a:off x="8249315" y="3504456"/>
-            <a:ext cx="2545297" cy="1800200"/>
+            <a:off x="8249316" y="3900500"/>
+            <a:ext cx="2215211" cy="1404156"/>
           </a:xfrm>
           <a:prstGeom prst="wedgeRoundRectCallout">
             <a:avLst>
-              <a:gd name="adj1" fmla="val -9698"/>
-              <a:gd name="adj2" fmla="val -66588"/>
+              <a:gd name="adj1" fmla="val 27131"/>
+              <a:gd name="adj2" fmla="val -81891"/>
               <a:gd name="adj3" fmla="val 16667"/>
             </a:avLst>
           </a:prstGeom>
@@ -46359,117 +46353,98 @@
           </a:fontRef>
         </p:style>
         <p:txBody>
-          <a:bodyPr lIns="0" tIns="0" rIns="0" bIns="0" rtlCol="0" anchor="ctr"/>
+          <a:bodyPr lIns="36000" tIns="36000" rIns="36000" bIns="36000" rtlCol="0" anchor="ctr"/>
           <a:lstStyle/>
           <a:p>
             <a:r>
-              <a:rPr lang="ja-JP" altLang="en-US" sz="1050" dirty="0" smtClean="0">
+              <a:rPr lang="ja-JP" altLang="en-US" sz="1000" dirty="0" smtClean="0">
                 <a:latin typeface="+mn-ea"/>
               </a:rPr>
               <a:t>・</a:t>
             </a:r>
             <a:r>
-              <a:rPr lang="ja-JP" altLang="en-US" sz="1100" u="sng" dirty="0" smtClean="0">
+              <a:rPr lang="ja-JP" altLang="en-US" sz="1050" u="sng" dirty="0" smtClean="0">
                 <a:latin typeface="+mn-ea"/>
               </a:rPr>
-              <a:t>シーソーの動きと角度</a:t>
-            </a:r>
-            <a:r>
-              <a:rPr lang="ja-JP" altLang="en-US" sz="1100" u="sng" dirty="0">
+              <a:t>シーソーの動きに</a:t>
+            </a:r>
+            <a:r>
+              <a:rPr lang="ja-JP" altLang="en-US" sz="1050" u="sng" dirty="0">
                 <a:latin typeface="+mn-ea"/>
               </a:rPr>
-              <a:t>によって</a:t>
-            </a:r>
-            <a:r>
-              <a:rPr lang="ja-JP" altLang="en-US" sz="1100" u="sng" dirty="0" smtClean="0">
+              <a:t>よって</a:t>
+            </a:r>
+            <a:r>
+              <a:rPr lang="ja-JP" altLang="en-US" sz="1050" u="sng" dirty="0" smtClean="0">
                 <a:latin typeface="+mn-ea"/>
               </a:rPr>
               <a:t>走行が</a:t>
             </a:r>
             <a:r>
-              <a:rPr lang="ja-JP" altLang="en-US" sz="1100" u="sng" dirty="0" smtClean="0">
+              <a:rPr lang="ja-JP" altLang="en-US" sz="1050" u="sng" dirty="0" smtClean="0">
                 <a:latin typeface="+mn-ea"/>
               </a:rPr>
               <a:t>不安定に</a:t>
             </a:r>
             <a:r>
-              <a:rPr lang="ja-JP" altLang="en-US" sz="1100" u="sng" dirty="0" smtClean="0">
+              <a:rPr lang="ja-JP" altLang="en-US" sz="1050" u="sng" dirty="0" smtClean="0">
                 <a:latin typeface="+mn-ea"/>
               </a:rPr>
               <a:t>なる</a:t>
             </a:r>
-            <a:endParaRPr lang="en-US" altLang="ja-JP" sz="1100" u="sng" dirty="0" smtClean="0">
+            <a:endParaRPr lang="en-US" altLang="ja-JP" sz="1050" u="sng" dirty="0" smtClean="0">
               <a:latin typeface="+mn-ea"/>
             </a:endParaRPr>
           </a:p>
           <a:p>
             <a:r>
-              <a:rPr lang="ja-JP" altLang="en-US" sz="1050" dirty="0" smtClean="0">
+              <a:rPr lang="ja-JP" altLang="en-US" sz="1000" dirty="0" smtClean="0">
                 <a:latin typeface="+mn-ea"/>
               </a:rPr>
-              <a:t>シーソー上走行中</a:t>
-            </a:r>
-            <a:r>
-              <a:rPr lang="en-US" altLang="ja-JP" sz="1050" dirty="0" smtClean="0">
+              <a:t>シーソーが降下した際に走行体が大きく前傾してしまう。そこで</a:t>
+            </a:r>
+            <a:r>
+              <a:rPr lang="en-US" altLang="ja-JP" sz="1000" dirty="0" smtClean="0">
                 <a:latin typeface="+mn-ea"/>
               </a:rPr>
               <a:t>,</a:t>
             </a:r>
             <a:r>
-              <a:rPr lang="ja-JP" altLang="en-US" sz="1050" dirty="0" smtClean="0">
+              <a:rPr lang="ja-JP" altLang="en-US" sz="1000" dirty="0" smtClean="0">
                 <a:latin typeface="+mn-ea"/>
               </a:rPr>
-              <a:t>シーソーの角度</a:t>
-            </a:r>
-            <a:r>
-              <a:rPr lang="ja-JP" altLang="en-US" sz="1050" smtClean="0">
+              <a:t>階段落下時と同様に</a:t>
+            </a:r>
+            <a:r>
+              <a:rPr lang="en-US" altLang="ja-JP" sz="1000" dirty="0" smtClean="0">
                 <a:latin typeface="+mn-ea"/>
               </a:rPr>
-              <a:t>によって走行体が姿勢を維持することが難しくなる。また、シーソーが降下した際に</a:t>
-            </a:r>
-            <a:endParaRPr lang="en-US" altLang="ja-JP" sz="1050" dirty="0" smtClean="0">
-              <a:latin typeface="+mn-ea"/>
-            </a:endParaRPr>
-          </a:p>
-        </p:txBody>
-      </p:sp>
-      <p:sp>
-        <p:nvSpPr>
-          <p:cNvPr id="19" name="下矢印 18"/>
-          <p:cNvSpPr/>
-          <p:nvPr/>
-        </p:nvSpPr>
-        <p:spPr>
-          <a:xfrm rot="20020687">
-            <a:off x="10834708" y="3387044"/>
-            <a:ext cx="482847" cy="162821"/>
-          </a:xfrm>
-          <a:prstGeom prst="downArrow">
-            <a:avLst/>
-          </a:prstGeom>
-        </p:spPr>
-        <p:style>
-          <a:lnRef idx="2">
-            <a:schemeClr val="accent1">
-              <a:shade val="50000"/>
-            </a:schemeClr>
-          </a:lnRef>
-          <a:fillRef idx="1">
-            <a:schemeClr val="accent1"/>
-          </a:fillRef>
-          <a:effectRef idx="0">
-            <a:schemeClr val="accent1"/>
-          </a:effectRef>
-          <a:fontRef idx="minor">
-            <a:schemeClr val="lt1"/>
-          </a:fontRef>
-        </p:style>
-        <p:txBody>
-          <a:bodyPr rtlCol="0" anchor="ctr"/>
-          <a:lstStyle/>
-          <a:p>
-            <a:pPr algn="ctr"/>
-            <a:endParaRPr kumimoji="1" lang="ja-JP" altLang="en-US"/>
+              <a:t>,</a:t>
+            </a:r>
+            <a:r>
+              <a:rPr lang="ja-JP" altLang="en-US" sz="1000" dirty="0" smtClean="0">
+                <a:latin typeface="+mn-ea"/>
+              </a:rPr>
+              <a:t>シーソーの降下に合わせて走行体を後傾させることによって</a:t>
+            </a:r>
+            <a:r>
+              <a:rPr lang="en-US" altLang="ja-JP" sz="1000" dirty="0" smtClean="0">
+                <a:latin typeface="+mn-ea"/>
+              </a:rPr>
+              <a:t>,</a:t>
+            </a:r>
+            <a:r>
+              <a:rPr lang="ja-JP" altLang="en-US" sz="1000" dirty="0" smtClean="0">
+                <a:latin typeface="+mn-ea"/>
+              </a:rPr>
+              <a:t>シーソー上での倒立制御の安定化を実現</a:t>
+            </a:r>
+            <a:r>
+              <a:rPr lang="en-US" altLang="ja-JP" sz="1000" dirty="0" smtClean="0">
+                <a:latin typeface="+mn-ea"/>
+              </a:rPr>
+              <a:t>.</a:t>
+            </a:r>
           </a:p>
         </p:txBody>
       </p:sp>
@@ -46496,12 +46471,16 @@
           <a:lstStyle/>
           <a:p>
             <a:r>
+              <a:rPr lang="ja-JP" altLang="en-US" sz="1200" dirty="0" smtClean="0"/>
+              <a:t>　ドリフトターン</a:t>
+            </a:r>
+            <a:r>
               <a:rPr lang="ja-JP" altLang="en-US" sz="1200" dirty="0"/>
-              <a:t>　ドリフトターン突破のために</a:t>
+              <a:t>突破のために</a:t>
             </a:r>
             <a:r>
               <a:rPr lang="ja-JP" altLang="en-US" sz="1200" dirty="0" smtClean="0"/>
-              <a:t>はペットボトル</a:t>
+              <a:t>は経路選択用ペットボトル</a:t>
             </a:r>
             <a:r>
               <a:rPr lang="ja-JP" altLang="en-US" sz="1200" dirty="0" smtClean="0"/>
@@ -46521,7 +46500,7 @@
             </a:r>
             <a:r>
               <a:rPr lang="ja-JP" altLang="en-US" sz="1200" dirty="0" smtClean="0"/>
-              <a:t>ラインの無い区間を走行しなければならない</a:t>
+              <a:t>ラインの無いエリアを走行する必要がある</a:t>
             </a:r>
             <a:r>
               <a:rPr lang="en-US" altLang="ja-JP" sz="1200" dirty="0" smtClean="0"/>
@@ -46614,7 +46593,7 @@
         </p:blipFill>
         <p:spPr>
           <a:xfrm>
-            <a:off x="8423808" y="6758511"/>
+            <a:off x="8423808" y="6600800"/>
             <a:ext cx="2400759" cy="922411"/>
           </a:xfrm>
           <a:prstGeom prst="rect">
@@ -46635,8 +46614,8 @@
           </a:xfrm>
           <a:prstGeom prst="wedgeRoundRectCallout">
             <a:avLst>
-              <a:gd name="adj1" fmla="val -96631"/>
-              <a:gd name="adj2" fmla="val -5733"/>
+              <a:gd name="adj1" fmla="val -94410"/>
+              <a:gd name="adj2" fmla="val -29220"/>
               <a:gd name="adj3" fmla="val 16667"/>
             </a:avLst>
           </a:prstGeom>
@@ -46663,28 +46642,28 @@
           </a:fontRef>
         </p:style>
         <p:txBody>
-          <a:bodyPr lIns="0" tIns="0" rIns="0" bIns="0" rtlCol="0" anchor="ctr"/>
+          <a:bodyPr lIns="36000" tIns="36000" rIns="36000" bIns="36000" rtlCol="0" anchor="ctr"/>
           <a:lstStyle/>
           <a:p>
             <a:r>
-              <a:rPr lang="ja-JP" altLang="en-US" sz="1050" dirty="0" smtClean="0">
+              <a:rPr lang="ja-JP" altLang="en-US" sz="1000" dirty="0" smtClean="0">
                 <a:latin typeface="+mn-ea"/>
               </a:rPr>
               <a:t>・</a:t>
             </a:r>
             <a:r>
-              <a:rPr lang="ja-JP" altLang="en-US" sz="1100" u="sng" dirty="0" smtClean="0">
+              <a:rPr lang="ja-JP" altLang="en-US" sz="1050" u="sng" dirty="0" smtClean="0">
                 <a:latin typeface="+mn-ea"/>
               </a:rPr>
               <a:t>目標尻尾角度への制御失敗</a:t>
             </a:r>
-            <a:endParaRPr lang="en-US" altLang="ja-JP" sz="1100" u="sng" dirty="0" smtClean="0">
+            <a:endParaRPr lang="en-US" altLang="ja-JP" sz="1050" u="sng" dirty="0" smtClean="0">
               <a:latin typeface="+mn-ea"/>
             </a:endParaRPr>
           </a:p>
           <a:p>
             <a:r>
-              <a:rPr lang="ja-JP" altLang="en-US" sz="1050" dirty="0" smtClean="0">
+              <a:rPr lang="ja-JP" altLang="en-US" sz="1000" dirty="0" smtClean="0">
                 <a:solidFill>
                   <a:srgbClr val="FF0000"/>
                 </a:solidFill>
@@ -46693,48 +46672,48 @@
               <a:t>走行体仰角制御</a:t>
             </a:r>
             <a:r>
-              <a:rPr lang="ja-JP" altLang="en-US" sz="1050" dirty="0" smtClean="0">
+              <a:rPr lang="ja-JP" altLang="en-US" sz="1000" dirty="0" smtClean="0">
                 <a:latin typeface="+mn-ea"/>
               </a:rPr>
               <a:t>（</a:t>
             </a:r>
             <a:r>
-              <a:rPr lang="en-US" altLang="ja-JP" sz="1050" dirty="0" smtClean="0">
+              <a:rPr lang="en-US" altLang="ja-JP" sz="1000" dirty="0" smtClean="0">
                 <a:latin typeface="+mn-ea"/>
               </a:rPr>
               <a:t>p.5 </a:t>
             </a:r>
             <a:r>
-              <a:rPr lang="ja-JP" altLang="en-US" sz="1050" dirty="0" smtClean="0">
+              <a:rPr lang="ja-JP" altLang="en-US" sz="1000" dirty="0" smtClean="0">
                 <a:latin typeface="+mn-ea"/>
               </a:rPr>
               <a:t>要素技術参照）によって</a:t>
             </a:r>
             <a:r>
-              <a:rPr lang="en-US" altLang="ja-JP" sz="1050" dirty="0" smtClean="0">
+              <a:rPr lang="en-US" altLang="ja-JP" sz="1000" dirty="0" smtClean="0">
                 <a:latin typeface="+mn-ea"/>
               </a:rPr>
               <a:t>,</a:t>
             </a:r>
             <a:r>
-              <a:rPr lang="ja-JP" altLang="en-US" sz="1050" dirty="0" smtClean="0">
+              <a:rPr lang="ja-JP" altLang="en-US" sz="1000" dirty="0" smtClean="0">
                 <a:latin typeface="+mn-ea"/>
               </a:rPr>
               <a:t>安定した尻尾角度制御を</a:t>
             </a:r>
             <a:r>
-              <a:rPr lang="ja-JP" altLang="en-US" sz="1050" dirty="0" smtClean="0">
+              <a:rPr lang="ja-JP" altLang="en-US" sz="1000" dirty="0" smtClean="0">
                 <a:latin typeface="+mn-ea"/>
               </a:rPr>
               <a:t>実現</a:t>
             </a:r>
             <a:r>
-              <a:rPr lang="en-US" altLang="ja-JP" sz="1050" dirty="0" smtClean="0">
+              <a:rPr lang="en-US" altLang="ja-JP" sz="1000" dirty="0" smtClean="0">
                 <a:latin typeface="+mn-ea"/>
               </a:rPr>
               <a:t>.</a:t>
             </a:r>
-            <a:endParaRPr lang="en-US" altLang="ja-JP" sz="1000" dirty="0" smtClean="0">
+            <a:endParaRPr lang="en-US" altLang="ja-JP" sz="900" dirty="0" smtClean="0">
               <a:latin typeface="+mn-ea"/>
             </a:endParaRPr>
           </a:p>
@@ -46748,7 +46727,7 @@
         </p:nvSpPr>
         <p:spPr>
           <a:xfrm rot="20020687">
-            <a:off x="10726831" y="7574289"/>
+            <a:off x="10616456" y="7511772"/>
             <a:ext cx="576064" cy="170391"/>
           </a:xfrm>
           <a:prstGeom prst="downArrow">
@@ -46787,9 +46766,9 @@
           <p:nvPr/>
         </p:nvSpPr>
         <p:spPr>
-          <a:xfrm rot="16200000">
-            <a:off x="3658096" y="7749130"/>
-            <a:ext cx="710857" cy="160835"/>
+          <a:xfrm rot="8055799" flipV="1">
+            <a:off x="3906619" y="7311214"/>
+            <a:ext cx="448967" cy="174892"/>
           </a:xfrm>
           <a:prstGeom prst="downArrow">
             <a:avLst/>
@@ -46828,13 +46807,13 @@
         </p:nvSpPr>
         <p:spPr>
           <a:xfrm>
-            <a:off x="8325623" y="8007578"/>
-            <a:ext cx="2210912" cy="1545550"/>
+            <a:off x="8325623" y="7896944"/>
+            <a:ext cx="2138904" cy="1368152"/>
           </a:xfrm>
           <a:prstGeom prst="wedgeRoundRectCallout">
             <a:avLst>
-              <a:gd name="adj1" fmla="val -17770"/>
-              <a:gd name="adj2" fmla="val -72889"/>
+              <a:gd name="adj1" fmla="val -28110"/>
+              <a:gd name="adj2" fmla="val -69522"/>
               <a:gd name="adj3" fmla="val 16667"/>
             </a:avLst>
           </a:prstGeom>
@@ -46859,17 +46838,17 @@
           </a:fontRef>
         </p:style>
         <p:txBody>
-          <a:bodyPr lIns="0" tIns="0" rIns="0" bIns="0" rtlCol="0" anchor="ctr"/>
+          <a:bodyPr lIns="36000" tIns="36000" rIns="36000" bIns="36000" rtlCol="0" anchor="ctr"/>
           <a:lstStyle/>
           <a:p>
             <a:r>
-              <a:rPr lang="ja-JP" altLang="en-US" sz="1050" dirty="0">
+              <a:rPr lang="ja-JP" altLang="en-US" sz="1000" dirty="0">
                 <a:latin typeface="+mn-ea"/>
               </a:rPr>
               <a:t>・</a:t>
             </a:r>
             <a:r>
-              <a:rPr lang="ja-JP" altLang="en-US" sz="1100" u="sng" dirty="0">
+              <a:rPr lang="ja-JP" altLang="en-US" sz="1050" u="sng" dirty="0">
                 <a:latin typeface="+mn-ea"/>
               </a:rPr>
               <a:t>ゲート検知の失敗</a:t>
@@ -46877,186 +46856,96 @@
           </a:p>
           <a:p>
             <a:r>
-              <a:rPr lang="ja-JP" altLang="en-US" sz="1050" dirty="0">
+              <a:rPr lang="ja-JP" altLang="en-US" sz="1000" dirty="0" smtClean="0">
                 <a:latin typeface="+mn-ea"/>
               </a:rPr>
               <a:t>ゲート</a:t>
             </a:r>
             <a:r>
-              <a:rPr lang="ja-JP" altLang="en-US" sz="1050" dirty="0" smtClean="0">
-                <a:latin typeface="+mn-ea"/>
-              </a:rPr>
-              <a:t>の</a:t>
-            </a:r>
-            <a:r>
-              <a:rPr lang="ja-JP" altLang="en-US" sz="1050" dirty="0" smtClean="0">
+              <a:rPr lang="ja-JP" altLang="en-US" sz="1000" dirty="0" smtClean="0">
                 <a:latin typeface="+mn-ea"/>
               </a:rPr>
               <a:t>検知に</a:t>
             </a:r>
             <a:r>
-              <a:rPr lang="ja-JP" altLang="en-US" sz="1050" dirty="0" smtClean="0">
+              <a:rPr lang="ja-JP" altLang="en-US" sz="1000" dirty="0">
+                <a:latin typeface="+mn-ea"/>
+              </a:rPr>
+              <a:t>用いる</a:t>
+            </a:r>
+            <a:r>
+              <a:rPr lang="ja-JP" altLang="en-US" sz="1000" dirty="0" smtClean="0">
+                <a:latin typeface="+mn-ea"/>
+              </a:rPr>
+              <a:t>超音波センサの</a:t>
+            </a:r>
+            <a:r>
+              <a:rPr lang="en-US" altLang="ja-JP" sz="1000" dirty="0" smtClean="0">
+                <a:latin typeface="+mn-ea"/>
+              </a:rPr>
+              <a:t>API</a:t>
+            </a:r>
+            <a:r>
+              <a:rPr lang="ja-JP" altLang="en-US" sz="1000" dirty="0">
                 <a:latin typeface="+mn-ea"/>
               </a:rPr>
               <a:t>は</a:t>
             </a:r>
             <a:r>
-              <a:rPr lang="ja-JP" altLang="en-US" sz="1050" dirty="0">
-                <a:latin typeface="+mn-ea"/>
-              </a:rPr>
-              <a:t>超音波センサを</a:t>
-            </a:r>
-            <a:r>
-              <a:rPr lang="ja-JP" altLang="en-US" sz="1050" dirty="0" smtClean="0">
-                <a:latin typeface="+mn-ea"/>
-              </a:rPr>
-              <a:t>用いる</a:t>
-            </a:r>
-            <a:r>
-              <a:rPr lang="ja-JP" altLang="en-US" sz="1050" dirty="0">
-                <a:latin typeface="+mn-ea"/>
-              </a:rPr>
-              <a:t>が</a:t>
-            </a:r>
-            <a:r>
-              <a:rPr lang="en-US" altLang="ja-JP" sz="1050" dirty="0" smtClean="0">
-                <a:latin typeface="+mn-ea"/>
-              </a:rPr>
-              <a:t>,</a:t>
-            </a:r>
-            <a:r>
-              <a:rPr lang="ja-JP" altLang="en-US" sz="1050" dirty="0" smtClean="0">
-                <a:latin typeface="+mn-ea"/>
-              </a:rPr>
-              <a:t>値の取得</a:t>
-            </a:r>
-            <a:r>
-              <a:rPr lang="ja-JP" altLang="en-US" sz="1050" dirty="0">
-                <a:latin typeface="+mn-ea"/>
-              </a:rPr>
-              <a:t>は</a:t>
-            </a:r>
-            <a:r>
-              <a:rPr lang="ja-JP" altLang="en-US" sz="1050" dirty="0" smtClean="0">
-                <a:latin typeface="+mn-ea"/>
-              </a:rPr>
-              <a:t>超音波センサ</a:t>
-            </a:r>
-            <a:r>
-              <a:rPr lang="en-US" altLang="ja-JP" sz="1050" dirty="0" smtClean="0">
-                <a:latin typeface="+mn-ea"/>
-              </a:rPr>
-              <a:t>API</a:t>
-            </a:r>
-            <a:r>
-              <a:rPr lang="ja-JP" altLang="en-US" sz="1050" dirty="0" smtClean="0">
-                <a:latin typeface="+mn-ea"/>
-              </a:rPr>
-              <a:t>の</a:t>
-            </a:r>
-            <a:r>
-              <a:rPr lang="ja-JP" altLang="en-US" sz="1050" dirty="0" smtClean="0">
+              <a:rPr lang="ja-JP" altLang="en-US" sz="1000" dirty="0" smtClean="0">
                 <a:latin typeface="+mn-ea"/>
               </a:rPr>
               <a:t>仕様上</a:t>
             </a:r>
             <a:r>
-              <a:rPr lang="en-US" altLang="ja-JP" sz="1050" dirty="0" smtClean="0">
+              <a:rPr lang="en-US" altLang="ja-JP" sz="1000" dirty="0" smtClean="0">
                 <a:latin typeface="+mn-ea"/>
               </a:rPr>
               <a:t>5</a:t>
             </a:r>
             <a:r>
-              <a:rPr lang="en-US" altLang="ja-JP" sz="1050" dirty="0" smtClean="0">
+              <a:rPr lang="en-US" altLang="ja-JP" sz="1000" dirty="0" smtClean="0">
                 <a:latin typeface="+mn-ea"/>
               </a:rPr>
               <a:t>0ms</a:t>
             </a:r>
             <a:r>
-              <a:rPr lang="ja-JP" altLang="en-US" sz="1050" dirty="0">
+              <a:rPr lang="ja-JP" altLang="en-US" sz="1000" dirty="0">
                 <a:latin typeface="+mn-ea"/>
               </a:rPr>
-              <a:t>周期で行わなければならない</a:t>
-            </a:r>
-            <a:r>
-              <a:rPr lang="en-US" altLang="ja-JP" sz="1050" dirty="0" smtClean="0">
+              <a:t>周期</a:t>
+            </a:r>
+            <a:r>
+              <a:rPr lang="ja-JP" altLang="en-US" sz="1000" dirty="0" smtClean="0">
                 <a:latin typeface="+mn-ea"/>
               </a:rPr>
-              <a:t>.</a:t>
-            </a:r>
-            <a:r>
-              <a:rPr lang="ja-JP" altLang="en-US" sz="1050" dirty="0">
+              <a:t>で使用しなければならない． </a:t>
+            </a:r>
+            <a:r>
+              <a:rPr lang="ja-JP" altLang="en-US" sz="1000" dirty="0">
                 <a:latin typeface="+mn-ea"/>
               </a:rPr>
               <a:t>よって</a:t>
             </a:r>
             <a:r>
-              <a:rPr lang="ja-JP" altLang="en-US" sz="1050" dirty="0" smtClean="0">
+              <a:rPr lang="ja-JP" altLang="en-US" sz="1000" dirty="0" smtClean="0">
                 <a:latin typeface="+mn-ea"/>
               </a:rPr>
-              <a:t>ゲート</a:t>
-            </a:r>
-            <a:r>
-              <a:rPr lang="ja-JP" altLang="en-US" sz="1050" dirty="0">
+              <a:t>ゲートに接近する際の速度が</a:t>
+            </a:r>
+            <a:r>
+              <a:rPr lang="ja-JP" altLang="en-US" sz="1000" dirty="0">
                 <a:latin typeface="+mn-ea"/>
               </a:rPr>
-              <a:t>検知をする際</a:t>
-            </a:r>
-            <a:r>
-              <a:rPr lang="ja-JP" altLang="en-US" sz="1050" dirty="0" smtClean="0">
+              <a:t>速すぎる</a:t>
+            </a:r>
+            <a:r>
+              <a:rPr lang="ja-JP" altLang="en-US" sz="1000" dirty="0" smtClean="0">
                 <a:latin typeface="+mn-ea"/>
               </a:rPr>
-              <a:t>の速度</a:t>
-            </a:r>
-            <a:r>
-              <a:rPr lang="ja-JP" altLang="en-US" sz="1050" dirty="0">
-                <a:latin typeface="+mn-ea"/>
-              </a:rPr>
-              <a:t>が速すぎる</a:t>
-            </a:r>
-            <a:r>
-              <a:rPr lang="ja-JP" altLang="en-US" sz="1050" dirty="0" smtClean="0">
-                <a:latin typeface="+mn-ea"/>
-              </a:rPr>
-              <a:t>と検知をする前にゲートを衝突してしまう</a:t>
-            </a:r>
-            <a:r>
-              <a:rPr lang="ja-JP" altLang="en-US" sz="1050" dirty="0" smtClean="0">
-                <a:latin typeface="+mn-ea"/>
-              </a:rPr>
-              <a:t>ため</a:t>
-            </a:r>
-            <a:r>
-              <a:rPr lang="en-US" altLang="ja-JP" sz="1050" dirty="0" smtClean="0">
-                <a:latin typeface="+mn-ea"/>
-              </a:rPr>
-              <a:t>,</a:t>
-            </a:r>
-            <a:r>
-              <a:rPr lang="ja-JP" altLang="en-US" sz="1050" dirty="0" smtClean="0">
-                <a:latin typeface="+mn-ea"/>
-              </a:rPr>
-              <a:t>ゲート前</a:t>
-            </a:r>
-            <a:r>
-              <a:rPr lang="ja-JP" altLang="en-US" sz="1050" dirty="0">
-                <a:latin typeface="+mn-ea"/>
-              </a:rPr>
-              <a:t>の区間で速度を下げることで正確な検知を</a:t>
-            </a:r>
-            <a:r>
-              <a:rPr lang="ja-JP" altLang="en-US" sz="1050" dirty="0" smtClean="0">
-                <a:latin typeface="+mn-ea"/>
-              </a:rPr>
-              <a:t>実現</a:t>
-            </a:r>
-            <a:r>
-              <a:rPr lang="en-US" altLang="ja-JP" sz="1050" dirty="0">
-                <a:latin typeface="+mn-ea"/>
-              </a:rPr>
-              <a:t>.</a:t>
-            </a:r>
-            <a:endParaRPr lang="ja-JP" altLang="en-US" sz="1050" dirty="0">
+              <a:t>と検知が出来ないためゲート接近前に減速することで精度の高い検知を実現．</a:t>
+            </a:r>
+            <a:endParaRPr lang="ja-JP" altLang="en-US" sz="1000" dirty="0">
               <a:latin typeface="+mn-ea"/>
             </a:endParaRPr>
           </a:p>
@@ -47070,8 +46959,8 @@
         </p:nvSpPr>
         <p:spPr>
           <a:xfrm>
-            <a:off x="4271839" y="2299033"/>
-            <a:ext cx="3683415" cy="1061409"/>
+            <a:off x="4271839" y="2280320"/>
+            <a:ext cx="3683415" cy="933698"/>
           </a:xfrm>
           <a:prstGeom prst="wedgeRoundRectCallout">
             <a:avLst>
@@ -47097,99 +46986,129 @@
           </a:fontRef>
         </p:style>
         <p:txBody>
-          <a:bodyPr lIns="0" tIns="0" rIns="0" bIns="0" rtlCol="0" anchor="ctr"/>
+          <a:bodyPr lIns="36000" tIns="36000" rIns="36000" bIns="36000" rtlCol="0" anchor="ctr"/>
           <a:lstStyle/>
           <a:p>
             <a:r>
-              <a:rPr lang="ja-JP" altLang="en-US" sz="1050" dirty="0">
+              <a:rPr lang="ja-JP" altLang="en-US" sz="1000" dirty="0">
                 <a:latin typeface="+mn-ea"/>
               </a:rPr>
               <a:t>・</a:t>
             </a:r>
             <a:r>
-              <a:rPr lang="ja-JP" altLang="en-US" sz="1100" u="sng" dirty="0" smtClean="0">
+              <a:rPr lang="ja-JP" altLang="en-US" sz="1050" u="sng" dirty="0" smtClean="0">
                 <a:latin typeface="+mn-ea"/>
               </a:rPr>
               <a:t>直角部分を曲がりきることが出来ない</a:t>
             </a:r>
-            <a:endParaRPr lang="en-US" altLang="ja-JP" sz="1100" u="sng" dirty="0" smtClean="0">
+            <a:endParaRPr lang="en-US" altLang="ja-JP" sz="1050" u="sng" dirty="0" smtClean="0">
               <a:latin typeface="+mn-ea"/>
             </a:endParaRPr>
           </a:p>
           <a:p>
             <a:r>
-              <a:rPr lang="ja-JP" altLang="en-US" sz="1050" dirty="0">
+              <a:rPr lang="ja-JP" altLang="en-US" sz="1000" dirty="0">
                 <a:latin typeface="+mn-ea"/>
               </a:rPr>
               <a:t>直角</a:t>
             </a:r>
             <a:r>
-              <a:rPr lang="ja-JP" altLang="en-US" sz="1050" dirty="0" smtClean="0">
+              <a:rPr lang="ja-JP" altLang="en-US" sz="1000" dirty="0" smtClean="0">
                 <a:latin typeface="+mn-ea"/>
               </a:rPr>
-              <a:t>部分では輝度値の変化を検知すると停止して転回</a:t>
-            </a:r>
-            <a:r>
-              <a:rPr lang="ja-JP" altLang="en-US" sz="1050" dirty="0" smtClean="0">
+              <a:t>部分の検知</a:t>
+            </a:r>
+            <a:r>
+              <a:rPr lang="ja-JP" altLang="en-US" sz="1000" dirty="0" smtClean="0">
                 <a:latin typeface="+mn-ea"/>
               </a:rPr>
-              <a:t>する</a:t>
-            </a:r>
-            <a:r>
-              <a:rPr lang="en-US" altLang="ja-JP" sz="1050" dirty="0" smtClean="0">
+              <a:t>が遅れる</a:t>
+            </a:r>
+            <a:r>
+              <a:rPr lang="ja-JP" altLang="en-US" sz="1000" dirty="0" smtClean="0">
+                <a:latin typeface="+mn-ea"/>
+              </a:rPr>
+              <a:t>と走行体がラインを見失い</a:t>
+            </a:r>
+            <a:r>
+              <a:rPr lang="en-US" altLang="ja-JP" sz="1000" dirty="0" smtClean="0">
+                <a:latin typeface="+mn-ea"/>
+              </a:rPr>
+              <a:t>,</a:t>
+            </a:r>
+            <a:r>
+              <a:rPr lang="ja-JP" altLang="en-US" sz="1000" dirty="0" smtClean="0">
+                <a:latin typeface="+mn-ea"/>
+              </a:rPr>
+              <a:t>転回後にライントレースを</a:t>
+            </a:r>
+            <a:r>
+              <a:rPr lang="ja-JP" altLang="en-US" sz="1000" dirty="0">
+                <a:latin typeface="+mn-ea"/>
+              </a:rPr>
+              <a:t>継続</a:t>
+            </a:r>
+            <a:r>
+              <a:rPr lang="ja-JP" altLang="en-US" sz="1000" dirty="0" smtClean="0">
+                <a:latin typeface="+mn-ea"/>
+              </a:rPr>
+              <a:t>出来なくなる</a:t>
+            </a:r>
+            <a:r>
+              <a:rPr lang="en-US" altLang="ja-JP" sz="1000" dirty="0" smtClean="0">
                 <a:latin typeface="+mn-ea"/>
               </a:rPr>
               <a:t>.</a:t>
             </a:r>
             <a:r>
-              <a:rPr lang="ja-JP" altLang="en-US" sz="1050" dirty="0" smtClean="0">
+              <a:rPr lang="ja-JP" altLang="en-US" sz="1000" dirty="0">
                 <a:latin typeface="+mn-ea"/>
               </a:rPr>
-              <a:t>この時</a:t>
-            </a:r>
-            <a:r>
-              <a:rPr lang="en-US" altLang="ja-JP" sz="1050" dirty="0" smtClean="0">
+              <a:t>そこ</a:t>
+            </a:r>
+            <a:r>
+              <a:rPr lang="ja-JP" altLang="en-US" sz="1000" dirty="0" smtClean="0">
+                <a:latin typeface="+mn-ea"/>
+              </a:rPr>
+              <a:t>で</a:t>
+            </a:r>
+            <a:r>
+              <a:rPr lang="en-US" altLang="ja-JP" sz="1000" dirty="0" smtClean="0">
                 <a:latin typeface="+mn-ea"/>
               </a:rPr>
               <a:t>,</a:t>
             </a:r>
             <a:r>
-              <a:rPr lang="ja-JP" altLang="en-US" sz="1050" dirty="0" smtClean="0">
+              <a:rPr lang="ja-JP" altLang="en-US" sz="1000" dirty="0" smtClean="0">
                 <a:latin typeface="+mn-ea"/>
               </a:rPr>
-              <a:t>検知が遅れるとラインから外れた位置で転回するためライントレースを続行出来ない</a:t>
-            </a:r>
-            <a:r>
-              <a:rPr lang="en-US" altLang="ja-JP" sz="1050" dirty="0" smtClean="0">
+              <a:t>光センサの値の目標値を走行体が完全にラインを見失う前の値に設定することで</a:t>
+            </a:r>
+            <a:r>
+              <a:rPr lang="en-US" altLang="ja-JP" sz="1000" dirty="0" smtClean="0">
+                <a:latin typeface="+mn-ea"/>
+              </a:rPr>
+              <a:t>,</a:t>
+            </a:r>
+            <a:r>
+              <a:rPr lang="ja-JP" altLang="en-US" sz="1000" dirty="0">
+                <a:latin typeface="+mn-ea"/>
+              </a:rPr>
+              <a:t>転回</a:t>
+            </a:r>
+            <a:r>
+              <a:rPr lang="ja-JP" altLang="en-US" sz="1000" dirty="0" smtClean="0">
+                <a:latin typeface="+mn-ea"/>
+              </a:rPr>
+              <a:t>後のライントレース継続を実現</a:t>
+            </a:r>
+            <a:r>
+              <a:rPr lang="en-US" altLang="ja-JP" sz="1000" dirty="0" smtClean="0">
                 <a:latin typeface="+mn-ea"/>
               </a:rPr>
               <a:t>.</a:t>
             </a:r>
-            <a:r>
-              <a:rPr lang="ja-JP" altLang="en-US" sz="1050" dirty="0" smtClean="0">
-                <a:latin typeface="+mn-ea"/>
-              </a:rPr>
-              <a:t>そこで、輝度値変化が発生した瞬間の傾向を調べ</a:t>
-            </a:r>
-            <a:r>
-              <a:rPr lang="en-US" altLang="ja-JP" sz="1050" dirty="0" smtClean="0">
-                <a:latin typeface="+mn-ea"/>
-              </a:rPr>
-              <a:t>,</a:t>
-            </a:r>
-            <a:r>
-              <a:rPr lang="ja-JP" altLang="en-US" sz="1050" dirty="0" smtClean="0">
-                <a:latin typeface="+mn-ea"/>
-              </a:rPr>
-              <a:t>その傾向が見られた瞬間に停止することでラインを見失わない転回を実現</a:t>
-            </a:r>
-            <a:r>
-              <a:rPr lang="en-US" altLang="ja-JP" sz="1050" dirty="0" smtClean="0">
-                <a:latin typeface="+mn-ea"/>
-              </a:rPr>
-              <a:t>.</a:t>
-            </a:r>
-            <a:endParaRPr lang="ja-JP" altLang="en-US" sz="1050" dirty="0">
+            <a:endParaRPr lang="ja-JP" altLang="en-US" sz="1000" dirty="0">
               <a:latin typeface="+mn-ea"/>
             </a:endParaRPr>
           </a:p>
@@ -47231,16 +47150,948 @@
           </a:fontRef>
         </p:style>
       </p:cxnSp>
+      <p:sp>
+        <p:nvSpPr>
+          <p:cNvPr id="77" name="角丸四角形吹き出し 76"/>
+          <p:cNvSpPr/>
+          <p:nvPr/>
+        </p:nvSpPr>
+        <p:spPr>
+          <a:xfrm>
+            <a:off x="2396519" y="7479269"/>
+            <a:ext cx="1515280" cy="1929843"/>
+          </a:xfrm>
+          <a:prstGeom prst="wedgeRoundRectCallout">
+            <a:avLst>
+              <a:gd name="adj1" fmla="val -9661"/>
+              <a:gd name="adj2" fmla="val -60593"/>
+              <a:gd name="adj3" fmla="val 16667"/>
+            </a:avLst>
+          </a:prstGeom>
+          <a:ln w="12700">
+            <a:solidFill>
+              <a:schemeClr val="accent6">
+                <a:lumMod val="75000"/>
+              </a:schemeClr>
+            </a:solidFill>
+          </a:ln>
+        </p:spPr>
+        <p:style>
+          <a:lnRef idx="2">
+            <a:schemeClr val="accent6"/>
+          </a:lnRef>
+          <a:fillRef idx="1">
+            <a:schemeClr val="lt1"/>
+          </a:fillRef>
+          <a:effectRef idx="0">
+            <a:schemeClr val="accent6"/>
+          </a:effectRef>
+          <a:fontRef idx="minor">
+            <a:schemeClr val="dk1"/>
+          </a:fontRef>
+        </p:style>
+        <p:txBody>
+          <a:bodyPr lIns="36000" tIns="36000" rIns="36000" bIns="36000" rtlCol="0" anchor="ctr"/>
+          <a:lstStyle/>
+          <a:p>
+            <a:r>
+              <a:rPr lang="ja-JP" altLang="en-US" sz="1000" dirty="0" smtClean="0">
+                <a:latin typeface="+mn-ea"/>
+              </a:rPr>
+              <a:t>・</a:t>
+            </a:r>
+            <a:r>
+              <a:rPr lang="ja-JP" altLang="en-US" sz="1050" u="sng" dirty="0" smtClean="0">
+                <a:latin typeface="+mn-ea"/>
+              </a:rPr>
+              <a:t>ラインの無いエリアでの走行</a:t>
+            </a:r>
+            <a:endParaRPr lang="en-US" altLang="ja-JP" sz="1050" u="sng" dirty="0" smtClean="0">
+              <a:latin typeface="+mn-ea"/>
+            </a:endParaRPr>
+          </a:p>
+          <a:p>
+            <a:r>
+              <a:rPr lang="ja-JP" altLang="en-US" sz="1000" dirty="0">
+                <a:solidFill>
+                  <a:srgbClr val="FF0000"/>
+                </a:solidFill>
+                <a:latin typeface="+mn-ea"/>
+              </a:rPr>
+              <a:t>曲率半径</a:t>
+            </a:r>
+            <a:r>
+              <a:rPr lang="en-US" altLang="ja-JP" sz="1000" dirty="0">
+                <a:solidFill>
+                  <a:srgbClr val="FF0000"/>
+                </a:solidFill>
+                <a:latin typeface="+mn-ea"/>
+              </a:rPr>
+              <a:t>PID</a:t>
+            </a:r>
+            <a:r>
+              <a:rPr lang="ja-JP" altLang="en-US" sz="1000" dirty="0">
+                <a:solidFill>
+                  <a:srgbClr val="FF0000"/>
+                </a:solidFill>
+                <a:latin typeface="+mn-ea"/>
+              </a:rPr>
+              <a:t>制御</a:t>
+            </a:r>
+            <a:r>
+              <a:rPr lang="ja-JP" altLang="en-US" sz="1000" dirty="0">
+                <a:latin typeface="+mn-ea"/>
+              </a:rPr>
+              <a:t>（</a:t>
+            </a:r>
+            <a:r>
+              <a:rPr lang="en-US" altLang="ja-JP" sz="1000" dirty="0">
+                <a:latin typeface="+mn-ea"/>
+              </a:rPr>
+              <a:t>p.5 </a:t>
+            </a:r>
+            <a:r>
+              <a:rPr lang="ja-JP" altLang="en-US" sz="1000" dirty="0">
+                <a:latin typeface="+mn-ea"/>
+              </a:rPr>
+              <a:t>要素技術参照</a:t>
+            </a:r>
+            <a:r>
+              <a:rPr lang="ja-JP" altLang="en-US" sz="1000" dirty="0" smtClean="0">
+                <a:latin typeface="+mn-ea"/>
+              </a:rPr>
+              <a:t>）を利用し，定義した仮想ラインを</a:t>
+            </a:r>
+            <a:r>
+              <a:rPr lang="en-US" altLang="ja-JP" sz="1000" dirty="0" smtClean="0">
+                <a:latin typeface="+mn-ea"/>
+              </a:rPr>
+              <a:t>2</a:t>
+            </a:r>
+            <a:r>
+              <a:rPr lang="ja-JP" altLang="en-US" sz="1000" dirty="0" smtClean="0">
+                <a:latin typeface="+mn-ea"/>
+              </a:rPr>
+              <a:t>つ用意することにより規定された走行を実現．</a:t>
+            </a:r>
+            <a:endParaRPr lang="en-US" altLang="ja-JP" sz="900" dirty="0" smtClean="0">
+              <a:latin typeface="+mn-ea"/>
+            </a:endParaRPr>
+          </a:p>
+        </p:txBody>
+      </p:sp>
+      <p:sp>
+        <p:nvSpPr>
+          <p:cNvPr id="76" name="角丸四角形吹き出し 75"/>
+          <p:cNvSpPr/>
+          <p:nvPr/>
+        </p:nvSpPr>
+        <p:spPr>
+          <a:xfrm>
+            <a:off x="813597" y="7464896"/>
+            <a:ext cx="1442019" cy="1918991"/>
+          </a:xfrm>
+          <a:prstGeom prst="wedgeRoundRectCallout">
+            <a:avLst>
+              <a:gd name="adj1" fmla="val -19612"/>
+              <a:gd name="adj2" fmla="val -55502"/>
+              <a:gd name="adj3" fmla="val 16667"/>
+            </a:avLst>
+          </a:prstGeom>
+          <a:ln w="12700">
+            <a:solidFill>
+              <a:srgbClr val="FFC000"/>
+            </a:solidFill>
+          </a:ln>
+        </p:spPr>
+        <p:style>
+          <a:lnRef idx="2">
+            <a:schemeClr val="accent6"/>
+          </a:lnRef>
+          <a:fillRef idx="1">
+            <a:schemeClr val="lt1"/>
+          </a:fillRef>
+          <a:effectRef idx="0">
+            <a:schemeClr val="accent6"/>
+          </a:effectRef>
+          <a:fontRef idx="minor">
+            <a:schemeClr val="dk1"/>
+          </a:fontRef>
+        </p:style>
+        <p:txBody>
+          <a:bodyPr lIns="36000" tIns="36000" rIns="36000" bIns="36000" rtlCol="0" anchor="ctr"/>
+          <a:lstStyle/>
+          <a:p>
+            <a:r>
+              <a:rPr lang="ja-JP" altLang="en-US" sz="1050" u="sng" dirty="0">
+                <a:latin typeface="+mn-ea"/>
+              </a:rPr>
+              <a:t>・</a:t>
+            </a:r>
+            <a:r>
+              <a:rPr lang="ja-JP" altLang="en-US" sz="1050" u="sng" dirty="0" smtClean="0">
+                <a:latin typeface="+mn-ea"/>
+              </a:rPr>
+              <a:t>ペットボトルの誤検知</a:t>
+            </a:r>
+            <a:r>
+              <a:rPr lang="ja-JP" altLang="en-US" sz="1000" dirty="0">
+                <a:latin typeface="+mn-ea"/>
+              </a:rPr>
+              <a:t/>
+            </a:r>
+            <a:br>
+              <a:rPr lang="ja-JP" altLang="en-US" sz="1000" dirty="0">
+                <a:latin typeface="+mn-ea"/>
+              </a:rPr>
+            </a:br>
+            <a:r>
+              <a:rPr lang="ja-JP" altLang="en-US" sz="1000" dirty="0">
+                <a:latin typeface="+mn-ea"/>
+              </a:rPr>
+              <a:t>大会の</a:t>
+            </a:r>
+            <a:r>
+              <a:rPr lang="ja-JP" altLang="en-US" sz="1000" dirty="0" smtClean="0">
+                <a:latin typeface="+mn-ea"/>
+              </a:rPr>
+              <a:t>コース上ではペットボトル付近にもオブジェ</a:t>
+            </a:r>
+            <a:r>
+              <a:rPr lang="ja-JP" altLang="en-US" sz="1000" dirty="0">
+                <a:latin typeface="+mn-ea"/>
+              </a:rPr>
+              <a:t>が置いて</a:t>
+            </a:r>
+            <a:r>
+              <a:rPr lang="ja-JP" altLang="en-US" sz="1000" dirty="0" smtClean="0">
+                <a:latin typeface="+mn-ea"/>
+              </a:rPr>
+              <a:t>ありそれを</a:t>
+            </a:r>
+            <a:r>
+              <a:rPr lang="ja-JP" altLang="en-US" sz="1000" dirty="0">
+                <a:latin typeface="+mn-ea"/>
+              </a:rPr>
+              <a:t>誤</a:t>
+            </a:r>
+            <a:r>
+              <a:rPr lang="ja-JP" altLang="en-US" sz="1000" dirty="0" smtClean="0">
+                <a:latin typeface="+mn-ea"/>
+              </a:rPr>
+              <a:t>検知する可能性がある</a:t>
+            </a:r>
+            <a:r>
+              <a:rPr lang="en-US" altLang="ja-JP" sz="1000" dirty="0" smtClean="0">
+                <a:latin typeface="+mn-ea"/>
+              </a:rPr>
+              <a:t>.</a:t>
+            </a:r>
+            <a:r>
+              <a:rPr lang="ja-JP" altLang="en-US" sz="1000" dirty="0" smtClean="0">
+                <a:latin typeface="+mn-ea"/>
+              </a:rPr>
+              <a:t>そこで検知位置をライン上でペットボトル</a:t>
+            </a:r>
+            <a:r>
+              <a:rPr lang="ja-JP" altLang="en-US" sz="1000" dirty="0">
+                <a:latin typeface="+mn-ea"/>
+              </a:rPr>
+              <a:t>に最も近い</a:t>
+            </a:r>
+            <a:r>
+              <a:rPr lang="ja-JP" altLang="en-US" sz="1000" dirty="0" smtClean="0">
+                <a:latin typeface="+mn-ea"/>
+              </a:rPr>
+              <a:t>位置にすることで精度の高い検知を実現</a:t>
+            </a:r>
+            <a:r>
+              <a:rPr lang="en-US" altLang="ja-JP" sz="1000" dirty="0" smtClean="0">
+                <a:latin typeface="+mn-ea"/>
+              </a:rPr>
+              <a:t>.</a:t>
+            </a:r>
+            <a:endParaRPr lang="ja-JP" altLang="en-US" sz="1000" dirty="0">
+              <a:latin typeface="+mn-ea"/>
+            </a:endParaRPr>
+          </a:p>
+        </p:txBody>
+      </p:sp>
+      <p:sp>
+        <p:nvSpPr>
+          <p:cNvPr id="7" name="正方形/長方形 6"/>
+          <p:cNvSpPr/>
+          <p:nvPr/>
+        </p:nvSpPr>
+        <p:spPr>
+          <a:xfrm>
+            <a:off x="1100281" y="3351148"/>
+            <a:ext cx="308098" cy="369332"/>
+          </a:xfrm>
+          <a:prstGeom prst="rect">
+            <a:avLst/>
+          </a:prstGeom>
+          <a:noFill/>
+        </p:spPr>
+        <p:txBody>
+          <a:bodyPr wrap="none" lIns="91440" tIns="45720" rIns="91440" bIns="45720">
+            <a:spAutoFit/>
+          </a:bodyPr>
+          <a:lstStyle/>
+          <a:p>
+            <a:pPr algn="ctr"/>
+            <a:r>
+              <a:rPr lang="en-US" altLang="ja-JP" sz="1800" b="1" dirty="0" smtClean="0">
+                <a:ln w="12700">
+                  <a:solidFill>
+                    <a:schemeClr val="tx2">
+                      <a:satMod val="155000"/>
+                    </a:schemeClr>
+                  </a:solidFill>
+                  <a:prstDash val="solid"/>
+                </a:ln>
+                <a:solidFill>
+                  <a:schemeClr val="bg2">
+                    <a:tint val="85000"/>
+                    <a:satMod val="155000"/>
+                  </a:schemeClr>
+                </a:solidFill>
+                <a:effectLst>
+                  <a:outerShdw blurRad="41275" dist="20320" dir="1800000" algn="tl" rotWithShape="0">
+                    <a:srgbClr val="000000">
+                      <a:alpha val="40000"/>
+                    </a:srgbClr>
+                  </a:outerShdw>
+                </a:effectLst>
+              </a:rPr>
+              <a:t>1</a:t>
+            </a:r>
+            <a:endParaRPr lang="ja-JP" altLang="en-US" sz="1800" b="1" dirty="0">
+              <a:ln w="12700">
+                <a:solidFill>
+                  <a:schemeClr val="tx2">
+                    <a:satMod val="155000"/>
+                  </a:schemeClr>
+                </a:solidFill>
+                <a:prstDash val="solid"/>
+              </a:ln>
+              <a:solidFill>
+                <a:schemeClr val="bg2">
+                  <a:tint val="85000"/>
+                  <a:satMod val="155000"/>
+                </a:schemeClr>
+              </a:solidFill>
+              <a:effectLst>
+                <a:outerShdw blurRad="41275" dist="20320" dir="1800000" algn="tl" rotWithShape="0">
+                  <a:srgbClr val="000000">
+                    <a:alpha val="40000"/>
+                  </a:srgbClr>
+                </a:outerShdw>
+              </a:effectLst>
+            </a:endParaRPr>
+          </a:p>
+        </p:txBody>
+      </p:sp>
+      <p:sp>
+        <p:nvSpPr>
+          <p:cNvPr id="44" name="正方形/長方形 43"/>
+          <p:cNvSpPr/>
+          <p:nvPr/>
+        </p:nvSpPr>
+        <p:spPr>
+          <a:xfrm>
+            <a:off x="5410313" y="3576464"/>
+            <a:ext cx="301686" cy="369332"/>
+          </a:xfrm>
+          <a:prstGeom prst="rect">
+            <a:avLst/>
+          </a:prstGeom>
+          <a:noFill/>
+        </p:spPr>
+        <p:txBody>
+          <a:bodyPr wrap="none" lIns="91440" tIns="45720" rIns="91440" bIns="45720">
+            <a:spAutoFit/>
+          </a:bodyPr>
+          <a:lstStyle/>
+          <a:p>
+            <a:pPr algn="ctr"/>
+            <a:r>
+              <a:rPr lang="en-US" altLang="ja-JP" sz="1800" b="1" cap="none" spc="0" dirty="0" smtClean="0">
+                <a:ln w="12700">
+                  <a:solidFill>
+                    <a:schemeClr val="tx2">
+                      <a:satMod val="155000"/>
+                    </a:schemeClr>
+                  </a:solidFill>
+                  <a:prstDash val="solid"/>
+                </a:ln>
+                <a:solidFill>
+                  <a:schemeClr val="bg2">
+                    <a:tint val="85000"/>
+                    <a:satMod val="155000"/>
+                  </a:schemeClr>
+                </a:solidFill>
+                <a:effectLst>
+                  <a:outerShdw blurRad="41275" dist="20320" dir="1800000" algn="tl" rotWithShape="0">
+                    <a:srgbClr val="000000">
+                      <a:alpha val="40000"/>
+                    </a:srgbClr>
+                  </a:outerShdw>
+                </a:effectLst>
+              </a:rPr>
+              <a:t>1</a:t>
+            </a:r>
+            <a:endParaRPr lang="ja-JP" altLang="en-US" sz="1800" b="1" cap="none" spc="0" dirty="0">
+              <a:ln w="12700">
+                <a:solidFill>
+                  <a:schemeClr val="tx2">
+                    <a:satMod val="155000"/>
+                  </a:schemeClr>
+                </a:solidFill>
+                <a:prstDash val="solid"/>
+              </a:ln>
+              <a:solidFill>
+                <a:schemeClr val="bg2">
+                  <a:tint val="85000"/>
+                  <a:satMod val="155000"/>
+                </a:schemeClr>
+              </a:solidFill>
+              <a:effectLst>
+                <a:outerShdw blurRad="41275" dist="20320" dir="1800000" algn="tl" rotWithShape="0">
+                  <a:srgbClr val="000000">
+                    <a:alpha val="40000"/>
+                  </a:srgbClr>
+                </a:outerShdw>
+              </a:effectLst>
+            </a:endParaRPr>
+          </a:p>
+        </p:txBody>
+      </p:sp>
+      <p:sp>
+        <p:nvSpPr>
+          <p:cNvPr id="45" name="正方形/長方形 44"/>
+          <p:cNvSpPr/>
+          <p:nvPr/>
+        </p:nvSpPr>
+        <p:spPr>
+          <a:xfrm>
+            <a:off x="4199831" y="3324850"/>
+            <a:ext cx="301686" cy="369332"/>
+          </a:xfrm>
+          <a:prstGeom prst="rect">
+            <a:avLst/>
+          </a:prstGeom>
+          <a:noFill/>
+        </p:spPr>
+        <p:txBody>
+          <a:bodyPr wrap="none" lIns="91440" tIns="45720" rIns="91440" bIns="45720">
+            <a:spAutoFit/>
+          </a:bodyPr>
+          <a:lstStyle/>
+          <a:p>
+            <a:pPr algn="ctr"/>
+            <a:r>
+              <a:rPr lang="en-US" altLang="ja-JP" sz="1800" b="1" dirty="0">
+                <a:ln w="12700">
+                  <a:solidFill>
+                    <a:schemeClr val="tx2">
+                      <a:satMod val="155000"/>
+                    </a:schemeClr>
+                  </a:solidFill>
+                  <a:prstDash val="solid"/>
+                </a:ln>
+                <a:solidFill>
+                  <a:schemeClr val="bg2">
+                    <a:tint val="85000"/>
+                    <a:satMod val="155000"/>
+                  </a:schemeClr>
+                </a:solidFill>
+                <a:effectLst>
+                  <a:outerShdw blurRad="41275" dist="20320" dir="1800000" algn="tl" rotWithShape="0">
+                    <a:srgbClr val="000000">
+                      <a:alpha val="40000"/>
+                    </a:srgbClr>
+                  </a:outerShdw>
+                </a:effectLst>
+              </a:rPr>
+              <a:t>2</a:t>
+            </a:r>
+            <a:endParaRPr lang="ja-JP" altLang="en-US" sz="1800" b="1" cap="none" spc="0" dirty="0">
+              <a:ln w="12700">
+                <a:solidFill>
+                  <a:schemeClr val="tx2">
+                    <a:satMod val="155000"/>
+                  </a:schemeClr>
+                </a:solidFill>
+                <a:prstDash val="solid"/>
+              </a:ln>
+              <a:solidFill>
+                <a:schemeClr val="bg2">
+                  <a:tint val="85000"/>
+                  <a:satMod val="155000"/>
+                </a:schemeClr>
+              </a:solidFill>
+              <a:effectLst>
+                <a:outerShdw blurRad="41275" dist="20320" dir="1800000" algn="tl" rotWithShape="0">
+                  <a:srgbClr val="000000">
+                    <a:alpha val="40000"/>
+                  </a:srgbClr>
+                </a:outerShdw>
+              </a:effectLst>
+            </a:endParaRPr>
+          </a:p>
+        </p:txBody>
+      </p:sp>
+      <p:sp>
+        <p:nvSpPr>
+          <p:cNvPr id="46" name="正方形/長方形 45"/>
+          <p:cNvSpPr/>
+          <p:nvPr/>
+        </p:nvSpPr>
+        <p:spPr>
+          <a:xfrm>
+            <a:off x="5279951" y="5090554"/>
+            <a:ext cx="301686" cy="369332"/>
+          </a:xfrm>
+          <a:prstGeom prst="rect">
+            <a:avLst/>
+          </a:prstGeom>
+          <a:noFill/>
+        </p:spPr>
+        <p:txBody>
+          <a:bodyPr wrap="none" lIns="91440" tIns="45720" rIns="91440" bIns="45720">
+            <a:spAutoFit/>
+          </a:bodyPr>
+          <a:lstStyle/>
+          <a:p>
+            <a:pPr algn="ctr"/>
+            <a:r>
+              <a:rPr lang="en-US" altLang="ja-JP" sz="1800" b="1" dirty="0">
+                <a:ln w="12700">
+                  <a:solidFill>
+                    <a:schemeClr val="tx2">
+                      <a:satMod val="155000"/>
+                    </a:schemeClr>
+                  </a:solidFill>
+                  <a:prstDash val="solid"/>
+                </a:ln>
+                <a:solidFill>
+                  <a:schemeClr val="bg2">
+                    <a:tint val="85000"/>
+                    <a:satMod val="155000"/>
+                  </a:schemeClr>
+                </a:solidFill>
+                <a:effectLst>
+                  <a:outerShdw blurRad="41275" dist="20320" dir="1800000" algn="tl" rotWithShape="0">
+                    <a:srgbClr val="000000">
+                      <a:alpha val="40000"/>
+                    </a:srgbClr>
+                  </a:outerShdw>
+                </a:effectLst>
+              </a:rPr>
+              <a:t>2</a:t>
+            </a:r>
+            <a:endParaRPr lang="ja-JP" altLang="en-US" sz="1800" b="1" cap="none" spc="0" dirty="0">
+              <a:ln w="12700">
+                <a:solidFill>
+                  <a:schemeClr val="tx2">
+                    <a:satMod val="155000"/>
+                  </a:schemeClr>
+                </a:solidFill>
+                <a:prstDash val="solid"/>
+              </a:ln>
+              <a:solidFill>
+                <a:schemeClr val="bg2">
+                  <a:tint val="85000"/>
+                  <a:satMod val="155000"/>
+                </a:schemeClr>
+              </a:solidFill>
+              <a:effectLst>
+                <a:outerShdw blurRad="41275" dist="20320" dir="1800000" algn="tl" rotWithShape="0">
+                  <a:srgbClr val="000000">
+                    <a:alpha val="40000"/>
+                  </a:srgbClr>
+                </a:outerShdw>
+              </a:effectLst>
+            </a:endParaRPr>
+          </a:p>
+        </p:txBody>
+      </p:sp>
+      <p:sp>
+        <p:nvSpPr>
+          <p:cNvPr id="48" name="正方形/長方形 47"/>
+          <p:cNvSpPr/>
+          <p:nvPr/>
+        </p:nvSpPr>
+        <p:spPr>
+          <a:xfrm>
+            <a:off x="2975695" y="3495164"/>
+            <a:ext cx="301686" cy="369332"/>
+          </a:xfrm>
+          <a:prstGeom prst="rect">
+            <a:avLst/>
+          </a:prstGeom>
+          <a:noFill/>
+        </p:spPr>
+        <p:txBody>
+          <a:bodyPr wrap="none" lIns="91440" tIns="45720" rIns="91440" bIns="45720">
+            <a:spAutoFit/>
+          </a:bodyPr>
+          <a:lstStyle/>
+          <a:p>
+            <a:pPr algn="ctr"/>
+            <a:r>
+              <a:rPr lang="en-US" altLang="ja-JP" sz="1800" b="1" dirty="0">
+                <a:ln w="12700">
+                  <a:solidFill>
+                    <a:schemeClr val="tx2">
+                      <a:satMod val="155000"/>
+                    </a:schemeClr>
+                  </a:solidFill>
+                  <a:prstDash val="solid"/>
+                </a:ln>
+                <a:solidFill>
+                  <a:schemeClr val="bg2">
+                    <a:tint val="85000"/>
+                    <a:satMod val="155000"/>
+                  </a:schemeClr>
+                </a:solidFill>
+                <a:effectLst>
+                  <a:outerShdw blurRad="41275" dist="20320" dir="1800000" algn="tl" rotWithShape="0">
+                    <a:srgbClr val="000000">
+                      <a:alpha val="40000"/>
+                    </a:srgbClr>
+                  </a:outerShdw>
+                </a:effectLst>
+              </a:rPr>
+              <a:t>3</a:t>
+            </a:r>
+            <a:endParaRPr lang="ja-JP" altLang="en-US" sz="1800" b="1" cap="none" spc="0" dirty="0">
+              <a:ln w="12700">
+                <a:solidFill>
+                  <a:schemeClr val="tx2">
+                    <a:satMod val="155000"/>
+                  </a:schemeClr>
+                </a:solidFill>
+                <a:prstDash val="solid"/>
+              </a:ln>
+              <a:solidFill>
+                <a:schemeClr val="bg2">
+                  <a:tint val="85000"/>
+                  <a:satMod val="155000"/>
+                </a:schemeClr>
+              </a:solidFill>
+              <a:effectLst>
+                <a:outerShdw blurRad="41275" dist="20320" dir="1800000" algn="tl" rotWithShape="0">
+                  <a:srgbClr val="000000">
+                    <a:alpha val="40000"/>
+                  </a:srgbClr>
+                </a:outerShdw>
+              </a:effectLst>
+            </a:endParaRPr>
+          </a:p>
+        </p:txBody>
+      </p:sp>
+      <p:sp>
+        <p:nvSpPr>
+          <p:cNvPr id="49" name="正方形/長方形 48"/>
+          <p:cNvSpPr/>
+          <p:nvPr/>
+        </p:nvSpPr>
+        <p:spPr>
+          <a:xfrm>
+            <a:off x="6648103" y="4071228"/>
+            <a:ext cx="301686" cy="369332"/>
+          </a:xfrm>
+          <a:prstGeom prst="rect">
+            <a:avLst/>
+          </a:prstGeom>
+          <a:noFill/>
+        </p:spPr>
+        <p:txBody>
+          <a:bodyPr wrap="none" lIns="91440" tIns="45720" rIns="91440" bIns="45720">
+            <a:spAutoFit/>
+          </a:bodyPr>
+          <a:lstStyle/>
+          <a:p>
+            <a:pPr algn="ctr"/>
+            <a:r>
+              <a:rPr lang="en-US" altLang="ja-JP" sz="1800" b="1" dirty="0">
+                <a:ln w="12700">
+                  <a:solidFill>
+                    <a:schemeClr val="tx2">
+                      <a:satMod val="155000"/>
+                    </a:schemeClr>
+                  </a:solidFill>
+                  <a:prstDash val="solid"/>
+                </a:ln>
+                <a:solidFill>
+                  <a:schemeClr val="bg2">
+                    <a:tint val="85000"/>
+                    <a:satMod val="155000"/>
+                  </a:schemeClr>
+                </a:solidFill>
+                <a:effectLst>
+                  <a:outerShdw blurRad="41275" dist="20320" dir="1800000" algn="tl" rotWithShape="0">
+                    <a:srgbClr val="000000">
+                      <a:alpha val="40000"/>
+                    </a:srgbClr>
+                  </a:outerShdw>
+                </a:effectLst>
+              </a:rPr>
+              <a:t>3</a:t>
+            </a:r>
+            <a:endParaRPr lang="ja-JP" altLang="en-US" sz="1800" b="1" cap="none" spc="0" dirty="0">
+              <a:ln w="12700">
+                <a:solidFill>
+                  <a:schemeClr val="tx2">
+                    <a:satMod val="155000"/>
+                  </a:schemeClr>
+                </a:solidFill>
+                <a:prstDash val="solid"/>
+              </a:ln>
+              <a:solidFill>
+                <a:schemeClr val="bg2">
+                  <a:tint val="85000"/>
+                  <a:satMod val="155000"/>
+                </a:schemeClr>
+              </a:solidFill>
+              <a:effectLst>
+                <a:outerShdw blurRad="41275" dist="20320" dir="1800000" algn="tl" rotWithShape="0">
+                  <a:srgbClr val="000000">
+                    <a:alpha val="40000"/>
+                  </a:srgbClr>
+                </a:outerShdw>
+              </a:effectLst>
+            </a:endParaRPr>
+          </a:p>
+        </p:txBody>
+      </p:sp>
+      <p:sp>
+        <p:nvSpPr>
+          <p:cNvPr id="50" name="正方形/長方形 49"/>
+          <p:cNvSpPr/>
+          <p:nvPr/>
+        </p:nvSpPr>
+        <p:spPr>
+          <a:xfrm>
+            <a:off x="3119711" y="4215244"/>
+            <a:ext cx="301686" cy="369332"/>
+          </a:xfrm>
+          <a:prstGeom prst="rect">
+            <a:avLst/>
+          </a:prstGeom>
+          <a:noFill/>
+        </p:spPr>
+        <p:txBody>
+          <a:bodyPr wrap="none" lIns="91440" tIns="45720" rIns="91440" bIns="45720">
+            <a:spAutoFit/>
+          </a:bodyPr>
+          <a:lstStyle/>
+          <a:p>
+            <a:pPr algn="ctr"/>
+            <a:r>
+              <a:rPr lang="en-US" altLang="ja-JP" sz="1800" b="1" dirty="0" smtClean="0">
+                <a:ln w="12700">
+                  <a:solidFill>
+                    <a:schemeClr val="tx2">
+                      <a:satMod val="155000"/>
+                    </a:schemeClr>
+                  </a:solidFill>
+                  <a:prstDash val="solid"/>
+                </a:ln>
+                <a:solidFill>
+                  <a:schemeClr val="bg2">
+                    <a:tint val="85000"/>
+                    <a:satMod val="155000"/>
+                  </a:schemeClr>
+                </a:solidFill>
+                <a:effectLst>
+                  <a:outerShdw blurRad="41275" dist="20320" dir="1800000" algn="tl" rotWithShape="0">
+                    <a:srgbClr val="000000">
+                      <a:alpha val="40000"/>
+                    </a:srgbClr>
+                  </a:outerShdw>
+                </a:effectLst>
+              </a:rPr>
+              <a:t>4</a:t>
+            </a:r>
+            <a:endParaRPr lang="ja-JP" altLang="en-US" sz="1800" b="1" cap="none" spc="0" dirty="0">
+              <a:ln w="12700">
+                <a:solidFill>
+                  <a:schemeClr val="tx2">
+                    <a:satMod val="155000"/>
+                  </a:schemeClr>
+                </a:solidFill>
+                <a:prstDash val="solid"/>
+              </a:ln>
+              <a:solidFill>
+                <a:schemeClr val="bg2">
+                  <a:tint val="85000"/>
+                  <a:satMod val="155000"/>
+                </a:schemeClr>
+              </a:solidFill>
+              <a:effectLst>
+                <a:outerShdw blurRad="41275" dist="20320" dir="1800000" algn="tl" rotWithShape="0">
+                  <a:srgbClr val="000000">
+                    <a:alpha val="40000"/>
+                  </a:srgbClr>
+                </a:outerShdw>
+              </a:effectLst>
+            </a:endParaRPr>
+          </a:p>
+        </p:txBody>
+      </p:sp>
+      <p:sp>
+        <p:nvSpPr>
+          <p:cNvPr id="52" name="正方形/長方形 51"/>
+          <p:cNvSpPr/>
+          <p:nvPr/>
+        </p:nvSpPr>
+        <p:spPr>
+          <a:xfrm>
+            <a:off x="6648103" y="4440560"/>
+            <a:ext cx="301686" cy="369332"/>
+          </a:xfrm>
+          <a:prstGeom prst="rect">
+            <a:avLst/>
+          </a:prstGeom>
+          <a:noFill/>
+        </p:spPr>
+        <p:txBody>
+          <a:bodyPr wrap="none" lIns="91440" tIns="45720" rIns="91440" bIns="45720">
+            <a:spAutoFit/>
+          </a:bodyPr>
+          <a:lstStyle/>
+          <a:p>
+            <a:pPr algn="ctr"/>
+            <a:r>
+              <a:rPr lang="en-US" altLang="ja-JP" sz="1800" b="1" dirty="0" smtClean="0">
+                <a:ln w="12700">
+                  <a:solidFill>
+                    <a:schemeClr val="tx2">
+                      <a:satMod val="155000"/>
+                    </a:schemeClr>
+                  </a:solidFill>
+                  <a:prstDash val="solid"/>
+                </a:ln>
+                <a:solidFill>
+                  <a:schemeClr val="bg2">
+                    <a:tint val="85000"/>
+                    <a:satMod val="155000"/>
+                  </a:schemeClr>
+                </a:solidFill>
+                <a:effectLst>
+                  <a:outerShdw blurRad="41275" dist="20320" dir="1800000" algn="tl" rotWithShape="0">
+                    <a:srgbClr val="000000">
+                      <a:alpha val="40000"/>
+                    </a:srgbClr>
+                  </a:outerShdw>
+                </a:effectLst>
+              </a:rPr>
+              <a:t>4</a:t>
+            </a:r>
+            <a:endParaRPr lang="ja-JP" altLang="en-US" sz="1800" b="1" cap="none" spc="0" dirty="0">
+              <a:ln w="12700">
+                <a:solidFill>
+                  <a:schemeClr val="tx2">
+                    <a:satMod val="155000"/>
+                  </a:schemeClr>
+                </a:solidFill>
+                <a:prstDash val="solid"/>
+              </a:ln>
+              <a:solidFill>
+                <a:schemeClr val="bg2">
+                  <a:tint val="85000"/>
+                  <a:satMod val="155000"/>
+                </a:schemeClr>
+              </a:solidFill>
+              <a:effectLst>
+                <a:outerShdw blurRad="41275" dist="20320" dir="1800000" algn="tl" rotWithShape="0">
+                  <a:srgbClr val="000000">
+                    <a:alpha val="40000"/>
+                  </a:srgbClr>
+                </a:outerShdw>
+              </a:effectLst>
+            </a:endParaRPr>
+          </a:p>
+        </p:txBody>
+      </p:sp>
+      <p:sp>
+        <p:nvSpPr>
+          <p:cNvPr id="56" name="角丸四角形吹き出し 55"/>
+          <p:cNvSpPr/>
+          <p:nvPr/>
+        </p:nvSpPr>
+        <p:spPr>
+          <a:xfrm>
+            <a:off x="4847903" y="6381003"/>
+            <a:ext cx="3024336" cy="723854"/>
+          </a:xfrm>
+          <a:prstGeom prst="wedgeRoundRectCallout">
+            <a:avLst>
+              <a:gd name="adj1" fmla="val -76177"/>
+              <a:gd name="adj2" fmla="val 5928"/>
+              <a:gd name="adj3" fmla="val 16667"/>
+            </a:avLst>
+          </a:prstGeom>
+          <a:ln w="12700">
+            <a:solidFill>
+              <a:schemeClr val="accent2"/>
+            </a:solidFill>
+          </a:ln>
+        </p:spPr>
+        <p:style>
+          <a:lnRef idx="2">
+            <a:schemeClr val="accent6"/>
+          </a:lnRef>
+          <a:fillRef idx="1">
+            <a:schemeClr val="lt1"/>
+          </a:fillRef>
+          <a:effectRef idx="0">
+            <a:schemeClr val="accent6"/>
+          </a:effectRef>
+          <a:fontRef idx="minor">
+            <a:schemeClr val="dk1"/>
+          </a:fontRef>
+        </p:style>
+        <p:txBody>
+          <a:bodyPr lIns="36000" tIns="36000" rIns="36000" bIns="36000" rtlCol="0" anchor="ctr"/>
+          <a:lstStyle/>
+          <a:p>
+            <a:r>
+              <a:rPr lang="ja-JP" altLang="en-US" sz="1000" dirty="0" smtClean="0">
+                <a:latin typeface="+mn-ea"/>
+              </a:rPr>
+              <a:t>・</a:t>
+            </a:r>
+            <a:r>
+              <a:rPr lang="ja-JP" altLang="en-US" sz="1050" u="sng" dirty="0" smtClean="0">
+                <a:latin typeface="+mn-ea"/>
+              </a:rPr>
+              <a:t>ターンエリア終了後に走行体がラインから外れている</a:t>
+            </a:r>
+            <a:endParaRPr lang="en-US" altLang="ja-JP" sz="1050" u="sng" dirty="0" smtClean="0">
+              <a:latin typeface="+mn-ea"/>
+            </a:endParaRPr>
+          </a:p>
+          <a:p>
+            <a:endParaRPr lang="en-US" altLang="ja-JP" sz="1000" u="sng" dirty="0" smtClean="0">
+              <a:latin typeface="+mn-ea"/>
+            </a:endParaRPr>
+          </a:p>
+        </p:txBody>
+      </p:sp>
       <p:pic>
         <p:nvPicPr>
-          <p:cNvPr id="1026" name="Picture 2"/>
+          <p:cNvPr id="9" name="Picture 5"/>
           <p:cNvPicPr>
             <a:picLocks noChangeAspect="1" noChangeArrowheads="1"/>
           </p:cNvPicPr>
           <p:nvPr/>
         </p:nvPicPr>
         <p:blipFill>
-          <a:blip r:embed="rId8" cstate="print">
+          <a:blip r:embed="rId8">
             <a:extLst>
               <a:ext uri="{28A0092B-C50C-407E-A947-70E740481C1C}">
                 <a14:useLocalDpi xmlns:a14="http://schemas.microsoft.com/office/drawing/2010/main" val="0"/>
@@ -47254,8 +48105,8 @@
         </p:blipFill>
         <p:spPr bwMode="auto">
           <a:xfrm>
-            <a:off x="743447" y="6528792"/>
-            <a:ext cx="3253457" cy="899354"/>
+            <a:off x="4559870" y="7131420"/>
+            <a:ext cx="3395383" cy="2436189"/>
           </a:xfrm>
           <a:prstGeom prst="rect">
             <a:avLst/>
@@ -47297,7 +48148,7 @@
       </p:pic>
       <p:pic>
         <p:nvPicPr>
-          <p:cNvPr id="1027" name="Picture 3"/>
+          <p:cNvPr id="12" name="Picture 7"/>
           <p:cNvPicPr>
             <a:picLocks noChangeAspect="1" noChangeArrowheads="1"/>
           </p:cNvPicPr>
@@ -47318,8 +48169,8 @@
         </p:blipFill>
         <p:spPr bwMode="auto">
           <a:xfrm>
-            <a:off x="4038436" y="6473388"/>
-            <a:ext cx="4074210" cy="2935724"/>
+            <a:off x="10862233" y="3512944"/>
+            <a:ext cx="2550790" cy="2074357"/>
           </a:xfrm>
           <a:prstGeom prst="rect">
             <a:avLst/>
@@ -47361,327 +48212,1575 @@
       </p:pic>
       <p:sp>
         <p:nvSpPr>
-          <p:cNvPr id="77" name="角丸四角形吹き出し 76"/>
+          <p:cNvPr id="57" name="正方形/長方形 56"/>
           <p:cNvSpPr/>
           <p:nvPr/>
         </p:nvSpPr>
         <p:spPr>
           <a:xfrm>
-            <a:off x="2327623" y="7407261"/>
-            <a:ext cx="1515280" cy="2145869"/>
+            <a:off x="8376295" y="2775084"/>
+            <a:ext cx="301686" cy="369332"/>
           </a:xfrm>
-          <a:prstGeom prst="wedgeRoundRectCallout">
-            <a:avLst>
-              <a:gd name="adj1" fmla="val -9661"/>
-              <a:gd name="adj2" fmla="val -60593"/>
-              <a:gd name="adj3" fmla="val 16667"/>
-            </a:avLst>
+          <a:prstGeom prst="rect">
+            <a:avLst/>
           </a:prstGeom>
-          <a:ln w="12700">
-            <a:solidFill>
-              <a:schemeClr val="accent6">
-                <a:lumMod val="75000"/>
-              </a:schemeClr>
-            </a:solidFill>
-          </a:ln>
+          <a:noFill/>
         </p:spPr>
-        <p:style>
-          <a:lnRef idx="2">
-            <a:schemeClr val="accent6"/>
-          </a:lnRef>
-          <a:fillRef idx="1">
-            <a:schemeClr val="lt1"/>
-          </a:fillRef>
-          <a:effectRef idx="0">
-            <a:schemeClr val="accent6"/>
-          </a:effectRef>
-          <a:fontRef idx="minor">
-            <a:schemeClr val="dk1"/>
-          </a:fontRef>
-        </p:style>
         <p:txBody>
-          <a:bodyPr lIns="0" tIns="0" rIns="0" bIns="0" rtlCol="0" anchor="ctr"/>
+          <a:bodyPr wrap="none" lIns="91440" tIns="45720" rIns="91440" bIns="45720">
+            <a:spAutoFit/>
+          </a:bodyPr>
           <a:lstStyle/>
           <a:p>
-            <a:r>
-              <a:rPr lang="ja-JP" altLang="en-US" sz="1050" dirty="0" smtClean="0">
-                <a:latin typeface="+mn-ea"/>
+            <a:pPr algn="ctr"/>
+            <a:r>
+              <a:rPr lang="en-US" altLang="ja-JP" sz="1800" b="1" cap="none" spc="0" dirty="0" smtClean="0">
+                <a:ln w="12700">
+                  <a:solidFill>
+                    <a:schemeClr val="tx2">
+                      <a:satMod val="155000"/>
+                    </a:schemeClr>
+                  </a:solidFill>
+                  <a:prstDash val="solid"/>
+                </a:ln>
+                <a:solidFill>
+                  <a:schemeClr val="bg2">
+                    <a:tint val="85000"/>
+                    <a:satMod val="155000"/>
+                  </a:schemeClr>
+                </a:solidFill>
+                <a:effectLst>
+                  <a:outerShdw blurRad="41275" dist="20320" dir="1800000" algn="tl" rotWithShape="0">
+                    <a:srgbClr val="000000">
+                      <a:alpha val="40000"/>
+                    </a:srgbClr>
+                  </a:outerShdw>
+                </a:effectLst>
               </a:rPr>
-              <a:t>・</a:t>
-            </a:r>
-            <a:r>
-              <a:rPr lang="ja-JP" altLang="en-US" sz="1100" u="sng" dirty="0" smtClean="0">
-                <a:latin typeface="+mn-ea"/>
-              </a:rPr>
-              <a:t>ターンエリアでの走行</a:t>
-            </a:r>
-            <a:r>
-              <a:rPr lang="ja-JP" altLang="en-US" sz="1100" u="sng" dirty="0" smtClean="0">
-                <a:latin typeface="+mn-ea"/>
-              </a:rPr>
-              <a:t>失敗</a:t>
-            </a:r>
-            <a:endParaRPr lang="en-US" altLang="ja-JP" sz="1100" u="sng" dirty="0" smtClean="0">
-              <a:latin typeface="+mn-ea"/>
-            </a:endParaRPr>
-          </a:p>
-          <a:p>
-            <a:r>
-              <a:rPr lang="ja-JP" altLang="en-US" sz="1050" dirty="0" smtClean="0">
-                <a:latin typeface="+mn-ea"/>
-              </a:rPr>
-              <a:t>ターンエリア上にはラインが無いため</a:t>
-            </a:r>
-            <a:r>
-              <a:rPr lang="en-US" altLang="ja-JP" sz="1050" dirty="0" smtClean="0">
-                <a:latin typeface="+mn-ea"/>
-              </a:rPr>
-              <a:t>,</a:t>
-            </a:r>
-            <a:r>
-              <a:rPr lang="ja-JP" altLang="en-US" sz="1050" dirty="0" smtClean="0">
-                <a:latin typeface="+mn-ea"/>
-              </a:rPr>
-              <a:t>仮想ラインを定義し</a:t>
-            </a:r>
-            <a:r>
-              <a:rPr lang="en-US" altLang="ja-JP" sz="1050" dirty="0" smtClean="0">
-                <a:latin typeface="+mn-ea"/>
-              </a:rPr>
-              <a:t>,</a:t>
-            </a:r>
-            <a:r>
-              <a:rPr lang="ja-JP" altLang="en-US" sz="1050" dirty="0" smtClean="0">
-                <a:latin typeface="+mn-ea"/>
-              </a:rPr>
-              <a:t>輝度値によるライントレースを行わず</a:t>
-            </a:r>
-            <a:r>
-              <a:rPr lang="ja-JP" altLang="en-US" sz="1050" dirty="0" smtClean="0">
+              <a:t>1</a:t>
+            </a:r>
+            <a:endParaRPr lang="ja-JP" altLang="en-US" sz="1800" b="1" cap="none" spc="0" dirty="0">
+              <a:ln w="12700">
                 <a:solidFill>
-                  <a:srgbClr val="FF0000"/>
+                  <a:schemeClr val="tx2">
+                    <a:satMod val="155000"/>
+                  </a:schemeClr>
                 </a:solidFill>
-                <a:latin typeface="+mn-ea"/>
-              </a:rPr>
-              <a:t>曲率半径</a:t>
-            </a:r>
-            <a:r>
-              <a:rPr lang="en-US" altLang="ja-JP" sz="1050" dirty="0" smtClean="0">
-                <a:solidFill>
-                  <a:srgbClr val="FF0000"/>
-                </a:solidFill>
-                <a:latin typeface="+mn-ea"/>
-              </a:rPr>
-              <a:t>PID</a:t>
-            </a:r>
-            <a:r>
-              <a:rPr lang="ja-JP" altLang="en-US" sz="1050" dirty="0" smtClean="0">
-                <a:solidFill>
-                  <a:srgbClr val="FF0000"/>
-                </a:solidFill>
-                <a:latin typeface="+mn-ea"/>
-              </a:rPr>
-              <a:t>制御</a:t>
-            </a:r>
-            <a:r>
-              <a:rPr lang="ja-JP" altLang="en-US" sz="1050" dirty="0" smtClean="0">
-                <a:latin typeface="+mn-ea"/>
-              </a:rPr>
-              <a:t>（</a:t>
-            </a:r>
-            <a:r>
-              <a:rPr lang="en-US" altLang="ja-JP" sz="1050" dirty="0" smtClean="0">
-                <a:latin typeface="+mn-ea"/>
-              </a:rPr>
-              <a:t>p.5 </a:t>
-            </a:r>
-            <a:r>
-              <a:rPr lang="ja-JP" altLang="en-US" sz="1050" dirty="0" smtClean="0">
-                <a:latin typeface="+mn-ea"/>
-              </a:rPr>
-              <a:t>要素技術参照）のみを利用して走行することで</a:t>
-            </a:r>
-            <a:r>
-              <a:rPr lang="en-US" altLang="ja-JP" sz="1050" dirty="0" smtClean="0">
-                <a:latin typeface="+mn-ea"/>
-              </a:rPr>
-              <a:t>,</a:t>
-            </a:r>
-            <a:r>
-              <a:rPr lang="ja-JP" altLang="en-US" sz="1050" dirty="0" smtClean="0">
-                <a:latin typeface="+mn-ea"/>
-              </a:rPr>
-              <a:t>ラインの無い区間での走行を実現</a:t>
-            </a:r>
-            <a:r>
-              <a:rPr lang="en-US" altLang="ja-JP" sz="1050" dirty="0" smtClean="0">
-                <a:latin typeface="+mn-ea"/>
-              </a:rPr>
-              <a:t>.</a:t>
-            </a:r>
-            <a:endParaRPr lang="en-US" altLang="ja-JP" sz="1000" dirty="0" smtClean="0">
-              <a:latin typeface="+mn-ea"/>
+                <a:prstDash val="solid"/>
+              </a:ln>
+              <a:solidFill>
+                <a:schemeClr val="bg2">
+                  <a:tint val="85000"/>
+                  <a:satMod val="155000"/>
+                </a:schemeClr>
+              </a:solidFill>
+              <a:effectLst>
+                <a:outerShdw blurRad="41275" dist="20320" dir="1800000" algn="tl" rotWithShape="0">
+                  <a:srgbClr val="000000">
+                    <a:alpha val="40000"/>
+                  </a:srgbClr>
+                </a:outerShdw>
+              </a:effectLst>
             </a:endParaRPr>
           </a:p>
         </p:txBody>
       </p:sp>
       <p:sp>
         <p:nvSpPr>
-          <p:cNvPr id="76" name="角丸四角形吹き出し 75"/>
+          <p:cNvPr id="60" name="正方形/長方形 59"/>
           <p:cNvSpPr/>
           <p:nvPr/>
         </p:nvSpPr>
         <p:spPr>
           <a:xfrm>
-            <a:off x="813597" y="7418113"/>
-            <a:ext cx="1442019" cy="2135016"/>
+            <a:off x="10802134" y="4152528"/>
+            <a:ext cx="301686" cy="369332"/>
           </a:xfrm>
-          <a:prstGeom prst="wedgeRoundRectCallout">
-            <a:avLst>
-              <a:gd name="adj1" fmla="val -19612"/>
-              <a:gd name="adj2" fmla="val -55502"/>
-              <a:gd name="adj3" fmla="val 16667"/>
-            </a:avLst>
+          <a:prstGeom prst="rect">
+            <a:avLst/>
           </a:prstGeom>
-          <a:ln w="12700">
-            <a:solidFill>
-              <a:srgbClr val="FFC000"/>
-            </a:solidFill>
-          </a:ln>
+          <a:noFill/>
         </p:spPr>
-        <p:style>
-          <a:lnRef idx="2">
-            <a:schemeClr val="accent6"/>
-          </a:lnRef>
-          <a:fillRef idx="1">
-            <a:schemeClr val="lt1"/>
-          </a:fillRef>
-          <a:effectRef idx="0">
-            <a:schemeClr val="accent6"/>
-          </a:effectRef>
-          <a:fontRef idx="minor">
-            <a:schemeClr val="dk1"/>
-          </a:fontRef>
-        </p:style>
         <p:txBody>
-          <a:bodyPr lIns="0" tIns="0" rIns="0" bIns="0" rtlCol="0" anchor="ctr"/>
+          <a:bodyPr wrap="none" lIns="91440" tIns="45720" rIns="91440" bIns="45720">
+            <a:spAutoFit/>
+          </a:bodyPr>
           <a:lstStyle/>
           <a:p>
-            <a:r>
-              <a:rPr lang="ja-JP" altLang="en-US" sz="1100" u="sng" dirty="0">
-                <a:latin typeface="+mn-ea"/>
+            <a:pPr algn="ctr"/>
+            <a:r>
+              <a:rPr lang="en-US" altLang="ja-JP" sz="1800" b="1" cap="none" spc="0" dirty="0" smtClean="0">
+                <a:ln w="12700">
+                  <a:solidFill>
+                    <a:schemeClr val="tx2">
+                      <a:satMod val="155000"/>
+                    </a:schemeClr>
+                  </a:solidFill>
+                  <a:prstDash val="solid"/>
+                </a:ln>
+                <a:solidFill>
+                  <a:schemeClr val="bg2">
+                    <a:tint val="85000"/>
+                    <a:satMod val="155000"/>
+                  </a:schemeClr>
+                </a:solidFill>
+                <a:effectLst>
+                  <a:outerShdw blurRad="41275" dist="20320" dir="1800000" algn="tl" rotWithShape="0">
+                    <a:srgbClr val="000000">
+                      <a:alpha val="40000"/>
+                    </a:srgbClr>
+                  </a:outerShdw>
+                </a:effectLst>
               </a:rPr>
-              <a:t>・</a:t>
-            </a:r>
-            <a:r>
-              <a:rPr lang="ja-JP" altLang="en-US" sz="1100" u="sng" dirty="0" smtClean="0">
-                <a:latin typeface="+mn-ea"/>
+              <a:t>1</a:t>
+            </a:r>
+            <a:endParaRPr lang="ja-JP" altLang="en-US" sz="1800" b="1" cap="none" spc="0" dirty="0">
+              <a:ln w="12700">
+                <a:solidFill>
+                  <a:schemeClr val="tx2">
+                    <a:satMod val="155000"/>
+                  </a:schemeClr>
+                </a:solidFill>
+                <a:prstDash val="solid"/>
+              </a:ln>
+              <a:solidFill>
+                <a:schemeClr val="bg2">
+                  <a:tint val="85000"/>
+                  <a:satMod val="155000"/>
+                </a:schemeClr>
+              </a:solidFill>
+              <a:effectLst>
+                <a:outerShdw blurRad="41275" dist="20320" dir="1800000" algn="tl" rotWithShape="0">
+                  <a:srgbClr val="000000">
+                    <a:alpha val="40000"/>
+                  </a:srgbClr>
+                </a:outerShdw>
+              </a:effectLst>
+            </a:endParaRPr>
+          </a:p>
+        </p:txBody>
+      </p:sp>
+      <p:sp>
+        <p:nvSpPr>
+          <p:cNvPr id="61" name="正方形/長方形 60"/>
+          <p:cNvSpPr/>
+          <p:nvPr/>
+        </p:nvSpPr>
+        <p:spPr>
+          <a:xfrm>
+            <a:off x="9874809" y="2635255"/>
+            <a:ext cx="301686" cy="369332"/>
+          </a:xfrm>
+          <a:prstGeom prst="rect">
+            <a:avLst/>
+          </a:prstGeom>
+          <a:noFill/>
+        </p:spPr>
+        <p:txBody>
+          <a:bodyPr wrap="none" lIns="91440" tIns="45720" rIns="91440" bIns="45720">
+            <a:spAutoFit/>
+          </a:bodyPr>
+          <a:lstStyle/>
+          <a:p>
+            <a:pPr algn="ctr"/>
+            <a:r>
+              <a:rPr lang="en-US" altLang="ja-JP" sz="1800" b="1" dirty="0">
+                <a:ln w="12700">
+                  <a:solidFill>
+                    <a:schemeClr val="tx2">
+                      <a:satMod val="155000"/>
+                    </a:schemeClr>
+                  </a:solidFill>
+                  <a:prstDash val="solid"/>
+                </a:ln>
+                <a:solidFill>
+                  <a:schemeClr val="bg2">
+                    <a:tint val="85000"/>
+                    <a:satMod val="155000"/>
+                  </a:schemeClr>
+                </a:solidFill>
+                <a:effectLst>
+                  <a:outerShdw blurRad="41275" dist="20320" dir="1800000" algn="tl" rotWithShape="0">
+                    <a:srgbClr val="000000">
+                      <a:alpha val="40000"/>
+                    </a:srgbClr>
+                  </a:outerShdw>
+                </a:effectLst>
               </a:rPr>
-              <a:t>ペットボトルの誤検知</a:t>
-            </a:r>
-            <a:r>
-              <a:rPr lang="ja-JP" altLang="en-US" sz="1050" dirty="0">
-                <a:latin typeface="+mn-ea"/>
+              <a:t>2</a:t>
+            </a:r>
+            <a:endParaRPr lang="ja-JP" altLang="en-US" sz="1800" b="1" cap="none" spc="0" dirty="0">
+              <a:ln w="12700">
+                <a:solidFill>
+                  <a:schemeClr val="tx2">
+                    <a:satMod val="155000"/>
+                  </a:schemeClr>
+                </a:solidFill>
+                <a:prstDash val="solid"/>
+              </a:ln>
+              <a:solidFill>
+                <a:schemeClr val="bg2">
+                  <a:tint val="85000"/>
+                  <a:satMod val="155000"/>
+                </a:schemeClr>
+              </a:solidFill>
+              <a:effectLst>
+                <a:outerShdw blurRad="41275" dist="20320" dir="1800000" algn="tl" rotWithShape="0">
+                  <a:srgbClr val="000000">
+                    <a:alpha val="40000"/>
+                  </a:srgbClr>
+                </a:outerShdw>
+              </a:effectLst>
+            </a:endParaRPr>
+          </a:p>
+        </p:txBody>
+      </p:sp>
+      <p:sp>
+        <p:nvSpPr>
+          <p:cNvPr id="66" name="正方形/長方形 65"/>
+          <p:cNvSpPr/>
+          <p:nvPr/>
+        </p:nvSpPr>
+        <p:spPr>
+          <a:xfrm>
+            <a:off x="11963041" y="3423156"/>
+            <a:ext cx="301686" cy="369332"/>
+          </a:xfrm>
+          <a:prstGeom prst="rect">
+            <a:avLst/>
+          </a:prstGeom>
+          <a:noFill/>
+        </p:spPr>
+        <p:txBody>
+          <a:bodyPr wrap="none" lIns="91440" tIns="45720" rIns="91440" bIns="45720">
+            <a:spAutoFit/>
+          </a:bodyPr>
+          <a:lstStyle/>
+          <a:p>
+            <a:pPr algn="ctr"/>
+            <a:r>
+              <a:rPr lang="en-US" altLang="ja-JP" sz="1800" b="1" dirty="0">
+                <a:ln w="12700">
+                  <a:solidFill>
+                    <a:schemeClr val="tx2">
+                      <a:satMod val="155000"/>
+                    </a:schemeClr>
+                  </a:solidFill>
+                  <a:prstDash val="solid"/>
+                </a:ln>
+                <a:solidFill>
+                  <a:schemeClr val="bg2">
+                    <a:tint val="85000"/>
+                    <a:satMod val="155000"/>
+                  </a:schemeClr>
+                </a:solidFill>
+                <a:effectLst>
+                  <a:outerShdw blurRad="41275" dist="20320" dir="1800000" algn="tl" rotWithShape="0">
+                    <a:srgbClr val="000000">
+                      <a:alpha val="40000"/>
+                    </a:srgbClr>
+                  </a:outerShdw>
+                </a:effectLst>
               </a:rPr>
-              <a:t/>
-            </a:r>
-            <a:br>
-              <a:rPr lang="ja-JP" altLang="en-US" sz="1050" dirty="0">
-                <a:latin typeface="+mn-ea"/>
+              <a:t>2</a:t>
+            </a:r>
+            <a:endParaRPr lang="ja-JP" altLang="en-US" sz="1800" b="1" cap="none" spc="0" dirty="0">
+              <a:ln w="12700">
+                <a:solidFill>
+                  <a:schemeClr val="tx2">
+                    <a:satMod val="155000"/>
+                  </a:schemeClr>
+                </a:solidFill>
+                <a:prstDash val="solid"/>
+              </a:ln>
+              <a:solidFill>
+                <a:schemeClr val="bg2">
+                  <a:tint val="85000"/>
+                  <a:satMod val="155000"/>
+                </a:schemeClr>
+              </a:solidFill>
+              <a:effectLst>
+                <a:outerShdw blurRad="41275" dist="20320" dir="1800000" algn="tl" rotWithShape="0">
+                  <a:srgbClr val="000000">
+                    <a:alpha val="40000"/>
+                  </a:srgbClr>
+                </a:outerShdw>
+              </a:effectLst>
+            </a:endParaRPr>
+          </a:p>
+        </p:txBody>
+      </p:sp>
+      <p:sp>
+        <p:nvSpPr>
+          <p:cNvPr id="68" name="正方形/長方形 67"/>
+          <p:cNvSpPr/>
+          <p:nvPr/>
+        </p:nvSpPr>
+        <p:spPr>
+          <a:xfrm>
+            <a:off x="10522881" y="2776415"/>
+            <a:ext cx="301686" cy="369332"/>
+          </a:xfrm>
+          <a:prstGeom prst="rect">
+            <a:avLst/>
+          </a:prstGeom>
+          <a:noFill/>
+        </p:spPr>
+        <p:txBody>
+          <a:bodyPr wrap="none" lIns="91440" tIns="45720" rIns="91440" bIns="45720">
+            <a:spAutoFit/>
+          </a:bodyPr>
+          <a:lstStyle/>
+          <a:p>
+            <a:pPr algn="ctr"/>
+            <a:r>
+              <a:rPr lang="en-US" altLang="ja-JP" sz="1800" b="1" dirty="0">
+                <a:ln w="12700">
+                  <a:solidFill>
+                    <a:schemeClr val="tx2">
+                      <a:satMod val="155000"/>
+                    </a:schemeClr>
+                  </a:solidFill>
+                  <a:prstDash val="solid"/>
+                </a:ln>
+                <a:solidFill>
+                  <a:schemeClr val="bg2">
+                    <a:tint val="85000"/>
+                    <a:satMod val="155000"/>
+                  </a:schemeClr>
+                </a:solidFill>
+                <a:effectLst>
+                  <a:outerShdw blurRad="41275" dist="20320" dir="1800000" algn="tl" rotWithShape="0">
+                    <a:srgbClr val="000000">
+                      <a:alpha val="40000"/>
+                    </a:srgbClr>
+                  </a:outerShdw>
+                </a:effectLst>
               </a:rPr>
-            </a:br>
-            <a:r>
-              <a:rPr lang="ja-JP" altLang="en-US" sz="1050" dirty="0">
-                <a:latin typeface="+mn-ea"/>
+              <a:t>3</a:t>
+            </a:r>
+            <a:endParaRPr lang="ja-JP" altLang="en-US" sz="1800" b="1" cap="none" spc="0" dirty="0">
+              <a:ln w="12700">
+                <a:solidFill>
+                  <a:schemeClr val="tx2">
+                    <a:satMod val="155000"/>
+                  </a:schemeClr>
+                </a:solidFill>
+                <a:prstDash val="solid"/>
+              </a:ln>
+              <a:solidFill>
+                <a:schemeClr val="bg2">
+                  <a:tint val="85000"/>
+                  <a:satMod val="155000"/>
+                </a:schemeClr>
+              </a:solidFill>
+              <a:effectLst>
+                <a:outerShdw blurRad="41275" dist="20320" dir="1800000" algn="tl" rotWithShape="0">
+                  <a:srgbClr val="000000">
+                    <a:alpha val="40000"/>
+                  </a:srgbClr>
+                </a:outerShdw>
+              </a:effectLst>
+            </a:endParaRPr>
+          </a:p>
+        </p:txBody>
+      </p:sp>
+      <p:sp>
+        <p:nvSpPr>
+          <p:cNvPr id="71" name="正方形/長方形 70"/>
+          <p:cNvSpPr/>
+          <p:nvPr/>
+        </p:nvSpPr>
+        <p:spPr>
+          <a:xfrm>
+            <a:off x="12007175" y="4233246"/>
+            <a:ext cx="301686" cy="369332"/>
+          </a:xfrm>
+          <a:prstGeom prst="rect">
+            <a:avLst/>
+          </a:prstGeom>
+          <a:noFill/>
+        </p:spPr>
+        <p:txBody>
+          <a:bodyPr wrap="none" lIns="91440" tIns="45720" rIns="91440" bIns="45720">
+            <a:spAutoFit/>
+          </a:bodyPr>
+          <a:lstStyle/>
+          <a:p>
+            <a:pPr algn="ctr"/>
+            <a:r>
+              <a:rPr lang="en-US" altLang="ja-JP" sz="1800" b="1" dirty="0">
+                <a:ln w="12700">
+                  <a:solidFill>
+                    <a:schemeClr val="tx2">
+                      <a:satMod val="155000"/>
+                    </a:schemeClr>
+                  </a:solidFill>
+                  <a:prstDash val="solid"/>
+                </a:ln>
+                <a:solidFill>
+                  <a:schemeClr val="bg2">
+                    <a:tint val="85000"/>
+                    <a:satMod val="155000"/>
+                  </a:schemeClr>
+                </a:solidFill>
+                <a:effectLst>
+                  <a:outerShdw blurRad="41275" dist="20320" dir="1800000" algn="tl" rotWithShape="0">
+                    <a:srgbClr val="000000">
+                      <a:alpha val="40000"/>
+                    </a:srgbClr>
+                  </a:outerShdw>
+                </a:effectLst>
               </a:rPr>
-              <a:t>大会のコース上にはいくつかのオブジェが置いて</a:t>
-            </a:r>
-            <a:r>
-              <a:rPr lang="ja-JP" altLang="en-US" sz="1050" dirty="0" smtClean="0">
-                <a:latin typeface="+mn-ea"/>
+              <a:t>3</a:t>
+            </a:r>
+            <a:endParaRPr lang="ja-JP" altLang="en-US" sz="1800" b="1" cap="none" spc="0" dirty="0">
+              <a:ln w="12700">
+                <a:solidFill>
+                  <a:schemeClr val="tx2">
+                    <a:satMod val="155000"/>
+                  </a:schemeClr>
+                </a:solidFill>
+                <a:prstDash val="solid"/>
+              </a:ln>
+              <a:solidFill>
+                <a:schemeClr val="bg2">
+                  <a:tint val="85000"/>
+                  <a:satMod val="155000"/>
+                </a:schemeClr>
+              </a:solidFill>
+              <a:effectLst>
+                <a:outerShdw blurRad="41275" dist="20320" dir="1800000" algn="tl" rotWithShape="0">
+                  <a:srgbClr val="000000">
+                    <a:alpha val="40000"/>
+                  </a:srgbClr>
+                </a:outerShdw>
+              </a:effectLst>
+            </a:endParaRPr>
+          </a:p>
+        </p:txBody>
+      </p:sp>
+      <p:sp>
+        <p:nvSpPr>
+          <p:cNvPr id="72" name="正方形/長方形 71"/>
+          <p:cNvSpPr/>
+          <p:nvPr/>
+        </p:nvSpPr>
+        <p:spPr>
+          <a:xfrm>
+            <a:off x="10522881" y="3495164"/>
+            <a:ext cx="301686" cy="369332"/>
+          </a:xfrm>
+          <a:prstGeom prst="rect">
+            <a:avLst/>
+          </a:prstGeom>
+          <a:noFill/>
+        </p:spPr>
+        <p:txBody>
+          <a:bodyPr wrap="none" lIns="91440" tIns="45720" rIns="91440" bIns="45720">
+            <a:spAutoFit/>
+          </a:bodyPr>
+          <a:lstStyle/>
+          <a:p>
+            <a:pPr algn="ctr"/>
+            <a:r>
+              <a:rPr lang="en-US" altLang="ja-JP" sz="1800" b="1" dirty="0" smtClean="0">
+                <a:ln w="12700">
+                  <a:solidFill>
+                    <a:schemeClr val="tx2">
+                      <a:satMod val="155000"/>
+                    </a:schemeClr>
+                  </a:solidFill>
+                  <a:prstDash val="solid"/>
+                </a:ln>
+                <a:solidFill>
+                  <a:schemeClr val="bg2">
+                    <a:tint val="85000"/>
+                    <a:satMod val="155000"/>
+                  </a:schemeClr>
+                </a:solidFill>
+                <a:effectLst>
+                  <a:outerShdw blurRad="41275" dist="20320" dir="1800000" algn="tl" rotWithShape="0">
+                    <a:srgbClr val="000000">
+                      <a:alpha val="40000"/>
+                    </a:srgbClr>
+                  </a:outerShdw>
+                </a:effectLst>
               </a:rPr>
-              <a:t>あり</a:t>
-            </a:r>
-            <a:r>
-              <a:rPr lang="en-US" altLang="ja-JP" sz="1050" dirty="0">
-                <a:latin typeface="+mn-ea"/>
+              <a:t>4</a:t>
+            </a:r>
+            <a:endParaRPr lang="ja-JP" altLang="en-US" sz="1800" b="1" cap="none" spc="0" dirty="0">
+              <a:ln w="12700">
+                <a:solidFill>
+                  <a:schemeClr val="tx2">
+                    <a:satMod val="155000"/>
+                  </a:schemeClr>
+                </a:solidFill>
+                <a:prstDash val="solid"/>
+              </a:ln>
+              <a:solidFill>
+                <a:schemeClr val="bg2">
+                  <a:tint val="85000"/>
+                  <a:satMod val="155000"/>
+                </a:schemeClr>
+              </a:solidFill>
+              <a:effectLst>
+                <a:outerShdw blurRad="41275" dist="20320" dir="1800000" algn="tl" rotWithShape="0">
+                  <a:srgbClr val="000000">
+                    <a:alpha val="40000"/>
+                  </a:srgbClr>
+                </a:outerShdw>
+              </a:effectLst>
+            </a:endParaRPr>
+          </a:p>
+        </p:txBody>
+      </p:sp>
+      <p:sp>
+        <p:nvSpPr>
+          <p:cNvPr id="79" name="正方形/長方形 78"/>
+          <p:cNvSpPr/>
+          <p:nvPr/>
+        </p:nvSpPr>
+        <p:spPr>
+          <a:xfrm>
+            <a:off x="12265047" y="4717402"/>
+            <a:ext cx="301686" cy="369332"/>
+          </a:xfrm>
+          <a:prstGeom prst="rect">
+            <a:avLst/>
+          </a:prstGeom>
+          <a:noFill/>
+        </p:spPr>
+        <p:txBody>
+          <a:bodyPr wrap="none" lIns="91440" tIns="45720" rIns="91440" bIns="45720">
+            <a:spAutoFit/>
+          </a:bodyPr>
+          <a:lstStyle/>
+          <a:p>
+            <a:pPr algn="ctr"/>
+            <a:r>
+              <a:rPr lang="en-US" altLang="ja-JP" sz="1800" b="1" dirty="0" smtClean="0">
+                <a:ln w="12700">
+                  <a:solidFill>
+                    <a:schemeClr val="tx2">
+                      <a:satMod val="155000"/>
+                    </a:schemeClr>
+                  </a:solidFill>
+                  <a:prstDash val="solid"/>
+                </a:ln>
+                <a:solidFill>
+                  <a:schemeClr val="bg2">
+                    <a:tint val="85000"/>
+                    <a:satMod val="155000"/>
+                  </a:schemeClr>
+                </a:solidFill>
+                <a:effectLst>
+                  <a:outerShdw blurRad="41275" dist="20320" dir="1800000" algn="tl" rotWithShape="0">
+                    <a:srgbClr val="000000">
+                      <a:alpha val="40000"/>
+                    </a:srgbClr>
+                  </a:outerShdw>
+                </a:effectLst>
               </a:rPr>
-              <a:t>,</a:t>
-            </a:r>
-            <a:r>
-              <a:rPr lang="ja-JP" altLang="en-US" sz="1050" dirty="0" smtClean="0">
-                <a:latin typeface="+mn-ea"/>
+              <a:t>4</a:t>
+            </a:r>
+            <a:endParaRPr lang="ja-JP" altLang="en-US" sz="1800" b="1" cap="none" spc="0" dirty="0">
+              <a:ln w="12700">
+                <a:solidFill>
+                  <a:schemeClr val="tx2">
+                    <a:satMod val="155000"/>
+                  </a:schemeClr>
+                </a:solidFill>
+                <a:prstDash val="solid"/>
+              </a:ln>
+              <a:solidFill>
+                <a:schemeClr val="bg2">
+                  <a:tint val="85000"/>
+                  <a:satMod val="155000"/>
+                </a:schemeClr>
+              </a:solidFill>
+              <a:effectLst>
+                <a:outerShdw blurRad="41275" dist="20320" dir="1800000" algn="tl" rotWithShape="0">
+                  <a:srgbClr val="000000">
+                    <a:alpha val="40000"/>
+                  </a:srgbClr>
+                </a:outerShdw>
+              </a:effectLst>
+            </a:endParaRPr>
+          </a:p>
+        </p:txBody>
+      </p:sp>
+      <p:sp>
+        <p:nvSpPr>
+          <p:cNvPr id="80" name="正方形/長方形 79"/>
+          <p:cNvSpPr/>
+          <p:nvPr/>
+        </p:nvSpPr>
+        <p:spPr>
+          <a:xfrm>
+            <a:off x="1011413" y="6591508"/>
+            <a:ext cx="308098" cy="369332"/>
+          </a:xfrm>
+          <a:prstGeom prst="rect">
+            <a:avLst/>
+          </a:prstGeom>
+          <a:noFill/>
+        </p:spPr>
+        <p:txBody>
+          <a:bodyPr wrap="none" lIns="91440" tIns="45720" rIns="91440" bIns="45720">
+            <a:spAutoFit/>
+          </a:bodyPr>
+          <a:lstStyle/>
+          <a:p>
+            <a:pPr algn="ctr"/>
+            <a:r>
+              <a:rPr lang="en-US" altLang="ja-JP" sz="1800" b="1" dirty="0" smtClean="0">
+                <a:ln w="12700">
+                  <a:solidFill>
+                    <a:schemeClr val="tx2">
+                      <a:satMod val="155000"/>
+                    </a:schemeClr>
+                  </a:solidFill>
+                  <a:prstDash val="solid"/>
+                </a:ln>
+                <a:solidFill>
+                  <a:schemeClr val="bg2">
+                    <a:tint val="85000"/>
+                    <a:satMod val="155000"/>
+                  </a:schemeClr>
+                </a:solidFill>
+                <a:effectLst>
+                  <a:outerShdw blurRad="41275" dist="20320" dir="1800000" algn="tl" rotWithShape="0">
+                    <a:srgbClr val="000000">
+                      <a:alpha val="40000"/>
+                    </a:srgbClr>
+                  </a:outerShdw>
+                </a:effectLst>
               </a:rPr>
-              <a:t>それら</a:t>
-            </a:r>
-            <a:r>
-              <a:rPr lang="ja-JP" altLang="en-US" sz="1050" dirty="0">
-                <a:latin typeface="+mn-ea"/>
+              <a:t>1</a:t>
+            </a:r>
+            <a:endParaRPr lang="ja-JP" altLang="en-US" sz="1800" b="1" dirty="0">
+              <a:ln w="12700">
+                <a:solidFill>
+                  <a:schemeClr val="tx2">
+                    <a:satMod val="155000"/>
+                  </a:schemeClr>
+                </a:solidFill>
+                <a:prstDash val="solid"/>
+              </a:ln>
+              <a:solidFill>
+                <a:schemeClr val="bg2">
+                  <a:tint val="85000"/>
+                  <a:satMod val="155000"/>
+                </a:schemeClr>
+              </a:solidFill>
+              <a:effectLst>
+                <a:outerShdw blurRad="41275" dist="20320" dir="1800000" algn="tl" rotWithShape="0">
+                  <a:srgbClr val="000000">
+                    <a:alpha val="40000"/>
+                  </a:srgbClr>
+                </a:outerShdw>
+              </a:effectLst>
+            </a:endParaRPr>
+          </a:p>
+        </p:txBody>
+      </p:sp>
+      <p:sp>
+        <p:nvSpPr>
+          <p:cNvPr id="81" name="正方形/長方形 80"/>
+          <p:cNvSpPr/>
+          <p:nvPr/>
+        </p:nvSpPr>
+        <p:spPr>
+          <a:xfrm>
+            <a:off x="4755829" y="7968952"/>
+            <a:ext cx="308098" cy="369332"/>
+          </a:xfrm>
+          <a:prstGeom prst="rect">
+            <a:avLst/>
+          </a:prstGeom>
+          <a:noFill/>
+        </p:spPr>
+        <p:txBody>
+          <a:bodyPr wrap="none" lIns="91440" tIns="45720" rIns="91440" bIns="45720">
+            <a:spAutoFit/>
+          </a:bodyPr>
+          <a:lstStyle/>
+          <a:p>
+            <a:pPr algn="ctr"/>
+            <a:r>
+              <a:rPr lang="en-US" altLang="ja-JP" sz="1800" b="1" dirty="0" smtClean="0">
+                <a:ln w="12700">
+                  <a:solidFill>
+                    <a:schemeClr val="tx2">
+                      <a:satMod val="155000"/>
+                    </a:schemeClr>
+                  </a:solidFill>
+                  <a:prstDash val="solid"/>
+                </a:ln>
+                <a:solidFill>
+                  <a:schemeClr val="bg2">
+                    <a:tint val="85000"/>
+                    <a:satMod val="155000"/>
+                  </a:schemeClr>
+                </a:solidFill>
+                <a:effectLst>
+                  <a:outerShdw blurRad="41275" dist="20320" dir="1800000" algn="tl" rotWithShape="0">
+                    <a:srgbClr val="000000">
+                      <a:alpha val="40000"/>
+                    </a:srgbClr>
+                  </a:outerShdw>
+                </a:effectLst>
               </a:rPr>
-              <a:t>を誤って検知する可能性が</a:t>
-            </a:r>
-            <a:r>
-              <a:rPr lang="ja-JP" altLang="en-US" sz="1050" dirty="0" smtClean="0">
-                <a:latin typeface="+mn-ea"/>
+              <a:t>1</a:t>
+            </a:r>
+            <a:endParaRPr lang="ja-JP" altLang="en-US" sz="1800" b="1" dirty="0">
+              <a:ln w="12700">
+                <a:solidFill>
+                  <a:schemeClr val="tx2">
+                    <a:satMod val="155000"/>
+                  </a:schemeClr>
+                </a:solidFill>
+                <a:prstDash val="solid"/>
+              </a:ln>
+              <a:solidFill>
+                <a:schemeClr val="bg2">
+                  <a:tint val="85000"/>
+                  <a:satMod val="155000"/>
+                </a:schemeClr>
+              </a:solidFill>
+              <a:effectLst>
+                <a:outerShdw blurRad="41275" dist="20320" dir="1800000" algn="tl" rotWithShape="0">
+                  <a:srgbClr val="000000">
+                    <a:alpha val="40000"/>
+                  </a:srgbClr>
+                </a:outerShdw>
+              </a:effectLst>
+            </a:endParaRPr>
+          </a:p>
+        </p:txBody>
+      </p:sp>
+      <p:sp>
+        <p:nvSpPr>
+          <p:cNvPr id="82" name="正方形/長方形 81"/>
+          <p:cNvSpPr/>
+          <p:nvPr/>
+        </p:nvSpPr>
+        <p:spPr>
+          <a:xfrm>
+            <a:off x="2104773" y="6591508"/>
+            <a:ext cx="301686" cy="369332"/>
+          </a:xfrm>
+          <a:prstGeom prst="rect">
+            <a:avLst/>
+          </a:prstGeom>
+          <a:noFill/>
+        </p:spPr>
+        <p:txBody>
+          <a:bodyPr wrap="none" lIns="91440" tIns="45720" rIns="91440" bIns="45720">
+            <a:spAutoFit/>
+          </a:bodyPr>
+          <a:lstStyle/>
+          <a:p>
+            <a:pPr algn="ctr"/>
+            <a:r>
+              <a:rPr lang="en-US" altLang="ja-JP" sz="1800" b="1" dirty="0" smtClean="0">
+                <a:ln w="12700">
+                  <a:solidFill>
+                    <a:schemeClr val="tx2">
+                      <a:satMod val="155000"/>
+                    </a:schemeClr>
+                  </a:solidFill>
+                  <a:prstDash val="solid"/>
+                </a:ln>
+                <a:solidFill>
+                  <a:schemeClr val="bg2">
+                    <a:tint val="85000"/>
+                    <a:satMod val="155000"/>
+                  </a:schemeClr>
+                </a:solidFill>
+                <a:effectLst>
+                  <a:outerShdw blurRad="41275" dist="20320" dir="1800000" algn="tl" rotWithShape="0">
+                    <a:srgbClr val="000000">
+                      <a:alpha val="40000"/>
+                    </a:srgbClr>
+                  </a:outerShdw>
+                </a:effectLst>
               </a:rPr>
-              <a:t>ある</a:t>
-            </a:r>
-            <a:r>
-              <a:rPr lang="en-US" altLang="ja-JP" sz="1050" dirty="0" smtClean="0">
-                <a:latin typeface="+mn-ea"/>
+              <a:t>2</a:t>
+            </a:r>
+            <a:endParaRPr lang="ja-JP" altLang="en-US" sz="1800" b="1" dirty="0">
+              <a:ln w="12700">
+                <a:solidFill>
+                  <a:schemeClr val="tx2">
+                    <a:satMod val="155000"/>
+                  </a:schemeClr>
+                </a:solidFill>
+                <a:prstDash val="solid"/>
+              </a:ln>
+              <a:solidFill>
+                <a:schemeClr val="bg2">
+                  <a:tint val="85000"/>
+                  <a:satMod val="155000"/>
+                </a:schemeClr>
+              </a:solidFill>
+              <a:effectLst>
+                <a:outerShdw blurRad="41275" dist="20320" dir="1800000" algn="tl" rotWithShape="0">
+                  <a:srgbClr val="000000">
+                    <a:alpha val="40000"/>
+                  </a:srgbClr>
+                </a:outerShdw>
+              </a:effectLst>
+            </a:endParaRPr>
+          </a:p>
+        </p:txBody>
+      </p:sp>
+      <p:sp>
+        <p:nvSpPr>
+          <p:cNvPr id="83" name="正方形/長方形 82"/>
+          <p:cNvSpPr/>
+          <p:nvPr/>
+        </p:nvSpPr>
+        <p:spPr>
+          <a:xfrm>
+            <a:off x="5711999" y="7599620"/>
+            <a:ext cx="301686" cy="369332"/>
+          </a:xfrm>
+          <a:prstGeom prst="rect">
+            <a:avLst/>
+          </a:prstGeom>
+          <a:noFill/>
+        </p:spPr>
+        <p:txBody>
+          <a:bodyPr wrap="none" lIns="91440" tIns="45720" rIns="91440" bIns="45720">
+            <a:spAutoFit/>
+          </a:bodyPr>
+          <a:lstStyle/>
+          <a:p>
+            <a:pPr algn="ctr"/>
+            <a:r>
+              <a:rPr lang="en-US" altLang="ja-JP" sz="1800" b="1" dirty="0" smtClean="0">
+                <a:ln w="12700">
+                  <a:solidFill>
+                    <a:schemeClr val="tx2">
+                      <a:satMod val="155000"/>
+                    </a:schemeClr>
+                  </a:solidFill>
+                  <a:prstDash val="solid"/>
+                </a:ln>
+                <a:solidFill>
+                  <a:schemeClr val="bg2">
+                    <a:tint val="85000"/>
+                    <a:satMod val="155000"/>
+                  </a:schemeClr>
+                </a:solidFill>
+                <a:effectLst>
+                  <a:outerShdw blurRad="41275" dist="20320" dir="1800000" algn="tl" rotWithShape="0">
+                    <a:srgbClr val="000000">
+                      <a:alpha val="40000"/>
+                    </a:srgbClr>
+                  </a:outerShdw>
+                </a:effectLst>
               </a:rPr>
-              <a:t>.</a:t>
-            </a:r>
-            <a:r>
-              <a:rPr lang="ja-JP" altLang="en-US" sz="1050" dirty="0" smtClean="0">
-                <a:latin typeface="+mn-ea"/>
+              <a:t>2</a:t>
+            </a:r>
+            <a:endParaRPr lang="ja-JP" altLang="en-US" sz="1800" b="1" dirty="0">
+              <a:ln w="12700">
+                <a:solidFill>
+                  <a:schemeClr val="tx2">
+                    <a:satMod val="155000"/>
+                  </a:schemeClr>
+                </a:solidFill>
+                <a:prstDash val="solid"/>
+              </a:ln>
+              <a:solidFill>
+                <a:schemeClr val="bg2">
+                  <a:tint val="85000"/>
+                  <a:satMod val="155000"/>
+                </a:schemeClr>
+              </a:solidFill>
+              <a:effectLst>
+                <a:outerShdw blurRad="41275" dist="20320" dir="1800000" algn="tl" rotWithShape="0">
+                  <a:srgbClr val="000000">
+                    <a:alpha val="40000"/>
+                  </a:srgbClr>
+                </a:outerShdw>
+              </a:effectLst>
+            </a:endParaRPr>
+          </a:p>
+        </p:txBody>
+      </p:sp>
+      <p:sp>
+        <p:nvSpPr>
+          <p:cNvPr id="84" name="正方形/長方形 83"/>
+          <p:cNvSpPr/>
+          <p:nvPr/>
+        </p:nvSpPr>
+        <p:spPr>
+          <a:xfrm>
+            <a:off x="3724698" y="6567222"/>
+            <a:ext cx="301686" cy="369332"/>
+          </a:xfrm>
+          <a:prstGeom prst="rect">
+            <a:avLst/>
+          </a:prstGeom>
+          <a:noFill/>
+        </p:spPr>
+        <p:txBody>
+          <a:bodyPr wrap="none" lIns="91440" tIns="45720" rIns="91440" bIns="45720">
+            <a:spAutoFit/>
+          </a:bodyPr>
+          <a:lstStyle/>
+          <a:p>
+            <a:pPr algn="ctr"/>
+            <a:r>
+              <a:rPr lang="en-US" altLang="ja-JP" sz="1800" b="1" dirty="0" smtClean="0">
+                <a:ln w="12700">
+                  <a:solidFill>
+                    <a:schemeClr val="tx2">
+                      <a:satMod val="155000"/>
+                    </a:schemeClr>
+                  </a:solidFill>
+                  <a:prstDash val="solid"/>
+                </a:ln>
+                <a:solidFill>
+                  <a:schemeClr val="bg2">
+                    <a:tint val="85000"/>
+                    <a:satMod val="155000"/>
+                  </a:schemeClr>
+                </a:solidFill>
+                <a:effectLst>
+                  <a:outerShdw blurRad="41275" dist="20320" dir="1800000" algn="tl" rotWithShape="0">
+                    <a:srgbClr val="000000">
+                      <a:alpha val="40000"/>
+                    </a:srgbClr>
+                  </a:outerShdw>
+                </a:effectLst>
               </a:rPr>
-              <a:t>そこでライン上</a:t>
-            </a:r>
-            <a:r>
-              <a:rPr lang="ja-JP" altLang="en-US" sz="1050" dirty="0">
-                <a:latin typeface="+mn-ea"/>
+              <a:t>3</a:t>
+            </a:r>
+            <a:endParaRPr lang="ja-JP" altLang="en-US" sz="1800" b="1" dirty="0">
+              <a:ln w="12700">
+                <a:solidFill>
+                  <a:schemeClr val="tx2">
+                    <a:satMod val="155000"/>
+                  </a:schemeClr>
+                </a:solidFill>
+                <a:prstDash val="solid"/>
+              </a:ln>
+              <a:solidFill>
+                <a:schemeClr val="bg2">
+                  <a:tint val="85000"/>
+                  <a:satMod val="155000"/>
+                </a:schemeClr>
+              </a:solidFill>
+              <a:effectLst>
+                <a:outerShdw blurRad="41275" dist="20320" dir="1800000" algn="tl" rotWithShape="0">
+                  <a:srgbClr val="000000">
+                    <a:alpha val="40000"/>
+                  </a:srgbClr>
+                </a:outerShdw>
+              </a:effectLst>
+            </a:endParaRPr>
+          </a:p>
+        </p:txBody>
+      </p:sp>
+      <p:sp>
+        <p:nvSpPr>
+          <p:cNvPr id="85" name="正方形/長方形 84"/>
+          <p:cNvSpPr/>
+          <p:nvPr/>
+        </p:nvSpPr>
+        <p:spPr>
+          <a:xfrm>
+            <a:off x="5914369" y="8679740"/>
+            <a:ext cx="301686" cy="369332"/>
+          </a:xfrm>
+          <a:prstGeom prst="rect">
+            <a:avLst/>
+          </a:prstGeom>
+          <a:noFill/>
+        </p:spPr>
+        <p:txBody>
+          <a:bodyPr wrap="none" lIns="91440" tIns="45720" rIns="91440" bIns="45720">
+            <a:spAutoFit/>
+          </a:bodyPr>
+          <a:lstStyle/>
+          <a:p>
+            <a:pPr algn="ctr"/>
+            <a:r>
+              <a:rPr lang="en-US" altLang="ja-JP" sz="1800" b="1" dirty="0">
+                <a:ln w="12700">
+                  <a:solidFill>
+                    <a:schemeClr val="tx2">
+                      <a:satMod val="155000"/>
+                    </a:schemeClr>
+                  </a:solidFill>
+                  <a:prstDash val="solid"/>
+                </a:ln>
+                <a:solidFill>
+                  <a:schemeClr val="bg2">
+                    <a:tint val="85000"/>
+                    <a:satMod val="155000"/>
+                  </a:schemeClr>
+                </a:solidFill>
+                <a:effectLst>
+                  <a:outerShdw blurRad="41275" dist="20320" dir="1800000" algn="tl" rotWithShape="0">
+                    <a:srgbClr val="000000">
+                      <a:alpha val="40000"/>
+                    </a:srgbClr>
+                  </a:outerShdw>
+                </a:effectLst>
               </a:rPr>
-              <a:t>かつペットボトルに最も近い位置で</a:t>
-            </a:r>
-            <a:r>
-              <a:rPr lang="ja-JP" altLang="en-US" sz="1050" dirty="0" smtClean="0">
-                <a:latin typeface="+mn-ea"/>
+              <a:t>3</a:t>
+            </a:r>
+            <a:endParaRPr lang="ja-JP" altLang="en-US" sz="1800" b="1" dirty="0">
+              <a:ln w="12700">
+                <a:solidFill>
+                  <a:schemeClr val="tx2">
+                    <a:satMod val="155000"/>
+                  </a:schemeClr>
+                </a:solidFill>
+                <a:prstDash val="solid"/>
+              </a:ln>
+              <a:solidFill>
+                <a:schemeClr val="bg2">
+                  <a:tint val="85000"/>
+                  <a:satMod val="155000"/>
+                </a:schemeClr>
+              </a:solidFill>
+              <a:effectLst>
+                <a:outerShdw blurRad="41275" dist="20320" dir="1800000" algn="tl" rotWithShape="0">
+                  <a:srgbClr val="000000">
+                    <a:alpha val="40000"/>
+                  </a:srgbClr>
+                </a:outerShdw>
+              </a:effectLst>
+            </a:endParaRPr>
+          </a:p>
+        </p:txBody>
+      </p:sp>
+      <p:sp>
+        <p:nvSpPr>
+          <p:cNvPr id="86" name="正方形/長方形 85"/>
+          <p:cNvSpPr/>
+          <p:nvPr/>
+        </p:nvSpPr>
+        <p:spPr>
+          <a:xfrm>
+            <a:off x="8880351" y="6456784"/>
+            <a:ext cx="301686" cy="369332"/>
+          </a:xfrm>
+          <a:prstGeom prst="rect">
+            <a:avLst/>
+          </a:prstGeom>
+          <a:noFill/>
+        </p:spPr>
+        <p:txBody>
+          <a:bodyPr wrap="none" lIns="91440" tIns="45720" rIns="91440" bIns="45720">
+            <a:spAutoFit/>
+          </a:bodyPr>
+          <a:lstStyle/>
+          <a:p>
+            <a:pPr algn="ctr"/>
+            <a:r>
+              <a:rPr lang="en-US" altLang="ja-JP" sz="1800" b="1" dirty="0">
+                <a:ln w="12700">
+                  <a:solidFill>
+                    <a:schemeClr val="tx2">
+                      <a:satMod val="155000"/>
+                    </a:schemeClr>
+                  </a:solidFill>
+                  <a:prstDash val="solid"/>
+                </a:ln>
+                <a:solidFill>
+                  <a:schemeClr val="bg2">
+                    <a:tint val="85000"/>
+                    <a:satMod val="155000"/>
+                  </a:schemeClr>
+                </a:solidFill>
+                <a:effectLst>
+                  <a:outerShdw blurRad="41275" dist="20320" dir="1800000" algn="tl" rotWithShape="0">
+                    <a:srgbClr val="000000">
+                      <a:alpha val="40000"/>
+                    </a:srgbClr>
+                  </a:outerShdw>
+                </a:effectLst>
               </a:rPr>
-              <a:t>停止</a:t>
-            </a:r>
-            <a:r>
-              <a:rPr lang="en-US" altLang="ja-JP" sz="1050" dirty="0" smtClean="0">
-                <a:latin typeface="+mn-ea"/>
+              <a:t>1</a:t>
+            </a:r>
+            <a:endParaRPr lang="ja-JP" altLang="en-US" sz="1800" b="1" dirty="0">
+              <a:ln w="12700">
+                <a:solidFill>
+                  <a:schemeClr val="tx2">
+                    <a:satMod val="155000"/>
+                  </a:schemeClr>
+                </a:solidFill>
+                <a:prstDash val="solid"/>
+              </a:ln>
+              <a:solidFill>
+                <a:schemeClr val="bg2">
+                  <a:tint val="85000"/>
+                  <a:satMod val="155000"/>
+                </a:schemeClr>
+              </a:solidFill>
+              <a:effectLst>
+                <a:outerShdw blurRad="41275" dist="20320" dir="1800000" algn="tl" rotWithShape="0">
+                  <a:srgbClr val="000000">
+                    <a:alpha val="40000"/>
+                  </a:srgbClr>
+                </a:outerShdw>
+              </a:effectLst>
+            </a:endParaRPr>
+          </a:p>
+        </p:txBody>
+      </p:sp>
+      <p:sp>
+        <p:nvSpPr>
+          <p:cNvPr id="87" name="正方形/長方形 86"/>
+          <p:cNvSpPr/>
+          <p:nvPr/>
+        </p:nvSpPr>
+        <p:spPr>
+          <a:xfrm>
+            <a:off x="10752559" y="7968952"/>
+            <a:ext cx="301686" cy="369332"/>
+          </a:xfrm>
+          <a:prstGeom prst="rect">
+            <a:avLst/>
+          </a:prstGeom>
+          <a:noFill/>
+        </p:spPr>
+        <p:txBody>
+          <a:bodyPr wrap="none" lIns="91440" tIns="45720" rIns="91440" bIns="45720">
+            <a:spAutoFit/>
+          </a:bodyPr>
+          <a:lstStyle/>
+          <a:p>
+            <a:pPr algn="ctr"/>
+            <a:r>
+              <a:rPr lang="en-US" altLang="ja-JP" sz="1800" b="1" dirty="0">
+                <a:ln w="12700">
+                  <a:solidFill>
+                    <a:schemeClr val="tx2">
+                      <a:satMod val="155000"/>
+                    </a:schemeClr>
+                  </a:solidFill>
+                  <a:prstDash val="solid"/>
+                </a:ln>
+                <a:solidFill>
+                  <a:schemeClr val="bg2">
+                    <a:tint val="85000"/>
+                    <a:satMod val="155000"/>
+                  </a:schemeClr>
+                </a:solidFill>
+                <a:effectLst>
+                  <a:outerShdw blurRad="41275" dist="20320" dir="1800000" algn="tl" rotWithShape="0">
+                    <a:srgbClr val="000000">
+                      <a:alpha val="40000"/>
+                    </a:srgbClr>
+                  </a:outerShdw>
+                </a:effectLst>
               </a:rPr>
-              <a:t>,</a:t>
-            </a:r>
-            <a:r>
-              <a:rPr lang="ja-JP" altLang="en-US" sz="1050" dirty="0" smtClean="0">
-                <a:latin typeface="+mn-ea"/>
+              <a:t>1</a:t>
+            </a:r>
+            <a:endParaRPr lang="ja-JP" altLang="en-US" sz="1800" b="1" dirty="0">
+              <a:ln w="12700">
+                <a:solidFill>
+                  <a:schemeClr val="tx2">
+                    <a:satMod val="155000"/>
+                  </a:schemeClr>
+                </a:solidFill>
+                <a:prstDash val="solid"/>
+              </a:ln>
+              <a:solidFill>
+                <a:schemeClr val="bg2">
+                  <a:tint val="85000"/>
+                  <a:satMod val="155000"/>
+                </a:schemeClr>
+              </a:solidFill>
+              <a:effectLst>
+                <a:outerShdw blurRad="41275" dist="20320" dir="1800000" algn="tl" rotWithShape="0">
+                  <a:srgbClr val="000000">
+                    <a:alpha val="40000"/>
+                  </a:srgbClr>
+                </a:outerShdw>
+              </a:effectLst>
+            </a:endParaRPr>
+          </a:p>
+        </p:txBody>
+      </p:sp>
+      <p:sp>
+        <p:nvSpPr>
+          <p:cNvPr id="88" name="正方形/長方形 87"/>
+          <p:cNvSpPr/>
+          <p:nvPr/>
+        </p:nvSpPr>
+        <p:spPr>
+          <a:xfrm>
+            <a:off x="8363564" y="7197082"/>
+            <a:ext cx="301686" cy="369332"/>
+          </a:xfrm>
+          <a:prstGeom prst="rect">
+            <a:avLst/>
+          </a:prstGeom>
+          <a:noFill/>
+        </p:spPr>
+        <p:txBody>
+          <a:bodyPr wrap="none" lIns="91440" tIns="45720" rIns="91440" bIns="45720">
+            <a:spAutoFit/>
+          </a:bodyPr>
+          <a:lstStyle/>
+          <a:p>
+            <a:pPr algn="ctr"/>
+            <a:r>
+              <a:rPr lang="en-US" altLang="ja-JP" sz="1800" b="1" dirty="0" smtClean="0">
+                <a:ln w="12700">
+                  <a:solidFill>
+                    <a:schemeClr val="tx2">
+                      <a:satMod val="155000"/>
+                    </a:schemeClr>
+                  </a:solidFill>
+                  <a:prstDash val="solid"/>
+                </a:ln>
+                <a:solidFill>
+                  <a:schemeClr val="bg2">
+                    <a:tint val="85000"/>
+                    <a:satMod val="155000"/>
+                  </a:schemeClr>
+                </a:solidFill>
+                <a:effectLst>
+                  <a:outerShdw blurRad="41275" dist="20320" dir="1800000" algn="tl" rotWithShape="0">
+                    <a:srgbClr val="000000">
+                      <a:alpha val="40000"/>
+                    </a:srgbClr>
+                  </a:outerShdw>
+                </a:effectLst>
               </a:rPr>
-              <a:t>転回し検知</a:t>
-            </a:r>
-            <a:r>
-              <a:rPr lang="ja-JP" altLang="en-US" sz="1050" dirty="0">
-                <a:latin typeface="+mn-ea"/>
+              <a:t>2</a:t>
+            </a:r>
+            <a:endParaRPr lang="ja-JP" altLang="en-US" sz="1800" b="1" dirty="0">
+              <a:ln w="12700">
+                <a:solidFill>
+                  <a:schemeClr val="tx2">
+                    <a:satMod val="155000"/>
+                  </a:schemeClr>
+                </a:solidFill>
+                <a:prstDash val="solid"/>
+              </a:ln>
+              <a:solidFill>
+                <a:schemeClr val="bg2">
+                  <a:tint val="85000"/>
+                  <a:satMod val="155000"/>
+                </a:schemeClr>
+              </a:solidFill>
+              <a:effectLst>
+                <a:outerShdw blurRad="41275" dist="20320" dir="1800000" algn="tl" rotWithShape="0">
+                  <a:srgbClr val="000000">
+                    <a:alpha val="40000"/>
+                  </a:srgbClr>
+                </a:outerShdw>
+              </a:effectLst>
+            </a:endParaRPr>
+          </a:p>
+        </p:txBody>
+      </p:sp>
+      <p:sp>
+        <p:nvSpPr>
+          <p:cNvPr id="89" name="正方形/長方形 88"/>
+          <p:cNvSpPr/>
+          <p:nvPr/>
+        </p:nvSpPr>
+        <p:spPr>
+          <a:xfrm>
+            <a:off x="9573123" y="7213994"/>
+            <a:ext cx="301686" cy="369332"/>
+          </a:xfrm>
+          <a:prstGeom prst="rect">
+            <a:avLst/>
+          </a:prstGeom>
+          <a:noFill/>
+        </p:spPr>
+        <p:txBody>
+          <a:bodyPr wrap="none" lIns="91440" tIns="45720" rIns="91440" bIns="45720">
+            <a:spAutoFit/>
+          </a:bodyPr>
+          <a:lstStyle/>
+          <a:p>
+            <a:pPr algn="ctr"/>
+            <a:r>
+              <a:rPr lang="en-US" altLang="ja-JP" sz="1800" b="1" dirty="0" smtClean="0">
+                <a:ln w="12700">
+                  <a:solidFill>
+                    <a:schemeClr val="tx2">
+                      <a:satMod val="155000"/>
+                    </a:schemeClr>
+                  </a:solidFill>
+                  <a:prstDash val="solid"/>
+                </a:ln>
+                <a:solidFill>
+                  <a:schemeClr val="bg2">
+                    <a:tint val="85000"/>
+                    <a:satMod val="155000"/>
+                  </a:schemeClr>
+                </a:solidFill>
+                <a:effectLst>
+                  <a:outerShdw blurRad="41275" dist="20320" dir="1800000" algn="tl" rotWithShape="0">
+                    <a:srgbClr val="000000">
+                      <a:alpha val="40000"/>
+                    </a:srgbClr>
+                  </a:outerShdw>
+                </a:effectLst>
               </a:rPr>
-              <a:t>を行うことで誤検知防止を</a:t>
-            </a:r>
-            <a:r>
-              <a:rPr lang="ja-JP" altLang="en-US" sz="1050" dirty="0" smtClean="0">
-                <a:latin typeface="+mn-ea"/>
+              <a:t>2</a:t>
+            </a:r>
+            <a:endParaRPr lang="ja-JP" altLang="en-US" sz="1800" b="1" dirty="0">
+              <a:ln w="12700">
+                <a:solidFill>
+                  <a:schemeClr val="tx2">
+                    <a:satMod val="155000"/>
+                  </a:schemeClr>
+                </a:solidFill>
+                <a:prstDash val="solid"/>
+              </a:ln>
+              <a:solidFill>
+                <a:schemeClr val="bg2">
+                  <a:tint val="85000"/>
+                  <a:satMod val="155000"/>
+                </a:schemeClr>
+              </a:solidFill>
+              <a:effectLst>
+                <a:outerShdw blurRad="41275" dist="20320" dir="1800000" algn="tl" rotWithShape="0">
+                  <a:srgbClr val="000000">
+                    <a:alpha val="40000"/>
+                  </a:srgbClr>
+                </a:outerShdw>
+              </a:effectLst>
+            </a:endParaRPr>
+          </a:p>
+        </p:txBody>
+      </p:sp>
+      <p:sp>
+        <p:nvSpPr>
+          <p:cNvPr id="90" name="正方形/長方形 89"/>
+          <p:cNvSpPr/>
+          <p:nvPr/>
+        </p:nvSpPr>
+        <p:spPr>
+          <a:xfrm>
+            <a:off x="12048703" y="7534148"/>
+            <a:ext cx="301686" cy="369332"/>
+          </a:xfrm>
+          <a:prstGeom prst="rect">
+            <a:avLst/>
+          </a:prstGeom>
+          <a:noFill/>
+        </p:spPr>
+        <p:txBody>
+          <a:bodyPr wrap="none" lIns="91440" tIns="45720" rIns="91440" bIns="45720">
+            <a:spAutoFit/>
+          </a:bodyPr>
+          <a:lstStyle/>
+          <a:p>
+            <a:pPr algn="ctr"/>
+            <a:r>
+              <a:rPr lang="en-US" altLang="ja-JP" sz="1800" b="1" dirty="0" smtClean="0">
+                <a:ln w="12700">
+                  <a:solidFill>
+                    <a:schemeClr val="tx2">
+                      <a:satMod val="155000"/>
+                    </a:schemeClr>
+                  </a:solidFill>
+                  <a:prstDash val="solid"/>
+                </a:ln>
+                <a:solidFill>
+                  <a:schemeClr val="bg2">
+                    <a:tint val="85000"/>
+                    <a:satMod val="155000"/>
+                  </a:schemeClr>
+                </a:solidFill>
+                <a:effectLst>
+                  <a:outerShdw blurRad="41275" dist="20320" dir="1800000" algn="tl" rotWithShape="0">
+                    <a:srgbClr val="000000">
+                      <a:alpha val="40000"/>
+                    </a:srgbClr>
+                  </a:outerShdw>
+                </a:effectLst>
               </a:rPr>
-              <a:t>実現</a:t>
-            </a:r>
-            <a:r>
-              <a:rPr lang="en-US" altLang="ja-JP" sz="1050" dirty="0">
-                <a:latin typeface="+mn-ea"/>
+              <a:t>2</a:t>
+            </a:r>
+            <a:endParaRPr lang="ja-JP" altLang="en-US" sz="1800" b="1" dirty="0">
+              <a:ln w="12700">
+                <a:solidFill>
+                  <a:schemeClr val="tx2">
+                    <a:satMod val="155000"/>
+                  </a:schemeClr>
+                </a:solidFill>
+                <a:prstDash val="solid"/>
+              </a:ln>
+              <a:solidFill>
+                <a:schemeClr val="bg2">
+                  <a:tint val="85000"/>
+                  <a:satMod val="155000"/>
+                </a:schemeClr>
+              </a:solidFill>
+              <a:effectLst>
+                <a:outerShdw blurRad="41275" dist="20320" dir="1800000" algn="tl" rotWithShape="0">
+                  <a:srgbClr val="000000">
+                    <a:alpha val="40000"/>
+                  </a:srgbClr>
+                </a:outerShdw>
+              </a:effectLst>
+            </a:endParaRPr>
+          </a:p>
+        </p:txBody>
+      </p:sp>
+      <p:sp>
+        <p:nvSpPr>
+          <p:cNvPr id="91" name="正方形/長方形 90"/>
+          <p:cNvSpPr/>
+          <p:nvPr/>
+        </p:nvSpPr>
+        <p:spPr>
+          <a:xfrm>
+            <a:off x="12048703" y="8581020"/>
+            <a:ext cx="301686" cy="369332"/>
+          </a:xfrm>
+          <a:prstGeom prst="rect">
+            <a:avLst/>
+          </a:prstGeom>
+          <a:noFill/>
+        </p:spPr>
+        <p:txBody>
+          <a:bodyPr wrap="none" lIns="91440" tIns="45720" rIns="91440" bIns="45720">
+            <a:spAutoFit/>
+          </a:bodyPr>
+          <a:lstStyle/>
+          <a:p>
+            <a:pPr algn="ctr"/>
+            <a:r>
+              <a:rPr lang="en-US" altLang="ja-JP" sz="1800" b="1" dirty="0" smtClean="0">
+                <a:ln w="12700">
+                  <a:solidFill>
+                    <a:schemeClr val="tx2">
+                      <a:satMod val="155000"/>
+                    </a:schemeClr>
+                  </a:solidFill>
+                  <a:prstDash val="solid"/>
+                </a:ln>
+                <a:solidFill>
+                  <a:schemeClr val="bg2">
+                    <a:tint val="85000"/>
+                    <a:satMod val="155000"/>
+                  </a:schemeClr>
+                </a:solidFill>
+                <a:effectLst>
+                  <a:outerShdw blurRad="41275" dist="20320" dir="1800000" algn="tl" rotWithShape="0">
+                    <a:srgbClr val="000000">
+                      <a:alpha val="40000"/>
+                    </a:srgbClr>
+                  </a:outerShdw>
+                </a:effectLst>
               </a:rPr>
-              <a:t>.</a:t>
-            </a:r>
-            <a:endParaRPr lang="ja-JP" altLang="en-US" sz="1050" dirty="0">
-              <a:latin typeface="+mn-ea"/>
+              <a:t>2</a:t>
+            </a:r>
+            <a:endParaRPr lang="ja-JP" altLang="en-US" sz="1800" b="1" dirty="0">
+              <a:ln w="12700">
+                <a:solidFill>
+                  <a:schemeClr val="tx2">
+                    <a:satMod val="155000"/>
+                  </a:schemeClr>
+                </a:solidFill>
+                <a:prstDash val="solid"/>
+              </a:ln>
+              <a:solidFill>
+                <a:schemeClr val="bg2">
+                  <a:tint val="85000"/>
+                  <a:satMod val="155000"/>
+                </a:schemeClr>
+              </a:solidFill>
+              <a:effectLst>
+                <a:outerShdw blurRad="41275" dist="20320" dir="1800000" algn="tl" rotWithShape="0">
+                  <a:srgbClr val="000000">
+                    <a:alpha val="40000"/>
+                  </a:srgbClr>
+                </a:outerShdw>
+              </a:effectLst>
+            </a:endParaRPr>
+          </a:p>
+        </p:txBody>
+      </p:sp>
+      <p:sp>
+        <p:nvSpPr>
+          <p:cNvPr id="92" name="正方形/長方形 91"/>
+          <p:cNvSpPr/>
+          <p:nvPr/>
+        </p:nvSpPr>
+        <p:spPr>
+          <a:xfrm>
+            <a:off x="1534606" y="3216424"/>
+            <a:ext cx="308098" cy="369332"/>
+          </a:xfrm>
+          <a:prstGeom prst="rect">
+            <a:avLst/>
+          </a:prstGeom>
+          <a:noFill/>
+        </p:spPr>
+        <p:txBody>
+          <a:bodyPr wrap="none" lIns="91440" tIns="45720" rIns="91440" bIns="45720">
+            <a:spAutoFit/>
+          </a:bodyPr>
+          <a:lstStyle/>
+          <a:p>
+            <a:pPr algn="ctr"/>
+            <a:r>
+              <a:rPr lang="en-US" altLang="ja-JP" sz="1800" b="1" dirty="0" smtClean="0">
+                <a:ln w="12700">
+                  <a:solidFill>
+                    <a:schemeClr val="tx2">
+                      <a:satMod val="155000"/>
+                    </a:schemeClr>
+                  </a:solidFill>
+                  <a:prstDash val="solid"/>
+                </a:ln>
+                <a:solidFill>
+                  <a:schemeClr val="bg2">
+                    <a:tint val="85000"/>
+                    <a:satMod val="155000"/>
+                  </a:schemeClr>
+                </a:solidFill>
+                <a:effectLst>
+                  <a:outerShdw blurRad="41275" dist="20320" dir="1800000" algn="tl" rotWithShape="0">
+                    <a:srgbClr val="000000">
+                      <a:alpha val="40000"/>
+                    </a:srgbClr>
+                  </a:outerShdw>
+                </a:effectLst>
+              </a:rPr>
+              <a:t>1</a:t>
+            </a:r>
+            <a:endParaRPr lang="ja-JP" altLang="en-US" sz="1800" b="1" dirty="0">
+              <a:ln w="12700">
+                <a:solidFill>
+                  <a:schemeClr val="tx2">
+                    <a:satMod val="155000"/>
+                  </a:schemeClr>
+                </a:solidFill>
+                <a:prstDash val="solid"/>
+              </a:ln>
+              <a:solidFill>
+                <a:schemeClr val="bg2">
+                  <a:tint val="85000"/>
+                  <a:satMod val="155000"/>
+                </a:schemeClr>
+              </a:solidFill>
+              <a:effectLst>
+                <a:outerShdw blurRad="41275" dist="20320" dir="1800000" algn="tl" rotWithShape="0">
+                  <a:srgbClr val="000000">
+                    <a:alpha val="40000"/>
+                  </a:srgbClr>
+                </a:outerShdw>
+              </a:effectLst>
             </a:endParaRPr>
           </a:p>
         </p:txBody>
@@ -52990,7 +55089,7 @@
         </p:nvSpPr>
         <p:spPr>
           <a:xfrm>
-            <a:off x="1468857" y="4296548"/>
+            <a:off x="1488783" y="4473043"/>
             <a:ext cx="2752492" cy="306467"/>
           </a:xfrm>
           <a:prstGeom prst="roundRect">
@@ -53036,8 +55135,8 @@
           </a:p>
         </p:txBody>
       </p:sp>
-      <mc:AlternateContent xmlns:mc="http://schemas.openxmlformats.org/markup-compatibility/2006" xmlns:a14="http://schemas.microsoft.com/office/drawing/2010/main">
-        <mc:Choice Requires="a14">
+      <mc:AlternateContent xmlns:mc="http://schemas.openxmlformats.org/markup-compatibility/2006">
+        <mc:Choice xmlns:a14="http://schemas.microsoft.com/office/drawing/2010/main" Requires="a14">
           <p:sp>
             <p:nvSpPr>
               <p:cNvPr id="1031" name="正方形/長方形 1030"/>
@@ -53065,7 +55164,47 @@
                     <a:ea typeface="メイリオ" pitchFamily="50" charset="-128"/>
                     <a:cs typeface="メイリオ" pitchFamily="50" charset="-128"/>
                   </a:rPr>
-                  <a:t>ルックアップゲートを通過するためにはしっぽの角度を変化させ走行体を傾け，通過後</a:t>
+                  <a:t>ルックアップゲートを通過するためにはしっぽの角度を変化</a:t>
+                </a:r>
+                <a:r>
+                  <a:rPr lang="ja-JP" altLang="en-US" sz="1050" dirty="0" smtClean="0">
+                    <a:latin typeface="メイリオ" pitchFamily="50" charset="-128"/>
+                    <a:ea typeface="メイリオ" pitchFamily="50" charset="-128"/>
+                    <a:cs typeface="メイリオ" pitchFamily="50" charset="-128"/>
+                  </a:rPr>
+                  <a:t>させることで走行体</a:t>
+                </a:r>
+                <a:r>
+                  <a:rPr lang="ja-JP" altLang="en-US" sz="1050" dirty="0" smtClean="0">
+                    <a:latin typeface="メイリオ" pitchFamily="50" charset="-128"/>
+                    <a:ea typeface="メイリオ" pitchFamily="50" charset="-128"/>
+                    <a:cs typeface="メイリオ" pitchFamily="50" charset="-128"/>
+                  </a:rPr>
+                  <a:t>を</a:t>
+                </a:r>
+                <a:r>
+                  <a:rPr lang="ja-JP" altLang="en-US" sz="1050" dirty="0" smtClean="0">
+                    <a:latin typeface="メイリオ" pitchFamily="50" charset="-128"/>
+                    <a:ea typeface="メイリオ" pitchFamily="50" charset="-128"/>
+                    <a:cs typeface="メイリオ" pitchFamily="50" charset="-128"/>
+                  </a:rPr>
+                  <a:t>傾け</a:t>
+                </a:r>
+                <a:r>
+                  <a:rPr lang="en-US" altLang="ja-JP" sz="1050" dirty="0" smtClean="0">
+                    <a:latin typeface="メイリオ" pitchFamily="50" charset="-128"/>
+                    <a:ea typeface="メイリオ" pitchFamily="50" charset="-128"/>
+                    <a:cs typeface="メイリオ" pitchFamily="50" charset="-128"/>
+                  </a:rPr>
+                  <a:t>,</a:t>
+                </a:r>
+                <a:r>
+                  <a:rPr lang="ja-JP" altLang="en-US" sz="1050" dirty="0" smtClean="0">
+                    <a:latin typeface="メイリオ" pitchFamily="50" charset="-128"/>
+                    <a:ea typeface="メイリオ" pitchFamily="50" charset="-128"/>
+                    <a:cs typeface="メイリオ" pitchFamily="50" charset="-128"/>
+                  </a:rPr>
+                  <a:t>通過後</a:t>
                 </a:r>
                 <a:r>
                   <a:rPr lang="ja-JP" altLang="en-US" sz="1050" dirty="0">
@@ -53113,7 +55252,15 @@
                     <a:ea typeface="メイリオ" pitchFamily="50" charset="-128"/>
                     <a:cs typeface="メイリオ" pitchFamily="50" charset="-128"/>
                   </a:rPr>
-                  <a:t>あった．</a:t>
+                  <a:t>あった</a:t>
+                </a:r>
+                <a:r>
+                  <a:rPr lang="en-US" altLang="ja-JP" sz="1050" dirty="0" smtClean="0">
+                    <a:latin typeface="メイリオ" pitchFamily="50" charset="-128"/>
+                    <a:ea typeface="メイリオ" pitchFamily="50" charset="-128"/>
+                    <a:cs typeface="メイリオ" pitchFamily="50" charset="-128"/>
+                  </a:rPr>
+                  <a:t>.</a:t>
                 </a:r>
                 <a:r>
                   <a:rPr lang="ja-JP" altLang="en-US" sz="1050" dirty="0">
@@ -53131,7 +55278,23 @@
                     <a:ea typeface="メイリオ" pitchFamily="50" charset="-128"/>
                     <a:cs typeface="メイリオ" pitchFamily="50" charset="-128"/>
                   </a:rPr>
-                  <a:t>そこで，</a:t>
+                  <a:t>そこ</a:t>
+                </a:r>
+                <a:r>
+                  <a:rPr lang="ja-JP" altLang="en-US" sz="1050" dirty="0" smtClean="0">
+                    <a:latin typeface="メイリオ" pitchFamily="50" charset="-128"/>
+                    <a:ea typeface="メイリオ" pitchFamily="50" charset="-128"/>
+                    <a:cs typeface="メイリオ" pitchFamily="50" charset="-128"/>
+                  </a:rPr>
+                  <a:t>で</a:t>
+                </a:r>
+                <a:r>
+                  <a:rPr lang="en-US" altLang="ja-JP" sz="1050" dirty="0" smtClean="0">
+                    <a:latin typeface="メイリオ" pitchFamily="50" charset="-128"/>
+                    <a:ea typeface="メイリオ" pitchFamily="50" charset="-128"/>
+                    <a:cs typeface="メイリオ" pitchFamily="50" charset="-128"/>
+                  </a:rPr>
+                  <a:t>,</a:t>
                 </a:r>
                 <a:r>
                   <a:rPr lang="ja-JP" altLang="en-US" sz="1050" u="sng" dirty="0" smtClean="0">
@@ -53199,7 +55362,31 @@
                     <a:ea typeface="メイリオ" pitchFamily="50" charset="-128"/>
                     <a:cs typeface="メイリオ" pitchFamily="50" charset="-128"/>
                   </a:rPr>
-                  <a:t>ことで，急激</a:t>
+                  <a:t>こと</a:t>
+                </a:r>
+                <a:r>
+                  <a:rPr lang="ja-JP" altLang="en-US" sz="1050" dirty="0" smtClean="0">
+                    <a:latin typeface="メイリオ" pitchFamily="50" charset="-128"/>
+                    <a:ea typeface="メイリオ" pitchFamily="50" charset="-128"/>
+                    <a:cs typeface="メイリオ" pitchFamily="50" charset="-128"/>
+                  </a:rPr>
+                  <a:t>で</a:t>
+                </a:r>
+                <a:r>
+                  <a:rPr lang="en-US" altLang="ja-JP" sz="1050" dirty="0" smtClean="0">
+                    <a:latin typeface="メイリオ" pitchFamily="50" charset="-128"/>
+                    <a:ea typeface="メイリオ" pitchFamily="50" charset="-128"/>
+                    <a:cs typeface="メイリオ" pitchFamily="50" charset="-128"/>
+                  </a:rPr>
+                  <a:t>,</a:t>
+                </a:r>
+                <a:r>
+                  <a:rPr lang="ja-JP" altLang="en-US" sz="1050" dirty="0" smtClean="0">
+                    <a:latin typeface="メイリオ" pitchFamily="50" charset="-128"/>
+                    <a:ea typeface="メイリオ" pitchFamily="50" charset="-128"/>
+                    <a:cs typeface="メイリオ" pitchFamily="50" charset="-128"/>
+                  </a:rPr>
+                  <a:t>急激</a:t>
                 </a:r>
                 <a:r>
                   <a:rPr lang="ja-JP" altLang="en-US" sz="1050" dirty="0">
@@ -53215,7 +55402,15 @@
                     <a:ea typeface="メイリオ" pitchFamily="50" charset="-128"/>
                     <a:cs typeface="メイリオ" pitchFamily="50" charset="-128"/>
                   </a:rPr>
-                  <a:t>抑える．</a:t>
+                  <a:t>抑える</a:t>
+                </a:r>
+                <a:r>
+                  <a:rPr lang="en-US" altLang="ja-JP" sz="1050" dirty="0" smtClean="0">
+                    <a:latin typeface="メイリオ" pitchFamily="50" charset="-128"/>
+                    <a:ea typeface="メイリオ" pitchFamily="50" charset="-128"/>
+                    <a:cs typeface="メイリオ" pitchFamily="50" charset="-128"/>
+                  </a:rPr>
+                  <a:t>.</a:t>
                 </a:r>
                 <a:endParaRPr lang="en-US" altLang="ja-JP" sz="1050" dirty="0">
                   <a:latin typeface="メイリオ" pitchFamily="50" charset="-128"/>
@@ -53226,7 +55421,7 @@
             </p:txBody>
           </p:sp>
         </mc:Choice>
-        <mc:Fallback xmlns="">
+        <mc:Fallback>
           <p:sp>
             <p:nvSpPr>
               <p:cNvPr id="1031" name="正方形/長方形 1030"/>
@@ -53237,7 +55432,7 @@
             </p:nvSpPr>
             <p:spPr>
               <a:xfrm>
-                <a:off x="5020867" y="5200201"/>
+                <a:off x="5020868" y="5200203"/>
                 <a:ext cx="4295847" cy="1061829"/>
               </a:xfrm>
               <a:prstGeom prst="rect">
@@ -53246,7 +55441,7 @@
               <a:blipFill rotWithShape="1">
                 <a:blip r:embed="rId14"/>
                 <a:stretch>
-                  <a:fillRect b="-2874"/>
+                  <a:fillRect r="-1420" b="-2874"/>
                 </a:stretch>
               </a:blipFill>
             </p:spPr>
@@ -54620,8 +56815,8 @@
         </p:nvSpPr>
         <p:spPr>
           <a:xfrm>
-            <a:off x="797174" y="3362308"/>
-            <a:ext cx="4095853" cy="900246"/>
+            <a:off x="797174" y="3288432"/>
+            <a:ext cx="4095853" cy="1223412"/>
           </a:xfrm>
           <a:prstGeom prst="rect">
             <a:avLst/>
@@ -54723,10 +56918,28 @@
               <a:t>を</a:t>
             </a:r>
             <a:r>
+              <a:rPr lang="ja-JP" altLang="en-US" sz="1050" dirty="0" smtClean="0">
+                <a:latin typeface="+mn-ea"/>
+              </a:rPr>
+              <a:t>実装</a:t>
+            </a:r>
+            <a:endParaRPr lang="en-US" altLang="ja-JP" sz="1050" dirty="0">
+              <a:latin typeface="+mn-ea"/>
+            </a:endParaRPr>
+          </a:p>
+          <a:p>
+            <a:pPr indent="-182935"/>
+            <a:r>
+              <a:rPr lang="ja-JP" altLang="en-US" sz="1050" dirty="0" smtClean="0">
+                <a:latin typeface="+mn-ea"/>
+              </a:rPr>
+              <a:t>　曲率半径と移動距離算出を組み合わせることにより、仮想のラインをトレースすることも可能である</a:t>
+            </a:r>
+            <a:r>
               <a:rPr lang="ja-JP" altLang="en-US" sz="1050" dirty="0">
                 <a:latin typeface="+mn-ea"/>
               </a:rPr>
-              <a:t>実装．</a:t>
+              <a:t>．</a:t>
             </a:r>
             <a:endParaRPr lang="en-US" altLang="ja-JP" sz="1050" dirty="0">
               <a:latin typeface="+mn-ea"/>

--- a/models/モデルシートniimura.pptx
+++ b/models/モデルシートniimura.pptx
@@ -27669,11 +27669,11 @@
           <c:showPercent val="0"/>
           <c:showBubbleSize val="0"/>
         </c:dLbls>
-        <c:axId val="99331456"/>
-        <c:axId val="99333184"/>
+        <c:axId val="104050048"/>
+        <c:axId val="104051776"/>
       </c:scatterChart>
       <c:valAx>
-        <c:axId val="99331456"/>
+        <c:axId val="104050048"/>
         <c:scaling>
           <c:orientation val="minMax"/>
         </c:scaling>
@@ -27683,12 +27683,12 @@
         <c:majorTickMark val="out"/>
         <c:minorTickMark val="none"/>
         <c:tickLblPos val="nextTo"/>
-        <c:crossAx val="99333184"/>
+        <c:crossAx val="104051776"/>
         <c:crosses val="autoZero"/>
         <c:crossBetween val="midCat"/>
       </c:valAx>
       <c:valAx>
-        <c:axId val="99333184"/>
+        <c:axId val="104051776"/>
         <c:scaling>
           <c:orientation val="minMax"/>
         </c:scaling>
@@ -27698,7 +27698,7 @@
         <c:majorTickMark val="out"/>
         <c:minorTickMark val="none"/>
         <c:tickLblPos val="nextTo"/>
-        <c:crossAx val="99331456"/>
+        <c:crossAx val="104050048"/>
         <c:crosses val="autoZero"/>
         <c:crossBetween val="midCat"/>
       </c:valAx>
@@ -27921,11 +27921,11 @@
         </c:dLbls>
         <c:marker val="1"/>
         <c:smooth val="0"/>
-        <c:axId val="122532352"/>
-        <c:axId val="99334912"/>
+        <c:axId val="122475008"/>
+        <c:axId val="104053504"/>
       </c:lineChart>
       <c:catAx>
-        <c:axId val="122532352"/>
+        <c:axId val="122475008"/>
         <c:scaling>
           <c:orientation val="minMax"/>
         </c:scaling>
@@ -27934,7 +27934,7 @@
         <c:majorTickMark val="out"/>
         <c:minorTickMark val="none"/>
         <c:tickLblPos val="nextTo"/>
-        <c:crossAx val="99334912"/>
+        <c:crossAx val="104053504"/>
         <c:crosses val="autoZero"/>
         <c:auto val="1"/>
         <c:lblAlgn val="ctr"/>
@@ -27942,7 +27942,7 @@
         <c:noMultiLvlLbl val="0"/>
       </c:catAx>
       <c:valAx>
-        <c:axId val="99334912"/>
+        <c:axId val="104053504"/>
         <c:scaling>
           <c:orientation val="minMax"/>
         </c:scaling>
@@ -27953,7 +27953,7 @@
         <c:majorTickMark val="out"/>
         <c:minorTickMark val="none"/>
         <c:tickLblPos val="nextTo"/>
-        <c:crossAx val="122532352"/>
+        <c:crossAx val="122475008"/>
         <c:crosses val="autoZero"/>
         <c:crossBetween val="between"/>
       </c:valAx>
@@ -47706,8 +47706,8 @@
         </p:nvSpPr>
         <p:spPr>
           <a:xfrm>
-            <a:off x="11769848" y="3318912"/>
-            <a:ext cx="1647007" cy="544552"/>
+            <a:off x="10978108" y="5160640"/>
+            <a:ext cx="1147362" cy="359008"/>
           </a:xfrm>
           <a:prstGeom prst="ellipse">
             <a:avLst/>
@@ -47756,8 +47756,8 @@
         </p:nvSpPr>
         <p:spPr>
           <a:xfrm>
-            <a:off x="11769849" y="4255017"/>
-            <a:ext cx="1647006" cy="547338"/>
+            <a:off x="12407255" y="4299972"/>
+            <a:ext cx="869776" cy="427410"/>
           </a:xfrm>
           <a:prstGeom prst="ellipse">
             <a:avLst/>
@@ -47798,70 +47798,6 @@
           </a:p>
         </p:txBody>
       </p:sp>
-      <p:pic>
-        <p:nvPicPr>
-          <p:cNvPr id="113" name="Picture 4"/>
-          <p:cNvPicPr>
-            <a:picLocks noChangeAspect="1" noChangeArrowheads="1"/>
-          </p:cNvPicPr>
-          <p:nvPr/>
-        </p:nvPicPr>
-        <p:blipFill>
-          <a:blip r:embed="rId9">
-            <a:extLst>
-              <a:ext uri="{28A0092B-C50C-407E-A947-70E740481C1C}">
-                <a14:useLocalDpi xmlns:a14="http://schemas.microsoft.com/office/drawing/2010/main" val="0"/>
-              </a:ext>
-            </a:extLst>
-          </a:blip>
-          <a:srcRect/>
-          <a:stretch>
-            <a:fillRect/>
-          </a:stretch>
-        </p:blipFill>
-        <p:spPr bwMode="auto">
-          <a:xfrm>
-            <a:off x="10464527" y="3288432"/>
-            <a:ext cx="2894432" cy="2353814"/>
-          </a:xfrm>
-          <a:prstGeom prst="rect">
-            <a:avLst/>
-          </a:prstGeom>
-          <a:noFill/>
-          <a:ln>
-            <a:noFill/>
-          </a:ln>
-          <a:effectLst/>
-          <a:extLst>
-            <a:ext uri="{909E8E84-426E-40DD-AFC4-6F175D3DCCD1}">
-              <a14:hiddenFill xmlns:a14="http://schemas.microsoft.com/office/drawing/2010/main">
-                <a:solidFill>
-                  <a:schemeClr val="accent1"/>
-                </a:solidFill>
-              </a14:hiddenFill>
-            </a:ext>
-            <a:ext uri="{91240B29-F687-4F45-9708-019B960494DF}">
-              <a14:hiddenLine xmlns:a14="http://schemas.microsoft.com/office/drawing/2010/main" w="9525">
-                <a:solidFill>
-                  <a:schemeClr val="tx1"/>
-                </a:solidFill>
-                <a:miter lim="800000"/>
-                <a:headEnd/>
-                <a:tailEnd/>
-              </a14:hiddenLine>
-            </a:ext>
-            <a:ext uri="{AF507438-7753-43E0-B8FC-AC1667EBCBE1}">
-              <a14:hiddenEffects xmlns:a14="http://schemas.microsoft.com/office/drawing/2010/main">
-                <a:effectLst>
-                  <a:outerShdw dist="35921" dir="2700000" algn="ctr" rotWithShape="0">
-                    <a:schemeClr val="bg2"/>
-                  </a:outerShdw>
-                </a:effectLst>
-              </a14:hiddenEffects>
-            </a:ext>
-          </a:extLst>
-        </p:spPr>
-      </p:pic>
       <p:sp>
         <p:nvSpPr>
           <p:cNvPr id="114" name="円/楕円 113"/>
@@ -47870,8 +47806,8 @@
         </p:nvSpPr>
         <p:spPr>
           <a:xfrm>
-            <a:off x="10464527" y="4125813"/>
-            <a:ext cx="1305322" cy="564679"/>
+            <a:off x="10968583" y="3864496"/>
+            <a:ext cx="1161306" cy="435475"/>
           </a:xfrm>
           <a:prstGeom prst="ellipse">
             <a:avLst/>
@@ -47920,8 +47856,8 @@
         </p:nvSpPr>
         <p:spPr>
           <a:xfrm>
-            <a:off x="12154217" y="4734184"/>
-            <a:ext cx="887740" cy="483224"/>
+            <a:off x="12487592" y="4696084"/>
+            <a:ext cx="687926" cy="390452"/>
           </a:xfrm>
           <a:prstGeom prst="ellipse">
             <a:avLst/>
@@ -47962,6 +47898,70 @@
           </a:p>
         </p:txBody>
       </p:sp>
+      <p:pic>
+        <p:nvPicPr>
+          <p:cNvPr id="1026" name="Picture 2"/>
+          <p:cNvPicPr>
+            <a:picLocks noChangeAspect="1" noChangeArrowheads="1"/>
+          </p:cNvPicPr>
+          <p:nvPr/>
+        </p:nvPicPr>
+        <p:blipFill>
+          <a:blip r:embed="rId9">
+            <a:extLst>
+              <a:ext uri="{28A0092B-C50C-407E-A947-70E740481C1C}">
+                <a14:useLocalDpi xmlns:a14="http://schemas.microsoft.com/office/drawing/2010/main" val="0"/>
+              </a:ext>
+            </a:extLst>
+          </a:blip>
+          <a:srcRect/>
+          <a:stretch>
+            <a:fillRect/>
+          </a:stretch>
+        </p:blipFill>
+        <p:spPr bwMode="auto">
+          <a:xfrm>
+            <a:off x="10971723" y="3432448"/>
+            <a:ext cx="2445132" cy="2105309"/>
+          </a:xfrm>
+          <a:prstGeom prst="rect">
+            <a:avLst/>
+          </a:prstGeom>
+          <a:noFill/>
+          <a:ln>
+            <a:noFill/>
+          </a:ln>
+          <a:effectLst/>
+          <a:extLst>
+            <a:ext uri="{909E8E84-426E-40DD-AFC4-6F175D3DCCD1}">
+              <a14:hiddenFill xmlns:a14="http://schemas.microsoft.com/office/drawing/2010/main">
+                <a:solidFill>
+                  <a:schemeClr val="accent1"/>
+                </a:solidFill>
+              </a14:hiddenFill>
+            </a:ext>
+            <a:ext uri="{91240B29-F687-4F45-9708-019B960494DF}">
+              <a14:hiddenLine xmlns:a14="http://schemas.microsoft.com/office/drawing/2010/main" w="9525">
+                <a:solidFill>
+                  <a:schemeClr val="tx1"/>
+                </a:solidFill>
+                <a:miter lim="800000"/>
+                <a:headEnd/>
+                <a:tailEnd/>
+              </a14:hiddenLine>
+            </a:ext>
+            <a:ext uri="{AF507438-7753-43E0-B8FC-AC1667EBCBE1}">
+              <a14:hiddenEffects xmlns:a14="http://schemas.microsoft.com/office/drawing/2010/main">
+                <a:effectLst>
+                  <a:outerShdw dist="35921" dir="2700000" algn="ctr" rotWithShape="0">
+                    <a:schemeClr val="bg2"/>
+                  </a:outerShdw>
+                </a:effectLst>
+              </a14:hiddenEffects>
+            </a:ext>
+          </a:extLst>
+        </p:spPr>
+      </p:pic>
     </p:spTree>
     <p:extLst>
       <p:ext uri="{BB962C8B-B14F-4D97-AF65-F5344CB8AC3E}">
